--- a/提出（学生が出す）ー岡本/PM/17865 yen/1you&me　.pptx
+++ b/提出（学生が出す）ー岡本/PM/17865 yen/1you&me　.pptx
@@ -201,7 +201,7 @@
           <a:p>
             <a:fld id="{8922FD96-F19B-47B5-8657-B8638CB0E881}" type="datetimeFigureOut">
               <a:rPr kumimoji="1" lang="ja-JP" altLang="en-US" smtClean="0"/>
-              <a:t>2019/11/7</a:t>
+              <a:t>2019/11/8</a:t>
             </a:fld>
             <a:endParaRPr kumimoji="1" lang="ja-JP" altLang="en-US"/>
           </a:p>
@@ -714,7 +714,7 @@
           <a:p>
             <a:fld id="{6D7107C5-5D32-481B-AE9D-48F379FEAC8A}" type="datetimeFigureOut">
               <a:rPr kumimoji="1" lang="ja-JP" altLang="en-US" smtClean="0"/>
-              <a:t>2019/11/7</a:t>
+              <a:t>2019/11/8</a:t>
             </a:fld>
             <a:endParaRPr kumimoji="1" lang="ja-JP" altLang="en-US"/>
           </a:p>
@@ -1005,7 +1005,7 @@
           <a:p>
             <a:fld id="{6D7107C5-5D32-481B-AE9D-48F379FEAC8A}" type="datetimeFigureOut">
               <a:rPr kumimoji="1" lang="ja-JP" altLang="en-US" smtClean="0"/>
-              <a:t>2019/11/7</a:t>
+              <a:t>2019/11/8</a:t>
             </a:fld>
             <a:endParaRPr kumimoji="1" lang="ja-JP" altLang="en-US"/>
           </a:p>
@@ -1264,7 +1264,7 @@
           <a:p>
             <a:fld id="{6D7107C5-5D32-481B-AE9D-48F379FEAC8A}" type="datetimeFigureOut">
               <a:rPr kumimoji="1" lang="ja-JP" altLang="en-US" smtClean="0"/>
-              <a:t>2019/11/7</a:t>
+              <a:t>2019/11/8</a:t>
             </a:fld>
             <a:endParaRPr kumimoji="1" lang="ja-JP" altLang="en-US"/>
           </a:p>
@@ -1733,7 +1733,7 @@
           <a:p>
             <a:fld id="{6D7107C5-5D32-481B-AE9D-48F379FEAC8A}" type="datetimeFigureOut">
               <a:rPr kumimoji="1" lang="ja-JP" altLang="en-US" smtClean="0"/>
-              <a:t>2019/11/7</a:t>
+              <a:t>2019/11/8</a:t>
             </a:fld>
             <a:endParaRPr kumimoji="1" lang="ja-JP" altLang="en-US"/>
           </a:p>
@@ -1913,7 +1913,7 @@
           <a:p>
             <a:fld id="{6D7107C5-5D32-481B-AE9D-48F379FEAC8A}" type="datetimeFigureOut">
               <a:rPr kumimoji="1" lang="ja-JP" altLang="en-US" smtClean="0"/>
-              <a:t>2019/11/7</a:t>
+              <a:t>2019/11/8</a:t>
             </a:fld>
             <a:endParaRPr kumimoji="1" lang="ja-JP" altLang="en-US"/>
           </a:p>
@@ -2489,7 +2489,7 @@
           <a:p>
             <a:fld id="{6D7107C5-5D32-481B-AE9D-48F379FEAC8A}" type="datetimeFigureOut">
               <a:rPr kumimoji="1" lang="ja-JP" altLang="en-US" smtClean="0"/>
-              <a:t>2019/11/7</a:t>
+              <a:t>2019/11/8</a:t>
             </a:fld>
             <a:endParaRPr kumimoji="1" lang="ja-JP" altLang="en-US"/>
           </a:p>
@@ -2821,7 +2821,7 @@
           <a:p>
             <a:fld id="{6D7107C5-5D32-481B-AE9D-48F379FEAC8A}" type="datetimeFigureOut">
               <a:rPr kumimoji="1" lang="ja-JP" altLang="en-US" smtClean="0"/>
-              <a:t>2019/11/7</a:t>
+              <a:t>2019/11/8</a:t>
             </a:fld>
             <a:endParaRPr kumimoji="1" lang="ja-JP" altLang="en-US"/>
           </a:p>
@@ -3028,7 +3028,7 @@
           <a:p>
             <a:fld id="{6D7107C5-5D32-481B-AE9D-48F379FEAC8A}" type="datetimeFigureOut">
               <a:rPr kumimoji="1" lang="ja-JP" altLang="en-US" smtClean="0"/>
-              <a:t>2019/11/7</a:t>
+              <a:t>2019/11/8</a:t>
             </a:fld>
             <a:endParaRPr kumimoji="1" lang="ja-JP" altLang="en-US"/>
           </a:p>
@@ -3240,7 +3240,7 @@
           <a:p>
             <a:fld id="{6D7107C5-5D32-481B-AE9D-48F379FEAC8A}" type="datetimeFigureOut">
               <a:rPr kumimoji="1" lang="ja-JP" altLang="en-US" smtClean="0"/>
-              <a:t>2019/11/7</a:t>
+              <a:t>2019/11/8</a:t>
             </a:fld>
             <a:endParaRPr kumimoji="1" lang="ja-JP" altLang="en-US"/>
           </a:p>
@@ -3442,7 +3442,7 @@
           <a:p>
             <a:fld id="{6D7107C5-5D32-481B-AE9D-48F379FEAC8A}" type="datetimeFigureOut">
               <a:rPr kumimoji="1" lang="ja-JP" altLang="en-US" smtClean="0"/>
-              <a:t>2019/11/7</a:t>
+              <a:t>2019/11/8</a:t>
             </a:fld>
             <a:endParaRPr kumimoji="1" lang="ja-JP" altLang="en-US"/>
           </a:p>
@@ -3699,7 +3699,7 @@
           <a:p>
             <a:fld id="{6D7107C5-5D32-481B-AE9D-48F379FEAC8A}" type="datetimeFigureOut">
               <a:rPr kumimoji="1" lang="ja-JP" altLang="en-US" smtClean="0"/>
-              <a:t>2019/11/7</a:t>
+              <a:t>2019/11/8</a:t>
             </a:fld>
             <a:endParaRPr kumimoji="1" lang="ja-JP" altLang="en-US"/>
           </a:p>
@@ -4055,7 +4055,7 @@
           <a:p>
             <a:fld id="{6D7107C5-5D32-481B-AE9D-48F379FEAC8A}" type="datetimeFigureOut">
               <a:rPr kumimoji="1" lang="ja-JP" altLang="en-US" smtClean="0"/>
-              <a:t>2019/11/7</a:t>
+              <a:t>2019/11/8</a:t>
             </a:fld>
             <a:endParaRPr kumimoji="1" lang="ja-JP" altLang="en-US"/>
           </a:p>
@@ -4549,7 +4549,7 @@
           <a:p>
             <a:fld id="{6D7107C5-5D32-481B-AE9D-48F379FEAC8A}" type="datetimeFigureOut">
               <a:rPr kumimoji="1" lang="ja-JP" altLang="en-US" smtClean="0"/>
-              <a:t>2019/11/7</a:t>
+              <a:t>2019/11/8</a:t>
             </a:fld>
             <a:endParaRPr kumimoji="1" lang="ja-JP" altLang="en-US"/>
           </a:p>
@@ -4667,7 +4667,7 @@
           <a:p>
             <a:fld id="{6D7107C5-5D32-481B-AE9D-48F379FEAC8A}" type="datetimeFigureOut">
               <a:rPr kumimoji="1" lang="ja-JP" altLang="en-US" smtClean="0"/>
-              <a:t>2019/11/7</a:t>
+              <a:t>2019/11/8</a:t>
             </a:fld>
             <a:endParaRPr kumimoji="1" lang="ja-JP" altLang="en-US"/>
           </a:p>
@@ -4762,7 +4762,7 @@
           <a:p>
             <a:fld id="{6D7107C5-5D32-481B-AE9D-48F379FEAC8A}" type="datetimeFigureOut">
               <a:rPr kumimoji="1" lang="ja-JP" altLang="en-US" smtClean="0"/>
-              <a:t>2019/11/7</a:t>
+              <a:t>2019/11/8</a:t>
             </a:fld>
             <a:endParaRPr kumimoji="1" lang="ja-JP" altLang="en-US"/>
           </a:p>
@@ -5077,7 +5077,7 @@
           <a:p>
             <a:fld id="{6D7107C5-5D32-481B-AE9D-48F379FEAC8A}" type="datetimeFigureOut">
               <a:rPr kumimoji="1" lang="ja-JP" altLang="en-US" smtClean="0"/>
-              <a:t>2019/11/7</a:t>
+              <a:t>2019/11/8</a:t>
             </a:fld>
             <a:endParaRPr kumimoji="1" lang="ja-JP" altLang="en-US"/>
           </a:p>
@@ -5368,7 +5368,7 @@
           <a:p>
             <a:fld id="{6D7107C5-5D32-481B-AE9D-48F379FEAC8A}" type="datetimeFigureOut">
               <a:rPr kumimoji="1" lang="ja-JP" altLang="en-US" smtClean="0"/>
-              <a:t>2019/11/7</a:t>
+              <a:t>2019/11/8</a:t>
             </a:fld>
             <a:endParaRPr kumimoji="1" lang="ja-JP" altLang="en-US"/>
           </a:p>
@@ -5631,7 +5631,7 @@
           <a:p>
             <a:fld id="{6D7107C5-5D32-481B-AE9D-48F379FEAC8A}" type="datetimeFigureOut">
               <a:rPr kumimoji="1" lang="ja-JP" altLang="en-US" smtClean="0"/>
-              <a:t>2019/11/7</a:t>
+              <a:t>2019/11/8</a:t>
             </a:fld>
             <a:endParaRPr kumimoji="1" lang="ja-JP" altLang="en-US"/>
           </a:p>
@@ -6680,7 +6680,7 @@
         </p:blipFill>
         <p:spPr>
           <a:xfrm rot="21224142">
-            <a:off x="2300847" y="2182542"/>
+            <a:off x="2318549" y="2546861"/>
             <a:ext cx="6657806" cy="3959727"/>
           </a:xfrm>
           <a:prstGeom prst="rect">
@@ -6710,7 +6710,7 @@
         </p:blipFill>
         <p:spPr>
           <a:xfrm rot="509010">
-            <a:off x="477141" y="1389708"/>
+            <a:off x="231372" y="1871744"/>
             <a:ext cx="2567741" cy="3327169"/>
           </a:xfrm>
           <a:prstGeom prst="rect">
@@ -6726,7 +6726,7 @@
         </p:nvSpPr>
         <p:spPr>
           <a:xfrm>
-            <a:off x="9154810" y="3735277"/>
+            <a:off x="9172512" y="4048786"/>
             <a:ext cx="3161881" cy="1634836"/>
           </a:xfrm>
           <a:prstGeom prst="roundRect">
@@ -6974,6 +6974,288 @@
                 <a:srgbClr val="FFFF00"/>
               </a:solidFill>
             </a:endParaRPr>
+          </a:p>
+        </p:txBody>
+      </p:sp>
+      <p:sp>
+        <p:nvSpPr>
+          <p:cNvPr id="2" name="正方形/長方形 1"/>
+          <p:cNvSpPr/>
+          <p:nvPr/>
+        </p:nvSpPr>
+        <p:spPr>
+          <a:xfrm>
+            <a:off x="3315186" y="1569915"/>
+            <a:ext cx="1618058" cy="518529"/>
+          </a:xfrm>
+          <a:prstGeom prst="rect">
+            <a:avLst/>
+          </a:prstGeom>
+          <a:solidFill>
+            <a:srgbClr val="92D050"/>
+          </a:solidFill>
+        </p:spPr>
+        <p:style>
+          <a:lnRef idx="2">
+            <a:schemeClr val="accent3">
+              <a:shade val="50000"/>
+            </a:schemeClr>
+          </a:lnRef>
+          <a:fillRef idx="1">
+            <a:schemeClr val="accent3"/>
+          </a:fillRef>
+          <a:effectRef idx="0">
+            <a:schemeClr val="accent3"/>
+          </a:effectRef>
+          <a:fontRef idx="minor">
+            <a:schemeClr val="lt1"/>
+          </a:fontRef>
+        </p:style>
+        <p:txBody>
+          <a:bodyPr rtlCol="0" anchor="ctr"/>
+          <a:lstStyle/>
+          <a:p>
+            <a:pPr algn="ctr"/>
+            <a:r>
+              <a:rPr kumimoji="1" lang="en-US" altLang="ja-JP" sz="1400" dirty="0" smtClean="0"/>
+              <a:t>MENU</a:t>
+            </a:r>
+            <a:endParaRPr kumimoji="1" lang="ja-JP" altLang="en-US" sz="1400" dirty="0"/>
+          </a:p>
+        </p:txBody>
+      </p:sp>
+      <p:sp>
+        <p:nvSpPr>
+          <p:cNvPr id="8" name="正方形/長方形 7"/>
+          <p:cNvSpPr/>
+          <p:nvPr/>
+        </p:nvSpPr>
+        <p:spPr>
+          <a:xfrm>
+            <a:off x="8059232" y="1569914"/>
+            <a:ext cx="1618058" cy="546687"/>
+          </a:xfrm>
+          <a:prstGeom prst="rect">
+            <a:avLst/>
+          </a:prstGeom>
+          <a:solidFill>
+            <a:srgbClr val="92D050"/>
+          </a:solidFill>
+        </p:spPr>
+        <p:style>
+          <a:lnRef idx="2">
+            <a:schemeClr val="accent1">
+              <a:shade val="50000"/>
+            </a:schemeClr>
+          </a:lnRef>
+          <a:fillRef idx="1">
+            <a:schemeClr val="accent1"/>
+          </a:fillRef>
+          <a:effectRef idx="0">
+            <a:schemeClr val="accent1"/>
+          </a:effectRef>
+          <a:fontRef idx="minor">
+            <a:schemeClr val="lt1"/>
+          </a:fontRef>
+        </p:style>
+        <p:txBody>
+          <a:bodyPr rtlCol="0" anchor="ctr"/>
+          <a:lstStyle/>
+          <a:p>
+            <a:pPr algn="ctr"/>
+            <a:r>
+              <a:rPr kumimoji="1" lang="ja-JP" altLang="en-US" sz="1400" dirty="0" smtClean="0"/>
+              <a:t>おすすめの</a:t>
+            </a:r>
+            <a:r>
+              <a:rPr kumimoji="1" lang="ja-JP" altLang="en-US" sz="1400" dirty="0"/>
+              <a:t>茶</a:t>
+            </a:r>
+          </a:p>
+        </p:txBody>
+      </p:sp>
+      <p:sp>
+        <p:nvSpPr>
+          <p:cNvPr id="9" name="正方形/長方形 8"/>
+          <p:cNvSpPr/>
+          <p:nvPr/>
+        </p:nvSpPr>
+        <p:spPr>
+          <a:xfrm>
+            <a:off x="6186311" y="1569915"/>
+            <a:ext cx="45719" cy="45719"/>
+          </a:xfrm>
+          <a:prstGeom prst="rect">
+            <a:avLst/>
+          </a:prstGeom>
+        </p:spPr>
+        <p:style>
+          <a:lnRef idx="2">
+            <a:schemeClr val="accent1">
+              <a:shade val="50000"/>
+            </a:schemeClr>
+          </a:lnRef>
+          <a:fillRef idx="1">
+            <a:schemeClr val="accent1"/>
+          </a:fillRef>
+          <a:effectRef idx="0">
+            <a:schemeClr val="accent1"/>
+          </a:effectRef>
+          <a:fontRef idx="minor">
+            <a:schemeClr val="lt1"/>
+          </a:fontRef>
+        </p:style>
+        <p:txBody>
+          <a:bodyPr rtlCol="0" anchor="ctr"/>
+          <a:lstStyle/>
+          <a:p>
+            <a:pPr algn="ctr"/>
+            <a:endParaRPr kumimoji="1" lang="ja-JP" altLang="en-US"/>
+          </a:p>
+        </p:txBody>
+      </p:sp>
+      <p:sp>
+        <p:nvSpPr>
+          <p:cNvPr id="10" name="正方形/長方形 9"/>
+          <p:cNvSpPr/>
+          <p:nvPr/>
+        </p:nvSpPr>
+        <p:spPr>
+          <a:xfrm>
+            <a:off x="4927019" y="1569914"/>
+            <a:ext cx="1618058" cy="546687"/>
+          </a:xfrm>
+          <a:prstGeom prst="rect">
+            <a:avLst/>
+          </a:prstGeom>
+          <a:solidFill>
+            <a:srgbClr val="92D050"/>
+          </a:solidFill>
+        </p:spPr>
+        <p:style>
+          <a:lnRef idx="2">
+            <a:schemeClr val="accent1">
+              <a:shade val="50000"/>
+            </a:schemeClr>
+          </a:lnRef>
+          <a:fillRef idx="1">
+            <a:schemeClr val="accent1"/>
+          </a:fillRef>
+          <a:effectRef idx="0">
+            <a:schemeClr val="accent1"/>
+          </a:effectRef>
+          <a:fontRef idx="minor">
+            <a:schemeClr val="lt1"/>
+          </a:fontRef>
+        </p:style>
+        <p:txBody>
+          <a:bodyPr rtlCol="0" anchor="ctr"/>
+          <a:lstStyle/>
+          <a:p>
+            <a:pPr algn="ctr"/>
+            <a:r>
+              <a:rPr kumimoji="1" lang="en-US" altLang="ja-JP" sz="1400" dirty="0" smtClean="0"/>
+              <a:t>YOU&amp;ME</a:t>
+            </a:r>
+            <a:r>
+              <a:rPr kumimoji="1" lang="ja-JP" altLang="en-US" sz="1200" dirty="0" smtClean="0"/>
+              <a:t>について</a:t>
+            </a:r>
+            <a:endParaRPr kumimoji="1" lang="ja-JP" altLang="en-US" sz="1200" dirty="0"/>
+          </a:p>
+        </p:txBody>
+      </p:sp>
+      <p:sp>
+        <p:nvSpPr>
+          <p:cNvPr id="11" name="正方形/長方形 10"/>
+          <p:cNvSpPr/>
+          <p:nvPr/>
+        </p:nvSpPr>
+        <p:spPr>
+          <a:xfrm>
+            <a:off x="6545077" y="1569914"/>
+            <a:ext cx="1496068" cy="546687"/>
+          </a:xfrm>
+          <a:prstGeom prst="rect">
+            <a:avLst/>
+          </a:prstGeom>
+          <a:solidFill>
+            <a:srgbClr val="92D050"/>
+          </a:solidFill>
+        </p:spPr>
+        <p:style>
+          <a:lnRef idx="2">
+            <a:schemeClr val="accent1">
+              <a:shade val="50000"/>
+            </a:schemeClr>
+          </a:lnRef>
+          <a:fillRef idx="1">
+            <a:schemeClr val="accent1"/>
+          </a:fillRef>
+          <a:effectRef idx="0">
+            <a:schemeClr val="accent1"/>
+          </a:effectRef>
+          <a:fontRef idx="minor">
+            <a:schemeClr val="lt1"/>
+          </a:fontRef>
+        </p:style>
+        <p:txBody>
+          <a:bodyPr rtlCol="0" anchor="ctr"/>
+          <a:lstStyle/>
+          <a:p>
+            <a:pPr algn="ctr"/>
+            <a:r>
+              <a:rPr kumimoji="1" lang="ja-JP" altLang="en-US" sz="1400" dirty="0" smtClean="0"/>
+              <a:t>人気ランキング</a:t>
+            </a:r>
+            <a:endParaRPr kumimoji="1" lang="ja-JP" altLang="en-US" sz="1400" dirty="0"/>
+          </a:p>
+        </p:txBody>
+      </p:sp>
+      <p:sp>
+        <p:nvSpPr>
+          <p:cNvPr id="12" name="正方形/長方形 11"/>
+          <p:cNvSpPr/>
+          <p:nvPr/>
+        </p:nvSpPr>
+        <p:spPr>
+          <a:xfrm>
+            <a:off x="9695377" y="1569914"/>
+            <a:ext cx="1551932" cy="546687"/>
+          </a:xfrm>
+          <a:prstGeom prst="rect">
+            <a:avLst/>
+          </a:prstGeom>
+          <a:solidFill>
+            <a:srgbClr val="92D050"/>
+          </a:solidFill>
+        </p:spPr>
+        <p:style>
+          <a:lnRef idx="2">
+            <a:schemeClr val="accent1">
+              <a:shade val="50000"/>
+            </a:schemeClr>
+          </a:lnRef>
+          <a:fillRef idx="1">
+            <a:schemeClr val="accent1"/>
+          </a:fillRef>
+          <a:effectRef idx="0">
+            <a:schemeClr val="accent1"/>
+          </a:effectRef>
+          <a:fontRef idx="minor">
+            <a:schemeClr val="lt1"/>
+          </a:fontRef>
+        </p:style>
+        <p:txBody>
+          <a:bodyPr rtlCol="0" anchor="ctr"/>
+          <a:lstStyle/>
+          <a:p>
+            <a:pPr algn="ctr"/>
+            <a:r>
+              <a:rPr kumimoji="1" lang="ja-JP" altLang="en-US" sz="1400" dirty="0" smtClean="0"/>
+              <a:t>アクセスマップ</a:t>
+            </a:r>
+            <a:endParaRPr kumimoji="1" lang="ja-JP" altLang="en-US" sz="1400" dirty="0"/>
           </a:p>
         </p:txBody>
       </p:sp>

--- a/提出（学生が出す）ー岡本/PM/17865 yen/1you&me　.pptx
+++ b/提出（学生が出す）ー岡本/PM/17865 yen/1you&me　.pptx
@@ -5,7 +5,7 @@
     <p:sldMasterId id="2147484038" r:id="rId1"/>
   </p:sldMasterIdLst>
   <p:notesMasterIdLst>
-    <p:notesMasterId r:id="rId7"/>
+    <p:notesMasterId r:id="rId8"/>
   </p:notesMasterIdLst>
   <p:sldIdLst>
     <p:sldId id="256" r:id="rId2"/>
@@ -13,6 +13,7 @@
     <p:sldId id="257" r:id="rId4"/>
     <p:sldId id="259" r:id="rId5"/>
     <p:sldId id="258" r:id="rId6"/>
+    <p:sldId id="261" r:id="rId7"/>
   </p:sldIdLst>
   <p:sldSz cx="12192000" cy="6858000"/>
   <p:notesSz cx="6858000" cy="9144000"/>
@@ -201,7 +202,7 @@
           <a:p>
             <a:fld id="{8922FD96-F19B-47B5-8657-B8638CB0E881}" type="datetimeFigureOut">
               <a:rPr kumimoji="1" lang="ja-JP" altLang="en-US" smtClean="0"/>
-              <a:t>2019/11/8</a:t>
+              <a:t>2019/11/14</a:t>
             </a:fld>
             <a:endParaRPr kumimoji="1" lang="ja-JP" altLang="en-US"/>
           </a:p>
@@ -714,7 +715,7 @@
           <a:p>
             <a:fld id="{6D7107C5-5D32-481B-AE9D-48F379FEAC8A}" type="datetimeFigureOut">
               <a:rPr kumimoji="1" lang="ja-JP" altLang="en-US" smtClean="0"/>
-              <a:t>2019/11/8</a:t>
+              <a:t>2019/11/14</a:t>
             </a:fld>
             <a:endParaRPr kumimoji="1" lang="ja-JP" altLang="en-US"/>
           </a:p>
@@ -1005,7 +1006,7 @@
           <a:p>
             <a:fld id="{6D7107C5-5D32-481B-AE9D-48F379FEAC8A}" type="datetimeFigureOut">
               <a:rPr kumimoji="1" lang="ja-JP" altLang="en-US" smtClean="0"/>
-              <a:t>2019/11/8</a:t>
+              <a:t>2019/11/14</a:t>
             </a:fld>
             <a:endParaRPr kumimoji="1" lang="ja-JP" altLang="en-US"/>
           </a:p>
@@ -1264,7 +1265,7 @@
           <a:p>
             <a:fld id="{6D7107C5-5D32-481B-AE9D-48F379FEAC8A}" type="datetimeFigureOut">
               <a:rPr kumimoji="1" lang="ja-JP" altLang="en-US" smtClean="0"/>
-              <a:t>2019/11/8</a:t>
+              <a:t>2019/11/14</a:t>
             </a:fld>
             <a:endParaRPr kumimoji="1" lang="ja-JP" altLang="en-US"/>
           </a:p>
@@ -1733,7 +1734,7 @@
           <a:p>
             <a:fld id="{6D7107C5-5D32-481B-AE9D-48F379FEAC8A}" type="datetimeFigureOut">
               <a:rPr kumimoji="1" lang="ja-JP" altLang="en-US" smtClean="0"/>
-              <a:t>2019/11/8</a:t>
+              <a:t>2019/11/14</a:t>
             </a:fld>
             <a:endParaRPr kumimoji="1" lang="ja-JP" altLang="en-US"/>
           </a:p>
@@ -1913,7 +1914,7 @@
           <a:p>
             <a:fld id="{6D7107C5-5D32-481B-AE9D-48F379FEAC8A}" type="datetimeFigureOut">
               <a:rPr kumimoji="1" lang="ja-JP" altLang="en-US" smtClean="0"/>
-              <a:t>2019/11/8</a:t>
+              <a:t>2019/11/14</a:t>
             </a:fld>
             <a:endParaRPr kumimoji="1" lang="ja-JP" altLang="en-US"/>
           </a:p>
@@ -2489,7 +2490,7 @@
           <a:p>
             <a:fld id="{6D7107C5-5D32-481B-AE9D-48F379FEAC8A}" type="datetimeFigureOut">
               <a:rPr kumimoji="1" lang="ja-JP" altLang="en-US" smtClean="0"/>
-              <a:t>2019/11/8</a:t>
+              <a:t>2019/11/14</a:t>
             </a:fld>
             <a:endParaRPr kumimoji="1" lang="ja-JP" altLang="en-US"/>
           </a:p>
@@ -2821,7 +2822,7 @@
           <a:p>
             <a:fld id="{6D7107C5-5D32-481B-AE9D-48F379FEAC8A}" type="datetimeFigureOut">
               <a:rPr kumimoji="1" lang="ja-JP" altLang="en-US" smtClean="0"/>
-              <a:t>2019/11/8</a:t>
+              <a:t>2019/11/14</a:t>
             </a:fld>
             <a:endParaRPr kumimoji="1" lang="ja-JP" altLang="en-US"/>
           </a:p>
@@ -3028,7 +3029,7 @@
           <a:p>
             <a:fld id="{6D7107C5-5D32-481B-AE9D-48F379FEAC8A}" type="datetimeFigureOut">
               <a:rPr kumimoji="1" lang="ja-JP" altLang="en-US" smtClean="0"/>
-              <a:t>2019/11/8</a:t>
+              <a:t>2019/11/14</a:t>
             </a:fld>
             <a:endParaRPr kumimoji="1" lang="ja-JP" altLang="en-US"/>
           </a:p>
@@ -3240,7 +3241,7 @@
           <a:p>
             <a:fld id="{6D7107C5-5D32-481B-AE9D-48F379FEAC8A}" type="datetimeFigureOut">
               <a:rPr kumimoji="1" lang="ja-JP" altLang="en-US" smtClean="0"/>
-              <a:t>2019/11/8</a:t>
+              <a:t>2019/11/14</a:t>
             </a:fld>
             <a:endParaRPr kumimoji="1" lang="ja-JP" altLang="en-US"/>
           </a:p>
@@ -3442,7 +3443,7 @@
           <a:p>
             <a:fld id="{6D7107C5-5D32-481B-AE9D-48F379FEAC8A}" type="datetimeFigureOut">
               <a:rPr kumimoji="1" lang="ja-JP" altLang="en-US" smtClean="0"/>
-              <a:t>2019/11/8</a:t>
+              <a:t>2019/11/14</a:t>
             </a:fld>
             <a:endParaRPr kumimoji="1" lang="ja-JP" altLang="en-US"/>
           </a:p>
@@ -3699,7 +3700,7 @@
           <a:p>
             <a:fld id="{6D7107C5-5D32-481B-AE9D-48F379FEAC8A}" type="datetimeFigureOut">
               <a:rPr kumimoji="1" lang="ja-JP" altLang="en-US" smtClean="0"/>
-              <a:t>2019/11/8</a:t>
+              <a:t>2019/11/14</a:t>
             </a:fld>
             <a:endParaRPr kumimoji="1" lang="ja-JP" altLang="en-US"/>
           </a:p>
@@ -4055,7 +4056,7 @@
           <a:p>
             <a:fld id="{6D7107C5-5D32-481B-AE9D-48F379FEAC8A}" type="datetimeFigureOut">
               <a:rPr kumimoji="1" lang="ja-JP" altLang="en-US" smtClean="0"/>
-              <a:t>2019/11/8</a:t>
+              <a:t>2019/11/14</a:t>
             </a:fld>
             <a:endParaRPr kumimoji="1" lang="ja-JP" altLang="en-US"/>
           </a:p>
@@ -4549,7 +4550,7 @@
           <a:p>
             <a:fld id="{6D7107C5-5D32-481B-AE9D-48F379FEAC8A}" type="datetimeFigureOut">
               <a:rPr kumimoji="1" lang="ja-JP" altLang="en-US" smtClean="0"/>
-              <a:t>2019/11/8</a:t>
+              <a:t>2019/11/14</a:t>
             </a:fld>
             <a:endParaRPr kumimoji="1" lang="ja-JP" altLang="en-US"/>
           </a:p>
@@ -4667,7 +4668,7 @@
           <a:p>
             <a:fld id="{6D7107C5-5D32-481B-AE9D-48F379FEAC8A}" type="datetimeFigureOut">
               <a:rPr kumimoji="1" lang="ja-JP" altLang="en-US" smtClean="0"/>
-              <a:t>2019/11/8</a:t>
+              <a:t>2019/11/14</a:t>
             </a:fld>
             <a:endParaRPr kumimoji="1" lang="ja-JP" altLang="en-US"/>
           </a:p>
@@ -4762,7 +4763,7 @@
           <a:p>
             <a:fld id="{6D7107C5-5D32-481B-AE9D-48F379FEAC8A}" type="datetimeFigureOut">
               <a:rPr kumimoji="1" lang="ja-JP" altLang="en-US" smtClean="0"/>
-              <a:t>2019/11/8</a:t>
+              <a:t>2019/11/14</a:t>
             </a:fld>
             <a:endParaRPr kumimoji="1" lang="ja-JP" altLang="en-US"/>
           </a:p>
@@ -5077,7 +5078,7 @@
           <a:p>
             <a:fld id="{6D7107C5-5D32-481B-AE9D-48F379FEAC8A}" type="datetimeFigureOut">
               <a:rPr kumimoji="1" lang="ja-JP" altLang="en-US" smtClean="0"/>
-              <a:t>2019/11/8</a:t>
+              <a:t>2019/11/14</a:t>
             </a:fld>
             <a:endParaRPr kumimoji="1" lang="ja-JP" altLang="en-US"/>
           </a:p>
@@ -5368,7 +5369,7 @@
           <a:p>
             <a:fld id="{6D7107C5-5D32-481B-AE9D-48F379FEAC8A}" type="datetimeFigureOut">
               <a:rPr kumimoji="1" lang="ja-JP" altLang="en-US" smtClean="0"/>
-              <a:t>2019/11/8</a:t>
+              <a:t>2019/11/14</a:t>
             </a:fld>
             <a:endParaRPr kumimoji="1" lang="ja-JP" altLang="en-US"/>
           </a:p>
@@ -5631,7 +5632,7 @@
           <a:p>
             <a:fld id="{6D7107C5-5D32-481B-AE9D-48F379FEAC8A}" type="datetimeFigureOut">
               <a:rPr kumimoji="1" lang="ja-JP" altLang="en-US" smtClean="0"/>
-              <a:t>2019/11/8</a:t>
+              <a:t>2019/11/14</a:t>
             </a:fld>
             <a:endParaRPr kumimoji="1" lang="ja-JP" altLang="en-US"/>
           </a:p>
@@ -6408,7 +6409,7 @@
         </p:nvSpPr>
         <p:spPr>
           <a:xfrm>
-            <a:off x="900545" y="425023"/>
+            <a:off x="758482" y="414348"/>
             <a:ext cx="4544008" cy="923330"/>
           </a:xfrm>
           <a:prstGeom prst="rect">
@@ -6449,15 +6450,13 @@
         </p:nvSpPr>
         <p:spPr>
           <a:xfrm>
-            <a:off x="6065709" y="687854"/>
+            <a:off x="6065709" y="598954"/>
             <a:ext cx="5181600" cy="584775"/>
           </a:xfrm>
           <a:prstGeom prst="rect">
             <a:avLst/>
           </a:prstGeom>
-          <a:solidFill>
-            <a:schemeClr val="tx2"/>
-          </a:solidFill>
+          <a:noFill/>
         </p:spPr>
         <p:txBody>
           <a:bodyPr wrap="square" rtlCol="0">
@@ -6469,9 +6468,6 @@
             <a:r>
               <a:rPr lang="ja-JP" altLang="en-US" sz="1600" dirty="0" smtClean="0">
                 <a:ln w="0"/>
-                <a:solidFill>
-                  <a:schemeClr val="accent1"/>
-                </a:solidFill>
                 <a:effectLst>
                   <a:outerShdw blurRad="38100" dist="25400" dir="5400000" algn="ctr" rotWithShape="0">
                     <a:srgbClr val="6E747A">
@@ -6485,9 +6481,6 @@
             <a:r>
               <a:rPr lang="ja-JP" altLang="en-US" sz="1600" dirty="0">
                 <a:ln w="0"/>
-                <a:solidFill>
-                  <a:schemeClr val="accent1"/>
-                </a:solidFill>
                 <a:effectLst>
                   <a:outerShdw blurRad="38100" dist="25400" dir="5400000" algn="ctr" rotWithShape="0">
                     <a:srgbClr val="6E747A">
@@ -6501,9 +6494,6 @@
             <a:r>
               <a:rPr lang="ja-JP" altLang="en-US" sz="1600" dirty="0" smtClean="0">
                 <a:ln w="0"/>
-                <a:solidFill>
-                  <a:schemeClr val="accent1"/>
-                </a:solidFill>
                 <a:effectLst>
                   <a:outerShdw blurRad="38100" dist="25400" dir="5400000" algn="ctr" rotWithShape="0">
                     <a:srgbClr val="6E747A">
@@ -6517,9 +6507,6 @@
             <a:r>
               <a:rPr lang="ja-JP" altLang="en-US" sz="1600" dirty="0">
                 <a:ln w="0"/>
-                <a:solidFill>
-                  <a:schemeClr val="accent1"/>
-                </a:solidFill>
                 <a:effectLst>
                   <a:outerShdw blurRad="38100" dist="25400" dir="5400000" algn="ctr" rotWithShape="0">
                     <a:srgbClr val="6E747A">
@@ -6533,9 +6520,6 @@
             <a:r>
               <a:rPr lang="ja-JP" altLang="en-US" sz="1600" dirty="0" smtClean="0">
                 <a:ln w="0"/>
-                <a:solidFill>
-                  <a:schemeClr val="accent1"/>
-                </a:solidFill>
                 <a:effectLst>
                   <a:outerShdw blurRad="38100" dist="25400" dir="5400000" algn="ctr" rotWithShape="0">
                     <a:srgbClr val="6E747A">
@@ -6549,9 +6533,6 @@
             <a:r>
               <a:rPr lang="ja-JP" altLang="en-US" sz="1600" dirty="0">
                 <a:ln w="0"/>
-                <a:solidFill>
-                  <a:schemeClr val="accent1"/>
-                </a:solidFill>
                 <a:effectLst>
                   <a:outerShdw blurRad="38100" dist="25400" dir="5400000" algn="ctr" rotWithShape="0">
                     <a:srgbClr val="6E747A">
@@ -6565,9 +6546,6 @@
             <a:r>
               <a:rPr lang="ja-JP" altLang="en-US" sz="1600" dirty="0" smtClean="0">
                 <a:ln w="0"/>
-                <a:solidFill>
-                  <a:schemeClr val="accent1"/>
-                </a:solidFill>
                 <a:effectLst>
                   <a:outerShdw blurRad="38100" dist="25400" dir="5400000" algn="ctr" rotWithShape="0">
                     <a:srgbClr val="6E747A">
@@ -6580,9 +6558,6 @@
             </a:r>
             <a:endParaRPr lang="en-US" altLang="ja-JP" sz="1600" dirty="0" smtClean="0">
               <a:ln w="0"/>
-              <a:solidFill>
-                <a:schemeClr val="accent1"/>
-              </a:solidFill>
               <a:effectLst>
                 <a:outerShdw blurRad="38100" dist="25400" dir="5400000" algn="ctr" rotWithShape="0">
                   <a:srgbClr val="6E747A">
@@ -6597,9 +6572,6 @@
             <a:r>
               <a:rPr kumimoji="1" lang="ja-JP" altLang="en-US" sz="1600" dirty="0" smtClean="0">
                 <a:ln w="0"/>
-                <a:solidFill>
-                  <a:schemeClr val="accent1"/>
-                </a:solidFill>
                 <a:effectLst>
                   <a:outerShdw blurRad="38100" dist="25400" dir="5400000" algn="ctr" rotWithShape="0">
                     <a:srgbClr val="6E747A">
@@ -6613,9 +6585,6 @@
             <a:r>
               <a:rPr kumimoji="1" lang="en-US" altLang="ja-JP" sz="1600" dirty="0" err="1" smtClean="0">
                 <a:ln w="0"/>
-                <a:solidFill>
-                  <a:schemeClr val="accent1"/>
-                </a:solidFill>
                 <a:effectLst>
                   <a:outerShdw blurRad="38100" dist="25400" dir="5400000" algn="ctr" rotWithShape="0">
                     <a:srgbClr val="6E747A">
@@ -6627,11 +6596,8 @@
               <a:t>you&amp;me</a:t>
             </a:r>
             <a:r>
-              <a:rPr kumimoji="1" lang="ja-JP" altLang="en-US" sz="1600" dirty="0" smtClean="0">
+              <a:rPr kumimoji="1" lang="ja-JP" altLang="en-US" sz="1600" dirty="0">
                 <a:ln w="0"/>
-                <a:solidFill>
-                  <a:schemeClr val="accent1"/>
-                </a:solidFill>
                 <a:effectLst>
                   <a:outerShdw blurRad="38100" dist="25400" dir="5400000" algn="ctr" rotWithShape="0">
                     <a:srgbClr val="6E747A">
@@ -6640,13 +6606,36 @@
                   </a:outerShdw>
                 </a:effectLst>
               </a:rPr>
-              <a:t>の空白がなくします。</a:t>
+              <a:t>で</a:t>
+            </a:r>
+            <a:r>
+              <a:rPr kumimoji="1" lang="ja-JP" altLang="en-US" sz="1600" smtClean="0">
+                <a:ln w="0"/>
+                <a:effectLst>
+                  <a:outerShdw blurRad="38100" dist="25400" dir="5400000" algn="ctr" rotWithShape="0">
+                    <a:srgbClr val="6E747A">
+                      <a:alpha val="43000"/>
+                    </a:srgbClr>
+                  </a:outerShdw>
+                </a:effectLst>
+              </a:rPr>
+              <a:t>空白</a:t>
+            </a:r>
+            <a:r>
+              <a:rPr kumimoji="1" lang="ja-JP" altLang="en-US" sz="1600" dirty="0" smtClean="0">
+                <a:ln w="0"/>
+                <a:effectLst>
+                  <a:outerShdw blurRad="38100" dist="25400" dir="5400000" algn="ctr" rotWithShape="0">
+                    <a:srgbClr val="6E747A">
+                      <a:alpha val="43000"/>
+                    </a:srgbClr>
+                  </a:outerShdw>
+                </a:effectLst>
+              </a:rPr>
+              <a:t>がなくします。</a:t>
             </a:r>
             <a:endParaRPr kumimoji="1" lang="ja-JP" altLang="en-US" sz="1600" dirty="0">
               <a:ln w="0"/>
-              <a:solidFill>
-                <a:schemeClr val="accent1"/>
-              </a:solidFill>
               <a:effectLst>
                 <a:outerShdw blurRad="38100" dist="25400" dir="5400000" algn="ctr" rotWithShape="0">
                   <a:srgbClr val="6E747A">
@@ -6679,8 +6668,8 @@
           </a:stretch>
         </p:blipFill>
         <p:spPr>
-          <a:xfrm rot="21224142">
-            <a:off x="2318549" y="2546861"/>
+          <a:xfrm rot="21258777">
+            <a:off x="2736807" y="2561612"/>
             <a:ext cx="6657806" cy="3959727"/>
           </a:xfrm>
           <a:prstGeom prst="rect">
@@ -6709,7 +6698,7 @@
           </a:stretch>
         </p:blipFill>
         <p:spPr>
-          <a:xfrm rot="509010">
+          <a:xfrm rot="613246">
             <a:off x="231372" y="1871744"/>
             <a:ext cx="2567741" cy="3327169"/>
           </a:xfrm>
@@ -6726,8 +6715,8 @@
         </p:nvSpPr>
         <p:spPr>
           <a:xfrm>
-            <a:off x="9172512" y="4048786"/>
-            <a:ext cx="3161881" cy="1634836"/>
+            <a:off x="9575407" y="4937424"/>
+            <a:ext cx="2517762" cy="1634836"/>
           </a:xfrm>
           <a:prstGeom prst="roundRect">
             <a:avLst/>
@@ -6919,6 +6908,9 @@
               <a:rPr lang="en-US" altLang="ja-JP" sz="1400" dirty="0" smtClean="0"/>
               <a:t>10:00~23:00</a:t>
             </a:r>
+          </a:p>
+          <a:p>
+            <a:pPr algn="ctr"/>
             <a:endParaRPr kumimoji="1" lang="ja-JP" altLang="en-US" sz="1400" dirty="0"/>
           </a:p>
         </p:txBody>
@@ -7320,8 +7312,8 @@
         </p:nvSpPr>
         <p:spPr>
           <a:xfrm>
-            <a:off x="1141413" y="191589"/>
-            <a:ext cx="9465627" cy="696686"/>
+            <a:off x="-213277" y="1460775"/>
+            <a:ext cx="4550145" cy="696686"/>
           </a:xfrm>
         </p:spPr>
         <p:txBody>
@@ -7332,7 +7324,7 @@
           <a:p>
             <a:pPr algn="ctr"/>
             <a:r>
-              <a:rPr kumimoji="1" lang="en-US" altLang="ja-JP" sz="4400" b="1" cap="none" dirty="0" err="1" smtClean="0">
+              <a:rPr kumimoji="1" lang="en-US" altLang="ja-JP" sz="2800" b="1" cap="none" dirty="0" err="1" smtClean="0">
                 <a:ln w="9525">
                   <a:solidFill>
                     <a:schemeClr val="bg1"/>
@@ -7354,7 +7346,7 @@
               <a:t>You&amp;me</a:t>
             </a:r>
             <a:r>
-              <a:rPr kumimoji="1" lang="en-US" altLang="ja-JP" sz="4400" b="1" cap="none" dirty="0" smtClean="0">
+              <a:rPr kumimoji="1" lang="en-US" altLang="ja-JP" sz="2800" b="1" cap="none" dirty="0" smtClean="0">
                 <a:ln w="9525">
                   <a:solidFill>
                     <a:schemeClr val="bg1"/>
@@ -7376,7 +7368,7 @@
               <a:t> </a:t>
             </a:r>
             <a:r>
-              <a:rPr lang="ja-JP" altLang="en-US" sz="4400" b="1" cap="none" dirty="0" smtClean="0">
+              <a:rPr lang="ja-JP" altLang="en-US" sz="2800" b="1" cap="none" dirty="0" smtClean="0">
                 <a:ln w="9525">
                   <a:solidFill>
                     <a:schemeClr val="bg1"/>
@@ -7398,7 +7390,7 @@
               <a:t>につい</a:t>
             </a:r>
             <a:r>
-              <a:rPr lang="ja-JP" altLang="en-US" sz="4400" b="1" cap="none" dirty="0">
+              <a:rPr lang="ja-JP" altLang="en-US" sz="2800" b="1" cap="none" dirty="0">
                 <a:ln w="9525">
                   <a:solidFill>
                     <a:schemeClr val="bg1"/>
@@ -7419,7 +7411,7 @@
               </a:rPr>
               <a:t>て</a:t>
             </a:r>
-            <a:endParaRPr kumimoji="1" lang="ja-JP" altLang="en-US" sz="4400" b="1" cap="none" dirty="0">
+            <a:endParaRPr kumimoji="1" lang="ja-JP" altLang="en-US" sz="2800" b="1" cap="none" dirty="0">
               <a:ln w="9525">
                 <a:solidFill>
                   <a:schemeClr val="bg1"/>
@@ -7449,7 +7441,7 @@
         </p:nvSpPr>
         <p:spPr>
           <a:xfrm>
-            <a:off x="762590" y="1724297"/>
+            <a:off x="525083" y="2182317"/>
             <a:ext cx="7362507" cy="1631216"/>
           </a:xfrm>
           <a:prstGeom prst="rect">
@@ -8053,6 +8045,327 @@
           </a:prstGeom>
         </p:spPr>
       </p:pic>
+      <p:sp>
+        <p:nvSpPr>
+          <p:cNvPr id="5" name="正方形/長方形 4"/>
+          <p:cNvSpPr/>
+          <p:nvPr/>
+        </p:nvSpPr>
+        <p:spPr>
+          <a:xfrm>
+            <a:off x="3759134" y="230383"/>
+            <a:ext cx="1618058" cy="518529"/>
+          </a:xfrm>
+          <a:prstGeom prst="rect">
+            <a:avLst/>
+          </a:prstGeom>
+          <a:solidFill>
+            <a:srgbClr val="92D050"/>
+          </a:solidFill>
+        </p:spPr>
+        <p:style>
+          <a:lnRef idx="2">
+            <a:schemeClr val="accent3">
+              <a:shade val="50000"/>
+            </a:schemeClr>
+          </a:lnRef>
+          <a:fillRef idx="1">
+            <a:schemeClr val="accent3"/>
+          </a:fillRef>
+          <a:effectRef idx="0">
+            <a:schemeClr val="accent3"/>
+          </a:effectRef>
+          <a:fontRef idx="minor">
+            <a:schemeClr val="lt1"/>
+          </a:fontRef>
+        </p:style>
+        <p:txBody>
+          <a:bodyPr rtlCol="0" anchor="ctr"/>
+          <a:lstStyle/>
+          <a:p>
+            <a:pPr algn="ctr"/>
+            <a:r>
+              <a:rPr kumimoji="1" lang="en-US" altLang="ja-JP" sz="1400" dirty="0" smtClean="0"/>
+              <a:t>MENU</a:t>
+            </a:r>
+            <a:endParaRPr kumimoji="1" lang="ja-JP" altLang="en-US" sz="1400" dirty="0"/>
+          </a:p>
+        </p:txBody>
+      </p:sp>
+      <p:sp>
+        <p:nvSpPr>
+          <p:cNvPr id="7" name="正方形/長方形 6"/>
+          <p:cNvSpPr/>
+          <p:nvPr/>
+        </p:nvSpPr>
+        <p:spPr>
+          <a:xfrm>
+            <a:off x="8503180" y="230382"/>
+            <a:ext cx="1618058" cy="546687"/>
+          </a:xfrm>
+          <a:prstGeom prst="rect">
+            <a:avLst/>
+          </a:prstGeom>
+          <a:solidFill>
+            <a:srgbClr val="92D050"/>
+          </a:solidFill>
+        </p:spPr>
+        <p:style>
+          <a:lnRef idx="2">
+            <a:schemeClr val="accent1">
+              <a:shade val="50000"/>
+            </a:schemeClr>
+          </a:lnRef>
+          <a:fillRef idx="1">
+            <a:schemeClr val="accent1"/>
+          </a:fillRef>
+          <a:effectRef idx="0">
+            <a:schemeClr val="accent1"/>
+          </a:effectRef>
+          <a:fontRef idx="minor">
+            <a:schemeClr val="lt1"/>
+          </a:fontRef>
+        </p:style>
+        <p:txBody>
+          <a:bodyPr rtlCol="0" anchor="ctr"/>
+          <a:lstStyle/>
+          <a:p>
+            <a:pPr algn="ctr"/>
+            <a:r>
+              <a:rPr kumimoji="1" lang="ja-JP" altLang="en-US" sz="1400" dirty="0" smtClean="0"/>
+              <a:t>おすすめの</a:t>
+            </a:r>
+            <a:r>
+              <a:rPr kumimoji="1" lang="ja-JP" altLang="en-US" sz="1400" dirty="0"/>
+              <a:t>茶</a:t>
+            </a:r>
+          </a:p>
+        </p:txBody>
+      </p:sp>
+      <p:sp>
+        <p:nvSpPr>
+          <p:cNvPr id="9" name="正方形/長方形 8"/>
+          <p:cNvSpPr/>
+          <p:nvPr/>
+        </p:nvSpPr>
+        <p:spPr>
+          <a:xfrm>
+            <a:off x="5370967" y="230382"/>
+            <a:ext cx="1618058" cy="546687"/>
+          </a:xfrm>
+          <a:prstGeom prst="rect">
+            <a:avLst/>
+          </a:prstGeom>
+          <a:solidFill>
+            <a:srgbClr val="92D050"/>
+          </a:solidFill>
+        </p:spPr>
+        <p:style>
+          <a:lnRef idx="2">
+            <a:schemeClr val="accent1">
+              <a:shade val="50000"/>
+            </a:schemeClr>
+          </a:lnRef>
+          <a:fillRef idx="1">
+            <a:schemeClr val="accent1"/>
+          </a:fillRef>
+          <a:effectRef idx="0">
+            <a:schemeClr val="accent1"/>
+          </a:effectRef>
+          <a:fontRef idx="minor">
+            <a:schemeClr val="lt1"/>
+          </a:fontRef>
+        </p:style>
+        <p:txBody>
+          <a:bodyPr rtlCol="0" anchor="ctr"/>
+          <a:lstStyle/>
+          <a:p>
+            <a:pPr algn="ctr"/>
+            <a:r>
+              <a:rPr kumimoji="1" lang="en-US" altLang="ja-JP" sz="1400" dirty="0" smtClean="0"/>
+              <a:t>YOU&amp;ME</a:t>
+            </a:r>
+            <a:r>
+              <a:rPr kumimoji="1" lang="ja-JP" altLang="en-US" sz="1200" dirty="0" smtClean="0"/>
+              <a:t>について</a:t>
+            </a:r>
+            <a:endParaRPr kumimoji="1" lang="ja-JP" altLang="en-US" sz="1200" dirty="0"/>
+          </a:p>
+        </p:txBody>
+      </p:sp>
+      <p:sp>
+        <p:nvSpPr>
+          <p:cNvPr id="10" name="正方形/長方形 9"/>
+          <p:cNvSpPr/>
+          <p:nvPr/>
+        </p:nvSpPr>
+        <p:spPr>
+          <a:xfrm>
+            <a:off x="6989025" y="230382"/>
+            <a:ext cx="1496068" cy="546687"/>
+          </a:xfrm>
+          <a:prstGeom prst="rect">
+            <a:avLst/>
+          </a:prstGeom>
+          <a:solidFill>
+            <a:srgbClr val="92D050"/>
+          </a:solidFill>
+        </p:spPr>
+        <p:style>
+          <a:lnRef idx="2">
+            <a:schemeClr val="accent1">
+              <a:shade val="50000"/>
+            </a:schemeClr>
+          </a:lnRef>
+          <a:fillRef idx="1">
+            <a:schemeClr val="accent1"/>
+          </a:fillRef>
+          <a:effectRef idx="0">
+            <a:schemeClr val="accent1"/>
+          </a:effectRef>
+          <a:fontRef idx="minor">
+            <a:schemeClr val="lt1"/>
+          </a:fontRef>
+        </p:style>
+        <p:txBody>
+          <a:bodyPr rtlCol="0" anchor="ctr"/>
+          <a:lstStyle/>
+          <a:p>
+            <a:pPr algn="ctr"/>
+            <a:r>
+              <a:rPr kumimoji="1" lang="ja-JP" altLang="en-US" sz="1400" dirty="0" smtClean="0"/>
+              <a:t>人気ランキング</a:t>
+            </a:r>
+            <a:endParaRPr kumimoji="1" lang="ja-JP" altLang="en-US" sz="1400" dirty="0"/>
+          </a:p>
+        </p:txBody>
+      </p:sp>
+      <p:sp>
+        <p:nvSpPr>
+          <p:cNvPr id="11" name="正方形/長方形 10"/>
+          <p:cNvSpPr/>
+          <p:nvPr/>
+        </p:nvSpPr>
+        <p:spPr>
+          <a:xfrm>
+            <a:off x="10139325" y="230382"/>
+            <a:ext cx="1551932" cy="546687"/>
+          </a:xfrm>
+          <a:prstGeom prst="rect">
+            <a:avLst/>
+          </a:prstGeom>
+          <a:solidFill>
+            <a:srgbClr val="92D050"/>
+          </a:solidFill>
+        </p:spPr>
+        <p:style>
+          <a:lnRef idx="2">
+            <a:schemeClr val="accent1">
+              <a:shade val="50000"/>
+            </a:schemeClr>
+          </a:lnRef>
+          <a:fillRef idx="1">
+            <a:schemeClr val="accent1"/>
+          </a:fillRef>
+          <a:effectRef idx="0">
+            <a:schemeClr val="accent1"/>
+          </a:effectRef>
+          <a:fontRef idx="minor">
+            <a:schemeClr val="lt1"/>
+          </a:fontRef>
+        </p:style>
+        <p:txBody>
+          <a:bodyPr rtlCol="0" anchor="ctr"/>
+          <a:lstStyle/>
+          <a:p>
+            <a:pPr algn="ctr"/>
+            <a:r>
+              <a:rPr kumimoji="1" lang="ja-JP" altLang="en-US" sz="1400" dirty="0" smtClean="0"/>
+              <a:t>アクセスマップ</a:t>
+            </a:r>
+            <a:endParaRPr kumimoji="1" lang="ja-JP" altLang="en-US" sz="1400" dirty="0"/>
+          </a:p>
+        </p:txBody>
+      </p:sp>
+      <p:sp>
+        <p:nvSpPr>
+          <p:cNvPr id="12" name="テキスト ボックス 11"/>
+          <p:cNvSpPr txBox="1"/>
+          <p:nvPr/>
+        </p:nvSpPr>
+        <p:spPr>
+          <a:xfrm>
+            <a:off x="-676266" y="288620"/>
+            <a:ext cx="4544008" cy="584775"/>
+          </a:xfrm>
+          <a:prstGeom prst="rect">
+            <a:avLst/>
+          </a:prstGeom>
+          <a:noFill/>
+        </p:spPr>
+        <p:txBody>
+          <a:bodyPr wrap="square" rtlCol="0">
+            <a:spAutoFit/>
+          </a:bodyPr>
+          <a:lstStyle/>
+          <a:p>
+            <a:pPr algn="ctr"/>
+            <a:r>
+              <a:rPr kumimoji="1" lang="en-US" altLang="ja-JP" sz="3200" dirty="0" smtClean="0">
+                <a:solidFill>
+                  <a:srgbClr val="ED7613"/>
+                </a:solidFill>
+                <a:latin typeface="Algerian" panose="04020705040A02060702" pitchFamily="82" charset="0"/>
+              </a:rPr>
+              <a:t>Y O U  &amp;  M  E</a:t>
+            </a:r>
+            <a:endParaRPr kumimoji="1" lang="ja-JP" altLang="en-US" sz="3200" dirty="0">
+              <a:solidFill>
+                <a:srgbClr val="ED7613"/>
+              </a:solidFill>
+              <a:latin typeface="Algerian" panose="04020705040A02060702" pitchFamily="82" charset="0"/>
+            </a:endParaRPr>
+          </a:p>
+        </p:txBody>
+      </p:sp>
+      <p:sp>
+        <p:nvSpPr>
+          <p:cNvPr id="13" name="テキスト ボックス 12"/>
+          <p:cNvSpPr txBox="1"/>
+          <p:nvPr/>
+        </p:nvSpPr>
+        <p:spPr>
+          <a:xfrm>
+            <a:off x="215900" y="112021"/>
+            <a:ext cx="3491345" cy="276999"/>
+          </a:xfrm>
+          <a:prstGeom prst="rect">
+            <a:avLst/>
+          </a:prstGeom>
+          <a:noFill/>
+        </p:spPr>
+        <p:txBody>
+          <a:bodyPr wrap="square" rtlCol="0">
+            <a:spAutoFit/>
+          </a:bodyPr>
+          <a:lstStyle/>
+          <a:p>
+            <a:r>
+              <a:rPr kumimoji="1" lang="ja-JP" altLang="en-US" sz="1200" dirty="0" smtClean="0">
+                <a:solidFill>
+                  <a:srgbClr val="FFFF00"/>
+                </a:solidFill>
+              </a:rPr>
+              <a:t>丘の上の茶店</a:t>
+            </a:r>
+            <a:endParaRPr kumimoji="1" lang="ja-JP" altLang="en-US" sz="1200" dirty="0">
+              <a:solidFill>
+                <a:srgbClr val="FFFF00"/>
+              </a:solidFill>
+            </a:endParaRPr>
+          </a:p>
+        </p:txBody>
+      </p:sp>
     </p:spTree>
     <p:extLst>
       <p:ext uri="{BB962C8B-B14F-4D97-AF65-F5344CB8AC3E}">
@@ -8110,7 +8423,7 @@
         </p:nvSpPr>
         <p:spPr>
           <a:xfrm>
-            <a:off x="2216728" y="0"/>
+            <a:off x="1798716" y="40762"/>
             <a:ext cx="7467600" cy="830997"/>
           </a:xfrm>
           <a:prstGeom prst="rect">
@@ -8128,14 +8441,14 @@
             <a:r>
               <a:rPr kumimoji="1" lang="ja-JP" altLang="en-US" sz="4800" dirty="0" smtClean="0">
                 <a:solidFill>
-                  <a:srgbClr val="92D050"/>
+                  <a:srgbClr val="FFC000"/>
                 </a:solidFill>
               </a:rPr>
               <a:t>お茶メニュー</a:t>
             </a:r>
             <a:endParaRPr kumimoji="1" lang="ja-JP" altLang="en-US" sz="4800" dirty="0">
               <a:solidFill>
-                <a:srgbClr val="92D050"/>
+                <a:srgbClr val="FFC000"/>
               </a:solidFill>
             </a:endParaRPr>
           </a:p>
@@ -8149,18 +8462,13 @@
         </p:nvSpPr>
         <p:spPr>
           <a:xfrm>
-            <a:off x="3394364" y="678597"/>
-            <a:ext cx="5112327" cy="830997"/>
+            <a:off x="7032144" y="145155"/>
+            <a:ext cx="5112327" cy="738664"/>
           </a:xfrm>
           <a:prstGeom prst="rect">
             <a:avLst/>
           </a:prstGeom>
-          <a:solidFill>
-            <a:schemeClr val="accent2">
-              <a:lumMod val="20000"/>
-              <a:lumOff val="80000"/>
-            </a:schemeClr>
-          </a:solidFill>
+          <a:noFill/>
         </p:spPr>
         <p:txBody>
           <a:bodyPr wrap="square" rtlCol="0">
@@ -8170,82 +8478,30 @@
           <a:p>
             <a:pPr algn="ctr"/>
             <a:r>
-              <a:rPr kumimoji="1" lang="ja-JP" altLang="en-US" sz="1600" dirty="0" smtClean="0">
-                <a:solidFill>
-                  <a:schemeClr val="accent2">
-                    <a:lumMod val="75000"/>
-                  </a:schemeClr>
-                </a:solidFill>
-              </a:rPr>
+              <a:rPr kumimoji="1" lang="ja-JP" altLang="en-US" sz="1400" dirty="0" smtClean="0"/>
               <a:t>簡単なことから精粋になります。</a:t>
             </a:r>
-            <a:endParaRPr kumimoji="1" lang="en-US" altLang="ja-JP" sz="1600" dirty="0" smtClean="0">
-              <a:solidFill>
-                <a:schemeClr val="accent2">
-                  <a:lumMod val="75000"/>
-                </a:schemeClr>
-              </a:solidFill>
-            </a:endParaRPr>
+            <a:endParaRPr kumimoji="1" lang="en-US" altLang="ja-JP" sz="1400" dirty="0" smtClean="0"/>
           </a:p>
           <a:p>
             <a:pPr algn="ctr"/>
             <a:r>
-              <a:rPr kumimoji="1" lang="en-US" altLang="ja-JP" sz="1600" dirty="0" smtClean="0">
-                <a:solidFill>
-                  <a:schemeClr val="accent2">
-                    <a:lumMod val="75000"/>
-                  </a:schemeClr>
-                </a:solidFill>
-              </a:rPr>
+              <a:rPr kumimoji="1" lang="en-US" altLang="ja-JP" sz="1400" dirty="0" smtClean="0"/>
               <a:t>YOU&amp;ME</a:t>
             </a:r>
             <a:r>
-              <a:rPr kumimoji="1" lang="ja-JP" altLang="en-US" sz="1600" dirty="0" smtClean="0">
-                <a:solidFill>
-                  <a:schemeClr val="accent2">
-                    <a:lumMod val="75000"/>
-                  </a:schemeClr>
-                </a:solidFill>
-              </a:rPr>
+              <a:rPr kumimoji="1" lang="ja-JP" altLang="en-US" sz="1400" dirty="0" smtClean="0"/>
               <a:t> のお茶は</a:t>
             </a:r>
-            <a:endParaRPr kumimoji="1" lang="en-US" altLang="ja-JP" sz="1600" dirty="0" smtClean="0">
-              <a:solidFill>
-                <a:schemeClr val="accent2">
-                  <a:lumMod val="75000"/>
-                </a:schemeClr>
-              </a:solidFill>
-            </a:endParaRPr>
+            <a:endParaRPr kumimoji="1" lang="en-US" altLang="ja-JP" sz="1400" dirty="0" smtClean="0"/>
           </a:p>
           <a:p>
             <a:pPr algn="ctr"/>
             <a:r>
-              <a:rPr kumimoji="1" lang="ja-JP" altLang="en-US" sz="1600" dirty="0" smtClean="0">
-                <a:solidFill>
-                  <a:schemeClr val="accent2">
-                    <a:lumMod val="75000"/>
-                  </a:schemeClr>
-                </a:solidFill>
-              </a:rPr>
-              <a:t>越南の味と日本の寒さを組み合わせます</a:t>
-            </a:r>
-            <a:r>
-              <a:rPr kumimoji="1" lang="ja-JP" altLang="en-US" sz="1600" dirty="0" smtClean="0">
-                <a:solidFill>
-                  <a:schemeClr val="bg1">
-                    <a:lumMod val="50000"/>
-                  </a:schemeClr>
-                </a:solidFill>
-              </a:rPr>
-              <a:t>。</a:t>
-            </a:r>
-            <a:endParaRPr kumimoji="1" lang="ja-JP" altLang="en-US" sz="1600" dirty="0">
-              <a:solidFill>
-                <a:schemeClr val="bg1">
-                  <a:lumMod val="50000"/>
-                </a:schemeClr>
-              </a:solidFill>
-            </a:endParaRPr>
+              <a:rPr kumimoji="1" lang="ja-JP" altLang="en-US" sz="1400" dirty="0" smtClean="0"/>
+              <a:t>越南の味と日本の寒さを組み合わせます。</a:t>
+            </a:r>
+            <a:endParaRPr kumimoji="1" lang="ja-JP" altLang="en-US" sz="1400" dirty="0"/>
           </a:p>
         </p:txBody>
       </p:sp>
@@ -8377,12 +8633,15 @@
         </p:nvSpPr>
         <p:spPr>
           <a:xfrm rot="1021837">
-            <a:off x="3641993" y="2073420"/>
-            <a:ext cx="2397701" cy="1891612"/>
+            <a:off x="3727129" y="2086166"/>
+            <a:ext cx="2335010" cy="1728959"/>
           </a:xfrm>
           <a:prstGeom prst="star7">
             <a:avLst/>
           </a:prstGeom>
+          <a:solidFill>
+            <a:schemeClr val="tx1"/>
+          </a:solidFill>
         </p:spPr>
         <p:style>
           <a:lnRef idx="3">
@@ -8404,6 +8663,9 @@
           <a:p>
             <a:pPr algn="ctr"/>
             <a:endParaRPr lang="en-US" altLang="ja-JP" sz="2400" dirty="0" smtClean="0">
+              <a:solidFill>
+                <a:schemeClr val="bg1"/>
+              </a:solidFill>
               <a:latin typeface="Algerian" panose="04020705040A02060702" pitchFamily="82" charset="0"/>
             </a:endParaRPr>
           </a:p>
@@ -8411,23 +8673,35 @@
             <a:pPr algn="ctr"/>
             <a:r>
               <a:rPr lang="ja-JP" altLang="en-US" sz="2400" dirty="0" smtClean="0">
+                <a:solidFill>
+                  <a:schemeClr val="bg1"/>
+                </a:solidFill>
                 <a:latin typeface="Algerian" panose="04020705040A02060702" pitchFamily="82" charset="0"/>
               </a:rPr>
               <a:t>菊</a:t>
             </a:r>
             <a:r>
               <a:rPr lang="ja-JP" altLang="en-US" sz="2400" dirty="0">
+                <a:solidFill>
+                  <a:schemeClr val="bg1"/>
+                </a:solidFill>
                 <a:latin typeface="Algerian" panose="04020705040A02060702" pitchFamily="82" charset="0"/>
               </a:rPr>
               <a:t>の花</a:t>
             </a:r>
             <a:r>
               <a:rPr kumimoji="1" lang="ja-JP" altLang="en-US" sz="2400" dirty="0" smtClean="0">
+                <a:solidFill>
+                  <a:schemeClr val="bg1"/>
+                </a:solidFill>
                 <a:latin typeface="Algerian" panose="04020705040A02060702" pitchFamily="82" charset="0"/>
               </a:rPr>
               <a:t>お茶</a:t>
             </a:r>
             <a:endParaRPr kumimoji="1" lang="en-US" altLang="ja-JP" sz="2400" dirty="0" smtClean="0">
+              <a:solidFill>
+                <a:schemeClr val="bg1"/>
+              </a:solidFill>
               <a:latin typeface="Algerian" panose="04020705040A02060702" pitchFamily="82" charset="0"/>
             </a:endParaRPr>
           </a:p>
@@ -8435,17 +8709,26 @@
             <a:pPr algn="ctr"/>
             <a:r>
               <a:rPr lang="en-US" altLang="ja-JP" sz="2400" dirty="0" smtClean="0">
+                <a:solidFill>
+                  <a:schemeClr val="bg1"/>
+                </a:solidFill>
                 <a:latin typeface="Algerian" panose="04020705040A02060702" pitchFamily="82" charset="0"/>
               </a:rPr>
               <a:t>450</a:t>
             </a:r>
             <a:r>
               <a:rPr lang="ja-JP" altLang="en-US" sz="2400" dirty="0" smtClean="0">
+                <a:solidFill>
+                  <a:schemeClr val="bg1"/>
+                </a:solidFill>
                 <a:latin typeface="Algerian" panose="04020705040A02060702" pitchFamily="82" charset="0"/>
               </a:rPr>
               <a:t>円</a:t>
             </a:r>
             <a:endParaRPr kumimoji="1" lang="ja-JP" altLang="en-US" sz="2400" dirty="0">
+              <a:solidFill>
+                <a:schemeClr val="bg1"/>
+              </a:solidFill>
               <a:latin typeface="Algerian" panose="04020705040A02060702" pitchFamily="82" charset="0"/>
             </a:endParaRPr>
           </a:p>
@@ -8465,6 +8748,9 @@
           <a:prstGeom prst="star7">
             <a:avLst/>
           </a:prstGeom>
+          <a:solidFill>
+            <a:schemeClr val="tx1"/>
+          </a:solidFill>
         </p:spPr>
         <p:style>
           <a:lnRef idx="3">
@@ -8486,22 +8772,42 @@
           <a:p>
             <a:pPr algn="ctr"/>
             <a:r>
-              <a:rPr kumimoji="1" lang="ja-JP" altLang="en-US" sz="2000" dirty="0" smtClean="0"/>
+              <a:rPr kumimoji="1" lang="ja-JP" altLang="en-US" sz="2000" dirty="0" smtClean="0">
+                <a:solidFill>
+                  <a:schemeClr val="bg2"/>
+                </a:solidFill>
+              </a:rPr>
               <a:t>ジャスミンお茶</a:t>
             </a:r>
-            <a:endParaRPr kumimoji="1" lang="en-US" altLang="ja-JP" sz="2000" dirty="0" smtClean="0"/>
+            <a:endParaRPr kumimoji="1" lang="en-US" altLang="ja-JP" sz="2000" dirty="0" smtClean="0">
+              <a:solidFill>
+                <a:schemeClr val="bg2"/>
+              </a:solidFill>
+            </a:endParaRPr>
           </a:p>
           <a:p>
             <a:pPr algn="ctr"/>
             <a:r>
-              <a:rPr lang="en-US" altLang="ja-JP" sz="2000" dirty="0" smtClean="0"/>
+              <a:rPr lang="en-US" altLang="ja-JP" sz="2000" dirty="0" smtClean="0">
+                <a:solidFill>
+                  <a:schemeClr val="bg2"/>
+                </a:solidFill>
+              </a:rPr>
               <a:t>350</a:t>
             </a:r>
             <a:r>
-              <a:rPr lang="ja-JP" altLang="en-US" sz="2000" dirty="0" smtClean="0"/>
+              <a:rPr lang="ja-JP" altLang="en-US" sz="2000" dirty="0" smtClean="0">
+                <a:solidFill>
+                  <a:schemeClr val="bg2"/>
+                </a:solidFill>
+              </a:rPr>
               <a:t>円</a:t>
             </a:r>
-            <a:endParaRPr kumimoji="1" lang="ja-JP" altLang="en-US" sz="2000" dirty="0"/>
+            <a:endParaRPr kumimoji="1" lang="ja-JP" altLang="en-US" sz="2000" dirty="0">
+              <a:solidFill>
+                <a:schemeClr val="bg2"/>
+              </a:solidFill>
+            </a:endParaRPr>
           </a:p>
         </p:txBody>
       </p:sp>
@@ -8513,12 +8819,15 @@
         </p:nvSpPr>
         <p:spPr>
           <a:xfrm rot="20596971">
-            <a:off x="3705141" y="4510435"/>
-            <a:ext cx="2286000" cy="1504241"/>
+            <a:off x="3719683" y="4508298"/>
+            <a:ext cx="2286000" cy="1605353"/>
           </a:xfrm>
           <a:prstGeom prst="star7">
             <a:avLst/>
           </a:prstGeom>
+          <a:solidFill>
+            <a:schemeClr val="tx1"/>
+          </a:solidFill>
         </p:spPr>
         <p:style>
           <a:lnRef idx="3">
@@ -8540,22 +8849,42 @@
           <a:p>
             <a:pPr algn="ctr"/>
             <a:r>
-              <a:rPr kumimoji="1" lang="ja-JP" altLang="en-US" sz="2000" dirty="0" smtClean="0"/>
+              <a:rPr kumimoji="1" lang="ja-JP" altLang="en-US" sz="2000" dirty="0" smtClean="0">
+                <a:solidFill>
+                  <a:schemeClr val="bg1"/>
+                </a:solidFill>
+              </a:rPr>
               <a:t>アティチョお茶</a:t>
             </a:r>
-            <a:endParaRPr kumimoji="1" lang="en-US" altLang="ja-JP" sz="2000" dirty="0" smtClean="0"/>
+            <a:endParaRPr kumimoji="1" lang="en-US" altLang="ja-JP" sz="2000" dirty="0" smtClean="0">
+              <a:solidFill>
+                <a:schemeClr val="bg1"/>
+              </a:solidFill>
+            </a:endParaRPr>
           </a:p>
           <a:p>
             <a:pPr algn="ctr"/>
             <a:r>
-              <a:rPr lang="en-US" altLang="ja-JP" sz="2000" dirty="0" smtClean="0"/>
+              <a:rPr lang="en-US" altLang="ja-JP" sz="2000" dirty="0" smtClean="0">
+                <a:solidFill>
+                  <a:schemeClr val="bg1"/>
+                </a:solidFill>
+              </a:rPr>
               <a:t>350</a:t>
             </a:r>
             <a:r>
-              <a:rPr lang="ja-JP" altLang="en-US" sz="2000" smtClean="0"/>
+              <a:rPr lang="ja-JP" altLang="en-US" sz="2000" smtClean="0">
+                <a:solidFill>
+                  <a:schemeClr val="bg1"/>
+                </a:solidFill>
+              </a:rPr>
               <a:t>円</a:t>
             </a:r>
-            <a:endParaRPr kumimoji="1" lang="ja-JP" altLang="en-US" sz="2000" dirty="0"/>
+            <a:endParaRPr kumimoji="1" lang="ja-JP" altLang="en-US" sz="2000" dirty="0">
+              <a:solidFill>
+                <a:schemeClr val="bg1"/>
+              </a:solidFill>
+            </a:endParaRPr>
           </a:p>
         </p:txBody>
       </p:sp>
@@ -8567,12 +8896,15 @@
         </p:nvSpPr>
         <p:spPr>
           <a:xfrm rot="992826">
-            <a:off x="9788641" y="4767892"/>
-            <a:ext cx="2205918" cy="1373506"/>
+            <a:off x="9769790" y="4781369"/>
+            <a:ext cx="2317459" cy="1489661"/>
           </a:xfrm>
           <a:prstGeom prst="star7">
             <a:avLst/>
           </a:prstGeom>
+          <a:solidFill>
+            <a:schemeClr val="tx1"/>
+          </a:solidFill>
         </p:spPr>
         <p:style>
           <a:lnRef idx="0">
@@ -8593,27 +8925,371 @@
           <a:lstStyle/>
           <a:p>
             <a:pPr algn="ctr"/>
-            <a:endParaRPr kumimoji="1" lang="en-US" altLang="ja-JP" sz="2000" dirty="0" smtClean="0"/>
+            <a:endParaRPr kumimoji="1" lang="en-US" altLang="ja-JP" sz="2000" dirty="0" smtClean="0">
+              <a:solidFill>
+                <a:schemeClr val="bg1"/>
+              </a:solidFill>
+            </a:endParaRPr>
           </a:p>
           <a:p>
             <a:pPr algn="ctr"/>
             <a:r>
-              <a:rPr kumimoji="1" lang="ja-JP" altLang="en-US" sz="2000" dirty="0" smtClean="0"/>
+              <a:rPr kumimoji="1" lang="ja-JP" altLang="en-US" sz="2000" dirty="0" smtClean="0">
+                <a:solidFill>
+                  <a:schemeClr val="bg1"/>
+                </a:solidFill>
+              </a:rPr>
               <a:t>蓮の花お茶</a:t>
             </a:r>
-            <a:endParaRPr kumimoji="1" lang="en-US" altLang="ja-JP" sz="2000" dirty="0" smtClean="0"/>
+            <a:endParaRPr kumimoji="1" lang="en-US" altLang="ja-JP" sz="2000" dirty="0" smtClean="0">
+              <a:solidFill>
+                <a:schemeClr val="bg1"/>
+              </a:solidFill>
+            </a:endParaRPr>
           </a:p>
           <a:p>
             <a:pPr algn="ctr"/>
             <a:r>
-              <a:rPr lang="en-US" altLang="ja-JP" sz="2000" dirty="0" smtClean="0"/>
+              <a:rPr lang="en-US" altLang="ja-JP" sz="2000" dirty="0" smtClean="0">
+                <a:solidFill>
+                  <a:schemeClr val="bg1"/>
+                </a:solidFill>
+              </a:rPr>
               <a:t>500</a:t>
             </a:r>
             <a:r>
-              <a:rPr lang="ja-JP" altLang="en-US" sz="2000" dirty="0" smtClean="0"/>
+              <a:rPr lang="ja-JP" altLang="en-US" sz="2000" dirty="0" smtClean="0">
+                <a:solidFill>
+                  <a:schemeClr val="bg1"/>
+                </a:solidFill>
+              </a:rPr>
               <a:t>円</a:t>
             </a:r>
-            <a:endParaRPr kumimoji="1" lang="ja-JP" altLang="en-US" sz="2000" dirty="0"/>
+            <a:endParaRPr kumimoji="1" lang="ja-JP" altLang="en-US" sz="2000" dirty="0">
+              <a:solidFill>
+                <a:schemeClr val="bg1"/>
+              </a:solidFill>
+            </a:endParaRPr>
+          </a:p>
+        </p:txBody>
+      </p:sp>
+      <p:sp>
+        <p:nvSpPr>
+          <p:cNvPr id="13" name="テキスト ボックス 12"/>
+          <p:cNvSpPr txBox="1"/>
+          <p:nvPr/>
+        </p:nvSpPr>
+        <p:spPr>
+          <a:xfrm>
+            <a:off x="327364" y="237004"/>
+            <a:ext cx="3491345" cy="307777"/>
+          </a:xfrm>
+          <a:prstGeom prst="rect">
+            <a:avLst/>
+          </a:prstGeom>
+          <a:noFill/>
+        </p:spPr>
+        <p:txBody>
+          <a:bodyPr wrap="square" rtlCol="0">
+            <a:spAutoFit/>
+          </a:bodyPr>
+          <a:lstStyle/>
+          <a:p>
+            <a:r>
+              <a:rPr kumimoji="1" lang="ja-JP" altLang="en-US" sz="1400" dirty="0" smtClean="0">
+                <a:solidFill>
+                  <a:srgbClr val="FFFF00"/>
+                </a:solidFill>
+              </a:rPr>
+              <a:t>丘の上の茶店</a:t>
+            </a:r>
+            <a:endParaRPr kumimoji="1" lang="ja-JP" altLang="en-US" sz="1400" dirty="0">
+              <a:solidFill>
+                <a:srgbClr val="FFFF00"/>
+              </a:solidFill>
+            </a:endParaRPr>
+          </a:p>
+        </p:txBody>
+      </p:sp>
+      <p:sp>
+        <p:nvSpPr>
+          <p:cNvPr id="10" name="正方形/長方形 9"/>
+          <p:cNvSpPr/>
+          <p:nvPr/>
+        </p:nvSpPr>
+        <p:spPr>
+          <a:xfrm>
+            <a:off x="172807" y="591432"/>
+            <a:ext cx="2658100" cy="584775"/>
+          </a:xfrm>
+          <a:prstGeom prst="rect">
+            <a:avLst/>
+          </a:prstGeom>
+        </p:spPr>
+        <p:txBody>
+          <a:bodyPr wrap="none">
+            <a:spAutoFit/>
+          </a:bodyPr>
+          <a:lstStyle/>
+          <a:p>
+            <a:pPr algn="ctr"/>
+            <a:r>
+              <a:rPr kumimoji="1" lang="en-US" altLang="ja-JP" sz="3200" dirty="0">
+                <a:solidFill>
+                  <a:srgbClr val="ED7613"/>
+                </a:solidFill>
+                <a:latin typeface="Algerian" panose="04020705040A02060702" pitchFamily="82" charset="0"/>
+              </a:rPr>
+              <a:t>Y O U  &amp;  M  E</a:t>
+            </a:r>
+            <a:endParaRPr kumimoji="1" lang="ja-JP" altLang="en-US" sz="3200" dirty="0">
+              <a:solidFill>
+                <a:srgbClr val="ED7613"/>
+              </a:solidFill>
+              <a:latin typeface="Algerian" panose="04020705040A02060702" pitchFamily="82" charset="0"/>
+            </a:endParaRPr>
+          </a:p>
+        </p:txBody>
+      </p:sp>
+      <p:sp>
+        <p:nvSpPr>
+          <p:cNvPr id="18" name="正方形/長方形 17"/>
+          <p:cNvSpPr/>
+          <p:nvPr/>
+        </p:nvSpPr>
+        <p:spPr>
+          <a:xfrm>
+            <a:off x="3761135" y="1028572"/>
+            <a:ext cx="1618058" cy="518529"/>
+          </a:xfrm>
+          <a:prstGeom prst="rect">
+            <a:avLst/>
+          </a:prstGeom>
+          <a:solidFill>
+            <a:srgbClr val="92D050"/>
+          </a:solidFill>
+        </p:spPr>
+        <p:style>
+          <a:lnRef idx="2">
+            <a:schemeClr val="accent3">
+              <a:shade val="50000"/>
+            </a:schemeClr>
+          </a:lnRef>
+          <a:fillRef idx="1">
+            <a:schemeClr val="accent3"/>
+          </a:fillRef>
+          <a:effectRef idx="0">
+            <a:schemeClr val="accent3"/>
+          </a:effectRef>
+          <a:fontRef idx="minor">
+            <a:schemeClr val="lt1"/>
+          </a:fontRef>
+        </p:style>
+        <p:txBody>
+          <a:bodyPr rtlCol="0" anchor="ctr"/>
+          <a:lstStyle/>
+          <a:p>
+            <a:pPr algn="ctr"/>
+            <a:r>
+              <a:rPr kumimoji="1" lang="en-US" altLang="ja-JP" sz="1400" dirty="0" smtClean="0"/>
+              <a:t>MENU</a:t>
+            </a:r>
+            <a:endParaRPr kumimoji="1" lang="ja-JP" altLang="en-US" sz="1400" dirty="0"/>
+          </a:p>
+        </p:txBody>
+      </p:sp>
+      <p:sp>
+        <p:nvSpPr>
+          <p:cNvPr id="19" name="正方形/長方形 18"/>
+          <p:cNvSpPr/>
+          <p:nvPr/>
+        </p:nvSpPr>
+        <p:spPr>
+          <a:xfrm>
+            <a:off x="8495781" y="1014494"/>
+            <a:ext cx="1618058" cy="546687"/>
+          </a:xfrm>
+          <a:prstGeom prst="rect">
+            <a:avLst/>
+          </a:prstGeom>
+          <a:solidFill>
+            <a:srgbClr val="92D050"/>
+          </a:solidFill>
+        </p:spPr>
+        <p:style>
+          <a:lnRef idx="2">
+            <a:schemeClr val="accent1">
+              <a:shade val="50000"/>
+            </a:schemeClr>
+          </a:lnRef>
+          <a:fillRef idx="1">
+            <a:schemeClr val="accent1"/>
+          </a:fillRef>
+          <a:effectRef idx="0">
+            <a:schemeClr val="accent1"/>
+          </a:effectRef>
+          <a:fontRef idx="minor">
+            <a:schemeClr val="lt1"/>
+          </a:fontRef>
+        </p:style>
+        <p:txBody>
+          <a:bodyPr rtlCol="0" anchor="ctr"/>
+          <a:lstStyle/>
+          <a:p>
+            <a:pPr algn="ctr"/>
+            <a:r>
+              <a:rPr kumimoji="1" lang="ja-JP" altLang="en-US" sz="1400" dirty="0" smtClean="0"/>
+              <a:t>おすすめの</a:t>
+            </a:r>
+            <a:r>
+              <a:rPr kumimoji="1" lang="ja-JP" altLang="en-US" sz="1400" dirty="0"/>
+              <a:t>茶</a:t>
+            </a:r>
+          </a:p>
+        </p:txBody>
+      </p:sp>
+      <p:sp>
+        <p:nvSpPr>
+          <p:cNvPr id="20" name="正方形/長方形 19"/>
+          <p:cNvSpPr/>
+          <p:nvPr/>
+        </p:nvSpPr>
+        <p:spPr>
+          <a:xfrm>
+            <a:off x="5363568" y="1014494"/>
+            <a:ext cx="1618058" cy="546687"/>
+          </a:xfrm>
+          <a:prstGeom prst="rect">
+            <a:avLst/>
+          </a:prstGeom>
+          <a:solidFill>
+            <a:srgbClr val="92D050"/>
+          </a:solidFill>
+        </p:spPr>
+        <p:style>
+          <a:lnRef idx="2">
+            <a:schemeClr val="accent1">
+              <a:shade val="50000"/>
+            </a:schemeClr>
+          </a:lnRef>
+          <a:fillRef idx="1">
+            <a:schemeClr val="accent1"/>
+          </a:fillRef>
+          <a:effectRef idx="0">
+            <a:schemeClr val="accent1"/>
+          </a:effectRef>
+          <a:fontRef idx="minor">
+            <a:schemeClr val="lt1"/>
+          </a:fontRef>
+        </p:style>
+        <p:txBody>
+          <a:bodyPr rtlCol="0" anchor="ctr"/>
+          <a:lstStyle/>
+          <a:p>
+            <a:pPr algn="ctr"/>
+            <a:r>
+              <a:rPr kumimoji="1" lang="en-US" altLang="ja-JP" sz="1400" dirty="0" smtClean="0"/>
+              <a:t>YOU&amp;ME</a:t>
+            </a:r>
+            <a:r>
+              <a:rPr kumimoji="1" lang="ja-JP" altLang="en-US" sz="1200" dirty="0" smtClean="0"/>
+              <a:t>について</a:t>
+            </a:r>
+            <a:endParaRPr kumimoji="1" lang="ja-JP" altLang="en-US" sz="1200" dirty="0"/>
+          </a:p>
+        </p:txBody>
+      </p:sp>
+      <p:sp>
+        <p:nvSpPr>
+          <p:cNvPr id="21" name="正方形/長方形 20"/>
+          <p:cNvSpPr/>
+          <p:nvPr/>
+        </p:nvSpPr>
+        <p:spPr>
+          <a:xfrm>
+            <a:off x="6981626" y="1014494"/>
+            <a:ext cx="1496068" cy="546687"/>
+          </a:xfrm>
+          <a:prstGeom prst="rect">
+            <a:avLst/>
+          </a:prstGeom>
+          <a:solidFill>
+            <a:srgbClr val="92D050"/>
+          </a:solidFill>
+        </p:spPr>
+        <p:style>
+          <a:lnRef idx="2">
+            <a:schemeClr val="accent1">
+              <a:shade val="50000"/>
+            </a:schemeClr>
+          </a:lnRef>
+          <a:fillRef idx="1">
+            <a:schemeClr val="accent1"/>
+          </a:fillRef>
+          <a:effectRef idx="0">
+            <a:schemeClr val="accent1"/>
+          </a:effectRef>
+          <a:fontRef idx="minor">
+            <a:schemeClr val="lt1"/>
+          </a:fontRef>
+        </p:style>
+        <p:txBody>
+          <a:bodyPr rtlCol="0" anchor="ctr"/>
+          <a:lstStyle/>
+          <a:p>
+            <a:pPr algn="ctr"/>
+            <a:r>
+              <a:rPr kumimoji="1" lang="ja-JP" altLang="en-US" sz="1400" dirty="0" smtClean="0"/>
+              <a:t>人気ランキング</a:t>
+            </a:r>
+            <a:endParaRPr kumimoji="1" lang="ja-JP" altLang="en-US" sz="1400" dirty="0"/>
+          </a:p>
+        </p:txBody>
+      </p:sp>
+      <p:sp>
+        <p:nvSpPr>
+          <p:cNvPr id="22" name="正方形/長方形 21"/>
+          <p:cNvSpPr/>
+          <p:nvPr/>
+        </p:nvSpPr>
+        <p:spPr>
+          <a:xfrm>
+            <a:off x="10131926" y="1014494"/>
+            <a:ext cx="1551932" cy="546687"/>
+          </a:xfrm>
+          <a:prstGeom prst="rect">
+            <a:avLst/>
+          </a:prstGeom>
+          <a:solidFill>
+            <a:srgbClr val="92D050"/>
+          </a:solidFill>
+        </p:spPr>
+        <p:style>
+          <a:lnRef idx="2">
+            <a:schemeClr val="accent1">
+              <a:shade val="50000"/>
+            </a:schemeClr>
+          </a:lnRef>
+          <a:fillRef idx="1">
+            <a:schemeClr val="accent1"/>
+          </a:fillRef>
+          <a:effectRef idx="0">
+            <a:schemeClr val="accent1"/>
+          </a:effectRef>
+          <a:fontRef idx="minor">
+            <a:schemeClr val="lt1"/>
+          </a:fontRef>
+        </p:style>
+        <p:txBody>
+          <a:bodyPr rtlCol="0" anchor="ctr"/>
+          <a:lstStyle/>
+          <a:p>
+            <a:pPr algn="ctr"/>
+            <a:r>
+              <a:rPr kumimoji="1" lang="ja-JP" altLang="en-US" sz="1400" dirty="0" smtClean="0"/>
+              <a:t>アクセスマップ</a:t>
+            </a:r>
+            <a:endParaRPr kumimoji="1" lang="ja-JP" altLang="en-US" sz="1400" dirty="0"/>
           </a:p>
         </p:txBody>
       </p:sp>
@@ -8678,10 +9354,13 @@
         </p:nvSpPr>
         <p:spPr>
           <a:xfrm>
-            <a:off x="1867989" y="152399"/>
-            <a:ext cx="8307977" cy="657497"/>
-          </a:xfrm>
-          <a:ln/>
+            <a:off x="3713962" y="78378"/>
+            <a:ext cx="4297680" cy="657497"/>
+          </a:xfrm>
+          <a:noFill/>
+          <a:ln>
+            <a:noFill/>
+          </a:ln>
         </p:spPr>
         <p:style>
           <a:lnRef idx="2">
@@ -9018,6 +9697,326 @@
               <a:t>円　</a:t>
             </a:r>
             <a:endParaRPr kumimoji="1" lang="ja-JP" altLang="en-US" dirty="0"/>
+          </a:p>
+        </p:txBody>
+      </p:sp>
+      <p:sp>
+        <p:nvSpPr>
+          <p:cNvPr id="12" name="テキスト ボックス 11"/>
+          <p:cNvSpPr txBox="1"/>
+          <p:nvPr/>
+        </p:nvSpPr>
+        <p:spPr>
+          <a:xfrm>
+            <a:off x="222617" y="325600"/>
+            <a:ext cx="3491345" cy="307777"/>
+          </a:xfrm>
+          <a:prstGeom prst="rect">
+            <a:avLst/>
+          </a:prstGeom>
+          <a:noFill/>
+        </p:spPr>
+        <p:txBody>
+          <a:bodyPr wrap="square" rtlCol="0">
+            <a:spAutoFit/>
+          </a:bodyPr>
+          <a:lstStyle/>
+          <a:p>
+            <a:r>
+              <a:rPr kumimoji="1" lang="ja-JP" altLang="en-US" sz="1400" dirty="0" smtClean="0">
+                <a:solidFill>
+                  <a:srgbClr val="FFFF00"/>
+                </a:solidFill>
+              </a:rPr>
+              <a:t>丘の上の茶店</a:t>
+            </a:r>
+            <a:endParaRPr kumimoji="1" lang="ja-JP" altLang="en-US" sz="1400" dirty="0">
+              <a:solidFill>
+                <a:srgbClr val="FFFF00"/>
+              </a:solidFill>
+            </a:endParaRPr>
+          </a:p>
+        </p:txBody>
+      </p:sp>
+      <p:sp>
+        <p:nvSpPr>
+          <p:cNvPr id="13" name="正方形/長方形 12"/>
+          <p:cNvSpPr/>
+          <p:nvPr/>
+        </p:nvSpPr>
+        <p:spPr>
+          <a:xfrm>
+            <a:off x="221407" y="639274"/>
+            <a:ext cx="2658100" cy="584775"/>
+          </a:xfrm>
+          <a:prstGeom prst="rect">
+            <a:avLst/>
+          </a:prstGeom>
+        </p:spPr>
+        <p:txBody>
+          <a:bodyPr wrap="none">
+            <a:spAutoFit/>
+          </a:bodyPr>
+          <a:lstStyle/>
+          <a:p>
+            <a:pPr algn="ctr"/>
+            <a:r>
+              <a:rPr kumimoji="1" lang="en-US" altLang="ja-JP" sz="3200" dirty="0">
+                <a:solidFill>
+                  <a:srgbClr val="ED7613"/>
+                </a:solidFill>
+                <a:latin typeface="Algerian" panose="04020705040A02060702" pitchFamily="82" charset="0"/>
+              </a:rPr>
+              <a:t>Y O U  &amp;  M  E</a:t>
+            </a:r>
+            <a:endParaRPr kumimoji="1" lang="ja-JP" altLang="en-US" sz="3200" dirty="0">
+              <a:solidFill>
+                <a:srgbClr val="ED7613"/>
+              </a:solidFill>
+              <a:latin typeface="Algerian" panose="04020705040A02060702" pitchFamily="82" charset="0"/>
+            </a:endParaRPr>
+          </a:p>
+        </p:txBody>
+      </p:sp>
+      <p:sp>
+        <p:nvSpPr>
+          <p:cNvPr id="15" name="正方形/長方形 14"/>
+          <p:cNvSpPr/>
+          <p:nvPr/>
+        </p:nvSpPr>
+        <p:spPr>
+          <a:xfrm>
+            <a:off x="3680723" y="717485"/>
+            <a:ext cx="1618058" cy="518529"/>
+          </a:xfrm>
+          <a:prstGeom prst="rect">
+            <a:avLst/>
+          </a:prstGeom>
+          <a:solidFill>
+            <a:srgbClr val="92D050"/>
+          </a:solidFill>
+        </p:spPr>
+        <p:style>
+          <a:lnRef idx="2">
+            <a:schemeClr val="accent3">
+              <a:shade val="50000"/>
+            </a:schemeClr>
+          </a:lnRef>
+          <a:fillRef idx="1">
+            <a:schemeClr val="accent3"/>
+          </a:fillRef>
+          <a:effectRef idx="0">
+            <a:schemeClr val="accent3"/>
+          </a:effectRef>
+          <a:fontRef idx="minor">
+            <a:schemeClr val="lt1"/>
+          </a:fontRef>
+        </p:style>
+        <p:txBody>
+          <a:bodyPr rtlCol="0" anchor="ctr"/>
+          <a:lstStyle/>
+          <a:p>
+            <a:pPr algn="ctr"/>
+            <a:r>
+              <a:rPr kumimoji="1" lang="en-US" altLang="ja-JP" sz="1400" dirty="0" smtClean="0"/>
+              <a:t>MENU</a:t>
+            </a:r>
+            <a:endParaRPr kumimoji="1" lang="ja-JP" altLang="en-US" sz="1400" dirty="0"/>
+          </a:p>
+        </p:txBody>
+      </p:sp>
+      <p:sp>
+        <p:nvSpPr>
+          <p:cNvPr id="16" name="正方形/長方形 15"/>
+          <p:cNvSpPr/>
+          <p:nvPr/>
+        </p:nvSpPr>
+        <p:spPr>
+          <a:xfrm>
+            <a:off x="8415369" y="703407"/>
+            <a:ext cx="1618058" cy="546687"/>
+          </a:xfrm>
+          <a:prstGeom prst="rect">
+            <a:avLst/>
+          </a:prstGeom>
+          <a:solidFill>
+            <a:srgbClr val="92D050"/>
+          </a:solidFill>
+        </p:spPr>
+        <p:style>
+          <a:lnRef idx="2">
+            <a:schemeClr val="accent1">
+              <a:shade val="50000"/>
+            </a:schemeClr>
+          </a:lnRef>
+          <a:fillRef idx="1">
+            <a:schemeClr val="accent1"/>
+          </a:fillRef>
+          <a:effectRef idx="0">
+            <a:schemeClr val="accent1"/>
+          </a:effectRef>
+          <a:fontRef idx="minor">
+            <a:schemeClr val="lt1"/>
+          </a:fontRef>
+        </p:style>
+        <p:txBody>
+          <a:bodyPr rtlCol="0" anchor="ctr"/>
+          <a:lstStyle/>
+          <a:p>
+            <a:pPr algn="ctr"/>
+            <a:r>
+              <a:rPr kumimoji="1" lang="ja-JP" altLang="en-US" sz="1400" dirty="0" smtClean="0"/>
+              <a:t>おすすめの</a:t>
+            </a:r>
+            <a:r>
+              <a:rPr kumimoji="1" lang="ja-JP" altLang="en-US" sz="1400" dirty="0"/>
+              <a:t>茶</a:t>
+            </a:r>
+          </a:p>
+        </p:txBody>
+      </p:sp>
+      <p:sp>
+        <p:nvSpPr>
+          <p:cNvPr id="18" name="正方形/長方形 17"/>
+          <p:cNvSpPr/>
+          <p:nvPr/>
+        </p:nvSpPr>
+        <p:spPr>
+          <a:xfrm>
+            <a:off x="5283156" y="703407"/>
+            <a:ext cx="1618058" cy="546687"/>
+          </a:xfrm>
+          <a:prstGeom prst="rect">
+            <a:avLst/>
+          </a:prstGeom>
+          <a:solidFill>
+            <a:srgbClr val="92D050"/>
+          </a:solidFill>
+        </p:spPr>
+        <p:style>
+          <a:lnRef idx="2">
+            <a:schemeClr val="accent1">
+              <a:shade val="50000"/>
+            </a:schemeClr>
+          </a:lnRef>
+          <a:fillRef idx="1">
+            <a:schemeClr val="accent1"/>
+          </a:fillRef>
+          <a:effectRef idx="0">
+            <a:schemeClr val="accent1"/>
+          </a:effectRef>
+          <a:fontRef idx="minor">
+            <a:schemeClr val="lt1"/>
+          </a:fontRef>
+        </p:style>
+        <p:txBody>
+          <a:bodyPr rtlCol="0" anchor="ctr"/>
+          <a:lstStyle/>
+          <a:p>
+            <a:pPr algn="ctr"/>
+            <a:r>
+              <a:rPr kumimoji="1" lang="en-US" altLang="ja-JP" sz="1400" dirty="0" smtClean="0"/>
+              <a:t>YOU&amp;ME</a:t>
+            </a:r>
+            <a:r>
+              <a:rPr kumimoji="1" lang="ja-JP" altLang="en-US" sz="1200" dirty="0" smtClean="0"/>
+              <a:t>について</a:t>
+            </a:r>
+            <a:endParaRPr kumimoji="1" lang="ja-JP" altLang="en-US" sz="1200" dirty="0"/>
+          </a:p>
+        </p:txBody>
+      </p:sp>
+      <p:sp>
+        <p:nvSpPr>
+          <p:cNvPr id="21" name="正方形/長方形 20"/>
+          <p:cNvSpPr/>
+          <p:nvPr/>
+        </p:nvSpPr>
+        <p:spPr>
+          <a:xfrm>
+            <a:off x="6901214" y="703407"/>
+            <a:ext cx="1496068" cy="546687"/>
+          </a:xfrm>
+          <a:prstGeom prst="rect">
+            <a:avLst/>
+          </a:prstGeom>
+          <a:solidFill>
+            <a:srgbClr val="92D050"/>
+          </a:solidFill>
+        </p:spPr>
+        <p:style>
+          <a:lnRef idx="2">
+            <a:schemeClr val="accent1">
+              <a:shade val="50000"/>
+            </a:schemeClr>
+          </a:lnRef>
+          <a:fillRef idx="1">
+            <a:schemeClr val="accent1"/>
+          </a:fillRef>
+          <a:effectRef idx="0">
+            <a:schemeClr val="accent1"/>
+          </a:effectRef>
+          <a:fontRef idx="minor">
+            <a:schemeClr val="lt1"/>
+          </a:fontRef>
+        </p:style>
+        <p:txBody>
+          <a:bodyPr rtlCol="0" anchor="ctr"/>
+          <a:lstStyle/>
+          <a:p>
+            <a:pPr algn="ctr"/>
+            <a:r>
+              <a:rPr kumimoji="1" lang="ja-JP" altLang="en-US" sz="1400" dirty="0" smtClean="0"/>
+              <a:t>人気ランキング</a:t>
+            </a:r>
+            <a:endParaRPr kumimoji="1" lang="ja-JP" altLang="en-US" sz="1400" dirty="0"/>
+          </a:p>
+        </p:txBody>
+      </p:sp>
+      <p:sp>
+        <p:nvSpPr>
+          <p:cNvPr id="22" name="正方形/長方形 21"/>
+          <p:cNvSpPr/>
+          <p:nvPr/>
+        </p:nvSpPr>
+        <p:spPr>
+          <a:xfrm>
+            <a:off x="10051514" y="703407"/>
+            <a:ext cx="1551932" cy="546687"/>
+          </a:xfrm>
+          <a:prstGeom prst="rect">
+            <a:avLst/>
+          </a:prstGeom>
+          <a:solidFill>
+            <a:srgbClr val="92D050"/>
+          </a:solidFill>
+        </p:spPr>
+        <p:style>
+          <a:lnRef idx="2">
+            <a:schemeClr val="accent1">
+              <a:shade val="50000"/>
+            </a:schemeClr>
+          </a:lnRef>
+          <a:fillRef idx="1">
+            <a:schemeClr val="accent1"/>
+          </a:fillRef>
+          <a:effectRef idx="0">
+            <a:schemeClr val="accent1"/>
+          </a:effectRef>
+          <a:fontRef idx="minor">
+            <a:schemeClr val="lt1"/>
+          </a:fontRef>
+        </p:style>
+        <p:txBody>
+          <a:bodyPr rtlCol="0" anchor="ctr"/>
+          <a:lstStyle/>
+          <a:p>
+            <a:pPr algn="ctr"/>
+            <a:r>
+              <a:rPr kumimoji="1" lang="ja-JP" altLang="en-US" sz="1400" dirty="0" smtClean="0"/>
+              <a:t>アクセスマップ</a:t>
+            </a:r>
+            <a:endParaRPr kumimoji="1" lang="ja-JP" altLang="en-US" sz="1400" dirty="0"/>
           </a:p>
         </p:txBody>
       </p:sp>
@@ -9078,18 +10077,13 @@
         </p:nvSpPr>
         <p:spPr>
           <a:xfrm>
-            <a:off x="2413066" y="211381"/>
-            <a:ext cx="7356763" cy="738664"/>
+            <a:off x="2334689" y="1567"/>
+            <a:ext cx="7356763" cy="861774"/>
           </a:xfrm>
           <a:prstGeom prst="rect">
             <a:avLst/>
           </a:prstGeom>
-          <a:solidFill>
-            <a:schemeClr val="accent2">
-              <a:lumMod val="40000"/>
-              <a:lumOff val="60000"/>
-            </a:schemeClr>
-          </a:solidFill>
+          <a:noFill/>
         </p:spPr>
         <p:txBody>
           <a:bodyPr wrap="square" rtlCol="0">
@@ -9099,40 +10093,40 @@
           <a:p>
             <a:pPr algn="ctr"/>
             <a:r>
-              <a:rPr kumimoji="1" lang="en-US" altLang="ja-JP" sz="2400" dirty="0" smtClean="0">
-                <a:solidFill>
-                  <a:srgbClr val="00B050"/>
+              <a:rPr kumimoji="1" lang="en-US" altLang="ja-JP" sz="3200" dirty="0" smtClean="0">
+                <a:solidFill>
+                  <a:srgbClr val="FF33CC"/>
                 </a:solidFill>
               </a:rPr>
               <a:t>YOU&amp;ME</a:t>
             </a:r>
             <a:r>
-              <a:rPr kumimoji="1" lang="ja-JP" altLang="en-US" sz="2400" dirty="0" smtClean="0">
-                <a:solidFill>
-                  <a:srgbClr val="00B050"/>
+              <a:rPr kumimoji="1" lang="ja-JP" altLang="en-US" sz="3200" dirty="0" smtClean="0">
+                <a:solidFill>
+                  <a:srgbClr val="FF33CC"/>
                 </a:solidFill>
               </a:rPr>
               <a:t>のお茶の効果</a:t>
             </a:r>
-            <a:endParaRPr kumimoji="1" lang="en-US" altLang="ja-JP" sz="2400" dirty="0" smtClean="0">
+            <a:endParaRPr kumimoji="1" lang="en-US" altLang="ja-JP" sz="3200" dirty="0" smtClean="0">
               <a:solidFill>
-                <a:srgbClr val="00B050"/>
+                <a:srgbClr val="FF33CC"/>
               </a:solidFill>
             </a:endParaRPr>
           </a:p>
           <a:p>
             <a:pPr algn="ctr"/>
             <a:r>
-              <a:rPr kumimoji="1" lang="ja-JP" altLang="en-US" dirty="0" smtClean="0">
-                <a:solidFill>
-                  <a:srgbClr val="7030A0"/>
+              <a:rPr kumimoji="1" lang="ja-JP" altLang="en-US" sz="1600" dirty="0" smtClean="0">
+                <a:solidFill>
+                  <a:schemeClr val="tx2"/>
                 </a:solidFill>
               </a:rPr>
               <a:t>おいしいだけでなく、健康のために</a:t>
             </a:r>
-            <a:endParaRPr kumimoji="1" lang="ja-JP" altLang="en-US" dirty="0">
+            <a:endParaRPr kumimoji="1" lang="ja-JP" altLang="en-US" sz="1600" dirty="0">
               <a:solidFill>
-                <a:srgbClr val="7030A0"/>
+                <a:schemeClr val="tx2"/>
               </a:solidFill>
             </a:endParaRPr>
           </a:p>
@@ -9146,15 +10140,36 @@
         </p:nvSpPr>
         <p:spPr>
           <a:xfrm>
-            <a:off x="1593272" y="1136069"/>
+            <a:off x="1501832" y="1658583"/>
             <a:ext cx="4696692" cy="2452258"/>
           </a:xfrm>
           <a:prstGeom prst="rect">
             <a:avLst/>
           </a:prstGeom>
-          <a:solidFill>
-            <a:srgbClr val="92D050"/>
-          </a:solidFill>
+          <a:gradFill flip="none" rotWithShape="1">
+            <a:gsLst>
+              <a:gs pos="0">
+                <a:srgbClr val="FFFF00">
+                  <a:shade val="30000"/>
+                  <a:satMod val="115000"/>
+                </a:srgbClr>
+              </a:gs>
+              <a:gs pos="50000">
+                <a:srgbClr val="FFFF00">
+                  <a:shade val="67500"/>
+                  <a:satMod val="115000"/>
+                </a:srgbClr>
+              </a:gs>
+              <a:gs pos="100000">
+                <a:srgbClr val="FFFF00">
+                  <a:shade val="100000"/>
+                  <a:satMod val="115000"/>
+                </a:srgbClr>
+              </a:gs>
+            </a:gsLst>
+            <a:lin ang="8100000" scaled="1"/>
+            <a:tileRect/>
+          </a:gradFill>
         </p:spPr>
         <p:style>
           <a:lnRef idx="3">
@@ -9239,15 +10254,36 @@
         </p:nvSpPr>
         <p:spPr>
           <a:xfrm>
-            <a:off x="1593272" y="3588327"/>
+            <a:off x="1501832" y="4110841"/>
             <a:ext cx="4696692" cy="2424546"/>
           </a:xfrm>
           <a:prstGeom prst="rect">
             <a:avLst/>
           </a:prstGeom>
-          <a:solidFill>
-            <a:srgbClr val="92D050"/>
-          </a:solidFill>
+          <a:gradFill flip="none" rotWithShape="1">
+            <a:gsLst>
+              <a:gs pos="0">
+                <a:srgbClr val="FFFF00">
+                  <a:shade val="30000"/>
+                  <a:satMod val="115000"/>
+                </a:srgbClr>
+              </a:gs>
+              <a:gs pos="50000">
+                <a:srgbClr val="FFFF00">
+                  <a:shade val="67500"/>
+                  <a:satMod val="115000"/>
+                </a:srgbClr>
+              </a:gs>
+              <a:gs pos="100000">
+                <a:srgbClr val="FFFF00">
+                  <a:shade val="100000"/>
+                  <a:satMod val="115000"/>
+                </a:srgbClr>
+              </a:gs>
+            </a:gsLst>
+            <a:lin ang="8100000" scaled="1"/>
+            <a:tileRect/>
+          </a:gradFill>
         </p:spPr>
         <p:style>
           <a:lnRef idx="3">
@@ -9328,15 +10364,36 @@
         </p:nvSpPr>
         <p:spPr>
           <a:xfrm>
-            <a:off x="6289964" y="1136069"/>
+            <a:off x="6198524" y="1658583"/>
             <a:ext cx="4475018" cy="2452258"/>
           </a:xfrm>
           <a:prstGeom prst="rect">
             <a:avLst/>
           </a:prstGeom>
-          <a:solidFill>
-            <a:srgbClr val="92D050"/>
-          </a:solidFill>
+          <a:gradFill flip="none" rotWithShape="1">
+            <a:gsLst>
+              <a:gs pos="0">
+                <a:srgbClr val="FFFF00">
+                  <a:shade val="30000"/>
+                  <a:satMod val="115000"/>
+                </a:srgbClr>
+              </a:gs>
+              <a:gs pos="50000">
+                <a:srgbClr val="FFFF00">
+                  <a:shade val="67500"/>
+                  <a:satMod val="115000"/>
+                </a:srgbClr>
+              </a:gs>
+              <a:gs pos="100000">
+                <a:srgbClr val="FFFF00">
+                  <a:shade val="100000"/>
+                  <a:satMod val="115000"/>
+                </a:srgbClr>
+              </a:gs>
+            </a:gsLst>
+            <a:lin ang="8100000" scaled="1"/>
+            <a:tileRect/>
+          </a:gradFill>
         </p:spPr>
         <p:style>
           <a:lnRef idx="3">
@@ -9449,15 +10506,36 @@
         </p:nvSpPr>
         <p:spPr>
           <a:xfrm>
-            <a:off x="6289964" y="3588327"/>
+            <a:off x="6198524" y="4110841"/>
             <a:ext cx="4475018" cy="2424546"/>
           </a:xfrm>
           <a:prstGeom prst="rect">
             <a:avLst/>
           </a:prstGeom>
-          <a:solidFill>
-            <a:srgbClr val="92D050"/>
-          </a:solidFill>
+          <a:gradFill flip="none" rotWithShape="1">
+            <a:gsLst>
+              <a:gs pos="0">
+                <a:srgbClr val="FFFF00">
+                  <a:shade val="30000"/>
+                  <a:satMod val="115000"/>
+                </a:srgbClr>
+              </a:gs>
+              <a:gs pos="50000">
+                <a:srgbClr val="FFFF00">
+                  <a:shade val="67500"/>
+                  <a:satMod val="115000"/>
+                </a:srgbClr>
+              </a:gs>
+              <a:gs pos="100000">
+                <a:srgbClr val="FFFF00">
+                  <a:shade val="100000"/>
+                  <a:satMod val="115000"/>
+                </a:srgbClr>
+              </a:gs>
+            </a:gsLst>
+            <a:lin ang="8100000" scaled="1"/>
+            <a:tileRect/>
+          </a:gradFill>
         </p:spPr>
         <p:style>
           <a:lnRef idx="3">
@@ -9538,6 +10616,326 @@
               <a:latin typeface="Arial Unicode MS" panose="020B0604020202020204" pitchFamily="50" charset="-128"/>
               <a:ea typeface="Arial Unicode MS" panose="020B0604020202020204" pitchFamily="50" charset="-128"/>
               <a:cs typeface="Arial Unicode MS" panose="020B0604020202020204" pitchFamily="50" charset="-128"/>
+            </a:endParaRPr>
+          </a:p>
+        </p:txBody>
+      </p:sp>
+      <p:sp>
+        <p:nvSpPr>
+          <p:cNvPr id="8" name="正方形/長方形 7"/>
+          <p:cNvSpPr/>
+          <p:nvPr/>
+        </p:nvSpPr>
+        <p:spPr>
+          <a:xfrm>
+            <a:off x="2750819" y="877419"/>
+            <a:ext cx="1618058" cy="518529"/>
+          </a:xfrm>
+          <a:prstGeom prst="rect">
+            <a:avLst/>
+          </a:prstGeom>
+          <a:solidFill>
+            <a:srgbClr val="92D050"/>
+          </a:solidFill>
+        </p:spPr>
+        <p:style>
+          <a:lnRef idx="2">
+            <a:schemeClr val="accent3">
+              <a:shade val="50000"/>
+            </a:schemeClr>
+          </a:lnRef>
+          <a:fillRef idx="1">
+            <a:schemeClr val="accent3"/>
+          </a:fillRef>
+          <a:effectRef idx="0">
+            <a:schemeClr val="accent3"/>
+          </a:effectRef>
+          <a:fontRef idx="minor">
+            <a:schemeClr val="lt1"/>
+          </a:fontRef>
+        </p:style>
+        <p:txBody>
+          <a:bodyPr rtlCol="0" anchor="ctr"/>
+          <a:lstStyle/>
+          <a:p>
+            <a:pPr algn="ctr"/>
+            <a:r>
+              <a:rPr kumimoji="1" lang="en-US" altLang="ja-JP" sz="1400" dirty="0" smtClean="0"/>
+              <a:t>MENU</a:t>
+            </a:r>
+            <a:endParaRPr kumimoji="1" lang="ja-JP" altLang="en-US" sz="1400" dirty="0"/>
+          </a:p>
+        </p:txBody>
+      </p:sp>
+      <p:sp>
+        <p:nvSpPr>
+          <p:cNvPr id="9" name="正方形/長方形 8"/>
+          <p:cNvSpPr/>
+          <p:nvPr/>
+        </p:nvSpPr>
+        <p:spPr>
+          <a:xfrm>
+            <a:off x="7485465" y="863341"/>
+            <a:ext cx="1618058" cy="546687"/>
+          </a:xfrm>
+          <a:prstGeom prst="rect">
+            <a:avLst/>
+          </a:prstGeom>
+          <a:solidFill>
+            <a:srgbClr val="92D050"/>
+          </a:solidFill>
+        </p:spPr>
+        <p:style>
+          <a:lnRef idx="2">
+            <a:schemeClr val="accent1">
+              <a:shade val="50000"/>
+            </a:schemeClr>
+          </a:lnRef>
+          <a:fillRef idx="1">
+            <a:schemeClr val="accent1"/>
+          </a:fillRef>
+          <a:effectRef idx="0">
+            <a:schemeClr val="accent1"/>
+          </a:effectRef>
+          <a:fontRef idx="minor">
+            <a:schemeClr val="lt1"/>
+          </a:fontRef>
+        </p:style>
+        <p:txBody>
+          <a:bodyPr rtlCol="0" anchor="ctr"/>
+          <a:lstStyle/>
+          <a:p>
+            <a:pPr algn="ctr"/>
+            <a:r>
+              <a:rPr kumimoji="1" lang="ja-JP" altLang="en-US" sz="1400" dirty="0" smtClean="0"/>
+              <a:t>おすすめの</a:t>
+            </a:r>
+            <a:r>
+              <a:rPr kumimoji="1" lang="ja-JP" altLang="en-US" sz="1400" dirty="0"/>
+              <a:t>茶</a:t>
+            </a:r>
+          </a:p>
+        </p:txBody>
+      </p:sp>
+      <p:sp>
+        <p:nvSpPr>
+          <p:cNvPr id="10" name="正方形/長方形 9"/>
+          <p:cNvSpPr/>
+          <p:nvPr/>
+        </p:nvSpPr>
+        <p:spPr>
+          <a:xfrm>
+            <a:off x="4353252" y="863341"/>
+            <a:ext cx="1618058" cy="546687"/>
+          </a:xfrm>
+          <a:prstGeom prst="rect">
+            <a:avLst/>
+          </a:prstGeom>
+          <a:solidFill>
+            <a:srgbClr val="92D050"/>
+          </a:solidFill>
+        </p:spPr>
+        <p:style>
+          <a:lnRef idx="2">
+            <a:schemeClr val="accent1">
+              <a:shade val="50000"/>
+            </a:schemeClr>
+          </a:lnRef>
+          <a:fillRef idx="1">
+            <a:schemeClr val="accent1"/>
+          </a:fillRef>
+          <a:effectRef idx="0">
+            <a:schemeClr val="accent1"/>
+          </a:effectRef>
+          <a:fontRef idx="minor">
+            <a:schemeClr val="lt1"/>
+          </a:fontRef>
+        </p:style>
+        <p:txBody>
+          <a:bodyPr rtlCol="0" anchor="ctr"/>
+          <a:lstStyle/>
+          <a:p>
+            <a:pPr algn="ctr"/>
+            <a:r>
+              <a:rPr kumimoji="1" lang="en-US" altLang="ja-JP" sz="1400" dirty="0" smtClean="0"/>
+              <a:t>YOU&amp;ME</a:t>
+            </a:r>
+            <a:r>
+              <a:rPr kumimoji="1" lang="ja-JP" altLang="en-US" sz="1200" dirty="0" smtClean="0"/>
+              <a:t>について</a:t>
+            </a:r>
+            <a:endParaRPr kumimoji="1" lang="ja-JP" altLang="en-US" sz="1200" dirty="0"/>
+          </a:p>
+        </p:txBody>
+      </p:sp>
+      <p:sp>
+        <p:nvSpPr>
+          <p:cNvPr id="11" name="正方形/長方形 10"/>
+          <p:cNvSpPr/>
+          <p:nvPr/>
+        </p:nvSpPr>
+        <p:spPr>
+          <a:xfrm>
+            <a:off x="5971310" y="863341"/>
+            <a:ext cx="1496068" cy="546687"/>
+          </a:xfrm>
+          <a:prstGeom prst="rect">
+            <a:avLst/>
+          </a:prstGeom>
+          <a:solidFill>
+            <a:srgbClr val="92D050"/>
+          </a:solidFill>
+        </p:spPr>
+        <p:style>
+          <a:lnRef idx="2">
+            <a:schemeClr val="accent1">
+              <a:shade val="50000"/>
+            </a:schemeClr>
+          </a:lnRef>
+          <a:fillRef idx="1">
+            <a:schemeClr val="accent1"/>
+          </a:fillRef>
+          <a:effectRef idx="0">
+            <a:schemeClr val="accent1"/>
+          </a:effectRef>
+          <a:fontRef idx="minor">
+            <a:schemeClr val="lt1"/>
+          </a:fontRef>
+        </p:style>
+        <p:txBody>
+          <a:bodyPr rtlCol="0" anchor="ctr"/>
+          <a:lstStyle/>
+          <a:p>
+            <a:pPr algn="ctr"/>
+            <a:r>
+              <a:rPr kumimoji="1" lang="ja-JP" altLang="en-US" sz="1400" dirty="0" smtClean="0"/>
+              <a:t>人気ランキング</a:t>
+            </a:r>
+            <a:endParaRPr kumimoji="1" lang="ja-JP" altLang="en-US" sz="1400" dirty="0"/>
+          </a:p>
+        </p:txBody>
+      </p:sp>
+      <p:sp>
+        <p:nvSpPr>
+          <p:cNvPr id="12" name="正方形/長方形 11"/>
+          <p:cNvSpPr/>
+          <p:nvPr/>
+        </p:nvSpPr>
+        <p:spPr>
+          <a:xfrm>
+            <a:off x="9121610" y="863341"/>
+            <a:ext cx="1551932" cy="546687"/>
+          </a:xfrm>
+          <a:prstGeom prst="rect">
+            <a:avLst/>
+          </a:prstGeom>
+          <a:solidFill>
+            <a:srgbClr val="92D050"/>
+          </a:solidFill>
+        </p:spPr>
+        <p:style>
+          <a:lnRef idx="2">
+            <a:schemeClr val="accent1">
+              <a:shade val="50000"/>
+            </a:schemeClr>
+          </a:lnRef>
+          <a:fillRef idx="1">
+            <a:schemeClr val="accent1"/>
+          </a:fillRef>
+          <a:effectRef idx="0">
+            <a:schemeClr val="accent1"/>
+          </a:effectRef>
+          <a:fontRef idx="minor">
+            <a:schemeClr val="lt1"/>
+          </a:fontRef>
+        </p:style>
+        <p:txBody>
+          <a:bodyPr rtlCol="0" anchor="ctr"/>
+          <a:lstStyle/>
+          <a:p>
+            <a:pPr algn="ctr"/>
+            <a:r>
+              <a:rPr kumimoji="1" lang="ja-JP" altLang="en-US" sz="1400" dirty="0" smtClean="0"/>
+              <a:t>アクセスマップ</a:t>
+            </a:r>
+            <a:endParaRPr kumimoji="1" lang="ja-JP" altLang="en-US" sz="1400" dirty="0"/>
+          </a:p>
+        </p:txBody>
+      </p:sp>
+      <p:sp>
+        <p:nvSpPr>
+          <p:cNvPr id="13" name="テキスト ボックス 12"/>
+          <p:cNvSpPr txBox="1"/>
+          <p:nvPr/>
+        </p:nvSpPr>
+        <p:spPr>
+          <a:xfrm>
+            <a:off x="196491" y="92953"/>
+            <a:ext cx="3491345" cy="307777"/>
+          </a:xfrm>
+          <a:prstGeom prst="rect">
+            <a:avLst/>
+          </a:prstGeom>
+          <a:noFill/>
+        </p:spPr>
+        <p:txBody>
+          <a:bodyPr wrap="square" rtlCol="0">
+            <a:spAutoFit/>
+          </a:bodyPr>
+          <a:lstStyle/>
+          <a:p>
+            <a:r>
+              <a:rPr kumimoji="1" lang="ja-JP" altLang="en-US" sz="1400" dirty="0" smtClean="0">
+                <a:solidFill>
+                  <a:srgbClr val="FFFF00"/>
+                </a:solidFill>
+              </a:rPr>
+              <a:t>丘の上の茶店</a:t>
+            </a:r>
+            <a:endParaRPr kumimoji="1" lang="ja-JP" altLang="en-US" sz="1400" dirty="0">
+              <a:solidFill>
+                <a:srgbClr val="FFFF00"/>
+              </a:solidFill>
+            </a:endParaRPr>
+          </a:p>
+        </p:txBody>
+      </p:sp>
+      <p:sp>
+        <p:nvSpPr>
+          <p:cNvPr id="14" name="正方形/長方形 13"/>
+          <p:cNvSpPr/>
+          <p:nvPr/>
+        </p:nvSpPr>
+        <p:spPr>
+          <a:xfrm>
+            <a:off x="0" y="356897"/>
+            <a:ext cx="2658100" cy="584775"/>
+          </a:xfrm>
+          <a:prstGeom prst="rect">
+            <a:avLst/>
+          </a:prstGeom>
+        </p:spPr>
+        <p:txBody>
+          <a:bodyPr wrap="none">
+            <a:spAutoFit/>
+          </a:bodyPr>
+          <a:lstStyle/>
+          <a:p>
+            <a:pPr algn="ctr"/>
+            <a:r>
+              <a:rPr kumimoji="1" lang="en-US" altLang="ja-JP" sz="3200" dirty="0">
+                <a:solidFill>
+                  <a:srgbClr val="ED7613"/>
+                </a:solidFill>
+                <a:latin typeface="Algerian" panose="04020705040A02060702" pitchFamily="82" charset="0"/>
+              </a:rPr>
+              <a:t>Y O U  &amp;  M  E</a:t>
+            </a:r>
+            <a:endParaRPr kumimoji="1" lang="ja-JP" altLang="en-US" sz="3200" dirty="0">
+              <a:solidFill>
+                <a:srgbClr val="ED7613"/>
+              </a:solidFill>
+              <a:latin typeface="Algerian" panose="04020705040A02060702" pitchFamily="82" charset="0"/>
             </a:endParaRPr>
           </a:p>
         </p:txBody>
@@ -9571,6 +10969,36 @@
       </p:par>
     </p:tnLst>
   </p:timing>
+</p:sld>
+</file>
+
+<file path=ppt/slides/slide6.xml><?xml version="1.0" encoding="utf-8"?>
+<p:sld xmlns:a="http://schemas.openxmlformats.org/drawingml/2006/main" xmlns:r="http://schemas.openxmlformats.org/officeDocument/2006/relationships" xmlns:p="http://schemas.openxmlformats.org/presentationml/2006/main">
+  <p:cSld>
+    <p:spTree>
+      <p:nvGrpSpPr>
+        <p:cNvPr id="1" name=""/>
+        <p:cNvGrpSpPr/>
+        <p:nvPr/>
+      </p:nvGrpSpPr>
+      <p:grpSpPr>
+        <a:xfrm>
+          <a:off x="0" y="0"/>
+          <a:ext cx="0" cy="0"/>
+          <a:chOff x="0" y="0"/>
+          <a:chExt cx="0" cy="0"/>
+        </a:xfrm>
+      </p:grpSpPr>
+    </p:spTree>
+    <p:extLst>
+      <p:ext uri="{BB962C8B-B14F-4D97-AF65-F5344CB8AC3E}">
+        <p14:creationId xmlns:p14="http://schemas.microsoft.com/office/powerpoint/2010/main" val="2704403789"/>
+      </p:ext>
+    </p:extLst>
+  </p:cSld>
+  <p:clrMapOvr>
+    <a:masterClrMapping/>
+  </p:clrMapOvr>
 </p:sld>
 </file>
 

--- a/提出（学生が出す）ー岡本/PM/17865 yen/1you&me　.pptx
+++ b/提出（学生が出す）ー岡本/PM/17865 yen/1you&me　.pptx
@@ -5,7 +5,7 @@
     <p:sldMasterId id="2147484038" r:id="rId1"/>
   </p:sldMasterIdLst>
   <p:notesMasterIdLst>
-    <p:notesMasterId r:id="rId8"/>
+    <p:notesMasterId r:id="rId7"/>
   </p:notesMasterIdLst>
   <p:sldIdLst>
     <p:sldId id="256" r:id="rId2"/>
@@ -13,7 +13,6 @@
     <p:sldId id="257" r:id="rId4"/>
     <p:sldId id="259" r:id="rId5"/>
     <p:sldId id="258" r:id="rId6"/>
-    <p:sldId id="261" r:id="rId7"/>
   </p:sldIdLst>
   <p:sldSz cx="12192000" cy="6858000"/>
   <p:notesSz cx="6858000" cy="9144000"/>
@@ -202,7 +201,7 @@
           <a:p>
             <a:fld id="{8922FD96-F19B-47B5-8657-B8638CB0E881}" type="datetimeFigureOut">
               <a:rPr kumimoji="1" lang="ja-JP" altLang="en-US" smtClean="0"/>
-              <a:t>2019/11/14</a:t>
+              <a:t>2019/11/22</a:t>
             </a:fld>
             <a:endParaRPr kumimoji="1" lang="ja-JP" altLang="en-US"/>
           </a:p>
@@ -715,7 +714,7 @@
           <a:p>
             <a:fld id="{6D7107C5-5D32-481B-AE9D-48F379FEAC8A}" type="datetimeFigureOut">
               <a:rPr kumimoji="1" lang="ja-JP" altLang="en-US" smtClean="0"/>
-              <a:t>2019/11/14</a:t>
+              <a:t>2019/11/22</a:t>
             </a:fld>
             <a:endParaRPr kumimoji="1" lang="ja-JP" altLang="en-US"/>
           </a:p>
@@ -1006,7 +1005,7 @@
           <a:p>
             <a:fld id="{6D7107C5-5D32-481B-AE9D-48F379FEAC8A}" type="datetimeFigureOut">
               <a:rPr kumimoji="1" lang="ja-JP" altLang="en-US" smtClean="0"/>
-              <a:t>2019/11/14</a:t>
+              <a:t>2019/11/22</a:t>
             </a:fld>
             <a:endParaRPr kumimoji="1" lang="ja-JP" altLang="en-US"/>
           </a:p>
@@ -1265,7 +1264,7 @@
           <a:p>
             <a:fld id="{6D7107C5-5D32-481B-AE9D-48F379FEAC8A}" type="datetimeFigureOut">
               <a:rPr kumimoji="1" lang="ja-JP" altLang="en-US" smtClean="0"/>
-              <a:t>2019/11/14</a:t>
+              <a:t>2019/11/22</a:t>
             </a:fld>
             <a:endParaRPr kumimoji="1" lang="ja-JP" altLang="en-US"/>
           </a:p>
@@ -1734,7 +1733,7 @@
           <a:p>
             <a:fld id="{6D7107C5-5D32-481B-AE9D-48F379FEAC8A}" type="datetimeFigureOut">
               <a:rPr kumimoji="1" lang="ja-JP" altLang="en-US" smtClean="0"/>
-              <a:t>2019/11/14</a:t>
+              <a:t>2019/11/22</a:t>
             </a:fld>
             <a:endParaRPr kumimoji="1" lang="ja-JP" altLang="en-US"/>
           </a:p>
@@ -1914,7 +1913,7 @@
           <a:p>
             <a:fld id="{6D7107C5-5D32-481B-AE9D-48F379FEAC8A}" type="datetimeFigureOut">
               <a:rPr kumimoji="1" lang="ja-JP" altLang="en-US" smtClean="0"/>
-              <a:t>2019/11/14</a:t>
+              <a:t>2019/11/22</a:t>
             </a:fld>
             <a:endParaRPr kumimoji="1" lang="ja-JP" altLang="en-US"/>
           </a:p>
@@ -2490,7 +2489,7 @@
           <a:p>
             <a:fld id="{6D7107C5-5D32-481B-AE9D-48F379FEAC8A}" type="datetimeFigureOut">
               <a:rPr kumimoji="1" lang="ja-JP" altLang="en-US" smtClean="0"/>
-              <a:t>2019/11/14</a:t>
+              <a:t>2019/11/22</a:t>
             </a:fld>
             <a:endParaRPr kumimoji="1" lang="ja-JP" altLang="en-US"/>
           </a:p>
@@ -2822,7 +2821,7 @@
           <a:p>
             <a:fld id="{6D7107C5-5D32-481B-AE9D-48F379FEAC8A}" type="datetimeFigureOut">
               <a:rPr kumimoji="1" lang="ja-JP" altLang="en-US" smtClean="0"/>
-              <a:t>2019/11/14</a:t>
+              <a:t>2019/11/22</a:t>
             </a:fld>
             <a:endParaRPr kumimoji="1" lang="ja-JP" altLang="en-US"/>
           </a:p>
@@ -3029,7 +3028,7 @@
           <a:p>
             <a:fld id="{6D7107C5-5D32-481B-AE9D-48F379FEAC8A}" type="datetimeFigureOut">
               <a:rPr kumimoji="1" lang="ja-JP" altLang="en-US" smtClean="0"/>
-              <a:t>2019/11/14</a:t>
+              <a:t>2019/11/22</a:t>
             </a:fld>
             <a:endParaRPr kumimoji="1" lang="ja-JP" altLang="en-US"/>
           </a:p>
@@ -3241,7 +3240,7 @@
           <a:p>
             <a:fld id="{6D7107C5-5D32-481B-AE9D-48F379FEAC8A}" type="datetimeFigureOut">
               <a:rPr kumimoji="1" lang="ja-JP" altLang="en-US" smtClean="0"/>
-              <a:t>2019/11/14</a:t>
+              <a:t>2019/11/22</a:t>
             </a:fld>
             <a:endParaRPr kumimoji="1" lang="ja-JP" altLang="en-US"/>
           </a:p>
@@ -3443,7 +3442,7 @@
           <a:p>
             <a:fld id="{6D7107C5-5D32-481B-AE9D-48F379FEAC8A}" type="datetimeFigureOut">
               <a:rPr kumimoji="1" lang="ja-JP" altLang="en-US" smtClean="0"/>
-              <a:t>2019/11/14</a:t>
+              <a:t>2019/11/22</a:t>
             </a:fld>
             <a:endParaRPr kumimoji="1" lang="ja-JP" altLang="en-US"/>
           </a:p>
@@ -3700,7 +3699,7 @@
           <a:p>
             <a:fld id="{6D7107C5-5D32-481B-AE9D-48F379FEAC8A}" type="datetimeFigureOut">
               <a:rPr kumimoji="1" lang="ja-JP" altLang="en-US" smtClean="0"/>
-              <a:t>2019/11/14</a:t>
+              <a:t>2019/11/22</a:t>
             </a:fld>
             <a:endParaRPr kumimoji="1" lang="ja-JP" altLang="en-US"/>
           </a:p>
@@ -4056,7 +4055,7 @@
           <a:p>
             <a:fld id="{6D7107C5-5D32-481B-AE9D-48F379FEAC8A}" type="datetimeFigureOut">
               <a:rPr kumimoji="1" lang="ja-JP" altLang="en-US" smtClean="0"/>
-              <a:t>2019/11/14</a:t>
+              <a:t>2019/11/22</a:t>
             </a:fld>
             <a:endParaRPr kumimoji="1" lang="ja-JP" altLang="en-US"/>
           </a:p>
@@ -4550,7 +4549,7 @@
           <a:p>
             <a:fld id="{6D7107C5-5D32-481B-AE9D-48F379FEAC8A}" type="datetimeFigureOut">
               <a:rPr kumimoji="1" lang="ja-JP" altLang="en-US" smtClean="0"/>
-              <a:t>2019/11/14</a:t>
+              <a:t>2019/11/22</a:t>
             </a:fld>
             <a:endParaRPr kumimoji="1" lang="ja-JP" altLang="en-US"/>
           </a:p>
@@ -4668,7 +4667,7 @@
           <a:p>
             <a:fld id="{6D7107C5-5D32-481B-AE9D-48F379FEAC8A}" type="datetimeFigureOut">
               <a:rPr kumimoji="1" lang="ja-JP" altLang="en-US" smtClean="0"/>
-              <a:t>2019/11/14</a:t>
+              <a:t>2019/11/22</a:t>
             </a:fld>
             <a:endParaRPr kumimoji="1" lang="ja-JP" altLang="en-US"/>
           </a:p>
@@ -4763,7 +4762,7 @@
           <a:p>
             <a:fld id="{6D7107C5-5D32-481B-AE9D-48F379FEAC8A}" type="datetimeFigureOut">
               <a:rPr kumimoji="1" lang="ja-JP" altLang="en-US" smtClean="0"/>
-              <a:t>2019/11/14</a:t>
+              <a:t>2019/11/22</a:t>
             </a:fld>
             <a:endParaRPr kumimoji="1" lang="ja-JP" altLang="en-US"/>
           </a:p>
@@ -5078,7 +5077,7 @@
           <a:p>
             <a:fld id="{6D7107C5-5D32-481B-AE9D-48F379FEAC8A}" type="datetimeFigureOut">
               <a:rPr kumimoji="1" lang="ja-JP" altLang="en-US" smtClean="0"/>
-              <a:t>2019/11/14</a:t>
+              <a:t>2019/11/22</a:t>
             </a:fld>
             <a:endParaRPr kumimoji="1" lang="ja-JP" altLang="en-US"/>
           </a:p>
@@ -5369,7 +5368,7 @@
           <a:p>
             <a:fld id="{6D7107C5-5D32-481B-AE9D-48F379FEAC8A}" type="datetimeFigureOut">
               <a:rPr kumimoji="1" lang="ja-JP" altLang="en-US" smtClean="0"/>
-              <a:t>2019/11/14</a:t>
+              <a:t>2019/11/22</a:t>
             </a:fld>
             <a:endParaRPr kumimoji="1" lang="ja-JP" altLang="en-US"/>
           </a:p>
@@ -5632,7 +5631,7 @@
           <a:p>
             <a:fld id="{6D7107C5-5D32-481B-AE9D-48F379FEAC8A}" type="datetimeFigureOut">
               <a:rPr kumimoji="1" lang="ja-JP" altLang="en-US" smtClean="0"/>
-              <a:t>2019/11/14</a:t>
+              <a:t>2019/11/22</a:t>
             </a:fld>
             <a:endParaRPr kumimoji="1" lang="ja-JP" altLang="en-US"/>
           </a:p>
@@ -6977,7 +6976,7 @@
         </p:nvSpPr>
         <p:spPr>
           <a:xfrm>
-            <a:off x="3315186" y="1569915"/>
+            <a:off x="4885205" y="1569915"/>
             <a:ext cx="1618058" cy="518529"/>
           </a:xfrm>
           <a:prstGeom prst="rect">
@@ -7024,7 +7023,7 @@
         </p:nvSpPr>
         <p:spPr>
           <a:xfrm>
-            <a:off x="8059232" y="1569914"/>
+            <a:off x="9629251" y="1569914"/>
             <a:ext cx="1618058" cy="546687"/>
           </a:xfrm>
           <a:prstGeom prst="rect">
@@ -7114,7 +7113,7 @@
         </p:nvSpPr>
         <p:spPr>
           <a:xfrm>
-            <a:off x="4927019" y="1569914"/>
+            <a:off x="6497038" y="1569914"/>
             <a:ext cx="1618058" cy="546687"/>
           </a:xfrm>
           <a:prstGeom prst="rect">
@@ -7165,7 +7164,7 @@
         </p:nvSpPr>
         <p:spPr>
           <a:xfrm>
-            <a:off x="6545077" y="1569914"/>
+            <a:off x="8115096" y="1569914"/>
             <a:ext cx="1496068" cy="546687"/>
           </a:xfrm>
           <a:prstGeom prst="rect">
@@ -7199,53 +7198,6 @@
             <a:r>
               <a:rPr kumimoji="1" lang="ja-JP" altLang="en-US" sz="1400" dirty="0" smtClean="0"/>
               <a:t>人気ランキング</a:t>
-            </a:r>
-            <a:endParaRPr kumimoji="1" lang="ja-JP" altLang="en-US" sz="1400" dirty="0"/>
-          </a:p>
-        </p:txBody>
-      </p:sp>
-      <p:sp>
-        <p:nvSpPr>
-          <p:cNvPr id="12" name="正方形/長方形 11"/>
-          <p:cNvSpPr/>
-          <p:nvPr/>
-        </p:nvSpPr>
-        <p:spPr>
-          <a:xfrm>
-            <a:off x="9695377" y="1569914"/>
-            <a:ext cx="1551932" cy="546687"/>
-          </a:xfrm>
-          <a:prstGeom prst="rect">
-            <a:avLst/>
-          </a:prstGeom>
-          <a:solidFill>
-            <a:srgbClr val="92D050"/>
-          </a:solidFill>
-        </p:spPr>
-        <p:style>
-          <a:lnRef idx="2">
-            <a:schemeClr val="accent1">
-              <a:shade val="50000"/>
-            </a:schemeClr>
-          </a:lnRef>
-          <a:fillRef idx="1">
-            <a:schemeClr val="accent1"/>
-          </a:fillRef>
-          <a:effectRef idx="0">
-            <a:schemeClr val="accent1"/>
-          </a:effectRef>
-          <a:fontRef idx="minor">
-            <a:schemeClr val="lt1"/>
-          </a:fontRef>
-        </p:style>
-        <p:txBody>
-          <a:bodyPr rtlCol="0" anchor="ctr"/>
-          <a:lstStyle/>
-          <a:p>
-            <a:pPr algn="ctr"/>
-            <a:r>
-              <a:rPr kumimoji="1" lang="ja-JP" altLang="en-US" sz="1400" dirty="0" smtClean="0"/>
-              <a:t>アクセスマップ</a:t>
             </a:r>
             <a:endParaRPr kumimoji="1" lang="ja-JP" altLang="en-US" sz="1400" dirty="0"/>
           </a:p>
@@ -8053,7 +8005,7 @@
         </p:nvSpPr>
         <p:spPr>
           <a:xfrm>
-            <a:off x="3759134" y="230383"/>
+            <a:off x="5202890" y="377194"/>
             <a:ext cx="1618058" cy="518529"/>
           </a:xfrm>
           <a:prstGeom prst="rect">
@@ -8100,7 +8052,7 @@
         </p:nvSpPr>
         <p:spPr>
           <a:xfrm>
-            <a:off x="8503180" y="230382"/>
+            <a:off x="9966220" y="377194"/>
             <a:ext cx="1618058" cy="546687"/>
           </a:xfrm>
           <a:prstGeom prst="rect">
@@ -8150,7 +8102,7 @@
         </p:nvSpPr>
         <p:spPr>
           <a:xfrm>
-            <a:off x="5370967" y="230382"/>
+            <a:off x="6834007" y="377194"/>
             <a:ext cx="1618058" cy="546687"/>
           </a:xfrm>
           <a:prstGeom prst="rect">
@@ -8201,7 +8153,7 @@
         </p:nvSpPr>
         <p:spPr>
           <a:xfrm>
-            <a:off x="6989025" y="230382"/>
+            <a:off x="8452065" y="377194"/>
             <a:ext cx="1496068" cy="546687"/>
           </a:xfrm>
           <a:prstGeom prst="rect">
@@ -8235,53 +8187,6 @@
             <a:r>
               <a:rPr kumimoji="1" lang="ja-JP" altLang="en-US" sz="1400" dirty="0" smtClean="0"/>
               <a:t>人気ランキング</a:t>
-            </a:r>
-            <a:endParaRPr kumimoji="1" lang="ja-JP" altLang="en-US" sz="1400" dirty="0"/>
-          </a:p>
-        </p:txBody>
-      </p:sp>
-      <p:sp>
-        <p:nvSpPr>
-          <p:cNvPr id="11" name="正方形/長方形 10"/>
-          <p:cNvSpPr/>
-          <p:nvPr/>
-        </p:nvSpPr>
-        <p:spPr>
-          <a:xfrm>
-            <a:off x="10139325" y="230382"/>
-            <a:ext cx="1551932" cy="546687"/>
-          </a:xfrm>
-          <a:prstGeom prst="rect">
-            <a:avLst/>
-          </a:prstGeom>
-          <a:solidFill>
-            <a:srgbClr val="92D050"/>
-          </a:solidFill>
-        </p:spPr>
-        <p:style>
-          <a:lnRef idx="2">
-            <a:schemeClr val="accent1">
-              <a:shade val="50000"/>
-            </a:schemeClr>
-          </a:lnRef>
-          <a:fillRef idx="1">
-            <a:schemeClr val="accent1"/>
-          </a:fillRef>
-          <a:effectRef idx="0">
-            <a:schemeClr val="accent1"/>
-          </a:effectRef>
-          <a:fontRef idx="minor">
-            <a:schemeClr val="lt1"/>
-          </a:fontRef>
-        </p:style>
-        <p:txBody>
-          <a:bodyPr rtlCol="0" anchor="ctr"/>
-          <a:lstStyle/>
-          <a:p>
-            <a:pPr algn="ctr"/>
-            <a:r>
-              <a:rPr kumimoji="1" lang="ja-JP" altLang="en-US" sz="1400" dirty="0" smtClean="0"/>
-              <a:t>アクセスマップ</a:t>
             </a:r>
             <a:endParaRPr kumimoji="1" lang="ja-JP" altLang="en-US" sz="1400" dirty="0"/>
           </a:p>
@@ -9059,7 +8964,7 @@
         </p:nvSpPr>
         <p:spPr>
           <a:xfrm>
-            <a:off x="3761135" y="1028572"/>
+            <a:off x="4885507" y="1002290"/>
             <a:ext cx="1618058" cy="518529"/>
           </a:xfrm>
           <a:prstGeom prst="rect">
@@ -9106,7 +9011,7 @@
         </p:nvSpPr>
         <p:spPr>
           <a:xfrm>
-            <a:off x="8495781" y="1014494"/>
+            <a:off x="9620153" y="988212"/>
             <a:ext cx="1618058" cy="546687"/>
           </a:xfrm>
           <a:prstGeom prst="rect">
@@ -9156,7 +9061,7 @@
         </p:nvSpPr>
         <p:spPr>
           <a:xfrm>
-            <a:off x="5363568" y="1014494"/>
+            <a:off x="6487940" y="988212"/>
             <a:ext cx="1618058" cy="546687"/>
           </a:xfrm>
           <a:prstGeom prst="rect">
@@ -9207,7 +9112,7 @@
         </p:nvSpPr>
         <p:spPr>
           <a:xfrm>
-            <a:off x="6981626" y="1014494"/>
+            <a:off x="8105998" y="988212"/>
             <a:ext cx="1496068" cy="546687"/>
           </a:xfrm>
           <a:prstGeom prst="rect">
@@ -9241,53 +9146,6 @@
             <a:r>
               <a:rPr kumimoji="1" lang="ja-JP" altLang="en-US" sz="1400" dirty="0" smtClean="0"/>
               <a:t>人気ランキング</a:t>
-            </a:r>
-            <a:endParaRPr kumimoji="1" lang="ja-JP" altLang="en-US" sz="1400" dirty="0"/>
-          </a:p>
-        </p:txBody>
-      </p:sp>
-      <p:sp>
-        <p:nvSpPr>
-          <p:cNvPr id="22" name="正方形/長方形 21"/>
-          <p:cNvSpPr/>
-          <p:nvPr/>
-        </p:nvSpPr>
-        <p:spPr>
-          <a:xfrm>
-            <a:off x="10131926" y="1014494"/>
-            <a:ext cx="1551932" cy="546687"/>
-          </a:xfrm>
-          <a:prstGeom prst="rect">
-            <a:avLst/>
-          </a:prstGeom>
-          <a:solidFill>
-            <a:srgbClr val="92D050"/>
-          </a:solidFill>
-        </p:spPr>
-        <p:style>
-          <a:lnRef idx="2">
-            <a:schemeClr val="accent1">
-              <a:shade val="50000"/>
-            </a:schemeClr>
-          </a:lnRef>
-          <a:fillRef idx="1">
-            <a:schemeClr val="accent1"/>
-          </a:fillRef>
-          <a:effectRef idx="0">
-            <a:schemeClr val="accent1"/>
-          </a:effectRef>
-          <a:fontRef idx="minor">
-            <a:schemeClr val="lt1"/>
-          </a:fontRef>
-        </p:style>
-        <p:txBody>
-          <a:bodyPr rtlCol="0" anchor="ctr"/>
-          <a:lstStyle/>
-          <a:p>
-            <a:pPr algn="ctr"/>
-            <a:r>
-              <a:rPr kumimoji="1" lang="ja-JP" altLang="en-US" sz="1400" dirty="0" smtClean="0"/>
-              <a:t>アクセスマップ</a:t>
             </a:r>
             <a:endParaRPr kumimoji="1" lang="ja-JP" altLang="en-US" sz="1400" dirty="0"/>
           </a:p>
@@ -9786,7 +9644,7 @@
         </p:nvSpPr>
         <p:spPr>
           <a:xfrm>
-            <a:off x="3680723" y="717485"/>
+            <a:off x="5214938" y="749953"/>
             <a:ext cx="1618058" cy="518529"/>
           </a:xfrm>
           <a:prstGeom prst="rect">
@@ -9833,7 +9691,7 @@
         </p:nvSpPr>
         <p:spPr>
           <a:xfrm>
-            <a:off x="8415369" y="703407"/>
+            <a:off x="9949584" y="735875"/>
             <a:ext cx="1618058" cy="546687"/>
           </a:xfrm>
           <a:prstGeom prst="rect">
@@ -9883,7 +9741,7 @@
         </p:nvSpPr>
         <p:spPr>
           <a:xfrm>
-            <a:off x="5283156" y="703407"/>
+            <a:off x="6817371" y="735875"/>
             <a:ext cx="1618058" cy="546687"/>
           </a:xfrm>
           <a:prstGeom prst="rect">
@@ -9934,7 +9792,7 @@
         </p:nvSpPr>
         <p:spPr>
           <a:xfrm>
-            <a:off x="6901214" y="703407"/>
+            <a:off x="8435429" y="735875"/>
             <a:ext cx="1496068" cy="546687"/>
           </a:xfrm>
           <a:prstGeom prst="rect">
@@ -9968,53 +9826,6 @@
             <a:r>
               <a:rPr kumimoji="1" lang="ja-JP" altLang="en-US" sz="1400" dirty="0" smtClean="0"/>
               <a:t>人気ランキング</a:t>
-            </a:r>
-            <a:endParaRPr kumimoji="1" lang="ja-JP" altLang="en-US" sz="1400" dirty="0"/>
-          </a:p>
-        </p:txBody>
-      </p:sp>
-      <p:sp>
-        <p:nvSpPr>
-          <p:cNvPr id="22" name="正方形/長方形 21"/>
-          <p:cNvSpPr/>
-          <p:nvPr/>
-        </p:nvSpPr>
-        <p:spPr>
-          <a:xfrm>
-            <a:off x="10051514" y="703407"/>
-            <a:ext cx="1551932" cy="546687"/>
-          </a:xfrm>
-          <a:prstGeom prst="rect">
-            <a:avLst/>
-          </a:prstGeom>
-          <a:solidFill>
-            <a:srgbClr val="92D050"/>
-          </a:solidFill>
-        </p:spPr>
-        <p:style>
-          <a:lnRef idx="2">
-            <a:schemeClr val="accent1">
-              <a:shade val="50000"/>
-            </a:schemeClr>
-          </a:lnRef>
-          <a:fillRef idx="1">
-            <a:schemeClr val="accent1"/>
-          </a:fillRef>
-          <a:effectRef idx="0">
-            <a:schemeClr val="accent1"/>
-          </a:effectRef>
-          <a:fontRef idx="minor">
-            <a:schemeClr val="lt1"/>
-          </a:fontRef>
-        </p:style>
-        <p:txBody>
-          <a:bodyPr rtlCol="0" anchor="ctr"/>
-          <a:lstStyle/>
-          <a:p>
-            <a:pPr algn="ctr"/>
-            <a:r>
-              <a:rPr kumimoji="1" lang="ja-JP" altLang="en-US" sz="1400" dirty="0" smtClean="0"/>
-              <a:t>アクセスマップ</a:t>
             </a:r>
             <a:endParaRPr kumimoji="1" lang="ja-JP" altLang="en-US" sz="1400" dirty="0"/>
           </a:p>
@@ -10108,11 +9919,6 @@
               </a:rPr>
               <a:t>のお茶の効果</a:t>
             </a:r>
-            <a:endParaRPr kumimoji="1" lang="en-US" altLang="ja-JP" sz="3200" dirty="0" smtClean="0">
-              <a:solidFill>
-                <a:srgbClr val="FF33CC"/>
-              </a:solidFill>
-            </a:endParaRPr>
           </a:p>
           <a:p>
             <a:pPr algn="ctr"/>
@@ -10628,7 +10434,7 @@
         </p:nvSpPr>
         <p:spPr>
           <a:xfrm>
-            <a:off x="2750819" y="877419"/>
+            <a:off x="2792484" y="968805"/>
             <a:ext cx="1618058" cy="518529"/>
           </a:xfrm>
           <a:prstGeom prst="rect">
@@ -10675,7 +10481,7 @@
         </p:nvSpPr>
         <p:spPr>
           <a:xfrm>
-            <a:off x="7485465" y="863341"/>
+            <a:off x="7527130" y="954727"/>
             <a:ext cx="1618058" cy="546687"/>
           </a:xfrm>
           <a:prstGeom prst="rect">
@@ -10725,7 +10531,7 @@
         </p:nvSpPr>
         <p:spPr>
           <a:xfrm>
-            <a:off x="4353252" y="863341"/>
+            <a:off x="4394917" y="954727"/>
             <a:ext cx="1618058" cy="546687"/>
           </a:xfrm>
           <a:prstGeom prst="rect">
@@ -10776,7 +10582,7 @@
         </p:nvSpPr>
         <p:spPr>
           <a:xfrm>
-            <a:off x="5971310" y="863341"/>
+            <a:off x="6012975" y="954727"/>
             <a:ext cx="1496068" cy="546687"/>
           </a:xfrm>
           <a:prstGeom prst="rect">
@@ -10810,53 +10616,6 @@
             <a:r>
               <a:rPr kumimoji="1" lang="ja-JP" altLang="en-US" sz="1400" dirty="0" smtClean="0"/>
               <a:t>人気ランキング</a:t>
-            </a:r>
-            <a:endParaRPr kumimoji="1" lang="ja-JP" altLang="en-US" sz="1400" dirty="0"/>
-          </a:p>
-        </p:txBody>
-      </p:sp>
-      <p:sp>
-        <p:nvSpPr>
-          <p:cNvPr id="12" name="正方形/長方形 11"/>
-          <p:cNvSpPr/>
-          <p:nvPr/>
-        </p:nvSpPr>
-        <p:spPr>
-          <a:xfrm>
-            <a:off x="9121610" y="863341"/>
-            <a:ext cx="1551932" cy="546687"/>
-          </a:xfrm>
-          <a:prstGeom prst="rect">
-            <a:avLst/>
-          </a:prstGeom>
-          <a:solidFill>
-            <a:srgbClr val="92D050"/>
-          </a:solidFill>
-        </p:spPr>
-        <p:style>
-          <a:lnRef idx="2">
-            <a:schemeClr val="accent1">
-              <a:shade val="50000"/>
-            </a:schemeClr>
-          </a:lnRef>
-          <a:fillRef idx="1">
-            <a:schemeClr val="accent1"/>
-          </a:fillRef>
-          <a:effectRef idx="0">
-            <a:schemeClr val="accent1"/>
-          </a:effectRef>
-          <a:fontRef idx="minor">
-            <a:schemeClr val="lt1"/>
-          </a:fontRef>
-        </p:style>
-        <p:txBody>
-          <a:bodyPr rtlCol="0" anchor="ctr"/>
-          <a:lstStyle/>
-          <a:p>
-            <a:pPr algn="ctr"/>
-            <a:r>
-              <a:rPr kumimoji="1" lang="ja-JP" altLang="en-US" sz="1400" dirty="0" smtClean="0"/>
-              <a:t>アクセスマップ</a:t>
             </a:r>
             <a:endParaRPr kumimoji="1" lang="ja-JP" altLang="en-US" sz="1400" dirty="0"/>
           </a:p>
@@ -10969,36 +10728,6 @@
       </p:par>
     </p:tnLst>
   </p:timing>
-</p:sld>
-</file>
-
-<file path=ppt/slides/slide6.xml><?xml version="1.0" encoding="utf-8"?>
-<p:sld xmlns:a="http://schemas.openxmlformats.org/drawingml/2006/main" xmlns:r="http://schemas.openxmlformats.org/officeDocument/2006/relationships" xmlns:p="http://schemas.openxmlformats.org/presentationml/2006/main">
-  <p:cSld>
-    <p:spTree>
-      <p:nvGrpSpPr>
-        <p:cNvPr id="1" name=""/>
-        <p:cNvGrpSpPr/>
-        <p:nvPr/>
-      </p:nvGrpSpPr>
-      <p:grpSpPr>
-        <a:xfrm>
-          <a:off x="0" y="0"/>
-          <a:ext cx="0" cy="0"/>
-          <a:chOff x="0" y="0"/>
-          <a:chExt cx="0" cy="0"/>
-        </a:xfrm>
-      </p:grpSpPr>
-    </p:spTree>
-    <p:extLst>
-      <p:ext uri="{BB962C8B-B14F-4D97-AF65-F5344CB8AC3E}">
-        <p14:creationId xmlns:p14="http://schemas.microsoft.com/office/powerpoint/2010/main" val="2704403789"/>
-      </p:ext>
-    </p:extLst>
-  </p:cSld>
-  <p:clrMapOvr>
-    <a:masterClrMapping/>
-  </p:clrMapOvr>
 </p:sld>
 </file>
 

--- a/提出（学生が出す）ー岡本/PM/17865 yen/1you&me　.pptx
+++ b/提出（学生が出す）ー岡本/PM/17865 yen/1you&me　.pptx
@@ -5,14 +5,15 @@
     <p:sldMasterId id="2147484038" r:id="rId1"/>
   </p:sldMasterIdLst>
   <p:notesMasterIdLst>
-    <p:notesMasterId r:id="rId7"/>
+    <p:notesMasterId r:id="rId8"/>
   </p:notesMasterIdLst>
   <p:sldIdLst>
     <p:sldId id="256" r:id="rId2"/>
-    <p:sldId id="260" r:id="rId3"/>
-    <p:sldId id="257" r:id="rId4"/>
+    <p:sldId id="257" r:id="rId3"/>
+    <p:sldId id="260" r:id="rId4"/>
     <p:sldId id="259" r:id="rId5"/>
     <p:sldId id="258" r:id="rId6"/>
+    <p:sldId id="261" r:id="rId7"/>
   </p:sldIdLst>
   <p:sldSz cx="12192000" cy="6858000"/>
   <p:notesSz cx="6858000" cy="9144000"/>
@@ -201,7 +202,7 @@
           <a:p>
             <a:fld id="{8922FD96-F19B-47B5-8657-B8638CB0E881}" type="datetimeFigureOut">
               <a:rPr kumimoji="1" lang="ja-JP" altLang="en-US" smtClean="0"/>
-              <a:t>2019/11/22</a:t>
+              <a:t>2019/12/6</a:t>
             </a:fld>
             <a:endParaRPr kumimoji="1" lang="ja-JP" altLang="en-US"/>
           </a:p>
@@ -714,7 +715,7 @@
           <a:p>
             <a:fld id="{6D7107C5-5D32-481B-AE9D-48F379FEAC8A}" type="datetimeFigureOut">
               <a:rPr kumimoji="1" lang="ja-JP" altLang="en-US" smtClean="0"/>
-              <a:t>2019/11/22</a:t>
+              <a:t>2019/12/6</a:t>
             </a:fld>
             <a:endParaRPr kumimoji="1" lang="ja-JP" altLang="en-US"/>
           </a:p>
@@ -1005,7 +1006,7 @@
           <a:p>
             <a:fld id="{6D7107C5-5D32-481B-AE9D-48F379FEAC8A}" type="datetimeFigureOut">
               <a:rPr kumimoji="1" lang="ja-JP" altLang="en-US" smtClean="0"/>
-              <a:t>2019/11/22</a:t>
+              <a:t>2019/12/6</a:t>
             </a:fld>
             <a:endParaRPr kumimoji="1" lang="ja-JP" altLang="en-US"/>
           </a:p>
@@ -1264,7 +1265,7 @@
           <a:p>
             <a:fld id="{6D7107C5-5D32-481B-AE9D-48F379FEAC8A}" type="datetimeFigureOut">
               <a:rPr kumimoji="1" lang="ja-JP" altLang="en-US" smtClean="0"/>
-              <a:t>2019/11/22</a:t>
+              <a:t>2019/12/6</a:t>
             </a:fld>
             <a:endParaRPr kumimoji="1" lang="ja-JP" altLang="en-US"/>
           </a:p>
@@ -1733,7 +1734,7 @@
           <a:p>
             <a:fld id="{6D7107C5-5D32-481B-AE9D-48F379FEAC8A}" type="datetimeFigureOut">
               <a:rPr kumimoji="1" lang="ja-JP" altLang="en-US" smtClean="0"/>
-              <a:t>2019/11/22</a:t>
+              <a:t>2019/12/6</a:t>
             </a:fld>
             <a:endParaRPr kumimoji="1" lang="ja-JP" altLang="en-US"/>
           </a:p>
@@ -1913,7 +1914,7 @@
           <a:p>
             <a:fld id="{6D7107C5-5D32-481B-AE9D-48F379FEAC8A}" type="datetimeFigureOut">
               <a:rPr kumimoji="1" lang="ja-JP" altLang="en-US" smtClean="0"/>
-              <a:t>2019/11/22</a:t>
+              <a:t>2019/12/6</a:t>
             </a:fld>
             <a:endParaRPr kumimoji="1" lang="ja-JP" altLang="en-US"/>
           </a:p>
@@ -2489,7 +2490,7 @@
           <a:p>
             <a:fld id="{6D7107C5-5D32-481B-AE9D-48F379FEAC8A}" type="datetimeFigureOut">
               <a:rPr kumimoji="1" lang="ja-JP" altLang="en-US" smtClean="0"/>
-              <a:t>2019/11/22</a:t>
+              <a:t>2019/12/6</a:t>
             </a:fld>
             <a:endParaRPr kumimoji="1" lang="ja-JP" altLang="en-US"/>
           </a:p>
@@ -2821,7 +2822,7 @@
           <a:p>
             <a:fld id="{6D7107C5-5D32-481B-AE9D-48F379FEAC8A}" type="datetimeFigureOut">
               <a:rPr kumimoji="1" lang="ja-JP" altLang="en-US" smtClean="0"/>
-              <a:t>2019/11/22</a:t>
+              <a:t>2019/12/6</a:t>
             </a:fld>
             <a:endParaRPr kumimoji="1" lang="ja-JP" altLang="en-US"/>
           </a:p>
@@ -3028,7 +3029,7 @@
           <a:p>
             <a:fld id="{6D7107C5-5D32-481B-AE9D-48F379FEAC8A}" type="datetimeFigureOut">
               <a:rPr kumimoji="1" lang="ja-JP" altLang="en-US" smtClean="0"/>
-              <a:t>2019/11/22</a:t>
+              <a:t>2019/12/6</a:t>
             </a:fld>
             <a:endParaRPr kumimoji="1" lang="ja-JP" altLang="en-US"/>
           </a:p>
@@ -3240,7 +3241,7 @@
           <a:p>
             <a:fld id="{6D7107C5-5D32-481B-AE9D-48F379FEAC8A}" type="datetimeFigureOut">
               <a:rPr kumimoji="1" lang="ja-JP" altLang="en-US" smtClean="0"/>
-              <a:t>2019/11/22</a:t>
+              <a:t>2019/12/6</a:t>
             </a:fld>
             <a:endParaRPr kumimoji="1" lang="ja-JP" altLang="en-US"/>
           </a:p>
@@ -3442,7 +3443,7 @@
           <a:p>
             <a:fld id="{6D7107C5-5D32-481B-AE9D-48F379FEAC8A}" type="datetimeFigureOut">
               <a:rPr kumimoji="1" lang="ja-JP" altLang="en-US" smtClean="0"/>
-              <a:t>2019/11/22</a:t>
+              <a:t>2019/12/6</a:t>
             </a:fld>
             <a:endParaRPr kumimoji="1" lang="ja-JP" altLang="en-US"/>
           </a:p>
@@ -3699,7 +3700,7 @@
           <a:p>
             <a:fld id="{6D7107C5-5D32-481B-AE9D-48F379FEAC8A}" type="datetimeFigureOut">
               <a:rPr kumimoji="1" lang="ja-JP" altLang="en-US" smtClean="0"/>
-              <a:t>2019/11/22</a:t>
+              <a:t>2019/12/6</a:t>
             </a:fld>
             <a:endParaRPr kumimoji="1" lang="ja-JP" altLang="en-US"/>
           </a:p>
@@ -4055,7 +4056,7 @@
           <a:p>
             <a:fld id="{6D7107C5-5D32-481B-AE9D-48F379FEAC8A}" type="datetimeFigureOut">
               <a:rPr kumimoji="1" lang="ja-JP" altLang="en-US" smtClean="0"/>
-              <a:t>2019/11/22</a:t>
+              <a:t>2019/12/6</a:t>
             </a:fld>
             <a:endParaRPr kumimoji="1" lang="ja-JP" altLang="en-US"/>
           </a:p>
@@ -4549,7 +4550,7 @@
           <a:p>
             <a:fld id="{6D7107C5-5D32-481B-AE9D-48F379FEAC8A}" type="datetimeFigureOut">
               <a:rPr kumimoji="1" lang="ja-JP" altLang="en-US" smtClean="0"/>
-              <a:t>2019/11/22</a:t>
+              <a:t>2019/12/6</a:t>
             </a:fld>
             <a:endParaRPr kumimoji="1" lang="ja-JP" altLang="en-US"/>
           </a:p>
@@ -4667,7 +4668,7 @@
           <a:p>
             <a:fld id="{6D7107C5-5D32-481B-AE9D-48F379FEAC8A}" type="datetimeFigureOut">
               <a:rPr kumimoji="1" lang="ja-JP" altLang="en-US" smtClean="0"/>
-              <a:t>2019/11/22</a:t>
+              <a:t>2019/12/6</a:t>
             </a:fld>
             <a:endParaRPr kumimoji="1" lang="ja-JP" altLang="en-US"/>
           </a:p>
@@ -4762,7 +4763,7 @@
           <a:p>
             <a:fld id="{6D7107C5-5D32-481B-AE9D-48F379FEAC8A}" type="datetimeFigureOut">
               <a:rPr kumimoji="1" lang="ja-JP" altLang="en-US" smtClean="0"/>
-              <a:t>2019/11/22</a:t>
+              <a:t>2019/12/6</a:t>
             </a:fld>
             <a:endParaRPr kumimoji="1" lang="ja-JP" altLang="en-US"/>
           </a:p>
@@ -5077,7 +5078,7 @@
           <a:p>
             <a:fld id="{6D7107C5-5D32-481B-AE9D-48F379FEAC8A}" type="datetimeFigureOut">
               <a:rPr kumimoji="1" lang="ja-JP" altLang="en-US" smtClean="0"/>
-              <a:t>2019/11/22</a:t>
+              <a:t>2019/12/6</a:t>
             </a:fld>
             <a:endParaRPr kumimoji="1" lang="ja-JP" altLang="en-US"/>
           </a:p>
@@ -5368,7 +5369,7 @@
           <a:p>
             <a:fld id="{6D7107C5-5D32-481B-AE9D-48F379FEAC8A}" type="datetimeFigureOut">
               <a:rPr kumimoji="1" lang="ja-JP" altLang="en-US" smtClean="0"/>
-              <a:t>2019/11/22</a:t>
+              <a:t>2019/12/6</a:t>
             </a:fld>
             <a:endParaRPr kumimoji="1" lang="ja-JP" altLang="en-US"/>
           </a:p>
@@ -5631,7 +5632,7 @@
           <a:p>
             <a:fld id="{6D7107C5-5D32-481B-AE9D-48F379FEAC8A}" type="datetimeFigureOut">
               <a:rPr kumimoji="1" lang="ja-JP" altLang="en-US" smtClean="0"/>
-              <a:t>2019/11/22</a:t>
+              <a:t>2019/12/6</a:t>
             </a:fld>
             <a:endParaRPr kumimoji="1" lang="ja-JP" altLang="en-US"/>
           </a:p>
@@ -6608,19 +6609,6 @@
               <a:t>で</a:t>
             </a:r>
             <a:r>
-              <a:rPr kumimoji="1" lang="ja-JP" altLang="en-US" sz="1600" smtClean="0">
-                <a:ln w="0"/>
-                <a:effectLst>
-                  <a:outerShdw blurRad="38100" dist="25400" dir="5400000" algn="ctr" rotWithShape="0">
-                    <a:srgbClr val="6E747A">
-                      <a:alpha val="43000"/>
-                    </a:srgbClr>
-                  </a:outerShdw>
-                </a:effectLst>
-              </a:rPr>
-              <a:t>空白</a:t>
-            </a:r>
-            <a:r>
               <a:rPr kumimoji="1" lang="ja-JP" altLang="en-US" sz="1600" dirty="0" smtClean="0">
                 <a:ln w="0"/>
                 <a:effectLst>
@@ -6631,7 +6619,7 @@
                   </a:outerShdw>
                 </a:effectLst>
               </a:rPr>
-              <a:t>がなくします。</a:t>
+              <a:t>空白がなくします。</a:t>
             </a:r>
             <a:endParaRPr kumimoji="1" lang="ja-JP" altLang="en-US" sz="1600" dirty="0">
               <a:ln w="0"/>
@@ -6976,7 +6964,7 @@
         </p:nvSpPr>
         <p:spPr>
           <a:xfrm>
-            <a:off x="4885205" y="1569915"/>
+            <a:off x="3794763" y="1453338"/>
             <a:ext cx="1618058" cy="518529"/>
           </a:xfrm>
           <a:prstGeom prst="rect">
@@ -7023,7 +7011,7 @@
         </p:nvSpPr>
         <p:spPr>
           <a:xfrm>
-            <a:off x="9629251" y="1569914"/>
+            <a:off x="8545034" y="1439260"/>
             <a:ext cx="1618058" cy="546687"/>
           </a:xfrm>
           <a:prstGeom prst="rect">
@@ -7113,7 +7101,7 @@
         </p:nvSpPr>
         <p:spPr>
           <a:xfrm>
-            <a:off x="6497038" y="1569914"/>
+            <a:off x="5412821" y="1439260"/>
             <a:ext cx="1618058" cy="546687"/>
           </a:xfrm>
           <a:prstGeom prst="rect">
@@ -7164,7 +7152,7 @@
         </p:nvSpPr>
         <p:spPr>
           <a:xfrm>
-            <a:off x="8115096" y="1569914"/>
+            <a:off x="7030879" y="1439260"/>
             <a:ext cx="1496068" cy="546687"/>
           </a:xfrm>
           <a:prstGeom prst="rect">
@@ -7200,6 +7188,53 @@
               <a:t>人気ランキング</a:t>
             </a:r>
             <a:endParaRPr kumimoji="1" lang="ja-JP" altLang="en-US" sz="1400" dirty="0"/>
+          </a:p>
+        </p:txBody>
+      </p:sp>
+      <p:sp>
+        <p:nvSpPr>
+          <p:cNvPr id="12" name="正方形/長方形 11"/>
+          <p:cNvSpPr/>
+          <p:nvPr/>
+        </p:nvSpPr>
+        <p:spPr>
+          <a:xfrm>
+            <a:off x="10181179" y="1453338"/>
+            <a:ext cx="1618058" cy="532609"/>
+          </a:xfrm>
+          <a:prstGeom prst="rect">
+            <a:avLst/>
+          </a:prstGeom>
+          <a:solidFill>
+            <a:srgbClr val="92D050"/>
+          </a:solidFill>
+        </p:spPr>
+        <p:style>
+          <a:lnRef idx="2">
+            <a:schemeClr val="accent1">
+              <a:shade val="50000"/>
+            </a:schemeClr>
+          </a:lnRef>
+          <a:fillRef idx="1">
+            <a:schemeClr val="accent1"/>
+          </a:fillRef>
+          <a:effectRef idx="0">
+            <a:schemeClr val="accent1"/>
+          </a:effectRef>
+          <a:fontRef idx="minor">
+            <a:schemeClr val="lt1"/>
+          </a:fontRef>
+        </p:style>
+        <p:txBody>
+          <a:bodyPr rtlCol="0" anchor="ctr"/>
+          <a:lstStyle/>
+          <a:p>
+            <a:pPr algn="ctr"/>
+            <a:r>
+              <a:rPr kumimoji="1" lang="ja-JP" altLang="en-US" sz="1600" dirty="0" smtClean="0"/>
+              <a:t>アクセスマップ</a:t>
+            </a:r>
+            <a:endParaRPr kumimoji="1" lang="ja-JP" altLang="en-US" sz="1600" dirty="0"/>
           </a:p>
         </p:txBody>
       </p:sp>
@@ -7254,6 +7289,933 @@
       </p:grpSpPr>
       <p:sp>
         <p:nvSpPr>
+          <p:cNvPr id="2" name="テキスト ボックス 1"/>
+          <p:cNvSpPr txBox="1"/>
+          <p:nvPr/>
+        </p:nvSpPr>
+        <p:spPr>
+          <a:xfrm>
+            <a:off x="1798716" y="40762"/>
+            <a:ext cx="7467600" cy="830997"/>
+          </a:xfrm>
+          <a:prstGeom prst="rect">
+            <a:avLst/>
+          </a:prstGeom>
+          <a:noFill/>
+        </p:spPr>
+        <p:txBody>
+          <a:bodyPr wrap="square" rtlCol="0">
+            <a:spAutoFit/>
+          </a:bodyPr>
+          <a:lstStyle/>
+          <a:p>
+            <a:pPr algn="ctr"/>
+            <a:r>
+              <a:rPr kumimoji="1" lang="ja-JP" altLang="en-US" sz="4800" dirty="0" smtClean="0">
+                <a:solidFill>
+                  <a:srgbClr val="FFC000"/>
+                </a:solidFill>
+              </a:rPr>
+              <a:t>お茶メニュー</a:t>
+            </a:r>
+            <a:endParaRPr kumimoji="1" lang="ja-JP" altLang="en-US" sz="4800" dirty="0">
+              <a:solidFill>
+                <a:srgbClr val="FFC000"/>
+              </a:solidFill>
+            </a:endParaRPr>
+          </a:p>
+        </p:txBody>
+      </p:sp>
+      <p:sp>
+        <p:nvSpPr>
+          <p:cNvPr id="3" name="テキスト ボックス 2"/>
+          <p:cNvSpPr txBox="1"/>
+          <p:nvPr/>
+        </p:nvSpPr>
+        <p:spPr>
+          <a:xfrm>
+            <a:off x="7032144" y="145155"/>
+            <a:ext cx="5112327" cy="738664"/>
+          </a:xfrm>
+          <a:prstGeom prst="rect">
+            <a:avLst/>
+          </a:prstGeom>
+          <a:noFill/>
+        </p:spPr>
+        <p:txBody>
+          <a:bodyPr wrap="square" rtlCol="0">
+            <a:spAutoFit/>
+          </a:bodyPr>
+          <a:lstStyle/>
+          <a:p>
+            <a:pPr algn="ctr"/>
+            <a:r>
+              <a:rPr kumimoji="1" lang="ja-JP" altLang="en-US" sz="1400" dirty="0" smtClean="0"/>
+              <a:t>簡単なことから精粋になります。</a:t>
+            </a:r>
+            <a:endParaRPr kumimoji="1" lang="en-US" altLang="ja-JP" sz="1400" dirty="0" smtClean="0"/>
+          </a:p>
+          <a:p>
+            <a:pPr algn="ctr"/>
+            <a:r>
+              <a:rPr kumimoji="1" lang="en-US" altLang="ja-JP" sz="1400" dirty="0" smtClean="0"/>
+              <a:t>YOU&amp;ME</a:t>
+            </a:r>
+            <a:r>
+              <a:rPr kumimoji="1" lang="ja-JP" altLang="en-US" sz="1400" dirty="0" smtClean="0"/>
+              <a:t> のお茶は</a:t>
+            </a:r>
+            <a:endParaRPr kumimoji="1" lang="en-US" altLang="ja-JP" sz="1400" dirty="0" smtClean="0"/>
+          </a:p>
+          <a:p>
+            <a:pPr algn="ctr"/>
+            <a:r>
+              <a:rPr kumimoji="1" lang="ja-JP" altLang="en-US" sz="1400" dirty="0" smtClean="0"/>
+              <a:t>越南の味と日本の寒さを組み合わせます。</a:t>
+            </a:r>
+            <a:endParaRPr kumimoji="1" lang="ja-JP" altLang="en-US" sz="1400" dirty="0"/>
+          </a:p>
+        </p:txBody>
+      </p:sp>
+      <p:pic>
+        <p:nvPicPr>
+          <p:cNvPr id="4" name="図 3"/>
+          <p:cNvPicPr>
+            <a:picLocks noChangeAspect="1"/>
+          </p:cNvPicPr>
+          <p:nvPr/>
+        </p:nvPicPr>
+        <p:blipFill>
+          <a:blip r:embed="rId2">
+            <a:extLst>
+              <a:ext uri="{28A0092B-C50C-407E-A947-70E740481C1C}">
+                <a14:useLocalDpi xmlns:a14="http://schemas.microsoft.com/office/drawing/2010/main" val="0"/>
+              </a:ext>
+            </a:extLst>
+          </a:blip>
+          <a:stretch>
+            <a:fillRect/>
+          </a:stretch>
+        </p:blipFill>
+        <p:spPr>
+          <a:xfrm>
+            <a:off x="179244" y="1763776"/>
+            <a:ext cx="3492211" cy="2464253"/>
+          </a:xfrm>
+          <a:prstGeom prst="rect">
+            <a:avLst/>
+          </a:prstGeom>
+        </p:spPr>
+      </p:pic>
+      <p:pic>
+        <p:nvPicPr>
+          <p:cNvPr id="5" name="図 4"/>
+          <p:cNvPicPr>
+            <a:picLocks noChangeAspect="1"/>
+          </p:cNvPicPr>
+          <p:nvPr/>
+        </p:nvPicPr>
+        <p:blipFill>
+          <a:blip r:embed="rId3" cstate="print">
+            <a:extLst>
+              <a:ext uri="{28A0092B-C50C-407E-A947-70E740481C1C}">
+                <a14:useLocalDpi xmlns:a14="http://schemas.microsoft.com/office/drawing/2010/main" val="0"/>
+              </a:ext>
+            </a:extLst>
+          </a:blip>
+          <a:stretch>
+            <a:fillRect/>
+          </a:stretch>
+        </p:blipFill>
+        <p:spPr>
+          <a:xfrm>
+            <a:off x="6109855" y="1763774"/>
+            <a:ext cx="3492211" cy="2464253"/>
+          </a:xfrm>
+          <a:prstGeom prst="rect">
+            <a:avLst/>
+          </a:prstGeom>
+        </p:spPr>
+      </p:pic>
+      <p:pic>
+        <p:nvPicPr>
+          <p:cNvPr id="6" name="図 5"/>
+          <p:cNvPicPr>
+            <a:picLocks noChangeAspect="1"/>
+          </p:cNvPicPr>
+          <p:nvPr/>
+        </p:nvPicPr>
+        <p:blipFill>
+          <a:blip r:embed="rId4">
+            <a:extLst>
+              <a:ext uri="{28A0092B-C50C-407E-A947-70E740481C1C}">
+                <a14:useLocalDpi xmlns:a14="http://schemas.microsoft.com/office/drawing/2010/main" val="0"/>
+              </a:ext>
+            </a:extLst>
+          </a:blip>
+          <a:stretch>
+            <a:fillRect/>
+          </a:stretch>
+        </p:blipFill>
+        <p:spPr>
+          <a:xfrm>
+            <a:off x="6109855" y="4509281"/>
+            <a:ext cx="3492211" cy="2348719"/>
+          </a:xfrm>
+          <a:prstGeom prst="rect">
+            <a:avLst/>
+          </a:prstGeom>
+        </p:spPr>
+      </p:pic>
+      <p:pic>
+        <p:nvPicPr>
+          <p:cNvPr id="7" name="図 6"/>
+          <p:cNvPicPr>
+            <a:picLocks noChangeAspect="1"/>
+          </p:cNvPicPr>
+          <p:nvPr/>
+        </p:nvPicPr>
+        <p:blipFill>
+          <a:blip r:embed="rId5">
+            <a:extLst>
+              <a:ext uri="{28A0092B-C50C-407E-A947-70E740481C1C}">
+                <a14:useLocalDpi xmlns:a14="http://schemas.microsoft.com/office/drawing/2010/main" val="0"/>
+              </a:ext>
+            </a:extLst>
+          </a:blip>
+          <a:stretch>
+            <a:fillRect/>
+          </a:stretch>
+        </p:blipFill>
+        <p:spPr>
+          <a:xfrm>
+            <a:off x="179244" y="4496780"/>
+            <a:ext cx="3492211" cy="2361220"/>
+          </a:xfrm>
+          <a:prstGeom prst="rect">
+            <a:avLst/>
+          </a:prstGeom>
+        </p:spPr>
+      </p:pic>
+      <p:sp>
+        <p:nvSpPr>
+          <p:cNvPr id="14" name="星 7 13"/>
+          <p:cNvSpPr/>
+          <p:nvPr/>
+        </p:nvSpPr>
+        <p:spPr>
+          <a:xfrm rot="1021837">
+            <a:off x="3727129" y="2086166"/>
+            <a:ext cx="2335010" cy="1728959"/>
+          </a:xfrm>
+          <a:prstGeom prst="star7">
+            <a:avLst/>
+          </a:prstGeom>
+          <a:solidFill>
+            <a:schemeClr val="tx1"/>
+          </a:solidFill>
+        </p:spPr>
+        <p:style>
+          <a:lnRef idx="3">
+            <a:schemeClr val="lt1"/>
+          </a:lnRef>
+          <a:fillRef idx="1">
+            <a:schemeClr val="accent6"/>
+          </a:fillRef>
+          <a:effectRef idx="1">
+            <a:schemeClr val="accent6"/>
+          </a:effectRef>
+          <a:fontRef idx="minor">
+            <a:schemeClr val="lt1"/>
+          </a:fontRef>
+        </p:style>
+        <p:txBody>
+          <a:bodyPr rtlCol="0" anchor="ctr"/>
+          <a:lstStyle/>
+          <a:p>
+            <a:pPr algn="ctr"/>
+            <a:endParaRPr lang="en-US" altLang="ja-JP" sz="2400" dirty="0" smtClean="0">
+              <a:solidFill>
+                <a:schemeClr val="bg1"/>
+              </a:solidFill>
+              <a:latin typeface="Algerian" panose="04020705040A02060702" pitchFamily="82" charset="0"/>
+            </a:endParaRPr>
+          </a:p>
+          <a:p>
+            <a:pPr algn="ctr"/>
+            <a:r>
+              <a:rPr lang="ja-JP" altLang="en-US" sz="2400" dirty="0" smtClean="0">
+                <a:solidFill>
+                  <a:schemeClr val="bg1"/>
+                </a:solidFill>
+                <a:latin typeface="Algerian" panose="04020705040A02060702" pitchFamily="82" charset="0"/>
+              </a:rPr>
+              <a:t>菊</a:t>
+            </a:r>
+            <a:r>
+              <a:rPr lang="ja-JP" altLang="en-US" sz="2400" dirty="0">
+                <a:solidFill>
+                  <a:schemeClr val="bg1"/>
+                </a:solidFill>
+                <a:latin typeface="Algerian" panose="04020705040A02060702" pitchFamily="82" charset="0"/>
+              </a:rPr>
+              <a:t>の花</a:t>
+            </a:r>
+            <a:r>
+              <a:rPr kumimoji="1" lang="ja-JP" altLang="en-US" sz="2400" dirty="0" smtClean="0">
+                <a:solidFill>
+                  <a:schemeClr val="bg1"/>
+                </a:solidFill>
+                <a:latin typeface="Algerian" panose="04020705040A02060702" pitchFamily="82" charset="0"/>
+              </a:rPr>
+              <a:t>お茶</a:t>
+            </a:r>
+            <a:endParaRPr kumimoji="1" lang="en-US" altLang="ja-JP" sz="2400" dirty="0" smtClean="0">
+              <a:solidFill>
+                <a:schemeClr val="bg1"/>
+              </a:solidFill>
+              <a:latin typeface="Algerian" panose="04020705040A02060702" pitchFamily="82" charset="0"/>
+            </a:endParaRPr>
+          </a:p>
+          <a:p>
+            <a:pPr algn="ctr"/>
+            <a:r>
+              <a:rPr lang="en-US" altLang="ja-JP" sz="2400" dirty="0" smtClean="0">
+                <a:solidFill>
+                  <a:schemeClr val="bg1"/>
+                </a:solidFill>
+                <a:latin typeface="Algerian" panose="04020705040A02060702" pitchFamily="82" charset="0"/>
+              </a:rPr>
+              <a:t>450</a:t>
+            </a:r>
+            <a:r>
+              <a:rPr lang="ja-JP" altLang="en-US" sz="2400" dirty="0" smtClean="0">
+                <a:solidFill>
+                  <a:schemeClr val="bg1"/>
+                </a:solidFill>
+                <a:latin typeface="Algerian" panose="04020705040A02060702" pitchFamily="82" charset="0"/>
+              </a:rPr>
+              <a:t>円</a:t>
+            </a:r>
+            <a:endParaRPr kumimoji="1" lang="ja-JP" altLang="en-US" sz="2400" dirty="0">
+              <a:solidFill>
+                <a:schemeClr val="bg1"/>
+              </a:solidFill>
+              <a:latin typeface="Algerian" panose="04020705040A02060702" pitchFamily="82" charset="0"/>
+            </a:endParaRPr>
+          </a:p>
+        </p:txBody>
+      </p:sp>
+      <p:sp>
+        <p:nvSpPr>
+          <p:cNvPr id="15" name="星 7 14"/>
+          <p:cNvSpPr/>
+          <p:nvPr/>
+        </p:nvSpPr>
+        <p:spPr>
+          <a:xfrm rot="20594266">
+            <a:off x="9677833" y="2086943"/>
+            <a:ext cx="2397702" cy="1547462"/>
+          </a:xfrm>
+          <a:prstGeom prst="star7">
+            <a:avLst/>
+          </a:prstGeom>
+          <a:solidFill>
+            <a:schemeClr val="tx1"/>
+          </a:solidFill>
+        </p:spPr>
+        <p:style>
+          <a:lnRef idx="3">
+            <a:schemeClr val="lt1"/>
+          </a:lnRef>
+          <a:fillRef idx="1">
+            <a:schemeClr val="accent6"/>
+          </a:fillRef>
+          <a:effectRef idx="1">
+            <a:schemeClr val="accent6"/>
+          </a:effectRef>
+          <a:fontRef idx="minor">
+            <a:schemeClr val="lt1"/>
+          </a:fontRef>
+        </p:style>
+        <p:txBody>
+          <a:bodyPr rtlCol="0" anchor="ctr"/>
+          <a:lstStyle/>
+          <a:p>
+            <a:pPr algn="ctr"/>
+            <a:r>
+              <a:rPr kumimoji="1" lang="ja-JP" altLang="en-US" sz="2000" dirty="0" smtClean="0">
+                <a:solidFill>
+                  <a:schemeClr val="bg2"/>
+                </a:solidFill>
+              </a:rPr>
+              <a:t>ジャスミンお茶</a:t>
+            </a:r>
+            <a:endParaRPr kumimoji="1" lang="en-US" altLang="ja-JP" sz="2000" dirty="0" smtClean="0">
+              <a:solidFill>
+                <a:schemeClr val="bg2"/>
+              </a:solidFill>
+            </a:endParaRPr>
+          </a:p>
+          <a:p>
+            <a:pPr algn="ctr"/>
+            <a:r>
+              <a:rPr lang="en-US" altLang="ja-JP" sz="2000" dirty="0" smtClean="0">
+                <a:solidFill>
+                  <a:schemeClr val="bg2"/>
+                </a:solidFill>
+              </a:rPr>
+              <a:t>350</a:t>
+            </a:r>
+            <a:r>
+              <a:rPr lang="ja-JP" altLang="en-US" sz="2000" dirty="0" smtClean="0">
+                <a:solidFill>
+                  <a:schemeClr val="bg2"/>
+                </a:solidFill>
+              </a:rPr>
+              <a:t>円</a:t>
+            </a:r>
+            <a:endParaRPr kumimoji="1" lang="ja-JP" altLang="en-US" sz="2000" dirty="0">
+              <a:solidFill>
+                <a:schemeClr val="bg2"/>
+              </a:solidFill>
+            </a:endParaRPr>
+          </a:p>
+        </p:txBody>
+      </p:sp>
+      <p:sp>
+        <p:nvSpPr>
+          <p:cNvPr id="16" name="星 7 15"/>
+          <p:cNvSpPr/>
+          <p:nvPr/>
+        </p:nvSpPr>
+        <p:spPr>
+          <a:xfrm rot="20596971">
+            <a:off x="3719683" y="4508298"/>
+            <a:ext cx="2286000" cy="1605353"/>
+          </a:xfrm>
+          <a:prstGeom prst="star7">
+            <a:avLst/>
+          </a:prstGeom>
+          <a:solidFill>
+            <a:schemeClr val="tx1"/>
+          </a:solidFill>
+        </p:spPr>
+        <p:style>
+          <a:lnRef idx="3">
+            <a:schemeClr val="lt1"/>
+          </a:lnRef>
+          <a:fillRef idx="1">
+            <a:schemeClr val="accent6"/>
+          </a:fillRef>
+          <a:effectRef idx="1">
+            <a:schemeClr val="accent6"/>
+          </a:effectRef>
+          <a:fontRef idx="minor">
+            <a:schemeClr val="lt1"/>
+          </a:fontRef>
+        </p:style>
+        <p:txBody>
+          <a:bodyPr rtlCol="0" anchor="ctr"/>
+          <a:lstStyle/>
+          <a:p>
+            <a:pPr algn="ctr"/>
+            <a:r>
+              <a:rPr kumimoji="1" lang="ja-JP" altLang="en-US" sz="2000" dirty="0" smtClean="0">
+                <a:solidFill>
+                  <a:schemeClr val="bg1"/>
+                </a:solidFill>
+              </a:rPr>
+              <a:t>アティチョお茶</a:t>
+            </a:r>
+            <a:endParaRPr kumimoji="1" lang="en-US" altLang="ja-JP" sz="2000" dirty="0" smtClean="0">
+              <a:solidFill>
+                <a:schemeClr val="bg1"/>
+              </a:solidFill>
+            </a:endParaRPr>
+          </a:p>
+          <a:p>
+            <a:pPr algn="ctr"/>
+            <a:r>
+              <a:rPr lang="en-US" altLang="ja-JP" sz="2000" dirty="0" smtClean="0">
+                <a:solidFill>
+                  <a:schemeClr val="bg1"/>
+                </a:solidFill>
+              </a:rPr>
+              <a:t>350</a:t>
+            </a:r>
+            <a:r>
+              <a:rPr lang="ja-JP" altLang="en-US" sz="2000" smtClean="0">
+                <a:solidFill>
+                  <a:schemeClr val="bg1"/>
+                </a:solidFill>
+              </a:rPr>
+              <a:t>円</a:t>
+            </a:r>
+            <a:endParaRPr kumimoji="1" lang="ja-JP" altLang="en-US" sz="2000" dirty="0">
+              <a:solidFill>
+                <a:schemeClr val="bg1"/>
+              </a:solidFill>
+            </a:endParaRPr>
+          </a:p>
+        </p:txBody>
+      </p:sp>
+      <p:sp>
+        <p:nvSpPr>
+          <p:cNvPr id="17" name="星 7 16"/>
+          <p:cNvSpPr/>
+          <p:nvPr/>
+        </p:nvSpPr>
+        <p:spPr>
+          <a:xfrm rot="992826">
+            <a:off x="9769790" y="4781369"/>
+            <a:ext cx="2317459" cy="1489661"/>
+          </a:xfrm>
+          <a:prstGeom prst="star7">
+            <a:avLst/>
+          </a:prstGeom>
+          <a:solidFill>
+            <a:schemeClr val="tx1"/>
+          </a:solidFill>
+        </p:spPr>
+        <p:style>
+          <a:lnRef idx="0">
+            <a:schemeClr val="accent6"/>
+          </a:lnRef>
+          <a:fillRef idx="3">
+            <a:schemeClr val="accent6"/>
+          </a:fillRef>
+          <a:effectRef idx="3">
+            <a:schemeClr val="accent6"/>
+          </a:effectRef>
+          <a:fontRef idx="minor">
+            <a:schemeClr val="lt1"/>
+          </a:fontRef>
+        </p:style>
+        <p:txBody>
+          <a:bodyPr rtlCol="0" anchor="ctr"/>
+          <a:lstStyle/>
+          <a:p>
+            <a:pPr algn="ctr"/>
+            <a:endParaRPr kumimoji="1" lang="en-US" altLang="ja-JP" sz="2000" dirty="0" smtClean="0">
+              <a:solidFill>
+                <a:schemeClr val="bg1"/>
+              </a:solidFill>
+            </a:endParaRPr>
+          </a:p>
+          <a:p>
+            <a:pPr algn="ctr"/>
+            <a:r>
+              <a:rPr kumimoji="1" lang="ja-JP" altLang="en-US" sz="2000" dirty="0" smtClean="0">
+                <a:solidFill>
+                  <a:schemeClr val="bg1"/>
+                </a:solidFill>
+              </a:rPr>
+              <a:t>蓮の花お茶</a:t>
+            </a:r>
+            <a:endParaRPr kumimoji="1" lang="en-US" altLang="ja-JP" sz="2000" dirty="0" smtClean="0">
+              <a:solidFill>
+                <a:schemeClr val="bg1"/>
+              </a:solidFill>
+            </a:endParaRPr>
+          </a:p>
+          <a:p>
+            <a:pPr algn="ctr"/>
+            <a:r>
+              <a:rPr lang="en-US" altLang="ja-JP" sz="2000" dirty="0" smtClean="0">
+                <a:solidFill>
+                  <a:schemeClr val="bg1"/>
+                </a:solidFill>
+              </a:rPr>
+              <a:t>500</a:t>
+            </a:r>
+            <a:r>
+              <a:rPr lang="ja-JP" altLang="en-US" sz="2000" dirty="0" smtClean="0">
+                <a:solidFill>
+                  <a:schemeClr val="bg1"/>
+                </a:solidFill>
+              </a:rPr>
+              <a:t>円</a:t>
+            </a:r>
+            <a:endParaRPr kumimoji="1" lang="ja-JP" altLang="en-US" sz="2000" dirty="0">
+              <a:solidFill>
+                <a:schemeClr val="bg1"/>
+              </a:solidFill>
+            </a:endParaRPr>
+          </a:p>
+        </p:txBody>
+      </p:sp>
+      <p:sp>
+        <p:nvSpPr>
+          <p:cNvPr id="13" name="テキスト ボックス 12"/>
+          <p:cNvSpPr txBox="1"/>
+          <p:nvPr/>
+        </p:nvSpPr>
+        <p:spPr>
+          <a:xfrm>
+            <a:off x="327364" y="237004"/>
+            <a:ext cx="3491345" cy="307777"/>
+          </a:xfrm>
+          <a:prstGeom prst="rect">
+            <a:avLst/>
+          </a:prstGeom>
+          <a:noFill/>
+        </p:spPr>
+        <p:txBody>
+          <a:bodyPr wrap="square" rtlCol="0">
+            <a:spAutoFit/>
+          </a:bodyPr>
+          <a:lstStyle/>
+          <a:p>
+            <a:r>
+              <a:rPr kumimoji="1" lang="ja-JP" altLang="en-US" sz="1400" dirty="0" smtClean="0">
+                <a:solidFill>
+                  <a:srgbClr val="FFFF00"/>
+                </a:solidFill>
+              </a:rPr>
+              <a:t>丘の上の茶店</a:t>
+            </a:r>
+            <a:endParaRPr kumimoji="1" lang="ja-JP" altLang="en-US" sz="1400" dirty="0">
+              <a:solidFill>
+                <a:srgbClr val="FFFF00"/>
+              </a:solidFill>
+            </a:endParaRPr>
+          </a:p>
+        </p:txBody>
+      </p:sp>
+      <p:sp>
+        <p:nvSpPr>
+          <p:cNvPr id="10" name="正方形/長方形 9"/>
+          <p:cNvSpPr/>
+          <p:nvPr/>
+        </p:nvSpPr>
+        <p:spPr>
+          <a:xfrm>
+            <a:off x="172807" y="591432"/>
+            <a:ext cx="2658100" cy="584775"/>
+          </a:xfrm>
+          <a:prstGeom prst="rect">
+            <a:avLst/>
+          </a:prstGeom>
+        </p:spPr>
+        <p:txBody>
+          <a:bodyPr wrap="none">
+            <a:spAutoFit/>
+          </a:bodyPr>
+          <a:lstStyle/>
+          <a:p>
+            <a:pPr algn="ctr"/>
+            <a:r>
+              <a:rPr kumimoji="1" lang="en-US" altLang="ja-JP" sz="3200" dirty="0">
+                <a:solidFill>
+                  <a:srgbClr val="ED7613"/>
+                </a:solidFill>
+                <a:latin typeface="Algerian" panose="04020705040A02060702" pitchFamily="82" charset="0"/>
+              </a:rPr>
+              <a:t>Y O U  &amp;  M  E</a:t>
+            </a:r>
+            <a:endParaRPr kumimoji="1" lang="ja-JP" altLang="en-US" sz="3200" dirty="0">
+              <a:solidFill>
+                <a:srgbClr val="ED7613"/>
+              </a:solidFill>
+              <a:latin typeface="Algerian" panose="04020705040A02060702" pitchFamily="82" charset="0"/>
+            </a:endParaRPr>
+          </a:p>
+        </p:txBody>
+      </p:sp>
+      <p:sp>
+        <p:nvSpPr>
+          <p:cNvPr id="18" name="正方形/長方形 17"/>
+          <p:cNvSpPr/>
+          <p:nvPr/>
+        </p:nvSpPr>
+        <p:spPr>
+          <a:xfrm>
+            <a:off x="4167049" y="1060149"/>
+            <a:ext cx="1618058" cy="518529"/>
+          </a:xfrm>
+          <a:prstGeom prst="rect">
+            <a:avLst/>
+          </a:prstGeom>
+          <a:solidFill>
+            <a:srgbClr val="92D050"/>
+          </a:solidFill>
+        </p:spPr>
+        <p:style>
+          <a:lnRef idx="2">
+            <a:schemeClr val="accent3">
+              <a:shade val="50000"/>
+            </a:schemeClr>
+          </a:lnRef>
+          <a:fillRef idx="1">
+            <a:schemeClr val="accent3"/>
+          </a:fillRef>
+          <a:effectRef idx="0">
+            <a:schemeClr val="accent3"/>
+          </a:effectRef>
+          <a:fontRef idx="minor">
+            <a:schemeClr val="lt1"/>
+          </a:fontRef>
+        </p:style>
+        <p:txBody>
+          <a:bodyPr rtlCol="0" anchor="ctr"/>
+          <a:lstStyle/>
+          <a:p>
+            <a:pPr algn="ctr"/>
+            <a:r>
+              <a:rPr kumimoji="1" lang="en-US" altLang="ja-JP" sz="1400" dirty="0" smtClean="0"/>
+              <a:t>MENU</a:t>
+            </a:r>
+            <a:endParaRPr kumimoji="1" lang="ja-JP" altLang="en-US" sz="1400" dirty="0"/>
+          </a:p>
+        </p:txBody>
+      </p:sp>
+      <p:sp>
+        <p:nvSpPr>
+          <p:cNvPr id="19" name="正方形/長方形 18"/>
+          <p:cNvSpPr/>
+          <p:nvPr/>
+        </p:nvSpPr>
+        <p:spPr>
+          <a:xfrm>
+            <a:off x="8901695" y="1046071"/>
+            <a:ext cx="1618058" cy="546687"/>
+          </a:xfrm>
+          <a:prstGeom prst="rect">
+            <a:avLst/>
+          </a:prstGeom>
+          <a:solidFill>
+            <a:srgbClr val="92D050"/>
+          </a:solidFill>
+        </p:spPr>
+        <p:style>
+          <a:lnRef idx="2">
+            <a:schemeClr val="accent1">
+              <a:shade val="50000"/>
+            </a:schemeClr>
+          </a:lnRef>
+          <a:fillRef idx="1">
+            <a:schemeClr val="accent1"/>
+          </a:fillRef>
+          <a:effectRef idx="0">
+            <a:schemeClr val="accent1"/>
+          </a:effectRef>
+          <a:fontRef idx="minor">
+            <a:schemeClr val="lt1"/>
+          </a:fontRef>
+        </p:style>
+        <p:txBody>
+          <a:bodyPr rtlCol="0" anchor="ctr"/>
+          <a:lstStyle/>
+          <a:p>
+            <a:pPr algn="ctr"/>
+            <a:r>
+              <a:rPr kumimoji="1" lang="ja-JP" altLang="en-US" sz="1400" dirty="0" smtClean="0"/>
+              <a:t>おすすめの</a:t>
+            </a:r>
+            <a:r>
+              <a:rPr kumimoji="1" lang="ja-JP" altLang="en-US" sz="1400" dirty="0"/>
+              <a:t>茶</a:t>
+            </a:r>
+          </a:p>
+        </p:txBody>
+      </p:sp>
+      <p:sp>
+        <p:nvSpPr>
+          <p:cNvPr id="20" name="正方形/長方形 19"/>
+          <p:cNvSpPr/>
+          <p:nvPr/>
+        </p:nvSpPr>
+        <p:spPr>
+          <a:xfrm>
+            <a:off x="5769482" y="1046071"/>
+            <a:ext cx="1618058" cy="546687"/>
+          </a:xfrm>
+          <a:prstGeom prst="rect">
+            <a:avLst/>
+          </a:prstGeom>
+          <a:solidFill>
+            <a:srgbClr val="92D050"/>
+          </a:solidFill>
+        </p:spPr>
+        <p:style>
+          <a:lnRef idx="2">
+            <a:schemeClr val="accent1">
+              <a:shade val="50000"/>
+            </a:schemeClr>
+          </a:lnRef>
+          <a:fillRef idx="1">
+            <a:schemeClr val="accent1"/>
+          </a:fillRef>
+          <a:effectRef idx="0">
+            <a:schemeClr val="accent1"/>
+          </a:effectRef>
+          <a:fontRef idx="minor">
+            <a:schemeClr val="lt1"/>
+          </a:fontRef>
+        </p:style>
+        <p:txBody>
+          <a:bodyPr rtlCol="0" anchor="ctr"/>
+          <a:lstStyle/>
+          <a:p>
+            <a:pPr algn="ctr"/>
+            <a:r>
+              <a:rPr kumimoji="1" lang="en-US" altLang="ja-JP" sz="1400" dirty="0" smtClean="0"/>
+              <a:t>YOU&amp;ME</a:t>
+            </a:r>
+            <a:r>
+              <a:rPr kumimoji="1" lang="ja-JP" altLang="en-US" sz="1200" dirty="0" smtClean="0"/>
+              <a:t>について</a:t>
+            </a:r>
+            <a:endParaRPr kumimoji="1" lang="ja-JP" altLang="en-US" sz="1200" dirty="0"/>
+          </a:p>
+        </p:txBody>
+      </p:sp>
+      <p:sp>
+        <p:nvSpPr>
+          <p:cNvPr id="21" name="正方形/長方形 20"/>
+          <p:cNvSpPr/>
+          <p:nvPr/>
+        </p:nvSpPr>
+        <p:spPr>
+          <a:xfrm>
+            <a:off x="7387540" y="1046071"/>
+            <a:ext cx="1496068" cy="546687"/>
+          </a:xfrm>
+          <a:prstGeom prst="rect">
+            <a:avLst/>
+          </a:prstGeom>
+          <a:solidFill>
+            <a:srgbClr val="92D050"/>
+          </a:solidFill>
+        </p:spPr>
+        <p:style>
+          <a:lnRef idx="2">
+            <a:schemeClr val="accent1">
+              <a:shade val="50000"/>
+            </a:schemeClr>
+          </a:lnRef>
+          <a:fillRef idx="1">
+            <a:schemeClr val="accent1"/>
+          </a:fillRef>
+          <a:effectRef idx="0">
+            <a:schemeClr val="accent1"/>
+          </a:effectRef>
+          <a:fontRef idx="minor">
+            <a:schemeClr val="lt1"/>
+          </a:fontRef>
+        </p:style>
+        <p:txBody>
+          <a:bodyPr rtlCol="0" anchor="ctr"/>
+          <a:lstStyle/>
+          <a:p>
+            <a:pPr algn="ctr"/>
+            <a:r>
+              <a:rPr kumimoji="1" lang="ja-JP" altLang="en-US" sz="1400" dirty="0" smtClean="0"/>
+              <a:t>人気ランキング</a:t>
+            </a:r>
+            <a:endParaRPr kumimoji="1" lang="ja-JP" altLang="en-US" sz="1400" dirty="0"/>
+          </a:p>
+        </p:txBody>
+      </p:sp>
+      <p:sp>
+        <p:nvSpPr>
+          <p:cNvPr id="22" name="正方形/長方形 21"/>
+          <p:cNvSpPr/>
+          <p:nvPr/>
+        </p:nvSpPr>
+        <p:spPr>
+          <a:xfrm>
+            <a:off x="10519753" y="1047475"/>
+            <a:ext cx="1618058" cy="532609"/>
+          </a:xfrm>
+          <a:prstGeom prst="rect">
+            <a:avLst/>
+          </a:prstGeom>
+          <a:solidFill>
+            <a:srgbClr val="92D050"/>
+          </a:solidFill>
+        </p:spPr>
+        <p:style>
+          <a:lnRef idx="2">
+            <a:schemeClr val="accent1">
+              <a:shade val="50000"/>
+            </a:schemeClr>
+          </a:lnRef>
+          <a:fillRef idx="1">
+            <a:schemeClr val="accent1"/>
+          </a:fillRef>
+          <a:effectRef idx="0">
+            <a:schemeClr val="accent1"/>
+          </a:effectRef>
+          <a:fontRef idx="minor">
+            <a:schemeClr val="lt1"/>
+          </a:fontRef>
+        </p:style>
+        <p:txBody>
+          <a:bodyPr rtlCol="0" anchor="ctr"/>
+          <a:lstStyle/>
+          <a:p>
+            <a:pPr algn="ctr"/>
+            <a:r>
+              <a:rPr kumimoji="1" lang="ja-JP" altLang="en-US" sz="1600" dirty="0" smtClean="0"/>
+              <a:t>アクセスマップ</a:t>
+            </a:r>
+            <a:endParaRPr kumimoji="1" lang="ja-JP" altLang="en-US" sz="1600" dirty="0"/>
+          </a:p>
+        </p:txBody>
+      </p:sp>
+    </p:spTree>
+    <p:extLst>
+      <p:ext uri="{BB962C8B-B14F-4D97-AF65-F5344CB8AC3E}">
+        <p14:creationId xmlns:p14="http://schemas.microsoft.com/office/powerpoint/2010/main" val="3575246319"/>
+      </p:ext>
+    </p:extLst>
+  </p:cSld>
+  <p:clrMapOvr>
+    <a:masterClrMapping/>
+  </p:clrMapOvr>
+  <mc:AlternateContent xmlns:mc="http://schemas.openxmlformats.org/markup-compatibility/2006" xmlns:p15="http://schemas.microsoft.com/office/powerpoint/2012/main">
+    <mc:Choice Requires="p15">
+      <p:transition xmlns:p14="http://schemas.microsoft.com/office/powerpoint/2010/main" spd="slow" p14:dur="1500" advTm="2000">
+        <p15:prstTrans prst="curtains"/>
+      </p:transition>
+    </mc:Choice>
+    <mc:Fallback xmlns="">
+      <p:transition spd="slow" advTm="2000">
+        <p:fade/>
+      </p:transition>
+    </mc:Fallback>
+  </mc:AlternateContent>
+  <p:timing>
+    <p:tnLst>
+      <p:par>
+        <p:cTn id="1" dur="indefinite" restart="never" nodeType="tmRoot"/>
+      </p:par>
+    </p:tnLst>
+  </p:timing>
+</p:sld>
+</file>
+
+<file path=ppt/slides/slide3.xml><?xml version="1.0" encoding="utf-8"?>
+<p:sld xmlns:a="http://schemas.openxmlformats.org/drawingml/2006/main" xmlns:r="http://schemas.openxmlformats.org/officeDocument/2006/relationships" xmlns:p="http://schemas.openxmlformats.org/presentationml/2006/main">
+  <p:cSld>
+    <p:spTree>
+      <p:nvGrpSpPr>
+        <p:cNvPr id="1" name=""/>
+        <p:cNvGrpSpPr/>
+        <p:nvPr/>
+      </p:nvGrpSpPr>
+      <p:grpSpPr>
+        <a:xfrm>
+          <a:off x="0" y="0"/>
+          <a:ext cx="0" cy="0"/>
+          <a:chOff x="0" y="0"/>
+          <a:chExt cx="0" cy="0"/>
+        </a:xfrm>
+      </p:grpSpPr>
+      <p:sp>
+        <p:nvSpPr>
           <p:cNvPr id="2" name="タイトル 1"/>
           <p:cNvSpPr>
             <a:spLocks noGrp="1"/>
@@ -8005,7 +8967,7 @@
         </p:nvSpPr>
         <p:spPr>
           <a:xfrm>
-            <a:off x="5202890" y="377194"/>
+            <a:off x="3707245" y="421815"/>
             <a:ext cx="1618058" cy="518529"/>
           </a:xfrm>
           <a:prstGeom prst="rect">
@@ -8052,7 +9014,7 @@
         </p:nvSpPr>
         <p:spPr>
           <a:xfrm>
-            <a:off x="9966220" y="377194"/>
+            <a:off x="8457516" y="407737"/>
             <a:ext cx="1618058" cy="546687"/>
           </a:xfrm>
           <a:prstGeom prst="rect">
@@ -8102,7 +9064,7 @@
         </p:nvSpPr>
         <p:spPr>
           <a:xfrm>
-            <a:off x="6834007" y="377194"/>
+            <a:off x="5325303" y="407737"/>
             <a:ext cx="1618058" cy="546687"/>
           </a:xfrm>
           <a:prstGeom prst="rect">
@@ -8153,7 +9115,7 @@
         </p:nvSpPr>
         <p:spPr>
           <a:xfrm>
-            <a:off x="8452065" y="377194"/>
+            <a:off x="6943361" y="407737"/>
             <a:ext cx="1496068" cy="546687"/>
           </a:xfrm>
           <a:prstGeom prst="rect">
@@ -8268,6 +9230,53 @@
                 <a:srgbClr val="FFFF00"/>
               </a:solidFill>
             </a:endParaRPr>
+          </a:p>
+        </p:txBody>
+      </p:sp>
+      <p:sp>
+        <p:nvSpPr>
+          <p:cNvPr id="11" name="正方形/長方形 10"/>
+          <p:cNvSpPr/>
+          <p:nvPr/>
+        </p:nvSpPr>
+        <p:spPr>
+          <a:xfrm>
+            <a:off x="10093661" y="421815"/>
+            <a:ext cx="1618058" cy="532609"/>
+          </a:xfrm>
+          <a:prstGeom prst="rect">
+            <a:avLst/>
+          </a:prstGeom>
+          <a:solidFill>
+            <a:srgbClr val="92D050"/>
+          </a:solidFill>
+        </p:spPr>
+        <p:style>
+          <a:lnRef idx="2">
+            <a:schemeClr val="accent1">
+              <a:shade val="50000"/>
+            </a:schemeClr>
+          </a:lnRef>
+          <a:fillRef idx="1">
+            <a:schemeClr val="accent1"/>
+          </a:fillRef>
+          <a:effectRef idx="0">
+            <a:schemeClr val="accent1"/>
+          </a:effectRef>
+          <a:fontRef idx="minor">
+            <a:schemeClr val="lt1"/>
+          </a:fontRef>
+        </p:style>
+        <p:txBody>
+          <a:bodyPr rtlCol="0" anchor="ctr"/>
+          <a:lstStyle/>
+          <a:p>
+            <a:pPr algn="ctr"/>
+            <a:r>
+              <a:rPr kumimoji="1" lang="ja-JP" altLang="en-US" sz="1600" dirty="0" smtClean="0"/>
+              <a:t>アクセスマップ</a:t>
+            </a:r>
+            <a:endParaRPr kumimoji="1" lang="ja-JP" altLang="en-US" sz="1600" dirty="0"/>
           </a:p>
         </p:txBody>
       </p:sp>
@@ -8303,886 +9312,6 @@
 </p:sld>
 </file>
 
-<file path=ppt/slides/slide3.xml><?xml version="1.0" encoding="utf-8"?>
-<p:sld xmlns:a="http://schemas.openxmlformats.org/drawingml/2006/main" xmlns:r="http://schemas.openxmlformats.org/officeDocument/2006/relationships" xmlns:p="http://schemas.openxmlformats.org/presentationml/2006/main">
-  <p:cSld>
-    <p:spTree>
-      <p:nvGrpSpPr>
-        <p:cNvPr id="1" name=""/>
-        <p:cNvGrpSpPr/>
-        <p:nvPr/>
-      </p:nvGrpSpPr>
-      <p:grpSpPr>
-        <a:xfrm>
-          <a:off x="0" y="0"/>
-          <a:ext cx="0" cy="0"/>
-          <a:chOff x="0" y="0"/>
-          <a:chExt cx="0" cy="0"/>
-        </a:xfrm>
-      </p:grpSpPr>
-      <p:sp>
-        <p:nvSpPr>
-          <p:cNvPr id="2" name="テキスト ボックス 1"/>
-          <p:cNvSpPr txBox="1"/>
-          <p:nvPr/>
-        </p:nvSpPr>
-        <p:spPr>
-          <a:xfrm>
-            <a:off x="1798716" y="40762"/>
-            <a:ext cx="7467600" cy="830997"/>
-          </a:xfrm>
-          <a:prstGeom prst="rect">
-            <a:avLst/>
-          </a:prstGeom>
-          <a:noFill/>
-        </p:spPr>
-        <p:txBody>
-          <a:bodyPr wrap="square" rtlCol="0">
-            <a:spAutoFit/>
-          </a:bodyPr>
-          <a:lstStyle/>
-          <a:p>
-            <a:pPr algn="ctr"/>
-            <a:r>
-              <a:rPr kumimoji="1" lang="ja-JP" altLang="en-US" sz="4800" dirty="0" smtClean="0">
-                <a:solidFill>
-                  <a:srgbClr val="FFC000"/>
-                </a:solidFill>
-              </a:rPr>
-              <a:t>お茶メニュー</a:t>
-            </a:r>
-            <a:endParaRPr kumimoji="1" lang="ja-JP" altLang="en-US" sz="4800" dirty="0">
-              <a:solidFill>
-                <a:srgbClr val="FFC000"/>
-              </a:solidFill>
-            </a:endParaRPr>
-          </a:p>
-        </p:txBody>
-      </p:sp>
-      <p:sp>
-        <p:nvSpPr>
-          <p:cNvPr id="3" name="テキスト ボックス 2"/>
-          <p:cNvSpPr txBox="1"/>
-          <p:nvPr/>
-        </p:nvSpPr>
-        <p:spPr>
-          <a:xfrm>
-            <a:off x="7032144" y="145155"/>
-            <a:ext cx="5112327" cy="738664"/>
-          </a:xfrm>
-          <a:prstGeom prst="rect">
-            <a:avLst/>
-          </a:prstGeom>
-          <a:noFill/>
-        </p:spPr>
-        <p:txBody>
-          <a:bodyPr wrap="square" rtlCol="0">
-            <a:spAutoFit/>
-          </a:bodyPr>
-          <a:lstStyle/>
-          <a:p>
-            <a:pPr algn="ctr"/>
-            <a:r>
-              <a:rPr kumimoji="1" lang="ja-JP" altLang="en-US" sz="1400" dirty="0" smtClean="0"/>
-              <a:t>簡単なことから精粋になります。</a:t>
-            </a:r>
-            <a:endParaRPr kumimoji="1" lang="en-US" altLang="ja-JP" sz="1400" dirty="0" smtClean="0"/>
-          </a:p>
-          <a:p>
-            <a:pPr algn="ctr"/>
-            <a:r>
-              <a:rPr kumimoji="1" lang="en-US" altLang="ja-JP" sz="1400" dirty="0" smtClean="0"/>
-              <a:t>YOU&amp;ME</a:t>
-            </a:r>
-            <a:r>
-              <a:rPr kumimoji="1" lang="ja-JP" altLang="en-US" sz="1400" dirty="0" smtClean="0"/>
-              <a:t> のお茶は</a:t>
-            </a:r>
-            <a:endParaRPr kumimoji="1" lang="en-US" altLang="ja-JP" sz="1400" dirty="0" smtClean="0"/>
-          </a:p>
-          <a:p>
-            <a:pPr algn="ctr"/>
-            <a:r>
-              <a:rPr kumimoji="1" lang="ja-JP" altLang="en-US" sz="1400" dirty="0" smtClean="0"/>
-              <a:t>越南の味と日本の寒さを組み合わせます。</a:t>
-            </a:r>
-            <a:endParaRPr kumimoji="1" lang="ja-JP" altLang="en-US" sz="1400" dirty="0"/>
-          </a:p>
-        </p:txBody>
-      </p:sp>
-      <p:pic>
-        <p:nvPicPr>
-          <p:cNvPr id="4" name="図 3"/>
-          <p:cNvPicPr>
-            <a:picLocks noChangeAspect="1"/>
-          </p:cNvPicPr>
-          <p:nvPr/>
-        </p:nvPicPr>
-        <p:blipFill>
-          <a:blip r:embed="rId2">
-            <a:extLst>
-              <a:ext uri="{28A0092B-C50C-407E-A947-70E740481C1C}">
-                <a14:useLocalDpi xmlns:a14="http://schemas.microsoft.com/office/drawing/2010/main" val="0"/>
-              </a:ext>
-            </a:extLst>
-          </a:blip>
-          <a:stretch>
-            <a:fillRect/>
-          </a:stretch>
-        </p:blipFill>
-        <p:spPr>
-          <a:xfrm>
-            <a:off x="179244" y="1763776"/>
-            <a:ext cx="3492211" cy="2464253"/>
-          </a:xfrm>
-          <a:prstGeom prst="rect">
-            <a:avLst/>
-          </a:prstGeom>
-        </p:spPr>
-      </p:pic>
-      <p:pic>
-        <p:nvPicPr>
-          <p:cNvPr id="5" name="図 4"/>
-          <p:cNvPicPr>
-            <a:picLocks noChangeAspect="1"/>
-          </p:cNvPicPr>
-          <p:nvPr/>
-        </p:nvPicPr>
-        <p:blipFill>
-          <a:blip r:embed="rId3" cstate="print">
-            <a:extLst>
-              <a:ext uri="{28A0092B-C50C-407E-A947-70E740481C1C}">
-                <a14:useLocalDpi xmlns:a14="http://schemas.microsoft.com/office/drawing/2010/main" val="0"/>
-              </a:ext>
-            </a:extLst>
-          </a:blip>
-          <a:stretch>
-            <a:fillRect/>
-          </a:stretch>
-        </p:blipFill>
-        <p:spPr>
-          <a:xfrm>
-            <a:off x="6109855" y="1763774"/>
-            <a:ext cx="3492211" cy="2464253"/>
-          </a:xfrm>
-          <a:prstGeom prst="rect">
-            <a:avLst/>
-          </a:prstGeom>
-        </p:spPr>
-      </p:pic>
-      <p:pic>
-        <p:nvPicPr>
-          <p:cNvPr id="6" name="図 5"/>
-          <p:cNvPicPr>
-            <a:picLocks noChangeAspect="1"/>
-          </p:cNvPicPr>
-          <p:nvPr/>
-        </p:nvPicPr>
-        <p:blipFill>
-          <a:blip r:embed="rId4">
-            <a:extLst>
-              <a:ext uri="{28A0092B-C50C-407E-A947-70E740481C1C}">
-                <a14:useLocalDpi xmlns:a14="http://schemas.microsoft.com/office/drawing/2010/main" val="0"/>
-              </a:ext>
-            </a:extLst>
-          </a:blip>
-          <a:stretch>
-            <a:fillRect/>
-          </a:stretch>
-        </p:blipFill>
-        <p:spPr>
-          <a:xfrm>
-            <a:off x="6109855" y="4509281"/>
-            <a:ext cx="3492211" cy="2348719"/>
-          </a:xfrm>
-          <a:prstGeom prst="rect">
-            <a:avLst/>
-          </a:prstGeom>
-        </p:spPr>
-      </p:pic>
-      <p:pic>
-        <p:nvPicPr>
-          <p:cNvPr id="7" name="図 6"/>
-          <p:cNvPicPr>
-            <a:picLocks noChangeAspect="1"/>
-          </p:cNvPicPr>
-          <p:nvPr/>
-        </p:nvPicPr>
-        <p:blipFill>
-          <a:blip r:embed="rId5">
-            <a:extLst>
-              <a:ext uri="{28A0092B-C50C-407E-A947-70E740481C1C}">
-                <a14:useLocalDpi xmlns:a14="http://schemas.microsoft.com/office/drawing/2010/main" val="0"/>
-              </a:ext>
-            </a:extLst>
-          </a:blip>
-          <a:stretch>
-            <a:fillRect/>
-          </a:stretch>
-        </p:blipFill>
-        <p:spPr>
-          <a:xfrm>
-            <a:off x="179244" y="4496780"/>
-            <a:ext cx="3492211" cy="2361220"/>
-          </a:xfrm>
-          <a:prstGeom prst="rect">
-            <a:avLst/>
-          </a:prstGeom>
-        </p:spPr>
-      </p:pic>
-      <p:sp>
-        <p:nvSpPr>
-          <p:cNvPr id="14" name="星 7 13"/>
-          <p:cNvSpPr/>
-          <p:nvPr/>
-        </p:nvSpPr>
-        <p:spPr>
-          <a:xfrm rot="1021837">
-            <a:off x="3727129" y="2086166"/>
-            <a:ext cx="2335010" cy="1728959"/>
-          </a:xfrm>
-          <a:prstGeom prst="star7">
-            <a:avLst/>
-          </a:prstGeom>
-          <a:solidFill>
-            <a:schemeClr val="tx1"/>
-          </a:solidFill>
-        </p:spPr>
-        <p:style>
-          <a:lnRef idx="3">
-            <a:schemeClr val="lt1"/>
-          </a:lnRef>
-          <a:fillRef idx="1">
-            <a:schemeClr val="accent6"/>
-          </a:fillRef>
-          <a:effectRef idx="1">
-            <a:schemeClr val="accent6"/>
-          </a:effectRef>
-          <a:fontRef idx="minor">
-            <a:schemeClr val="lt1"/>
-          </a:fontRef>
-        </p:style>
-        <p:txBody>
-          <a:bodyPr rtlCol="0" anchor="ctr"/>
-          <a:lstStyle/>
-          <a:p>
-            <a:pPr algn="ctr"/>
-            <a:endParaRPr lang="en-US" altLang="ja-JP" sz="2400" dirty="0" smtClean="0">
-              <a:solidFill>
-                <a:schemeClr val="bg1"/>
-              </a:solidFill>
-              <a:latin typeface="Algerian" panose="04020705040A02060702" pitchFamily="82" charset="0"/>
-            </a:endParaRPr>
-          </a:p>
-          <a:p>
-            <a:pPr algn="ctr"/>
-            <a:r>
-              <a:rPr lang="ja-JP" altLang="en-US" sz="2400" dirty="0" smtClean="0">
-                <a:solidFill>
-                  <a:schemeClr val="bg1"/>
-                </a:solidFill>
-                <a:latin typeface="Algerian" panose="04020705040A02060702" pitchFamily="82" charset="0"/>
-              </a:rPr>
-              <a:t>菊</a:t>
-            </a:r>
-            <a:r>
-              <a:rPr lang="ja-JP" altLang="en-US" sz="2400" dirty="0">
-                <a:solidFill>
-                  <a:schemeClr val="bg1"/>
-                </a:solidFill>
-                <a:latin typeface="Algerian" panose="04020705040A02060702" pitchFamily="82" charset="0"/>
-              </a:rPr>
-              <a:t>の花</a:t>
-            </a:r>
-            <a:r>
-              <a:rPr kumimoji="1" lang="ja-JP" altLang="en-US" sz="2400" dirty="0" smtClean="0">
-                <a:solidFill>
-                  <a:schemeClr val="bg1"/>
-                </a:solidFill>
-                <a:latin typeface="Algerian" panose="04020705040A02060702" pitchFamily="82" charset="0"/>
-              </a:rPr>
-              <a:t>お茶</a:t>
-            </a:r>
-            <a:endParaRPr kumimoji="1" lang="en-US" altLang="ja-JP" sz="2400" dirty="0" smtClean="0">
-              <a:solidFill>
-                <a:schemeClr val="bg1"/>
-              </a:solidFill>
-              <a:latin typeface="Algerian" panose="04020705040A02060702" pitchFamily="82" charset="0"/>
-            </a:endParaRPr>
-          </a:p>
-          <a:p>
-            <a:pPr algn="ctr"/>
-            <a:r>
-              <a:rPr lang="en-US" altLang="ja-JP" sz="2400" dirty="0" smtClean="0">
-                <a:solidFill>
-                  <a:schemeClr val="bg1"/>
-                </a:solidFill>
-                <a:latin typeface="Algerian" panose="04020705040A02060702" pitchFamily="82" charset="0"/>
-              </a:rPr>
-              <a:t>450</a:t>
-            </a:r>
-            <a:r>
-              <a:rPr lang="ja-JP" altLang="en-US" sz="2400" dirty="0" smtClean="0">
-                <a:solidFill>
-                  <a:schemeClr val="bg1"/>
-                </a:solidFill>
-                <a:latin typeface="Algerian" panose="04020705040A02060702" pitchFamily="82" charset="0"/>
-              </a:rPr>
-              <a:t>円</a:t>
-            </a:r>
-            <a:endParaRPr kumimoji="1" lang="ja-JP" altLang="en-US" sz="2400" dirty="0">
-              <a:solidFill>
-                <a:schemeClr val="bg1"/>
-              </a:solidFill>
-              <a:latin typeface="Algerian" panose="04020705040A02060702" pitchFamily="82" charset="0"/>
-            </a:endParaRPr>
-          </a:p>
-        </p:txBody>
-      </p:sp>
-      <p:sp>
-        <p:nvSpPr>
-          <p:cNvPr id="15" name="星 7 14"/>
-          <p:cNvSpPr/>
-          <p:nvPr/>
-        </p:nvSpPr>
-        <p:spPr>
-          <a:xfrm rot="20594266">
-            <a:off x="9677833" y="2086943"/>
-            <a:ext cx="2397702" cy="1547462"/>
-          </a:xfrm>
-          <a:prstGeom prst="star7">
-            <a:avLst/>
-          </a:prstGeom>
-          <a:solidFill>
-            <a:schemeClr val="tx1"/>
-          </a:solidFill>
-        </p:spPr>
-        <p:style>
-          <a:lnRef idx="3">
-            <a:schemeClr val="lt1"/>
-          </a:lnRef>
-          <a:fillRef idx="1">
-            <a:schemeClr val="accent6"/>
-          </a:fillRef>
-          <a:effectRef idx="1">
-            <a:schemeClr val="accent6"/>
-          </a:effectRef>
-          <a:fontRef idx="minor">
-            <a:schemeClr val="lt1"/>
-          </a:fontRef>
-        </p:style>
-        <p:txBody>
-          <a:bodyPr rtlCol="0" anchor="ctr"/>
-          <a:lstStyle/>
-          <a:p>
-            <a:pPr algn="ctr"/>
-            <a:r>
-              <a:rPr kumimoji="1" lang="ja-JP" altLang="en-US" sz="2000" dirty="0" smtClean="0">
-                <a:solidFill>
-                  <a:schemeClr val="bg2"/>
-                </a:solidFill>
-              </a:rPr>
-              <a:t>ジャスミンお茶</a:t>
-            </a:r>
-            <a:endParaRPr kumimoji="1" lang="en-US" altLang="ja-JP" sz="2000" dirty="0" smtClean="0">
-              <a:solidFill>
-                <a:schemeClr val="bg2"/>
-              </a:solidFill>
-            </a:endParaRPr>
-          </a:p>
-          <a:p>
-            <a:pPr algn="ctr"/>
-            <a:r>
-              <a:rPr lang="en-US" altLang="ja-JP" sz="2000" dirty="0" smtClean="0">
-                <a:solidFill>
-                  <a:schemeClr val="bg2"/>
-                </a:solidFill>
-              </a:rPr>
-              <a:t>350</a:t>
-            </a:r>
-            <a:r>
-              <a:rPr lang="ja-JP" altLang="en-US" sz="2000" dirty="0" smtClean="0">
-                <a:solidFill>
-                  <a:schemeClr val="bg2"/>
-                </a:solidFill>
-              </a:rPr>
-              <a:t>円</a:t>
-            </a:r>
-            <a:endParaRPr kumimoji="1" lang="ja-JP" altLang="en-US" sz="2000" dirty="0">
-              <a:solidFill>
-                <a:schemeClr val="bg2"/>
-              </a:solidFill>
-            </a:endParaRPr>
-          </a:p>
-        </p:txBody>
-      </p:sp>
-      <p:sp>
-        <p:nvSpPr>
-          <p:cNvPr id="16" name="星 7 15"/>
-          <p:cNvSpPr/>
-          <p:nvPr/>
-        </p:nvSpPr>
-        <p:spPr>
-          <a:xfrm rot="20596971">
-            <a:off x="3719683" y="4508298"/>
-            <a:ext cx="2286000" cy="1605353"/>
-          </a:xfrm>
-          <a:prstGeom prst="star7">
-            <a:avLst/>
-          </a:prstGeom>
-          <a:solidFill>
-            <a:schemeClr val="tx1"/>
-          </a:solidFill>
-        </p:spPr>
-        <p:style>
-          <a:lnRef idx="3">
-            <a:schemeClr val="lt1"/>
-          </a:lnRef>
-          <a:fillRef idx="1">
-            <a:schemeClr val="accent6"/>
-          </a:fillRef>
-          <a:effectRef idx="1">
-            <a:schemeClr val="accent6"/>
-          </a:effectRef>
-          <a:fontRef idx="minor">
-            <a:schemeClr val="lt1"/>
-          </a:fontRef>
-        </p:style>
-        <p:txBody>
-          <a:bodyPr rtlCol="0" anchor="ctr"/>
-          <a:lstStyle/>
-          <a:p>
-            <a:pPr algn="ctr"/>
-            <a:r>
-              <a:rPr kumimoji="1" lang="ja-JP" altLang="en-US" sz="2000" dirty="0" smtClean="0">
-                <a:solidFill>
-                  <a:schemeClr val="bg1"/>
-                </a:solidFill>
-              </a:rPr>
-              <a:t>アティチョお茶</a:t>
-            </a:r>
-            <a:endParaRPr kumimoji="1" lang="en-US" altLang="ja-JP" sz="2000" dirty="0" smtClean="0">
-              <a:solidFill>
-                <a:schemeClr val="bg1"/>
-              </a:solidFill>
-            </a:endParaRPr>
-          </a:p>
-          <a:p>
-            <a:pPr algn="ctr"/>
-            <a:r>
-              <a:rPr lang="en-US" altLang="ja-JP" sz="2000" dirty="0" smtClean="0">
-                <a:solidFill>
-                  <a:schemeClr val="bg1"/>
-                </a:solidFill>
-              </a:rPr>
-              <a:t>350</a:t>
-            </a:r>
-            <a:r>
-              <a:rPr lang="ja-JP" altLang="en-US" sz="2000" smtClean="0">
-                <a:solidFill>
-                  <a:schemeClr val="bg1"/>
-                </a:solidFill>
-              </a:rPr>
-              <a:t>円</a:t>
-            </a:r>
-            <a:endParaRPr kumimoji="1" lang="ja-JP" altLang="en-US" sz="2000" dirty="0">
-              <a:solidFill>
-                <a:schemeClr val="bg1"/>
-              </a:solidFill>
-            </a:endParaRPr>
-          </a:p>
-        </p:txBody>
-      </p:sp>
-      <p:sp>
-        <p:nvSpPr>
-          <p:cNvPr id="17" name="星 7 16"/>
-          <p:cNvSpPr/>
-          <p:nvPr/>
-        </p:nvSpPr>
-        <p:spPr>
-          <a:xfrm rot="992826">
-            <a:off x="9769790" y="4781369"/>
-            <a:ext cx="2317459" cy="1489661"/>
-          </a:xfrm>
-          <a:prstGeom prst="star7">
-            <a:avLst/>
-          </a:prstGeom>
-          <a:solidFill>
-            <a:schemeClr val="tx1"/>
-          </a:solidFill>
-        </p:spPr>
-        <p:style>
-          <a:lnRef idx="0">
-            <a:schemeClr val="accent6"/>
-          </a:lnRef>
-          <a:fillRef idx="3">
-            <a:schemeClr val="accent6"/>
-          </a:fillRef>
-          <a:effectRef idx="3">
-            <a:schemeClr val="accent6"/>
-          </a:effectRef>
-          <a:fontRef idx="minor">
-            <a:schemeClr val="lt1"/>
-          </a:fontRef>
-        </p:style>
-        <p:txBody>
-          <a:bodyPr rtlCol="0" anchor="ctr"/>
-          <a:lstStyle/>
-          <a:p>
-            <a:pPr algn="ctr"/>
-            <a:endParaRPr kumimoji="1" lang="en-US" altLang="ja-JP" sz="2000" dirty="0" smtClean="0">
-              <a:solidFill>
-                <a:schemeClr val="bg1"/>
-              </a:solidFill>
-            </a:endParaRPr>
-          </a:p>
-          <a:p>
-            <a:pPr algn="ctr"/>
-            <a:r>
-              <a:rPr kumimoji="1" lang="ja-JP" altLang="en-US" sz="2000" dirty="0" smtClean="0">
-                <a:solidFill>
-                  <a:schemeClr val="bg1"/>
-                </a:solidFill>
-              </a:rPr>
-              <a:t>蓮の花お茶</a:t>
-            </a:r>
-            <a:endParaRPr kumimoji="1" lang="en-US" altLang="ja-JP" sz="2000" dirty="0" smtClean="0">
-              <a:solidFill>
-                <a:schemeClr val="bg1"/>
-              </a:solidFill>
-            </a:endParaRPr>
-          </a:p>
-          <a:p>
-            <a:pPr algn="ctr"/>
-            <a:r>
-              <a:rPr lang="en-US" altLang="ja-JP" sz="2000" dirty="0" smtClean="0">
-                <a:solidFill>
-                  <a:schemeClr val="bg1"/>
-                </a:solidFill>
-              </a:rPr>
-              <a:t>500</a:t>
-            </a:r>
-            <a:r>
-              <a:rPr lang="ja-JP" altLang="en-US" sz="2000" dirty="0" smtClean="0">
-                <a:solidFill>
-                  <a:schemeClr val="bg1"/>
-                </a:solidFill>
-              </a:rPr>
-              <a:t>円</a:t>
-            </a:r>
-            <a:endParaRPr kumimoji="1" lang="ja-JP" altLang="en-US" sz="2000" dirty="0">
-              <a:solidFill>
-                <a:schemeClr val="bg1"/>
-              </a:solidFill>
-            </a:endParaRPr>
-          </a:p>
-        </p:txBody>
-      </p:sp>
-      <p:sp>
-        <p:nvSpPr>
-          <p:cNvPr id="13" name="テキスト ボックス 12"/>
-          <p:cNvSpPr txBox="1"/>
-          <p:nvPr/>
-        </p:nvSpPr>
-        <p:spPr>
-          <a:xfrm>
-            <a:off x="327364" y="237004"/>
-            <a:ext cx="3491345" cy="307777"/>
-          </a:xfrm>
-          <a:prstGeom prst="rect">
-            <a:avLst/>
-          </a:prstGeom>
-          <a:noFill/>
-        </p:spPr>
-        <p:txBody>
-          <a:bodyPr wrap="square" rtlCol="0">
-            <a:spAutoFit/>
-          </a:bodyPr>
-          <a:lstStyle/>
-          <a:p>
-            <a:r>
-              <a:rPr kumimoji="1" lang="ja-JP" altLang="en-US" sz="1400" dirty="0" smtClean="0">
-                <a:solidFill>
-                  <a:srgbClr val="FFFF00"/>
-                </a:solidFill>
-              </a:rPr>
-              <a:t>丘の上の茶店</a:t>
-            </a:r>
-            <a:endParaRPr kumimoji="1" lang="ja-JP" altLang="en-US" sz="1400" dirty="0">
-              <a:solidFill>
-                <a:srgbClr val="FFFF00"/>
-              </a:solidFill>
-            </a:endParaRPr>
-          </a:p>
-        </p:txBody>
-      </p:sp>
-      <p:sp>
-        <p:nvSpPr>
-          <p:cNvPr id="10" name="正方形/長方形 9"/>
-          <p:cNvSpPr/>
-          <p:nvPr/>
-        </p:nvSpPr>
-        <p:spPr>
-          <a:xfrm>
-            <a:off x="172807" y="591432"/>
-            <a:ext cx="2658100" cy="584775"/>
-          </a:xfrm>
-          <a:prstGeom prst="rect">
-            <a:avLst/>
-          </a:prstGeom>
-        </p:spPr>
-        <p:txBody>
-          <a:bodyPr wrap="none">
-            <a:spAutoFit/>
-          </a:bodyPr>
-          <a:lstStyle/>
-          <a:p>
-            <a:pPr algn="ctr"/>
-            <a:r>
-              <a:rPr kumimoji="1" lang="en-US" altLang="ja-JP" sz="3200" dirty="0">
-                <a:solidFill>
-                  <a:srgbClr val="ED7613"/>
-                </a:solidFill>
-                <a:latin typeface="Algerian" panose="04020705040A02060702" pitchFamily="82" charset="0"/>
-              </a:rPr>
-              <a:t>Y O U  &amp;  M  E</a:t>
-            </a:r>
-            <a:endParaRPr kumimoji="1" lang="ja-JP" altLang="en-US" sz="3200" dirty="0">
-              <a:solidFill>
-                <a:srgbClr val="ED7613"/>
-              </a:solidFill>
-              <a:latin typeface="Algerian" panose="04020705040A02060702" pitchFamily="82" charset="0"/>
-            </a:endParaRPr>
-          </a:p>
-        </p:txBody>
-      </p:sp>
-      <p:sp>
-        <p:nvSpPr>
-          <p:cNvPr id="18" name="正方形/長方形 17"/>
-          <p:cNvSpPr/>
-          <p:nvPr/>
-        </p:nvSpPr>
-        <p:spPr>
-          <a:xfrm>
-            <a:off x="4885507" y="1002290"/>
-            <a:ext cx="1618058" cy="518529"/>
-          </a:xfrm>
-          <a:prstGeom prst="rect">
-            <a:avLst/>
-          </a:prstGeom>
-          <a:solidFill>
-            <a:srgbClr val="92D050"/>
-          </a:solidFill>
-        </p:spPr>
-        <p:style>
-          <a:lnRef idx="2">
-            <a:schemeClr val="accent3">
-              <a:shade val="50000"/>
-            </a:schemeClr>
-          </a:lnRef>
-          <a:fillRef idx="1">
-            <a:schemeClr val="accent3"/>
-          </a:fillRef>
-          <a:effectRef idx="0">
-            <a:schemeClr val="accent3"/>
-          </a:effectRef>
-          <a:fontRef idx="minor">
-            <a:schemeClr val="lt1"/>
-          </a:fontRef>
-        </p:style>
-        <p:txBody>
-          <a:bodyPr rtlCol="0" anchor="ctr"/>
-          <a:lstStyle/>
-          <a:p>
-            <a:pPr algn="ctr"/>
-            <a:r>
-              <a:rPr kumimoji="1" lang="en-US" altLang="ja-JP" sz="1400" dirty="0" smtClean="0"/>
-              <a:t>MENU</a:t>
-            </a:r>
-            <a:endParaRPr kumimoji="1" lang="ja-JP" altLang="en-US" sz="1400" dirty="0"/>
-          </a:p>
-        </p:txBody>
-      </p:sp>
-      <p:sp>
-        <p:nvSpPr>
-          <p:cNvPr id="19" name="正方形/長方形 18"/>
-          <p:cNvSpPr/>
-          <p:nvPr/>
-        </p:nvSpPr>
-        <p:spPr>
-          <a:xfrm>
-            <a:off x="9620153" y="988212"/>
-            <a:ext cx="1618058" cy="546687"/>
-          </a:xfrm>
-          <a:prstGeom prst="rect">
-            <a:avLst/>
-          </a:prstGeom>
-          <a:solidFill>
-            <a:srgbClr val="92D050"/>
-          </a:solidFill>
-        </p:spPr>
-        <p:style>
-          <a:lnRef idx="2">
-            <a:schemeClr val="accent1">
-              <a:shade val="50000"/>
-            </a:schemeClr>
-          </a:lnRef>
-          <a:fillRef idx="1">
-            <a:schemeClr val="accent1"/>
-          </a:fillRef>
-          <a:effectRef idx="0">
-            <a:schemeClr val="accent1"/>
-          </a:effectRef>
-          <a:fontRef idx="minor">
-            <a:schemeClr val="lt1"/>
-          </a:fontRef>
-        </p:style>
-        <p:txBody>
-          <a:bodyPr rtlCol="0" anchor="ctr"/>
-          <a:lstStyle/>
-          <a:p>
-            <a:pPr algn="ctr"/>
-            <a:r>
-              <a:rPr kumimoji="1" lang="ja-JP" altLang="en-US" sz="1400" dirty="0" smtClean="0"/>
-              <a:t>おすすめの</a:t>
-            </a:r>
-            <a:r>
-              <a:rPr kumimoji="1" lang="ja-JP" altLang="en-US" sz="1400" dirty="0"/>
-              <a:t>茶</a:t>
-            </a:r>
-          </a:p>
-        </p:txBody>
-      </p:sp>
-      <p:sp>
-        <p:nvSpPr>
-          <p:cNvPr id="20" name="正方形/長方形 19"/>
-          <p:cNvSpPr/>
-          <p:nvPr/>
-        </p:nvSpPr>
-        <p:spPr>
-          <a:xfrm>
-            <a:off x="6487940" y="988212"/>
-            <a:ext cx="1618058" cy="546687"/>
-          </a:xfrm>
-          <a:prstGeom prst="rect">
-            <a:avLst/>
-          </a:prstGeom>
-          <a:solidFill>
-            <a:srgbClr val="92D050"/>
-          </a:solidFill>
-        </p:spPr>
-        <p:style>
-          <a:lnRef idx="2">
-            <a:schemeClr val="accent1">
-              <a:shade val="50000"/>
-            </a:schemeClr>
-          </a:lnRef>
-          <a:fillRef idx="1">
-            <a:schemeClr val="accent1"/>
-          </a:fillRef>
-          <a:effectRef idx="0">
-            <a:schemeClr val="accent1"/>
-          </a:effectRef>
-          <a:fontRef idx="minor">
-            <a:schemeClr val="lt1"/>
-          </a:fontRef>
-        </p:style>
-        <p:txBody>
-          <a:bodyPr rtlCol="0" anchor="ctr"/>
-          <a:lstStyle/>
-          <a:p>
-            <a:pPr algn="ctr"/>
-            <a:r>
-              <a:rPr kumimoji="1" lang="en-US" altLang="ja-JP" sz="1400" dirty="0" smtClean="0"/>
-              <a:t>YOU&amp;ME</a:t>
-            </a:r>
-            <a:r>
-              <a:rPr kumimoji="1" lang="ja-JP" altLang="en-US" sz="1200" dirty="0" smtClean="0"/>
-              <a:t>について</a:t>
-            </a:r>
-            <a:endParaRPr kumimoji="1" lang="ja-JP" altLang="en-US" sz="1200" dirty="0"/>
-          </a:p>
-        </p:txBody>
-      </p:sp>
-      <p:sp>
-        <p:nvSpPr>
-          <p:cNvPr id="21" name="正方形/長方形 20"/>
-          <p:cNvSpPr/>
-          <p:nvPr/>
-        </p:nvSpPr>
-        <p:spPr>
-          <a:xfrm>
-            <a:off x="8105998" y="988212"/>
-            <a:ext cx="1496068" cy="546687"/>
-          </a:xfrm>
-          <a:prstGeom prst="rect">
-            <a:avLst/>
-          </a:prstGeom>
-          <a:solidFill>
-            <a:srgbClr val="92D050"/>
-          </a:solidFill>
-        </p:spPr>
-        <p:style>
-          <a:lnRef idx="2">
-            <a:schemeClr val="accent1">
-              <a:shade val="50000"/>
-            </a:schemeClr>
-          </a:lnRef>
-          <a:fillRef idx="1">
-            <a:schemeClr val="accent1"/>
-          </a:fillRef>
-          <a:effectRef idx="0">
-            <a:schemeClr val="accent1"/>
-          </a:effectRef>
-          <a:fontRef idx="minor">
-            <a:schemeClr val="lt1"/>
-          </a:fontRef>
-        </p:style>
-        <p:txBody>
-          <a:bodyPr rtlCol="0" anchor="ctr"/>
-          <a:lstStyle/>
-          <a:p>
-            <a:pPr algn="ctr"/>
-            <a:r>
-              <a:rPr kumimoji="1" lang="ja-JP" altLang="en-US" sz="1400" dirty="0" smtClean="0"/>
-              <a:t>人気ランキング</a:t>
-            </a:r>
-            <a:endParaRPr kumimoji="1" lang="ja-JP" altLang="en-US" sz="1400" dirty="0"/>
-          </a:p>
-        </p:txBody>
-      </p:sp>
-    </p:spTree>
-    <p:extLst>
-      <p:ext uri="{BB962C8B-B14F-4D97-AF65-F5344CB8AC3E}">
-        <p14:creationId xmlns:p14="http://schemas.microsoft.com/office/powerpoint/2010/main" val="3575246319"/>
-      </p:ext>
-    </p:extLst>
-  </p:cSld>
-  <p:clrMapOvr>
-    <a:masterClrMapping/>
-  </p:clrMapOvr>
-  <mc:AlternateContent xmlns:mc="http://schemas.openxmlformats.org/markup-compatibility/2006" xmlns:p15="http://schemas.microsoft.com/office/powerpoint/2012/main">
-    <mc:Choice Requires="p15">
-      <p:transition xmlns:p14="http://schemas.microsoft.com/office/powerpoint/2010/main" spd="slow" p14:dur="1500" advTm="2000">
-        <p15:prstTrans prst="curtains"/>
-      </p:transition>
-    </mc:Choice>
-    <mc:Fallback xmlns="">
-      <p:transition spd="slow" advTm="2000">
-        <p:fade/>
-      </p:transition>
-    </mc:Fallback>
-  </mc:AlternateContent>
-  <p:timing>
-    <p:tnLst>
-      <p:par>
-        <p:cTn id="1" dur="indefinite" restart="never" nodeType="tmRoot"/>
-      </p:par>
-    </p:tnLst>
-  </p:timing>
-</p:sld>
-</file>
-
 <file path=ppt/slides/slide4.xml><?xml version="1.0" encoding="utf-8"?>
 <p:sld xmlns:a="http://schemas.openxmlformats.org/drawingml/2006/main" xmlns:r="http://schemas.openxmlformats.org/officeDocument/2006/relationships" xmlns:p="http://schemas.openxmlformats.org/presentationml/2006/main">
   <p:cSld>
@@ -9644,7 +9773,7 @@
         </p:nvSpPr>
         <p:spPr>
           <a:xfrm>
-            <a:off x="5214938" y="749953"/>
+            <a:off x="3713962" y="778983"/>
             <a:ext cx="1618058" cy="518529"/>
           </a:xfrm>
           <a:prstGeom prst="rect">
@@ -9691,7 +9820,7 @@
         </p:nvSpPr>
         <p:spPr>
           <a:xfrm>
-            <a:off x="9949584" y="735875"/>
+            <a:off x="8448608" y="764905"/>
             <a:ext cx="1618058" cy="546687"/>
           </a:xfrm>
           <a:prstGeom prst="rect">
@@ -9741,7 +9870,7 @@
         </p:nvSpPr>
         <p:spPr>
           <a:xfrm>
-            <a:off x="6817371" y="735875"/>
+            <a:off x="5316395" y="764905"/>
             <a:ext cx="1618058" cy="546687"/>
           </a:xfrm>
           <a:prstGeom prst="rect">
@@ -9792,7 +9921,7 @@
         </p:nvSpPr>
         <p:spPr>
           <a:xfrm>
-            <a:off x="8435429" y="735875"/>
+            <a:off x="6934453" y="764905"/>
             <a:ext cx="1496068" cy="546687"/>
           </a:xfrm>
           <a:prstGeom prst="rect">
@@ -9828,6 +9957,53 @@
               <a:t>人気ランキング</a:t>
             </a:r>
             <a:endParaRPr kumimoji="1" lang="ja-JP" altLang="en-US" sz="1400" dirty="0"/>
+          </a:p>
+        </p:txBody>
+      </p:sp>
+      <p:sp>
+        <p:nvSpPr>
+          <p:cNvPr id="22" name="正方形/長方形 21"/>
+          <p:cNvSpPr/>
+          <p:nvPr/>
+        </p:nvSpPr>
+        <p:spPr>
+          <a:xfrm>
+            <a:off x="10084753" y="771942"/>
+            <a:ext cx="1618058" cy="532609"/>
+          </a:xfrm>
+          <a:prstGeom prst="rect">
+            <a:avLst/>
+          </a:prstGeom>
+          <a:solidFill>
+            <a:srgbClr val="92D050"/>
+          </a:solidFill>
+        </p:spPr>
+        <p:style>
+          <a:lnRef idx="2">
+            <a:schemeClr val="accent1">
+              <a:shade val="50000"/>
+            </a:schemeClr>
+          </a:lnRef>
+          <a:fillRef idx="1">
+            <a:schemeClr val="accent1"/>
+          </a:fillRef>
+          <a:effectRef idx="0">
+            <a:schemeClr val="accent1"/>
+          </a:effectRef>
+          <a:fontRef idx="minor">
+            <a:schemeClr val="lt1"/>
+          </a:fontRef>
+        </p:style>
+        <p:txBody>
+          <a:bodyPr rtlCol="0" anchor="ctr"/>
+          <a:lstStyle/>
+          <a:p>
+            <a:pPr algn="ctr"/>
+            <a:r>
+              <a:rPr kumimoji="1" lang="ja-JP" altLang="en-US" sz="1600" dirty="0" smtClean="0"/>
+              <a:t>アクセスマップ</a:t>
+            </a:r>
+            <a:endParaRPr kumimoji="1" lang="ja-JP" altLang="en-US" sz="1600" dirty="0"/>
           </a:p>
         </p:txBody>
       </p:sp>
@@ -9888,7 +10064,7 @@
         </p:nvSpPr>
         <p:spPr>
           <a:xfrm>
-            <a:off x="2334689" y="1567"/>
+            <a:off x="1942163" y="-10535"/>
             <a:ext cx="7356763" cy="861774"/>
           </a:xfrm>
           <a:prstGeom prst="rect">
@@ -9999,36 +10175,56 @@
             <a:r>
               <a:rPr kumimoji="1" lang="ja-JP" altLang="en-US" sz="3600" dirty="0" smtClean="0">
                 <a:solidFill>
-                  <a:srgbClr val="FFFF00"/>
+                  <a:srgbClr val="FF33CC"/>
                 </a:solidFill>
               </a:rPr>
               <a:t>菊の花茶</a:t>
             </a:r>
             <a:endParaRPr kumimoji="1" lang="en-US" altLang="ja-JP" sz="3600" dirty="0" smtClean="0">
               <a:solidFill>
-                <a:srgbClr val="FFFF00"/>
+                <a:srgbClr val="FF33CC"/>
               </a:solidFill>
             </a:endParaRPr>
           </a:p>
           <a:p>
             <a:pPr algn="ctr"/>
             <a:r>
-              <a:rPr kumimoji="1" lang="ja-JP" altLang="en-US" b="1" dirty="0" err="1" smtClean="0">
+              <a:rPr kumimoji="1" lang="en-US" altLang="ja-JP" b="1" dirty="0" smtClean="0">
+                <a:solidFill>
+                  <a:schemeClr val="bg1"/>
+                </a:solidFill>
                 <a:latin typeface="Arial Unicode MS" panose="020B0604020202020204" pitchFamily="50" charset="-128"/>
                 <a:ea typeface="Arial Unicode MS" panose="020B0604020202020204" pitchFamily="50" charset="-128"/>
                 <a:cs typeface="Arial Unicode MS" panose="020B0604020202020204" pitchFamily="50" charset="-128"/>
               </a:rPr>
-              <a:t>ー</a:t>
+              <a:t>- </a:t>
             </a:r>
             <a:r>
               <a:rPr kumimoji="1" lang="ja-JP" altLang="en-US" b="1" dirty="0" smtClean="0">
+                <a:solidFill>
+                  <a:schemeClr val="bg1"/>
+                </a:solidFill>
                 <a:latin typeface="Arial Unicode MS" panose="020B0604020202020204" pitchFamily="50" charset="-128"/>
                 <a:ea typeface="Arial Unicode MS" panose="020B0604020202020204" pitchFamily="50" charset="-128"/>
                 <a:cs typeface="Arial Unicode MS" panose="020B0604020202020204" pitchFamily="50" charset="-128"/>
               </a:rPr>
-              <a:t>心臓が良い。</a:t>
+              <a:t>心臓</a:t>
+            </a:r>
+            <a:r>
+              <a:rPr kumimoji="1" lang="ja-JP" altLang="en-US" b="1" dirty="0" smtClean="0">
+                <a:solidFill>
+                  <a:schemeClr val="bg1"/>
+                </a:solidFill>
+                <a:latin typeface="Arial Unicode MS" panose="020B0604020202020204" pitchFamily="50" charset="-128"/>
+                <a:ea typeface="Arial Unicode MS" panose="020B0604020202020204" pitchFamily="50" charset="-128"/>
+                <a:cs typeface="Arial Unicode MS" panose="020B0604020202020204" pitchFamily="50" charset="-128"/>
+              </a:rPr>
+              <a:t>が良い。</a:t>
             </a:r>
             <a:endParaRPr kumimoji="1" lang="en-US" altLang="ja-JP" b="1" dirty="0" smtClean="0">
+              <a:solidFill>
+                <a:schemeClr val="bg1"/>
+              </a:solidFill>
               <a:latin typeface="Arial Unicode MS" panose="020B0604020202020204" pitchFamily="50" charset="-128"/>
               <a:ea typeface="Arial Unicode MS" panose="020B0604020202020204" pitchFamily="50" charset="-128"/>
               <a:cs typeface="Arial Unicode MS" panose="020B0604020202020204" pitchFamily="50" charset="-128"/>
@@ -10038,6 +10234,9 @@
             <a:pPr algn="ctr"/>
             <a:r>
               <a:rPr kumimoji="1" lang="ja-JP" altLang="en-US" b="1" dirty="0" smtClean="0">
+                <a:solidFill>
+                  <a:schemeClr val="bg1"/>
+                </a:solidFill>
                 <a:latin typeface="Arial Unicode MS" panose="020B0604020202020204" pitchFamily="50" charset="-128"/>
                 <a:ea typeface="Arial Unicode MS" panose="020B0604020202020204" pitchFamily="50" charset="-128"/>
                 <a:cs typeface="Arial Unicode MS" panose="020B0604020202020204" pitchFamily="50" charset="-128"/>
@@ -10045,6 +10244,9 @@
               <a:t>－ニキビの予防、肝臓もよくなります。</a:t>
             </a:r>
             <a:endParaRPr kumimoji="1" lang="ja-JP" altLang="en-US" b="1" dirty="0">
+              <a:solidFill>
+                <a:schemeClr val="bg1"/>
+              </a:solidFill>
               <a:latin typeface="Arial Unicode MS" panose="020B0604020202020204" pitchFamily="50" charset="-128"/>
               <a:ea typeface="Arial Unicode MS" panose="020B0604020202020204" pitchFamily="50" charset="-128"/>
               <a:cs typeface="Arial Unicode MS" panose="020B0604020202020204" pitchFamily="50" charset="-128"/>
@@ -10128,6 +10330,9 @@
             <a:pPr algn="ctr"/>
             <a:r>
               <a:rPr kumimoji="1" lang="ja-JP" altLang="en-US" b="1" dirty="0" smtClean="0">
+                <a:solidFill>
+                  <a:schemeClr val="bg1"/>
+                </a:solidFill>
                 <a:latin typeface="Arial Unicode MS" panose="020B0604020202020204" pitchFamily="50" charset="-128"/>
                 <a:ea typeface="Arial Unicode MS" panose="020B0604020202020204" pitchFamily="50" charset="-128"/>
                 <a:cs typeface="Arial Unicode MS" panose="020B0604020202020204" pitchFamily="50" charset="-128"/>
@@ -10135,6 +10340,9 @@
               <a:t>－女性の肌がきれいになり</a:t>
             </a:r>
             <a:endParaRPr kumimoji="1" lang="en-US" altLang="ja-JP" b="1" dirty="0" smtClean="0">
+              <a:solidFill>
+                <a:schemeClr val="bg1"/>
+              </a:solidFill>
               <a:latin typeface="Arial Unicode MS" panose="020B0604020202020204" pitchFamily="50" charset="-128"/>
               <a:ea typeface="Arial Unicode MS" panose="020B0604020202020204" pitchFamily="50" charset="-128"/>
               <a:cs typeface="Arial Unicode MS" panose="020B0604020202020204" pitchFamily="50" charset="-128"/>
@@ -10144,6 +10352,9 @@
             <a:pPr algn="ctr"/>
             <a:r>
               <a:rPr lang="ja-JP" altLang="en-US" b="1" dirty="0" smtClean="0">
+                <a:solidFill>
+                  <a:schemeClr val="bg1"/>
+                </a:solidFill>
                 <a:latin typeface="Arial Unicode MS" panose="020B0604020202020204" pitchFamily="50" charset="-128"/>
                 <a:ea typeface="Arial Unicode MS" panose="020B0604020202020204" pitchFamily="50" charset="-128"/>
                 <a:cs typeface="Arial Unicode MS" panose="020B0604020202020204" pitchFamily="50" charset="-128"/>
@@ -10151,6 +10362,9 @@
               <a:t>肝臓もなくなります。</a:t>
             </a:r>
             <a:endParaRPr lang="en-US" altLang="ja-JP" b="1" dirty="0" smtClean="0">
+              <a:solidFill>
+                <a:schemeClr val="bg1"/>
+              </a:solidFill>
               <a:latin typeface="Arial Unicode MS" panose="020B0604020202020204" pitchFamily="50" charset="-128"/>
               <a:ea typeface="Arial Unicode MS" panose="020B0604020202020204" pitchFamily="50" charset="-128"/>
               <a:cs typeface="Arial Unicode MS" panose="020B0604020202020204" pitchFamily="50" charset="-128"/>
@@ -10223,56 +10437,78 @@
             <a:r>
               <a:rPr kumimoji="1" lang="ja-JP" altLang="en-US" sz="3600" dirty="0" smtClean="0">
                 <a:solidFill>
-                  <a:schemeClr val="accent1">
-                    <a:lumMod val="50000"/>
-                  </a:schemeClr>
+                  <a:schemeClr val="tx1"/>
                 </a:solidFill>
               </a:rPr>
               <a:t>ジャスミンお茶</a:t>
             </a:r>
             <a:endParaRPr kumimoji="1" lang="en-US" altLang="ja-JP" sz="3600" dirty="0" smtClean="0">
               <a:solidFill>
-                <a:schemeClr val="accent1">
-                  <a:lumMod val="50000"/>
-                </a:schemeClr>
+                <a:schemeClr val="tx1"/>
               </a:solidFill>
             </a:endParaRPr>
           </a:p>
           <a:p>
             <a:pPr algn="ctr"/>
             <a:r>
-              <a:rPr lang="ja-JP" altLang="en-US" b="1" dirty="0" err="1" smtClean="0">
+              <a:rPr lang="en-US" altLang="ja-JP" b="1" dirty="0" smtClean="0">
+                <a:solidFill>
+                  <a:schemeClr val="bg1"/>
+                </a:solidFill>
                 <a:latin typeface="Arial Unicode MS" panose="020B0604020202020204" pitchFamily="50" charset="-128"/>
                 <a:ea typeface="Arial Unicode MS" panose="020B0604020202020204" pitchFamily="50" charset="-128"/>
                 <a:cs typeface="Arial Unicode MS" panose="020B0604020202020204" pitchFamily="50" charset="-128"/>
               </a:rPr>
-              <a:t>ー</a:t>
+              <a:t>- </a:t>
             </a:r>
             <a:r>
               <a:rPr lang="ja-JP" altLang="en-US" b="1" dirty="0" smtClean="0">
+                <a:solidFill>
+                  <a:schemeClr val="bg1"/>
+                </a:solidFill>
                 <a:latin typeface="Arial Unicode MS" panose="020B0604020202020204" pitchFamily="50" charset="-128"/>
                 <a:ea typeface="Arial Unicode MS" panose="020B0604020202020204" pitchFamily="50" charset="-128"/>
                 <a:cs typeface="Arial Unicode MS" panose="020B0604020202020204" pitchFamily="50" charset="-128"/>
               </a:rPr>
-              <a:t>よく頭が痛いは</a:t>
-            </a:r>
-            <a:r>
-              <a:rPr lang="ja-JP" altLang="en-US" b="1" dirty="0" err="1" smtClean="0">
+              <a:t>よく</a:t>
+            </a:r>
+            <a:r>
+              <a:rPr lang="ja-JP" altLang="en-US" b="1" dirty="0" smtClean="0">
+                <a:solidFill>
+                  <a:schemeClr val="bg1"/>
+                </a:solidFill>
                 <a:latin typeface="Arial Unicode MS" panose="020B0604020202020204" pitchFamily="50" charset="-128"/>
                 <a:ea typeface="Arial Unicode MS" panose="020B0604020202020204" pitchFamily="50" charset="-128"/>
                 <a:cs typeface="Arial Unicode MS" panose="020B0604020202020204" pitchFamily="50" charset="-128"/>
               </a:rPr>
-              <a:t>な</a:t>
-            </a:r>
-            <a:r>
-              <a:rPr lang="ja-JP" altLang="en-US" b="1" dirty="0" smtClean="0">
+              <a:t>頭が痛いは</a:t>
+            </a:r>
+            <a:r>
+              <a:rPr lang="ja-JP" altLang="en-US" b="1" dirty="0" err="1" smtClean="0">
+                <a:solidFill>
+                  <a:schemeClr val="bg1"/>
+                </a:solidFill>
                 <a:latin typeface="Arial Unicode MS" panose="020B0604020202020204" pitchFamily="50" charset="-128"/>
                 <a:ea typeface="Arial Unicode MS" panose="020B0604020202020204" pitchFamily="50" charset="-128"/>
                 <a:cs typeface="Arial Unicode MS" panose="020B0604020202020204" pitchFamily="50" charset="-128"/>
               </a:rPr>
+              <a:t>な</a:t>
+            </a:r>
+            <a:r>
+              <a:rPr lang="ja-JP" altLang="en-US" b="1" dirty="0" smtClean="0">
+                <a:solidFill>
+                  <a:schemeClr val="bg1"/>
+                </a:solidFill>
+                <a:latin typeface="Arial Unicode MS" panose="020B0604020202020204" pitchFamily="50" charset="-128"/>
+                <a:ea typeface="Arial Unicode MS" panose="020B0604020202020204" pitchFamily="50" charset="-128"/>
+                <a:cs typeface="Arial Unicode MS" panose="020B0604020202020204" pitchFamily="50" charset="-128"/>
+              </a:rPr>
               <a:t>くにります。</a:t>
             </a:r>
             <a:endParaRPr lang="en-US" altLang="ja-JP" b="1" dirty="0" smtClean="0">
+              <a:solidFill>
+                <a:schemeClr val="bg1"/>
+              </a:solidFill>
               <a:latin typeface="Arial Unicode MS" panose="020B0604020202020204" pitchFamily="50" charset="-128"/>
               <a:ea typeface="Arial Unicode MS" panose="020B0604020202020204" pitchFamily="50" charset="-128"/>
               <a:cs typeface="Arial Unicode MS" panose="020B0604020202020204" pitchFamily="50" charset="-128"/>
@@ -10281,22 +10517,42 @@
           <a:p>
             <a:pPr algn="ctr"/>
             <a:r>
-              <a:rPr kumimoji="1" lang="ja-JP" altLang="en-US" b="1" dirty="0" err="1" smtClean="0">
+              <a:rPr kumimoji="1" lang="en-US" altLang="ja-JP" b="1" dirty="0" smtClean="0">
+                <a:solidFill>
+                  <a:schemeClr val="bg1"/>
+                </a:solidFill>
                 <a:latin typeface="Arial Unicode MS" panose="020B0604020202020204" pitchFamily="50" charset="-128"/>
                 <a:ea typeface="Arial Unicode MS" panose="020B0604020202020204" pitchFamily="50" charset="-128"/>
                 <a:cs typeface="Arial Unicode MS" panose="020B0604020202020204" pitchFamily="50" charset="-128"/>
               </a:rPr>
-              <a:t>ー</a:t>
+              <a:t>- </a:t>
             </a:r>
             <a:r>
               <a:rPr kumimoji="1" lang="ja-JP" altLang="en-US" b="1" dirty="0" smtClean="0">
+                <a:solidFill>
+                  <a:schemeClr val="bg1"/>
+                </a:solidFill>
                 <a:latin typeface="Arial Unicode MS" panose="020B0604020202020204" pitchFamily="50" charset="-128"/>
                 <a:ea typeface="Arial Unicode MS" panose="020B0604020202020204" pitchFamily="50" charset="-128"/>
                 <a:cs typeface="Arial Unicode MS" panose="020B0604020202020204" pitchFamily="50" charset="-128"/>
               </a:rPr>
-              <a:t>ダイエットも良い</a:t>
+              <a:t>ダイエット</a:t>
+            </a:r>
+            <a:r>
+              <a:rPr kumimoji="1" lang="ja-JP" altLang="en-US" b="1" dirty="0" smtClean="0">
+                <a:solidFill>
+                  <a:schemeClr val="bg1"/>
+                </a:solidFill>
+                <a:latin typeface="Arial Unicode MS" panose="020B0604020202020204" pitchFamily="50" charset="-128"/>
+                <a:ea typeface="Arial Unicode MS" panose="020B0604020202020204" pitchFamily="50" charset="-128"/>
+                <a:cs typeface="Arial Unicode MS" panose="020B0604020202020204" pitchFamily="50" charset="-128"/>
+              </a:rPr>
+              <a:t>も良い</a:t>
             </a:r>
             <a:endParaRPr kumimoji="1" lang="ja-JP" altLang="en-US" b="1" dirty="0">
+              <a:solidFill>
+                <a:schemeClr val="bg1"/>
+              </a:solidFill>
               <a:latin typeface="Arial Unicode MS" panose="020B0604020202020204" pitchFamily="50" charset="-128"/>
               <a:ea typeface="Arial Unicode MS" panose="020B0604020202020204" pitchFamily="50" charset="-128"/>
               <a:cs typeface="Arial Unicode MS" panose="020B0604020202020204" pitchFamily="50" charset="-128"/>
@@ -10379,22 +10635,42 @@
           <a:p>
             <a:pPr algn="ctr"/>
             <a:r>
-              <a:rPr lang="ja-JP" altLang="en-US" b="1" dirty="0" err="1" smtClean="0">
+              <a:rPr lang="en-US" altLang="ja-JP" b="1" dirty="0" smtClean="0">
+                <a:solidFill>
+                  <a:schemeClr val="bg1"/>
+                </a:solidFill>
                 <a:latin typeface="Arial Unicode MS" panose="020B0604020202020204" pitchFamily="50" charset="-128"/>
                 <a:ea typeface="Arial Unicode MS" panose="020B0604020202020204" pitchFamily="50" charset="-128"/>
                 <a:cs typeface="Arial Unicode MS" panose="020B0604020202020204" pitchFamily="50" charset="-128"/>
               </a:rPr>
-              <a:t>ー</a:t>
+              <a:t>- </a:t>
             </a:r>
             <a:r>
               <a:rPr lang="ja-JP" altLang="en-US" b="1" dirty="0" smtClean="0">
+                <a:solidFill>
+                  <a:schemeClr val="bg1"/>
+                </a:solidFill>
                 <a:latin typeface="Arial Unicode MS" panose="020B0604020202020204" pitchFamily="50" charset="-128"/>
                 <a:ea typeface="Arial Unicode MS" panose="020B0604020202020204" pitchFamily="50" charset="-128"/>
                 <a:cs typeface="Arial Unicode MS" panose="020B0604020202020204" pitchFamily="50" charset="-128"/>
               </a:rPr>
-              <a:t>眠りこけるために</a:t>
+              <a:t>眠りこける</a:t>
+            </a:r>
+            <a:r>
+              <a:rPr lang="ja-JP" altLang="en-US" b="1" dirty="0" smtClean="0">
+                <a:solidFill>
+                  <a:schemeClr val="bg1"/>
+                </a:solidFill>
+                <a:latin typeface="Arial Unicode MS" panose="020B0604020202020204" pitchFamily="50" charset="-128"/>
+                <a:ea typeface="Arial Unicode MS" panose="020B0604020202020204" pitchFamily="50" charset="-128"/>
+                <a:cs typeface="Arial Unicode MS" panose="020B0604020202020204" pitchFamily="50" charset="-128"/>
+              </a:rPr>
+              <a:t>ために</a:t>
             </a:r>
             <a:endParaRPr lang="en-US" altLang="ja-JP" b="1" dirty="0" smtClean="0">
+              <a:solidFill>
+                <a:schemeClr val="bg1"/>
+              </a:solidFill>
               <a:latin typeface="Arial Unicode MS" panose="020B0604020202020204" pitchFamily="50" charset="-128"/>
               <a:ea typeface="Arial Unicode MS" panose="020B0604020202020204" pitchFamily="50" charset="-128"/>
               <a:cs typeface="Arial Unicode MS" panose="020B0604020202020204" pitchFamily="50" charset="-128"/>
@@ -10403,22 +10679,42 @@
           <a:p>
             <a:pPr algn="ctr"/>
             <a:r>
-              <a:rPr kumimoji="1" lang="ja-JP" altLang="en-US" b="1" dirty="0" err="1" smtClean="0">
+              <a:rPr kumimoji="1" lang="en-US" altLang="ja-JP" b="1" dirty="0" smtClean="0">
+                <a:solidFill>
+                  <a:schemeClr val="bg1"/>
+                </a:solidFill>
                 <a:latin typeface="Arial Unicode MS" panose="020B0604020202020204" pitchFamily="50" charset="-128"/>
                 <a:ea typeface="Arial Unicode MS" panose="020B0604020202020204" pitchFamily="50" charset="-128"/>
                 <a:cs typeface="Arial Unicode MS" panose="020B0604020202020204" pitchFamily="50" charset="-128"/>
               </a:rPr>
-              <a:t>ー</a:t>
+              <a:t>- </a:t>
             </a:r>
             <a:r>
               <a:rPr kumimoji="1" lang="ja-JP" altLang="en-US" b="1" dirty="0" smtClean="0">
+                <a:solidFill>
+                  <a:schemeClr val="bg1"/>
+                </a:solidFill>
                 <a:latin typeface="Arial Unicode MS" panose="020B0604020202020204" pitchFamily="50" charset="-128"/>
                 <a:ea typeface="Arial Unicode MS" panose="020B0604020202020204" pitchFamily="50" charset="-128"/>
                 <a:cs typeface="Arial Unicode MS" panose="020B0604020202020204" pitchFamily="50" charset="-128"/>
               </a:rPr>
-              <a:t>お年寄りの骨もよくなります。</a:t>
+              <a:t>お年寄り</a:t>
+            </a:r>
+            <a:r>
+              <a:rPr kumimoji="1" lang="ja-JP" altLang="en-US" b="1" dirty="0" smtClean="0">
+                <a:solidFill>
+                  <a:schemeClr val="bg1"/>
+                </a:solidFill>
+                <a:latin typeface="Arial Unicode MS" panose="020B0604020202020204" pitchFamily="50" charset="-128"/>
+                <a:ea typeface="Arial Unicode MS" panose="020B0604020202020204" pitchFamily="50" charset="-128"/>
+                <a:cs typeface="Arial Unicode MS" panose="020B0604020202020204" pitchFamily="50" charset="-128"/>
+              </a:rPr>
+              <a:t>の骨もよくなります。</a:t>
             </a:r>
             <a:endParaRPr kumimoji="1" lang="ja-JP" altLang="en-US" b="1" dirty="0">
+              <a:solidFill>
+                <a:schemeClr val="bg1"/>
+              </a:solidFill>
               <a:latin typeface="Arial Unicode MS" panose="020B0604020202020204" pitchFamily="50" charset="-128"/>
               <a:ea typeface="Arial Unicode MS" panose="020B0604020202020204" pitchFamily="50" charset="-128"/>
               <a:cs typeface="Arial Unicode MS" panose="020B0604020202020204" pitchFamily="50" charset="-128"/>
@@ -10434,7 +10730,7 @@
         </p:nvSpPr>
         <p:spPr>
           <a:xfrm>
-            <a:off x="2792484" y="968805"/>
+            <a:off x="2662210" y="954727"/>
             <a:ext cx="1618058" cy="518529"/>
           </a:xfrm>
           <a:prstGeom prst="rect">
@@ -10481,7 +10777,7 @@
         </p:nvSpPr>
         <p:spPr>
           <a:xfrm>
-            <a:off x="7527130" y="954727"/>
+            <a:off x="7430568" y="940649"/>
             <a:ext cx="1618058" cy="546687"/>
           </a:xfrm>
           <a:prstGeom prst="rect">
@@ -10531,7 +10827,7 @@
         </p:nvSpPr>
         <p:spPr>
           <a:xfrm>
-            <a:off x="4394917" y="954727"/>
+            <a:off x="4298355" y="940649"/>
             <a:ext cx="1618058" cy="546687"/>
           </a:xfrm>
           <a:prstGeom prst="rect">
@@ -10582,7 +10878,7 @@
         </p:nvSpPr>
         <p:spPr>
           <a:xfrm>
-            <a:off x="6012975" y="954727"/>
+            <a:off x="5916413" y="940649"/>
             <a:ext cx="1496068" cy="546687"/>
           </a:xfrm>
           <a:prstGeom prst="rect">
@@ -10696,6 +10992,53 @@
               </a:solidFill>
               <a:latin typeface="Algerian" panose="04020705040A02060702" pitchFamily="82" charset="0"/>
             </a:endParaRPr>
+          </a:p>
+        </p:txBody>
+      </p:sp>
+      <p:sp>
+        <p:nvSpPr>
+          <p:cNvPr id="19" name="正方形/長方形 18"/>
+          <p:cNvSpPr/>
+          <p:nvPr/>
+        </p:nvSpPr>
+        <p:spPr>
+          <a:xfrm>
+            <a:off x="9066713" y="954727"/>
+            <a:ext cx="1618058" cy="532609"/>
+          </a:xfrm>
+          <a:prstGeom prst="rect">
+            <a:avLst/>
+          </a:prstGeom>
+          <a:solidFill>
+            <a:srgbClr val="92D050"/>
+          </a:solidFill>
+        </p:spPr>
+        <p:style>
+          <a:lnRef idx="2">
+            <a:schemeClr val="accent1">
+              <a:shade val="50000"/>
+            </a:schemeClr>
+          </a:lnRef>
+          <a:fillRef idx="1">
+            <a:schemeClr val="accent1"/>
+          </a:fillRef>
+          <a:effectRef idx="0">
+            <a:schemeClr val="accent1"/>
+          </a:effectRef>
+          <a:fontRef idx="minor">
+            <a:schemeClr val="lt1"/>
+          </a:fontRef>
+        </p:style>
+        <p:txBody>
+          <a:bodyPr rtlCol="0" anchor="ctr"/>
+          <a:lstStyle/>
+          <a:p>
+            <a:pPr algn="ctr"/>
+            <a:r>
+              <a:rPr kumimoji="1" lang="ja-JP" altLang="en-US" sz="1600" dirty="0" smtClean="0"/>
+              <a:t>アクセスマップ</a:t>
+            </a:r>
+            <a:endParaRPr kumimoji="1" lang="ja-JP" altLang="en-US" sz="1600" dirty="0"/>
           </a:p>
         </p:txBody>
       </p:sp>
@@ -10721,6 +11064,718 @@
       </p:transition>
     </mc:Fallback>
   </mc:AlternateContent>
+  <p:timing>
+    <p:tnLst>
+      <p:par>
+        <p:cTn id="1" dur="indefinite" restart="never" nodeType="tmRoot"/>
+      </p:par>
+    </p:tnLst>
+  </p:timing>
+</p:sld>
+</file>
+
+<file path=ppt/slides/slide6.xml><?xml version="1.0" encoding="utf-8"?>
+<p:sld xmlns:a="http://schemas.openxmlformats.org/drawingml/2006/main" xmlns:r="http://schemas.openxmlformats.org/officeDocument/2006/relationships" xmlns:p="http://schemas.openxmlformats.org/presentationml/2006/main">
+  <p:cSld>
+    <p:spTree>
+      <p:nvGrpSpPr>
+        <p:cNvPr id="1" name=""/>
+        <p:cNvGrpSpPr/>
+        <p:nvPr/>
+      </p:nvGrpSpPr>
+      <p:grpSpPr>
+        <a:xfrm>
+          <a:off x="0" y="0"/>
+          <a:ext cx="0" cy="0"/>
+          <a:chOff x="0" y="0"/>
+          <a:chExt cx="0" cy="0"/>
+        </a:xfrm>
+      </p:grpSpPr>
+      <p:sp>
+        <p:nvSpPr>
+          <p:cNvPr id="5" name="テキスト ボックス 4"/>
+          <p:cNvSpPr txBox="1"/>
+          <p:nvPr/>
+        </p:nvSpPr>
+        <p:spPr>
+          <a:xfrm>
+            <a:off x="235131" y="130629"/>
+            <a:ext cx="2416629" cy="338554"/>
+          </a:xfrm>
+          <a:prstGeom prst="rect">
+            <a:avLst/>
+          </a:prstGeom>
+          <a:noFill/>
+        </p:spPr>
+        <p:txBody>
+          <a:bodyPr wrap="square" rtlCol="0">
+            <a:spAutoFit/>
+          </a:bodyPr>
+          <a:lstStyle/>
+          <a:p>
+            <a:pPr lvl="0"/>
+            <a:r>
+              <a:rPr kumimoji="1" lang="ja-JP" altLang="en-US" sz="1600" dirty="0">
+                <a:solidFill>
+                  <a:srgbClr val="FFFF00"/>
+                </a:solidFill>
+              </a:rPr>
+              <a:t>丘の上の茶店</a:t>
+            </a:r>
+            <a:endParaRPr kumimoji="1" lang="ja-JP" altLang="en-US" sz="1600" dirty="0">
+              <a:solidFill>
+                <a:srgbClr val="FFFF00"/>
+              </a:solidFill>
+            </a:endParaRPr>
+          </a:p>
+        </p:txBody>
+      </p:sp>
+      <p:sp>
+        <p:nvSpPr>
+          <p:cNvPr id="6" name="テキスト ボックス 5"/>
+          <p:cNvSpPr txBox="1"/>
+          <p:nvPr/>
+        </p:nvSpPr>
+        <p:spPr>
+          <a:xfrm>
+            <a:off x="111034" y="469183"/>
+            <a:ext cx="2984864" cy="646331"/>
+          </a:xfrm>
+          <a:prstGeom prst="rect">
+            <a:avLst/>
+          </a:prstGeom>
+          <a:noFill/>
+        </p:spPr>
+        <p:txBody>
+          <a:bodyPr wrap="square" rtlCol="0">
+            <a:spAutoFit/>
+          </a:bodyPr>
+          <a:lstStyle/>
+          <a:p>
+            <a:pPr lvl="0" algn="ctr"/>
+            <a:r>
+              <a:rPr kumimoji="1" lang="en-US" altLang="ja-JP" sz="3600" dirty="0">
+                <a:solidFill>
+                  <a:srgbClr val="ED7613"/>
+                </a:solidFill>
+                <a:latin typeface="Algerian" panose="04020705040A02060702" pitchFamily="82" charset="0"/>
+              </a:rPr>
+              <a:t>Y O U  &amp;  M  E</a:t>
+            </a:r>
+            <a:endParaRPr kumimoji="1" lang="ja-JP" altLang="en-US" sz="3600" dirty="0">
+              <a:solidFill>
+                <a:srgbClr val="ED7613"/>
+              </a:solidFill>
+              <a:latin typeface="Algerian" panose="04020705040A02060702" pitchFamily="82" charset="0"/>
+            </a:endParaRPr>
+          </a:p>
+        </p:txBody>
+      </p:sp>
+      <p:sp>
+        <p:nvSpPr>
+          <p:cNvPr id="7" name="正方形/長方形 6"/>
+          <p:cNvSpPr/>
+          <p:nvPr/>
+        </p:nvSpPr>
+        <p:spPr>
+          <a:xfrm>
+            <a:off x="3447085" y="610836"/>
+            <a:ext cx="1618058" cy="518529"/>
+          </a:xfrm>
+          <a:prstGeom prst="rect">
+            <a:avLst/>
+          </a:prstGeom>
+          <a:solidFill>
+            <a:srgbClr val="92D050"/>
+          </a:solidFill>
+        </p:spPr>
+        <p:style>
+          <a:lnRef idx="2">
+            <a:schemeClr val="accent3">
+              <a:shade val="50000"/>
+            </a:schemeClr>
+          </a:lnRef>
+          <a:fillRef idx="1">
+            <a:schemeClr val="accent3"/>
+          </a:fillRef>
+          <a:effectRef idx="0">
+            <a:schemeClr val="accent3"/>
+          </a:effectRef>
+          <a:fontRef idx="minor">
+            <a:schemeClr val="lt1"/>
+          </a:fontRef>
+        </p:style>
+        <p:txBody>
+          <a:bodyPr rtlCol="0" anchor="ctr"/>
+          <a:lstStyle/>
+          <a:p>
+            <a:pPr algn="ctr"/>
+            <a:r>
+              <a:rPr kumimoji="1" lang="en-US" altLang="ja-JP" sz="1400" dirty="0" smtClean="0"/>
+              <a:t>MENU</a:t>
+            </a:r>
+            <a:endParaRPr kumimoji="1" lang="ja-JP" altLang="en-US" sz="1400" dirty="0"/>
+          </a:p>
+        </p:txBody>
+      </p:sp>
+      <p:sp>
+        <p:nvSpPr>
+          <p:cNvPr id="8" name="正方形/長方形 7"/>
+          <p:cNvSpPr/>
+          <p:nvPr/>
+        </p:nvSpPr>
+        <p:spPr>
+          <a:xfrm>
+            <a:off x="8206399" y="596758"/>
+            <a:ext cx="1618058" cy="546687"/>
+          </a:xfrm>
+          <a:prstGeom prst="rect">
+            <a:avLst/>
+          </a:prstGeom>
+          <a:solidFill>
+            <a:srgbClr val="92D050"/>
+          </a:solidFill>
+        </p:spPr>
+        <p:style>
+          <a:lnRef idx="2">
+            <a:schemeClr val="accent1">
+              <a:shade val="50000"/>
+            </a:schemeClr>
+          </a:lnRef>
+          <a:fillRef idx="1">
+            <a:schemeClr val="accent1"/>
+          </a:fillRef>
+          <a:effectRef idx="0">
+            <a:schemeClr val="accent1"/>
+          </a:effectRef>
+          <a:fontRef idx="minor">
+            <a:schemeClr val="lt1"/>
+          </a:fontRef>
+        </p:style>
+        <p:txBody>
+          <a:bodyPr rtlCol="0" anchor="ctr"/>
+          <a:lstStyle/>
+          <a:p>
+            <a:pPr algn="ctr"/>
+            <a:r>
+              <a:rPr kumimoji="1" lang="ja-JP" altLang="en-US" sz="1400" dirty="0" smtClean="0"/>
+              <a:t>おすすめの</a:t>
+            </a:r>
+            <a:r>
+              <a:rPr kumimoji="1" lang="ja-JP" altLang="en-US" sz="1400" dirty="0"/>
+              <a:t>茶</a:t>
+            </a:r>
+          </a:p>
+        </p:txBody>
+      </p:sp>
+      <p:sp>
+        <p:nvSpPr>
+          <p:cNvPr id="9" name="正方形/長方形 8"/>
+          <p:cNvSpPr/>
+          <p:nvPr/>
+        </p:nvSpPr>
+        <p:spPr>
+          <a:xfrm>
+            <a:off x="5074186" y="596758"/>
+            <a:ext cx="1618058" cy="546687"/>
+          </a:xfrm>
+          <a:prstGeom prst="rect">
+            <a:avLst/>
+          </a:prstGeom>
+          <a:solidFill>
+            <a:srgbClr val="92D050"/>
+          </a:solidFill>
+        </p:spPr>
+        <p:style>
+          <a:lnRef idx="2">
+            <a:schemeClr val="accent1">
+              <a:shade val="50000"/>
+            </a:schemeClr>
+          </a:lnRef>
+          <a:fillRef idx="1">
+            <a:schemeClr val="accent1"/>
+          </a:fillRef>
+          <a:effectRef idx="0">
+            <a:schemeClr val="accent1"/>
+          </a:effectRef>
+          <a:fontRef idx="minor">
+            <a:schemeClr val="lt1"/>
+          </a:fontRef>
+        </p:style>
+        <p:txBody>
+          <a:bodyPr rtlCol="0" anchor="ctr"/>
+          <a:lstStyle/>
+          <a:p>
+            <a:pPr algn="ctr"/>
+            <a:r>
+              <a:rPr kumimoji="1" lang="en-US" altLang="ja-JP" sz="1400" dirty="0" smtClean="0"/>
+              <a:t>YOU&amp;ME</a:t>
+            </a:r>
+            <a:r>
+              <a:rPr kumimoji="1" lang="ja-JP" altLang="en-US" sz="1200" dirty="0" smtClean="0"/>
+              <a:t>について</a:t>
+            </a:r>
+            <a:endParaRPr kumimoji="1" lang="ja-JP" altLang="en-US" sz="1200" dirty="0"/>
+          </a:p>
+        </p:txBody>
+      </p:sp>
+      <p:sp>
+        <p:nvSpPr>
+          <p:cNvPr id="10" name="正方形/長方形 9"/>
+          <p:cNvSpPr/>
+          <p:nvPr/>
+        </p:nvSpPr>
+        <p:spPr>
+          <a:xfrm>
+            <a:off x="6692244" y="596758"/>
+            <a:ext cx="1496068" cy="546687"/>
+          </a:xfrm>
+          <a:prstGeom prst="rect">
+            <a:avLst/>
+          </a:prstGeom>
+          <a:solidFill>
+            <a:srgbClr val="92D050"/>
+          </a:solidFill>
+        </p:spPr>
+        <p:style>
+          <a:lnRef idx="2">
+            <a:schemeClr val="accent1">
+              <a:shade val="50000"/>
+            </a:schemeClr>
+          </a:lnRef>
+          <a:fillRef idx="1">
+            <a:schemeClr val="accent1"/>
+          </a:fillRef>
+          <a:effectRef idx="0">
+            <a:schemeClr val="accent1"/>
+          </a:effectRef>
+          <a:fontRef idx="minor">
+            <a:schemeClr val="lt1"/>
+          </a:fontRef>
+        </p:style>
+        <p:txBody>
+          <a:bodyPr rtlCol="0" anchor="ctr"/>
+          <a:lstStyle/>
+          <a:p>
+            <a:pPr algn="ctr"/>
+            <a:r>
+              <a:rPr kumimoji="1" lang="ja-JP" altLang="en-US" sz="1400" dirty="0" smtClean="0"/>
+              <a:t>人気ランキング</a:t>
+            </a:r>
+            <a:endParaRPr kumimoji="1" lang="ja-JP" altLang="en-US" sz="1400" dirty="0"/>
+          </a:p>
+        </p:txBody>
+      </p:sp>
+      <p:sp>
+        <p:nvSpPr>
+          <p:cNvPr id="11" name="テキスト ボックス 10"/>
+          <p:cNvSpPr txBox="1"/>
+          <p:nvPr/>
+        </p:nvSpPr>
+        <p:spPr>
+          <a:xfrm>
+            <a:off x="3747437" y="11983"/>
+            <a:ext cx="5133703" cy="584775"/>
+          </a:xfrm>
+          <a:prstGeom prst="rect">
+            <a:avLst/>
+          </a:prstGeom>
+          <a:noFill/>
+        </p:spPr>
+        <p:txBody>
+          <a:bodyPr wrap="square" rtlCol="0">
+            <a:spAutoFit/>
+          </a:bodyPr>
+          <a:lstStyle/>
+          <a:p>
+            <a:r>
+              <a:rPr kumimoji="1" lang="ja-JP" altLang="en-US" sz="3200" dirty="0" smtClean="0">
+                <a:solidFill>
+                  <a:srgbClr val="FF0000"/>
+                </a:solidFill>
+              </a:rPr>
+              <a:t>アクセスマップ</a:t>
+            </a:r>
+            <a:endParaRPr kumimoji="1" lang="ja-JP" altLang="en-US" sz="3200" dirty="0">
+              <a:solidFill>
+                <a:srgbClr val="FF0000"/>
+              </a:solidFill>
+            </a:endParaRPr>
+          </a:p>
+        </p:txBody>
+      </p:sp>
+      <p:sp>
+        <p:nvSpPr>
+          <p:cNvPr id="12" name="正方形/長方形 11"/>
+          <p:cNvSpPr/>
+          <p:nvPr/>
+        </p:nvSpPr>
+        <p:spPr>
+          <a:xfrm>
+            <a:off x="9842544" y="610836"/>
+            <a:ext cx="1618058" cy="532609"/>
+          </a:xfrm>
+          <a:prstGeom prst="rect">
+            <a:avLst/>
+          </a:prstGeom>
+          <a:solidFill>
+            <a:srgbClr val="92D050"/>
+          </a:solidFill>
+        </p:spPr>
+        <p:style>
+          <a:lnRef idx="2">
+            <a:schemeClr val="accent1">
+              <a:shade val="50000"/>
+            </a:schemeClr>
+          </a:lnRef>
+          <a:fillRef idx="1">
+            <a:schemeClr val="accent1"/>
+          </a:fillRef>
+          <a:effectRef idx="0">
+            <a:schemeClr val="accent1"/>
+          </a:effectRef>
+          <a:fontRef idx="minor">
+            <a:schemeClr val="lt1"/>
+          </a:fontRef>
+        </p:style>
+        <p:txBody>
+          <a:bodyPr rtlCol="0" anchor="ctr"/>
+          <a:lstStyle/>
+          <a:p>
+            <a:pPr algn="ctr"/>
+            <a:r>
+              <a:rPr kumimoji="1" lang="ja-JP" altLang="en-US" sz="1600" dirty="0" smtClean="0"/>
+              <a:t>アクセスマップ</a:t>
+            </a:r>
+            <a:endParaRPr kumimoji="1" lang="ja-JP" altLang="en-US" sz="1600" dirty="0"/>
+          </a:p>
+        </p:txBody>
+      </p:sp>
+      <p:pic>
+        <p:nvPicPr>
+          <p:cNvPr id="14" name="図 13"/>
+          <p:cNvPicPr>
+            <a:picLocks noChangeAspect="1"/>
+          </p:cNvPicPr>
+          <p:nvPr/>
+        </p:nvPicPr>
+        <p:blipFill>
+          <a:blip r:embed="rId2" cstate="print">
+            <a:extLst>
+              <a:ext uri="{28A0092B-C50C-407E-A947-70E740481C1C}">
+                <a14:useLocalDpi xmlns:a14="http://schemas.microsoft.com/office/drawing/2010/main" val="0"/>
+              </a:ext>
+            </a:extLst>
+          </a:blip>
+          <a:stretch>
+            <a:fillRect/>
+          </a:stretch>
+        </p:blipFill>
+        <p:spPr>
+          <a:xfrm>
+            <a:off x="6155704" y="2390503"/>
+            <a:ext cx="5137364" cy="3252652"/>
+          </a:xfrm>
+          <a:prstGeom prst="rect">
+            <a:avLst/>
+          </a:prstGeom>
+        </p:spPr>
+      </p:pic>
+      <p:sp>
+        <p:nvSpPr>
+          <p:cNvPr id="15" name="正方形/長方形 14"/>
+          <p:cNvSpPr/>
+          <p:nvPr/>
+        </p:nvSpPr>
+        <p:spPr>
+          <a:xfrm>
+            <a:off x="927463" y="2390503"/>
+            <a:ext cx="5228241" cy="3252652"/>
+          </a:xfrm>
+          <a:prstGeom prst="rect">
+            <a:avLst/>
+          </a:prstGeom>
+          <a:solidFill>
+            <a:schemeClr val="accent3">
+              <a:lumMod val="75000"/>
+            </a:schemeClr>
+          </a:solidFill>
+        </p:spPr>
+        <p:style>
+          <a:lnRef idx="2">
+            <a:schemeClr val="accent1">
+              <a:shade val="50000"/>
+            </a:schemeClr>
+          </a:lnRef>
+          <a:fillRef idx="1">
+            <a:schemeClr val="accent1"/>
+          </a:fillRef>
+          <a:effectRef idx="0">
+            <a:schemeClr val="accent1"/>
+          </a:effectRef>
+          <a:fontRef idx="minor">
+            <a:schemeClr val="lt1"/>
+          </a:fontRef>
+        </p:style>
+        <p:txBody>
+          <a:bodyPr rtlCol="0" anchor="ctr"/>
+          <a:lstStyle/>
+          <a:p>
+            <a:pPr lvl="0"/>
+            <a:r>
+              <a:rPr lang="ja-JP" altLang="en-US" dirty="0">
+                <a:solidFill>
+                  <a:srgbClr val="FF33CC"/>
+                </a:solidFill>
+                <a:latin typeface="Arial" panose="020B0604020202020204" pitchFamily="34" charset="0"/>
+              </a:rPr>
+              <a:t>住所</a:t>
+            </a:r>
+            <a:r>
+              <a:rPr lang="ja-JP" altLang="en-US" dirty="0">
+                <a:solidFill>
+                  <a:schemeClr val="bg1">
+                    <a:lumMod val="95000"/>
+                    <a:lumOff val="5000"/>
+                  </a:schemeClr>
+                </a:solidFill>
+                <a:latin typeface="Arial" panose="020B0604020202020204" pitchFamily="34" charset="0"/>
+              </a:rPr>
+              <a:t>：福岡県福岡市南区清水</a:t>
+            </a:r>
+            <a:r>
+              <a:rPr lang="en-US" altLang="ja-JP" dirty="0">
+                <a:solidFill>
+                  <a:schemeClr val="bg1">
+                    <a:lumMod val="95000"/>
+                    <a:lumOff val="5000"/>
+                  </a:schemeClr>
+                </a:solidFill>
+                <a:latin typeface="Arial" panose="020B0604020202020204" pitchFamily="34" charset="0"/>
+              </a:rPr>
+              <a:t>3-13-3</a:t>
+            </a:r>
+            <a:r>
+              <a:rPr lang="ja-JP" altLang="en-US" dirty="0">
+                <a:solidFill>
+                  <a:schemeClr val="bg1">
+                    <a:lumMod val="95000"/>
+                    <a:lumOff val="5000"/>
+                  </a:schemeClr>
+                </a:solidFill>
+                <a:latin typeface="Arial" panose="020B0604020202020204" pitchFamily="34" charset="0"/>
+              </a:rPr>
+              <a:t>高宮パルナス</a:t>
+            </a:r>
+            <a:endParaRPr lang="en-US" altLang="ja-JP" dirty="0">
+              <a:solidFill>
+                <a:schemeClr val="bg1">
+                  <a:lumMod val="95000"/>
+                  <a:lumOff val="5000"/>
+                </a:schemeClr>
+              </a:solidFill>
+              <a:latin typeface="Arial" panose="020B0604020202020204" pitchFamily="34" charset="0"/>
+            </a:endParaRPr>
+          </a:p>
+          <a:p>
+            <a:pPr lvl="0"/>
+            <a:r>
+              <a:rPr lang="ja-JP" altLang="en-US" dirty="0">
+                <a:solidFill>
+                  <a:schemeClr val="bg1">
+                    <a:lumMod val="95000"/>
+                    <a:lumOff val="5000"/>
+                  </a:schemeClr>
+                </a:solidFill>
+                <a:latin typeface="Arial" panose="020B0604020202020204" pitchFamily="34" charset="0"/>
+              </a:rPr>
+              <a:t/>
+            </a:r>
+            <a:br>
+              <a:rPr lang="ja-JP" altLang="en-US" dirty="0">
+                <a:solidFill>
+                  <a:schemeClr val="bg1">
+                    <a:lumMod val="95000"/>
+                    <a:lumOff val="5000"/>
+                  </a:schemeClr>
+                </a:solidFill>
+                <a:latin typeface="Arial" panose="020B0604020202020204" pitchFamily="34" charset="0"/>
+              </a:rPr>
+            </a:br>
+            <a:r>
+              <a:rPr lang="ja-JP" altLang="en-US" sz="3600" dirty="0" smtClean="0">
+                <a:solidFill>
+                  <a:srgbClr val="FF0000"/>
+                </a:solidFill>
+                <a:latin typeface="Arial" panose="020B0604020202020204" pitchFamily="34" charset="0"/>
+              </a:rPr>
+              <a:t>☎</a:t>
+            </a:r>
+            <a:r>
+              <a:rPr lang="ja-JP" altLang="en-US" dirty="0" smtClean="0">
+                <a:solidFill>
+                  <a:schemeClr val="bg1">
+                    <a:lumMod val="95000"/>
+                    <a:lumOff val="5000"/>
+                  </a:schemeClr>
+                </a:solidFill>
+                <a:latin typeface="Arial" panose="020B0604020202020204" pitchFamily="34" charset="0"/>
+              </a:rPr>
+              <a:t>：</a:t>
+            </a:r>
+            <a:r>
+              <a:rPr lang="en-US" altLang="ja-JP" sz="4000" dirty="0" smtClean="0">
+                <a:solidFill>
+                  <a:schemeClr val="tx1"/>
+                </a:solidFill>
+                <a:latin typeface="Arial" panose="020B0604020202020204" pitchFamily="34" charset="0"/>
+              </a:rPr>
+              <a:t>080-6512-5136</a:t>
+            </a:r>
+            <a:endParaRPr lang="en-US" altLang="ja-JP" sz="4000" dirty="0">
+              <a:solidFill>
+                <a:schemeClr val="tx1"/>
+              </a:solidFill>
+              <a:latin typeface="Arial" panose="020B0604020202020204" pitchFamily="34" charset="0"/>
+            </a:endParaRPr>
+          </a:p>
+          <a:p>
+            <a:pPr lvl="0"/>
+            <a:endParaRPr lang="en-US" altLang="ja-JP" dirty="0">
+              <a:solidFill>
+                <a:schemeClr val="bg1">
+                  <a:lumMod val="95000"/>
+                  <a:lumOff val="5000"/>
+                </a:schemeClr>
+              </a:solidFill>
+              <a:latin typeface="Arial" panose="020B0604020202020204" pitchFamily="34" charset="0"/>
+            </a:endParaRPr>
+          </a:p>
+          <a:p>
+            <a:pPr lvl="0"/>
+            <a:r>
+              <a:rPr lang="ja-JP" altLang="en-US" dirty="0">
+                <a:solidFill>
+                  <a:schemeClr val="accent2">
+                    <a:lumMod val="60000"/>
+                    <a:lumOff val="40000"/>
+                  </a:schemeClr>
+                </a:solidFill>
+                <a:latin typeface="Arial" panose="020B0604020202020204" pitchFamily="34" charset="0"/>
+              </a:rPr>
+              <a:t>営業時間</a:t>
+            </a:r>
+            <a:r>
+              <a:rPr lang="ja-JP" altLang="en-US" dirty="0">
+                <a:solidFill>
+                  <a:schemeClr val="bg1">
+                    <a:lumMod val="95000"/>
+                    <a:lumOff val="5000"/>
+                  </a:schemeClr>
+                </a:solidFill>
+                <a:latin typeface="Arial" panose="020B0604020202020204" pitchFamily="34" charset="0"/>
+              </a:rPr>
+              <a:t>：</a:t>
+            </a:r>
+            <a:r>
+              <a:rPr lang="en-US" altLang="ja-JP" dirty="0" smtClean="0">
+                <a:solidFill>
+                  <a:schemeClr val="bg1">
+                    <a:lumMod val="95000"/>
+                    <a:lumOff val="5000"/>
+                  </a:schemeClr>
+                </a:solidFill>
+                <a:latin typeface="Arial" panose="020B0604020202020204" pitchFamily="34" charset="0"/>
+              </a:rPr>
+              <a:t>10:00~23:00( </a:t>
+            </a:r>
+            <a:r>
+              <a:rPr lang="ja-JP" altLang="en-US" dirty="0" smtClean="0">
+                <a:solidFill>
+                  <a:srgbClr val="FF0000"/>
+                </a:solidFill>
+                <a:latin typeface="Arial" panose="020B0604020202020204" pitchFamily="34" charset="0"/>
+              </a:rPr>
+              <a:t>日曜</a:t>
+            </a:r>
+            <a:r>
+              <a:rPr lang="ja-JP" altLang="en-US" dirty="0" smtClean="0">
+                <a:solidFill>
+                  <a:schemeClr val="bg1">
+                    <a:lumMod val="95000"/>
+                    <a:lumOff val="5000"/>
+                  </a:schemeClr>
+                </a:solidFill>
+                <a:latin typeface="Arial" panose="020B0604020202020204" pitchFamily="34" charset="0"/>
+              </a:rPr>
+              <a:t>定休　</a:t>
+            </a:r>
+            <a:r>
+              <a:rPr lang="en-US" altLang="ja-JP" dirty="0" smtClean="0">
+                <a:solidFill>
+                  <a:srgbClr val="FF0000"/>
+                </a:solidFill>
+                <a:latin typeface="Arial" panose="020B0604020202020204" pitchFamily="34" charset="0"/>
+              </a:rPr>
+              <a:t>P</a:t>
+            </a:r>
+            <a:r>
+              <a:rPr lang="ja-JP" altLang="en-US" dirty="0">
+                <a:solidFill>
+                  <a:schemeClr val="bg1">
+                    <a:lumMod val="95000"/>
+                    <a:lumOff val="5000"/>
+                  </a:schemeClr>
+                </a:solidFill>
+                <a:latin typeface="Arial" panose="020B0604020202020204" pitchFamily="34" charset="0"/>
+              </a:rPr>
+              <a:t> </a:t>
+            </a:r>
+            <a:r>
+              <a:rPr lang="ja-JP" altLang="en-US" dirty="0" smtClean="0">
+                <a:solidFill>
+                  <a:schemeClr val="bg1">
+                    <a:lumMod val="95000"/>
+                    <a:lumOff val="5000"/>
+                  </a:schemeClr>
+                </a:solidFill>
+                <a:latin typeface="Arial" panose="020B0604020202020204" pitchFamily="34" charset="0"/>
+              </a:rPr>
+              <a:t>有り</a:t>
+            </a:r>
+            <a:r>
+              <a:rPr lang="en-US" altLang="ja-JP" dirty="0" smtClean="0">
+                <a:solidFill>
+                  <a:schemeClr val="bg1">
+                    <a:lumMod val="95000"/>
+                    <a:lumOff val="5000"/>
+                  </a:schemeClr>
+                </a:solidFill>
+                <a:latin typeface="Arial" panose="020B0604020202020204" pitchFamily="34" charset="0"/>
+              </a:rPr>
+              <a:t>)</a:t>
+            </a:r>
+            <a:endParaRPr kumimoji="1" lang="ja-JP" altLang="en-US" dirty="0">
+              <a:solidFill>
+                <a:schemeClr val="bg1">
+                  <a:lumMod val="95000"/>
+                  <a:lumOff val="5000"/>
+                </a:schemeClr>
+              </a:solidFill>
+            </a:endParaRPr>
+          </a:p>
+        </p:txBody>
+      </p:sp>
+    </p:spTree>
+    <p:extLst>
+      <p:ext uri="{BB962C8B-B14F-4D97-AF65-F5344CB8AC3E}">
+        <p14:creationId xmlns:p14="http://schemas.microsoft.com/office/powerpoint/2010/main" val="2225625824"/>
+      </p:ext>
+    </p:extLst>
+  </p:cSld>
+  <p:clrMapOvr>
+    <a:masterClrMapping/>
+  </p:clrMapOvr>
   <p:timing>
     <p:tnLst>
       <p:par>

--- a/提出（学生が出す）ー岡本/PM/17865 yen/1you&me　.pptx
+++ b/提出（学生が出す）ー岡本/PM/17865 yen/1you&me　.pptx
@@ -202,7 +202,7 @@
           <a:p>
             <a:fld id="{8922FD96-F19B-47B5-8657-B8638CB0E881}" type="datetimeFigureOut">
               <a:rPr kumimoji="1" lang="ja-JP" altLang="en-US" smtClean="0"/>
-              <a:t>2019/12/6</a:t>
+              <a:t>2019/12/16</a:t>
             </a:fld>
             <a:endParaRPr kumimoji="1" lang="ja-JP" altLang="en-US"/>
           </a:p>
@@ -715,7 +715,7 @@
           <a:p>
             <a:fld id="{6D7107C5-5D32-481B-AE9D-48F379FEAC8A}" type="datetimeFigureOut">
               <a:rPr kumimoji="1" lang="ja-JP" altLang="en-US" smtClean="0"/>
-              <a:t>2019/12/6</a:t>
+              <a:t>2019/12/16</a:t>
             </a:fld>
             <a:endParaRPr kumimoji="1" lang="ja-JP" altLang="en-US"/>
           </a:p>
@@ -1006,7 +1006,7 @@
           <a:p>
             <a:fld id="{6D7107C5-5D32-481B-AE9D-48F379FEAC8A}" type="datetimeFigureOut">
               <a:rPr kumimoji="1" lang="ja-JP" altLang="en-US" smtClean="0"/>
-              <a:t>2019/12/6</a:t>
+              <a:t>2019/12/16</a:t>
             </a:fld>
             <a:endParaRPr kumimoji="1" lang="ja-JP" altLang="en-US"/>
           </a:p>
@@ -1265,7 +1265,7 @@
           <a:p>
             <a:fld id="{6D7107C5-5D32-481B-AE9D-48F379FEAC8A}" type="datetimeFigureOut">
               <a:rPr kumimoji="1" lang="ja-JP" altLang="en-US" smtClean="0"/>
-              <a:t>2019/12/6</a:t>
+              <a:t>2019/12/16</a:t>
             </a:fld>
             <a:endParaRPr kumimoji="1" lang="ja-JP" altLang="en-US"/>
           </a:p>
@@ -1734,7 +1734,7 @@
           <a:p>
             <a:fld id="{6D7107C5-5D32-481B-AE9D-48F379FEAC8A}" type="datetimeFigureOut">
               <a:rPr kumimoji="1" lang="ja-JP" altLang="en-US" smtClean="0"/>
-              <a:t>2019/12/6</a:t>
+              <a:t>2019/12/16</a:t>
             </a:fld>
             <a:endParaRPr kumimoji="1" lang="ja-JP" altLang="en-US"/>
           </a:p>
@@ -1914,7 +1914,7 @@
           <a:p>
             <a:fld id="{6D7107C5-5D32-481B-AE9D-48F379FEAC8A}" type="datetimeFigureOut">
               <a:rPr kumimoji="1" lang="ja-JP" altLang="en-US" smtClean="0"/>
-              <a:t>2019/12/6</a:t>
+              <a:t>2019/12/16</a:t>
             </a:fld>
             <a:endParaRPr kumimoji="1" lang="ja-JP" altLang="en-US"/>
           </a:p>
@@ -2490,7 +2490,7 @@
           <a:p>
             <a:fld id="{6D7107C5-5D32-481B-AE9D-48F379FEAC8A}" type="datetimeFigureOut">
               <a:rPr kumimoji="1" lang="ja-JP" altLang="en-US" smtClean="0"/>
-              <a:t>2019/12/6</a:t>
+              <a:t>2019/12/16</a:t>
             </a:fld>
             <a:endParaRPr kumimoji="1" lang="ja-JP" altLang="en-US"/>
           </a:p>
@@ -2822,7 +2822,7 @@
           <a:p>
             <a:fld id="{6D7107C5-5D32-481B-AE9D-48F379FEAC8A}" type="datetimeFigureOut">
               <a:rPr kumimoji="1" lang="ja-JP" altLang="en-US" smtClean="0"/>
-              <a:t>2019/12/6</a:t>
+              <a:t>2019/12/16</a:t>
             </a:fld>
             <a:endParaRPr kumimoji="1" lang="ja-JP" altLang="en-US"/>
           </a:p>
@@ -3029,7 +3029,7 @@
           <a:p>
             <a:fld id="{6D7107C5-5D32-481B-AE9D-48F379FEAC8A}" type="datetimeFigureOut">
               <a:rPr kumimoji="1" lang="ja-JP" altLang="en-US" smtClean="0"/>
-              <a:t>2019/12/6</a:t>
+              <a:t>2019/12/16</a:t>
             </a:fld>
             <a:endParaRPr kumimoji="1" lang="ja-JP" altLang="en-US"/>
           </a:p>
@@ -3241,7 +3241,7 @@
           <a:p>
             <a:fld id="{6D7107C5-5D32-481B-AE9D-48F379FEAC8A}" type="datetimeFigureOut">
               <a:rPr kumimoji="1" lang="ja-JP" altLang="en-US" smtClean="0"/>
-              <a:t>2019/12/6</a:t>
+              <a:t>2019/12/16</a:t>
             </a:fld>
             <a:endParaRPr kumimoji="1" lang="ja-JP" altLang="en-US"/>
           </a:p>
@@ -3443,7 +3443,7 @@
           <a:p>
             <a:fld id="{6D7107C5-5D32-481B-AE9D-48F379FEAC8A}" type="datetimeFigureOut">
               <a:rPr kumimoji="1" lang="ja-JP" altLang="en-US" smtClean="0"/>
-              <a:t>2019/12/6</a:t>
+              <a:t>2019/12/16</a:t>
             </a:fld>
             <a:endParaRPr kumimoji="1" lang="ja-JP" altLang="en-US"/>
           </a:p>
@@ -3700,7 +3700,7 @@
           <a:p>
             <a:fld id="{6D7107C5-5D32-481B-AE9D-48F379FEAC8A}" type="datetimeFigureOut">
               <a:rPr kumimoji="1" lang="ja-JP" altLang="en-US" smtClean="0"/>
-              <a:t>2019/12/6</a:t>
+              <a:t>2019/12/16</a:t>
             </a:fld>
             <a:endParaRPr kumimoji="1" lang="ja-JP" altLang="en-US"/>
           </a:p>
@@ -4056,7 +4056,7 @@
           <a:p>
             <a:fld id="{6D7107C5-5D32-481B-AE9D-48F379FEAC8A}" type="datetimeFigureOut">
               <a:rPr kumimoji="1" lang="ja-JP" altLang="en-US" smtClean="0"/>
-              <a:t>2019/12/6</a:t>
+              <a:t>2019/12/16</a:t>
             </a:fld>
             <a:endParaRPr kumimoji="1" lang="ja-JP" altLang="en-US"/>
           </a:p>
@@ -4550,7 +4550,7 @@
           <a:p>
             <a:fld id="{6D7107C5-5D32-481B-AE9D-48F379FEAC8A}" type="datetimeFigureOut">
               <a:rPr kumimoji="1" lang="ja-JP" altLang="en-US" smtClean="0"/>
-              <a:t>2019/12/6</a:t>
+              <a:t>2019/12/16</a:t>
             </a:fld>
             <a:endParaRPr kumimoji="1" lang="ja-JP" altLang="en-US"/>
           </a:p>
@@ -4668,7 +4668,7 @@
           <a:p>
             <a:fld id="{6D7107C5-5D32-481B-AE9D-48F379FEAC8A}" type="datetimeFigureOut">
               <a:rPr kumimoji="1" lang="ja-JP" altLang="en-US" smtClean="0"/>
-              <a:t>2019/12/6</a:t>
+              <a:t>2019/12/16</a:t>
             </a:fld>
             <a:endParaRPr kumimoji="1" lang="ja-JP" altLang="en-US"/>
           </a:p>
@@ -4763,7 +4763,7 @@
           <a:p>
             <a:fld id="{6D7107C5-5D32-481B-AE9D-48F379FEAC8A}" type="datetimeFigureOut">
               <a:rPr kumimoji="1" lang="ja-JP" altLang="en-US" smtClean="0"/>
-              <a:t>2019/12/6</a:t>
+              <a:t>2019/12/16</a:t>
             </a:fld>
             <a:endParaRPr kumimoji="1" lang="ja-JP" altLang="en-US"/>
           </a:p>
@@ -5078,7 +5078,7 @@
           <a:p>
             <a:fld id="{6D7107C5-5D32-481B-AE9D-48F379FEAC8A}" type="datetimeFigureOut">
               <a:rPr kumimoji="1" lang="ja-JP" altLang="en-US" smtClean="0"/>
-              <a:t>2019/12/6</a:t>
+              <a:t>2019/12/16</a:t>
             </a:fld>
             <a:endParaRPr kumimoji="1" lang="ja-JP" altLang="en-US"/>
           </a:p>
@@ -5369,7 +5369,7 @@
           <a:p>
             <a:fld id="{6D7107C5-5D32-481B-AE9D-48F379FEAC8A}" type="datetimeFigureOut">
               <a:rPr kumimoji="1" lang="ja-JP" altLang="en-US" smtClean="0"/>
-              <a:t>2019/12/6</a:t>
+              <a:t>2019/12/16</a:t>
             </a:fld>
             <a:endParaRPr kumimoji="1" lang="ja-JP" altLang="en-US"/>
           </a:p>
@@ -5632,7 +5632,7 @@
           <a:p>
             <a:fld id="{6D7107C5-5D32-481B-AE9D-48F379FEAC8A}" type="datetimeFigureOut">
               <a:rPr kumimoji="1" lang="ja-JP" altLang="en-US" smtClean="0"/>
-              <a:t>2019/12/6</a:t>
+              <a:t>2019/12/16</a:t>
             </a:fld>
             <a:endParaRPr kumimoji="1" lang="ja-JP" altLang="en-US"/>
           </a:p>
@@ -6656,7 +6656,7 @@
         </p:blipFill>
         <p:spPr>
           <a:xfrm rot="21258777">
-            <a:off x="2736807" y="2561612"/>
+            <a:off x="2857407" y="2578140"/>
             <a:ext cx="6657806" cy="3959727"/>
           </a:xfrm>
           <a:prstGeom prst="rect">
@@ -6996,8 +6996,12 @@
           <a:p>
             <a:pPr algn="ctr"/>
             <a:r>
-              <a:rPr kumimoji="1" lang="en-US" altLang="ja-JP" sz="1400" dirty="0" smtClean="0"/>
-              <a:t>MENU</a:t>
+              <a:rPr kumimoji="1" lang="ja-JP" altLang="en-US" sz="1400" dirty="0"/>
+              <a:t>商品</a:t>
+            </a:r>
+            <a:r>
+              <a:rPr kumimoji="1" lang="ja-JP" altLang="en-US" sz="1400" dirty="0" smtClean="0"/>
+              <a:t>メニュー</a:t>
             </a:r>
             <a:endParaRPr kumimoji="1" lang="ja-JP" altLang="en-US" sz="1400" dirty="0"/>
           </a:p>
@@ -7295,8 +7299,8 @@
         </p:nvSpPr>
         <p:spPr>
           <a:xfrm>
-            <a:off x="1798716" y="40762"/>
-            <a:ext cx="7467600" cy="830997"/>
+            <a:off x="-2572966" y="1163179"/>
+            <a:ext cx="7467600" cy="461665"/>
           </a:xfrm>
           <a:prstGeom prst="rect">
             <a:avLst/>
@@ -7311,14 +7315,14 @@
           <a:p>
             <a:pPr algn="ctr"/>
             <a:r>
-              <a:rPr kumimoji="1" lang="ja-JP" altLang="en-US" sz="4800" dirty="0" smtClean="0">
+              <a:rPr kumimoji="1" lang="ja-JP" altLang="en-US" sz="2400" dirty="0" smtClean="0">
                 <a:solidFill>
                   <a:srgbClr val="FFC000"/>
                 </a:solidFill>
               </a:rPr>
-              <a:t>お茶メニュー</a:t>
-            </a:r>
-            <a:endParaRPr kumimoji="1" lang="ja-JP" altLang="en-US" sz="4800" dirty="0">
+              <a:t>おすすめのお茶</a:t>
+            </a:r>
+            <a:endParaRPr kumimoji="1" lang="ja-JP" altLang="en-US" sz="2400" dirty="0">
               <a:solidFill>
                 <a:srgbClr val="FFC000"/>
               </a:solidFill>
@@ -7326,67 +7330,16 @@
           </a:p>
         </p:txBody>
       </p:sp>
-      <p:sp>
-        <p:nvSpPr>
-          <p:cNvPr id="3" name="テキスト ボックス 2"/>
-          <p:cNvSpPr txBox="1"/>
-          <p:nvPr/>
-        </p:nvSpPr>
-        <p:spPr>
-          <a:xfrm>
-            <a:off x="7032144" y="145155"/>
-            <a:ext cx="5112327" cy="738664"/>
-          </a:xfrm>
-          <a:prstGeom prst="rect">
-            <a:avLst/>
-          </a:prstGeom>
-          <a:noFill/>
-        </p:spPr>
-        <p:txBody>
-          <a:bodyPr wrap="square" rtlCol="0">
-            <a:spAutoFit/>
-          </a:bodyPr>
-          <a:lstStyle/>
-          <a:p>
-            <a:pPr algn="ctr"/>
-            <a:r>
-              <a:rPr kumimoji="1" lang="ja-JP" altLang="en-US" sz="1400" dirty="0" smtClean="0"/>
-              <a:t>簡単なことから精粋になります。</a:t>
-            </a:r>
-            <a:endParaRPr kumimoji="1" lang="en-US" altLang="ja-JP" sz="1400" dirty="0" smtClean="0"/>
-          </a:p>
-          <a:p>
-            <a:pPr algn="ctr"/>
-            <a:r>
-              <a:rPr kumimoji="1" lang="en-US" altLang="ja-JP" sz="1400" dirty="0" smtClean="0"/>
-              <a:t>YOU&amp;ME</a:t>
-            </a:r>
-            <a:r>
-              <a:rPr kumimoji="1" lang="ja-JP" altLang="en-US" sz="1400" dirty="0" smtClean="0"/>
-              <a:t> のお茶は</a:t>
-            </a:r>
-            <a:endParaRPr kumimoji="1" lang="en-US" altLang="ja-JP" sz="1400" dirty="0" smtClean="0"/>
-          </a:p>
-          <a:p>
-            <a:pPr algn="ctr"/>
-            <a:r>
-              <a:rPr kumimoji="1" lang="ja-JP" altLang="en-US" sz="1400" dirty="0" smtClean="0"/>
-              <a:t>越南の味と日本の寒さを組み合わせます。</a:t>
-            </a:r>
-            <a:endParaRPr kumimoji="1" lang="ja-JP" altLang="en-US" sz="1400" dirty="0"/>
-          </a:p>
-        </p:txBody>
-      </p:sp>
       <p:pic>
         <p:nvPicPr>
-          <p:cNvPr id="4" name="図 3"/>
+          <p:cNvPr id="5" name="図 4"/>
           <p:cNvPicPr>
             <a:picLocks noChangeAspect="1"/>
           </p:cNvPicPr>
           <p:nvPr/>
         </p:nvPicPr>
         <p:blipFill>
-          <a:blip r:embed="rId2">
+          <a:blip r:embed="rId2" cstate="print">
             <a:extLst>
               <a:ext uri="{28A0092B-C50C-407E-A947-70E740481C1C}">
                 <a14:useLocalDpi xmlns:a14="http://schemas.microsoft.com/office/drawing/2010/main" val="0"/>
@@ -7399,7 +7352,7 @@
         </p:blipFill>
         <p:spPr>
           <a:xfrm>
-            <a:off x="179244" y="1763776"/>
+            <a:off x="6109855" y="1763774"/>
             <a:ext cx="3492211" cy="2464253"/>
           </a:xfrm>
           <a:prstGeom prst="rect">
@@ -7409,14 +7362,14 @@
       </p:pic>
       <p:pic>
         <p:nvPicPr>
-          <p:cNvPr id="5" name="図 4"/>
+          <p:cNvPr id="6" name="図 5"/>
           <p:cNvPicPr>
             <a:picLocks noChangeAspect="1"/>
           </p:cNvPicPr>
           <p:nvPr/>
         </p:nvPicPr>
         <p:blipFill>
-          <a:blip r:embed="rId3" cstate="print">
+          <a:blip r:embed="rId3">
             <a:extLst>
               <a:ext uri="{28A0092B-C50C-407E-A947-70E740481C1C}">
                 <a14:useLocalDpi xmlns:a14="http://schemas.microsoft.com/office/drawing/2010/main" val="0"/>
@@ -7429,8 +7382,8 @@
         </p:blipFill>
         <p:spPr>
           <a:xfrm>
-            <a:off x="6109855" y="1763774"/>
-            <a:ext cx="3492211" cy="2464253"/>
+            <a:off x="6109855" y="4509281"/>
+            <a:ext cx="3492211" cy="2348719"/>
           </a:xfrm>
           <a:prstGeom prst="rect">
             <a:avLst/>
@@ -7439,7 +7392,7 @@
       </p:pic>
       <p:pic>
         <p:nvPicPr>
-          <p:cNvPr id="6" name="図 5"/>
+          <p:cNvPr id="7" name="図 6"/>
           <p:cNvPicPr>
             <a:picLocks noChangeAspect="1"/>
           </p:cNvPicPr>
@@ -7459,44 +7412,14 @@
         </p:blipFill>
         <p:spPr>
           <a:xfrm>
-            <a:off x="6109855" y="4509281"/>
-            <a:ext cx="3492211" cy="2348719"/>
+            <a:off x="179244" y="4496780"/>
+            <a:ext cx="3492211" cy="2361220"/>
           </a:xfrm>
           <a:prstGeom prst="rect">
             <a:avLst/>
           </a:prstGeom>
         </p:spPr>
       </p:pic>
-      <p:pic>
-        <p:nvPicPr>
-          <p:cNvPr id="7" name="図 6"/>
-          <p:cNvPicPr>
-            <a:picLocks noChangeAspect="1"/>
-          </p:cNvPicPr>
-          <p:nvPr/>
-        </p:nvPicPr>
-        <p:blipFill>
-          <a:blip r:embed="rId5">
-            <a:extLst>
-              <a:ext uri="{28A0092B-C50C-407E-A947-70E740481C1C}">
-                <a14:useLocalDpi xmlns:a14="http://schemas.microsoft.com/office/drawing/2010/main" val="0"/>
-              </a:ext>
-            </a:extLst>
-          </a:blip>
-          <a:stretch>
-            <a:fillRect/>
-          </a:stretch>
-        </p:blipFill>
-        <p:spPr>
-          <a:xfrm>
-            <a:off x="179244" y="4496780"/>
-            <a:ext cx="3492211" cy="2361220"/>
-          </a:xfrm>
-          <a:prstGeom prst="rect">
-            <a:avLst/>
-          </a:prstGeom>
-        </p:spPr>
-      </p:pic>
       <p:sp>
         <p:nvSpPr>
           <p:cNvPr id="14" name="星 7 13"/>
@@ -7505,8 +7428,8 @@
         </p:nvSpPr>
         <p:spPr>
           <a:xfrm rot="1021837">
-            <a:off x="3727129" y="2086166"/>
-            <a:ext cx="2335010" cy="1728959"/>
+            <a:off x="3766369" y="2203232"/>
+            <a:ext cx="2278242" cy="1617769"/>
           </a:xfrm>
           <a:prstGeom prst="star7">
             <a:avLst/>
@@ -7577,33 +7500,6 @@
               <a:latin typeface="Algerian" panose="04020705040A02060702" pitchFamily="82" charset="0"/>
             </a:endParaRPr>
           </a:p>
-          <a:p>
-            <a:pPr algn="ctr"/>
-            <a:r>
-              <a:rPr lang="en-US" altLang="ja-JP" sz="2400" dirty="0" smtClean="0">
-                <a:solidFill>
-                  <a:schemeClr val="bg1"/>
-                </a:solidFill>
-                <a:latin typeface="Algerian" panose="04020705040A02060702" pitchFamily="82" charset="0"/>
-              </a:rPr>
-              <a:t>450</a:t>
-            </a:r>
-            <a:r>
-              <a:rPr lang="ja-JP" altLang="en-US" sz="2400" dirty="0" smtClean="0">
-                <a:solidFill>
-                  <a:schemeClr val="bg1"/>
-                </a:solidFill>
-                <a:latin typeface="Algerian" panose="04020705040A02060702" pitchFamily="82" charset="0"/>
-              </a:rPr>
-              <a:t>円</a:t>
-            </a:r>
-            <a:endParaRPr kumimoji="1" lang="ja-JP" altLang="en-US" sz="2400" dirty="0">
-              <a:solidFill>
-                <a:schemeClr val="bg1"/>
-              </a:solidFill>
-              <a:latin typeface="Algerian" panose="04020705040A02060702" pitchFamily="82" charset="0"/>
-            </a:endParaRPr>
-          </a:p>
         </p:txBody>
       </p:sp>
       <p:sp>
@@ -7649,33 +7545,17 @@
                   <a:schemeClr val="bg2"/>
                 </a:solidFill>
               </a:rPr>
-              <a:t>ジャスミンお茶</a:t>
+              <a:t>ジャスミン</a:t>
+            </a:r>
+            <a:r>
+              <a:rPr kumimoji="1" lang="ja-JP" altLang="en-US" sz="2000" dirty="0" smtClean="0">
+                <a:solidFill>
+                  <a:schemeClr val="bg2"/>
+                </a:solidFill>
+              </a:rPr>
+              <a:t>お茶</a:t>
             </a:r>
             <a:endParaRPr kumimoji="1" lang="en-US" altLang="ja-JP" sz="2000" dirty="0" smtClean="0">
-              <a:solidFill>
-                <a:schemeClr val="bg2"/>
-              </a:solidFill>
-            </a:endParaRPr>
-          </a:p>
-          <a:p>
-            <a:pPr algn="ctr"/>
-            <a:r>
-              <a:rPr lang="en-US" altLang="ja-JP" sz="2000" dirty="0" smtClean="0">
-                <a:solidFill>
-                  <a:schemeClr val="bg2"/>
-                </a:solidFill>
-              </a:rPr>
-              <a:t>350</a:t>
-            </a:r>
-            <a:r>
-              <a:rPr lang="ja-JP" altLang="en-US" sz="2000" dirty="0" smtClean="0">
-                <a:solidFill>
-                  <a:schemeClr val="bg2"/>
-                </a:solidFill>
-              </a:rPr>
-              <a:t>円</a:t>
-            </a:r>
-            <a:endParaRPr kumimoji="1" lang="ja-JP" altLang="en-US" sz="2000" dirty="0">
               <a:solidFill>
                 <a:schemeClr val="bg2"/>
               </a:solidFill>
@@ -7726,7 +7606,15 @@
                   <a:schemeClr val="bg1"/>
                 </a:solidFill>
               </a:rPr>
-              <a:t>アティチョお茶</a:t>
+              <a:t>アティチョ</a:t>
+            </a:r>
+            <a:r>
+              <a:rPr kumimoji="1" lang="ja-JP" altLang="en-US" sz="2000" dirty="0" smtClean="0">
+                <a:solidFill>
+                  <a:schemeClr val="bg1"/>
+                </a:solidFill>
+              </a:rPr>
+              <a:t>お茶</a:t>
             </a:r>
             <a:endParaRPr kumimoji="1" lang="en-US" altLang="ja-JP" sz="2000" dirty="0" smtClean="0">
               <a:solidFill>
@@ -7734,30 +7622,6 @@
               </a:solidFill>
             </a:endParaRPr>
           </a:p>
-          <a:p>
-            <a:pPr algn="ctr"/>
-            <a:r>
-              <a:rPr lang="en-US" altLang="ja-JP" sz="2000" dirty="0" smtClean="0">
-                <a:solidFill>
-                  <a:schemeClr val="bg1"/>
-                </a:solidFill>
-              </a:rPr>
-              <a:t>350</a:t>
-            </a:r>
-            <a:r>
-              <a:rPr lang="ja-JP" altLang="en-US" sz="2000" smtClean="0">
-                <a:solidFill>
-                  <a:schemeClr val="bg1"/>
-                </a:solidFill>
-              </a:rPr>
-              <a:t>円</a:t>
-            </a:r>
-            <a:endParaRPr kumimoji="1" lang="ja-JP" altLang="en-US" sz="2000" dirty="0">
-              <a:solidFill>
-                <a:schemeClr val="bg1"/>
-              </a:solidFill>
-            </a:endParaRPr>
-          </a:p>
         </p:txBody>
       </p:sp>
       <p:sp>
@@ -7768,8 +7632,8 @@
         </p:nvSpPr>
         <p:spPr>
           <a:xfrm rot="992826">
-            <a:off x="9769790" y="4781369"/>
-            <a:ext cx="2317459" cy="1489661"/>
+            <a:off x="9777736" y="4726724"/>
+            <a:ext cx="2317459" cy="1545462"/>
           </a:xfrm>
           <a:prstGeom prst="star7">
             <a:avLst/>
@@ -7811,37 +7675,16 @@
                   <a:schemeClr val="bg1"/>
                 </a:solidFill>
               </a:rPr>
-              <a:t>蓮の花お茶</a:t>
-            </a:r>
-            <a:endParaRPr kumimoji="1" lang="en-US" altLang="ja-JP" sz="2000" dirty="0" smtClean="0">
-              <a:solidFill>
-                <a:schemeClr val="bg1"/>
-              </a:solidFill>
-            </a:endParaRPr>
-          </a:p>
-          <a:p>
-            <a:pPr algn="ctr"/>
-            <a:r>
-              <a:rPr lang="en-US" altLang="ja-JP" sz="2000" dirty="0" smtClean="0">
+              <a:t>蓮の花</a:t>
+            </a:r>
+            <a:r>
+              <a:rPr kumimoji="1" lang="ja-JP" altLang="en-US" sz="2000" dirty="0" smtClean="0">
                 <a:solidFill>
                   <a:schemeClr val="bg1"/>
                 </a:solidFill>
               </a:rPr>
-              <a:t>500</a:t>
-            </a:r>
-            <a:r>
-              <a:rPr lang="ja-JP" altLang="en-US" sz="2000" dirty="0" smtClean="0">
-                <a:solidFill>
-                  <a:schemeClr val="bg1"/>
-                </a:solidFill>
-              </a:rPr>
-              <a:t>円</a:t>
-            </a:r>
-            <a:endParaRPr kumimoji="1" lang="ja-JP" altLang="en-US" sz="2000" dirty="0">
-              <a:solidFill>
-                <a:schemeClr val="bg1"/>
-              </a:solidFill>
-            </a:endParaRPr>
+              <a:t>お茶</a:t>
+            </a:r>
           </a:p>
         </p:txBody>
       </p:sp>
@@ -7891,15 +7734,15 @@
         </p:nvSpPr>
         <p:spPr>
           <a:xfrm>
-            <a:off x="172807" y="591432"/>
-            <a:ext cx="2658100" cy="584775"/>
+            <a:off x="-1231105" y="436150"/>
+            <a:ext cx="4902560" cy="584775"/>
           </a:xfrm>
           <a:prstGeom prst="rect">
             <a:avLst/>
           </a:prstGeom>
         </p:spPr>
         <p:txBody>
-          <a:bodyPr wrap="none">
+          <a:bodyPr wrap="square">
             <a:spAutoFit/>
           </a:bodyPr>
           <a:lstStyle/>
@@ -7912,7 +7755,16 @@
                 </a:solidFill>
                 <a:latin typeface="Algerian" panose="04020705040A02060702" pitchFamily="82" charset="0"/>
               </a:rPr>
-              <a:t>Y O U  &amp;  M  E</a:t>
+              <a:t>Y O U  &amp;  M  </a:t>
+            </a:r>
+            <a:r>
+              <a:rPr kumimoji="1" lang="en-US" altLang="ja-JP" sz="3200" dirty="0" smtClean="0">
+                <a:solidFill>
+                  <a:srgbClr val="ED7613"/>
+                </a:solidFill>
+                <a:latin typeface="Algerian" panose="04020705040A02060702" pitchFamily="82" charset="0"/>
+              </a:rPr>
+              <a:t>E</a:t>
             </a:r>
             <a:endParaRPr kumimoji="1" lang="ja-JP" altLang="en-US" sz="3200" dirty="0">
               <a:solidFill>
@@ -7931,7 +7783,7 @@
         </p:nvSpPr>
         <p:spPr>
           <a:xfrm>
-            <a:off x="4167049" y="1060149"/>
+            <a:off x="3961952" y="403102"/>
             <a:ext cx="1618058" cy="518529"/>
           </a:xfrm>
           <a:prstGeom prst="rect">
@@ -7963,8 +7815,16 @@
           <a:p>
             <a:pPr algn="ctr"/>
             <a:r>
-              <a:rPr kumimoji="1" lang="en-US" altLang="ja-JP" sz="1400" dirty="0" smtClean="0"/>
-              <a:t>MENU</a:t>
+              <a:rPr kumimoji="1" lang="ja-JP" altLang="en-US" sz="1400" dirty="0"/>
+              <a:t>商品</a:t>
+            </a:r>
+            <a:r>
+              <a:rPr kumimoji="1" lang="ja-JP" altLang="en-US" sz="1400" dirty="0" smtClean="0"/>
+              <a:t>メニュ</a:t>
+            </a:r>
+            <a:r>
+              <a:rPr kumimoji="1" lang="ja-JP" altLang="en-US" sz="1400" dirty="0"/>
+              <a:t>ー</a:t>
             </a:r>
             <a:endParaRPr kumimoji="1" lang="ja-JP" altLang="en-US" sz="1400" dirty="0"/>
           </a:p>
@@ -7978,7 +7838,7 @@
         </p:nvSpPr>
         <p:spPr>
           <a:xfrm>
-            <a:off x="8901695" y="1046071"/>
+            <a:off x="8696598" y="389024"/>
             <a:ext cx="1618058" cy="546687"/>
           </a:xfrm>
           <a:prstGeom prst="rect">
@@ -8028,7 +7888,7 @@
         </p:nvSpPr>
         <p:spPr>
           <a:xfrm>
-            <a:off x="5769482" y="1046071"/>
+            <a:off x="5564385" y="389024"/>
             <a:ext cx="1618058" cy="546687"/>
           </a:xfrm>
           <a:prstGeom prst="rect">
@@ -8079,7 +7939,7 @@
         </p:nvSpPr>
         <p:spPr>
           <a:xfrm>
-            <a:off x="7387540" y="1046071"/>
+            <a:off x="7182443" y="389024"/>
             <a:ext cx="1496068" cy="546687"/>
           </a:xfrm>
           <a:prstGeom prst="rect">
@@ -8126,7 +7986,7 @@
         </p:nvSpPr>
         <p:spPr>
           <a:xfrm>
-            <a:off x="10519753" y="1047475"/>
+            <a:off x="10314656" y="390428"/>
             <a:ext cx="1618058" cy="532609"/>
           </a:xfrm>
           <a:prstGeom prst="rect">
@@ -8165,6 +8025,36 @@
           </a:p>
         </p:txBody>
       </p:sp>
+      <p:pic>
+        <p:nvPicPr>
+          <p:cNvPr id="8" name="図 7"/>
+          <p:cNvPicPr>
+            <a:picLocks noChangeAspect="1"/>
+          </p:cNvPicPr>
+          <p:nvPr/>
+        </p:nvPicPr>
+        <p:blipFill>
+          <a:blip r:embed="rId5" cstate="print">
+            <a:extLst>
+              <a:ext uri="{28A0092B-C50C-407E-A947-70E740481C1C}">
+                <a14:useLocalDpi xmlns:a14="http://schemas.microsoft.com/office/drawing/2010/main" val="0"/>
+              </a:ext>
+            </a:extLst>
+          </a:blip>
+          <a:stretch>
+            <a:fillRect/>
+          </a:stretch>
+        </p:blipFill>
+        <p:spPr>
+          <a:xfrm>
+            <a:off x="179243" y="1774069"/>
+            <a:ext cx="3492212" cy="2409310"/>
+          </a:xfrm>
+          <a:prstGeom prst="rect">
+            <a:avLst/>
+          </a:prstGeom>
+        </p:spPr>
+      </p:pic>
     </p:spTree>
     <p:extLst>
       <p:ext uri="{BB962C8B-B14F-4D97-AF65-F5344CB8AC3E}">
@@ -8999,8 +8889,12 @@
           <a:p>
             <a:pPr algn="ctr"/>
             <a:r>
-              <a:rPr kumimoji="1" lang="en-US" altLang="ja-JP" sz="1400" dirty="0" smtClean="0"/>
-              <a:t>MENU</a:t>
+              <a:rPr kumimoji="1" lang="ja-JP" altLang="en-US" sz="1400" dirty="0"/>
+              <a:t>商品</a:t>
+            </a:r>
+            <a:r>
+              <a:rPr kumimoji="1" lang="ja-JP" altLang="en-US" sz="1400" dirty="0" smtClean="0"/>
+              <a:t>メニュー</a:t>
             </a:r>
             <a:endParaRPr kumimoji="1" lang="ja-JP" altLang="en-US" sz="1400" dirty="0"/>
           </a:p>
@@ -9341,7 +9235,7 @@
         </p:nvSpPr>
         <p:spPr>
           <a:xfrm>
-            <a:off x="3713962" y="78378"/>
+            <a:off x="-803925" y="1256709"/>
             <a:ext cx="4297680" cy="657497"/>
           </a:xfrm>
           <a:noFill/>
@@ -9366,15 +9260,29 @@
           </a:fontRef>
         </p:style>
         <p:txBody>
-          <a:bodyPr/>
+          <a:bodyPr>
+            <a:normAutofit/>
+          </a:bodyPr>
           <a:lstStyle/>
           <a:p>
             <a:pPr algn="ctr"/>
             <a:r>
-              <a:rPr kumimoji="1" lang="ja-JP" altLang="en-US" dirty="0" smtClean="0"/>
+              <a:rPr kumimoji="1" lang="ja-JP" altLang="en-US" sz="2000" b="1" dirty="0" smtClean="0">
+                <a:solidFill>
+                  <a:schemeClr val="tx1"/>
+                </a:solidFill>
+                <a:latin typeface="Arial Black" panose="020B0A04020102020204" pitchFamily="34" charset="0"/>
+                <a:ea typeface="+mj-ea"/>
+              </a:rPr>
               <a:t>人気ランキング</a:t>
             </a:r>
-            <a:endParaRPr kumimoji="1" lang="ja-JP" altLang="en-US" dirty="0"/>
+            <a:endParaRPr kumimoji="1" lang="ja-JP" altLang="en-US" sz="2000" b="1" dirty="0">
+              <a:solidFill>
+                <a:schemeClr val="tx1"/>
+              </a:solidFill>
+              <a:latin typeface="Arial Black" panose="020B0A04020102020204" pitchFamily="34" charset="0"/>
+              <a:ea typeface="+mj-ea"/>
+            </a:endParaRPr>
           </a:p>
         </p:txBody>
       </p:sp>
@@ -9400,7 +9308,7 @@
         </p:blipFill>
         <p:spPr>
           <a:xfrm>
-            <a:off x="9491615" y="1619794"/>
+            <a:off x="9491615" y="1946366"/>
             <a:ext cx="2076027" cy="2887392"/>
           </a:xfrm>
           <a:prstGeom prst="rect">
@@ -9430,7 +9338,7 @@
         </p:blipFill>
         <p:spPr>
           <a:xfrm>
-            <a:off x="702730" y="1619794"/>
+            <a:off x="746758" y="1946866"/>
             <a:ext cx="2076028" cy="2886892"/>
           </a:xfrm>
           <a:prstGeom prst="rect">
@@ -9460,7 +9368,7 @@
         </p:blipFill>
         <p:spPr>
           <a:xfrm>
-            <a:off x="3713962" y="1619294"/>
+            <a:off x="3661710" y="1946366"/>
             <a:ext cx="2076028" cy="2887392"/>
           </a:xfrm>
           <a:prstGeom prst="rect">
@@ -9490,7 +9398,7 @@
         </p:blipFill>
         <p:spPr>
           <a:xfrm>
-            <a:off x="6620691" y="1619794"/>
+            <a:off x="6725194" y="1946866"/>
             <a:ext cx="2076029" cy="2886892"/>
           </a:xfrm>
           <a:prstGeom prst="rect">
@@ -9506,7 +9414,7 @@
         </p:nvSpPr>
         <p:spPr>
           <a:xfrm>
-            <a:off x="702730" y="4898571"/>
+            <a:off x="702730" y="5347173"/>
             <a:ext cx="2076028" cy="923330"/>
           </a:xfrm>
           <a:prstGeom prst="rect">
@@ -9550,7 +9458,7 @@
         </p:nvSpPr>
         <p:spPr>
           <a:xfrm>
-            <a:off x="3713962" y="4898571"/>
+            <a:off x="3661710" y="5342384"/>
             <a:ext cx="2076028" cy="923330"/>
           </a:xfrm>
           <a:prstGeom prst="rect">
@@ -9594,7 +9502,7 @@
         </p:nvSpPr>
         <p:spPr>
           <a:xfrm>
-            <a:off x="6620690" y="4898571"/>
+            <a:off x="6644472" y="5347251"/>
             <a:ext cx="2076029" cy="1200329"/>
           </a:xfrm>
           <a:prstGeom prst="rect">
@@ -9651,7 +9559,7 @@
         </p:nvSpPr>
         <p:spPr>
           <a:xfrm>
-            <a:off x="9527419" y="4898571"/>
+            <a:off x="9491615" y="5342384"/>
             <a:ext cx="2076027" cy="923330"/>
           </a:xfrm>
           <a:prstGeom prst="rect">
@@ -9680,7 +9588,7 @@
               <a:t>3085</a:t>
             </a:r>
             <a:r>
-              <a:rPr kumimoji="1" lang="ja-JP" altLang="en-US" smtClean="0"/>
+              <a:rPr kumimoji="1" lang="ja-JP" altLang="en-US" dirty="0" smtClean="0"/>
               <a:t>円　</a:t>
             </a:r>
             <a:endParaRPr kumimoji="1" lang="ja-JP" altLang="en-US" dirty="0"/>
@@ -9773,7 +9681,7 @@
         </p:nvSpPr>
         <p:spPr>
           <a:xfrm>
-            <a:off x="3713962" y="778983"/>
+            <a:off x="3739772" y="503835"/>
             <a:ext cx="1618058" cy="518529"/>
           </a:xfrm>
           <a:prstGeom prst="rect">
@@ -9805,8 +9713,12 @@
           <a:p>
             <a:pPr algn="ctr"/>
             <a:r>
-              <a:rPr kumimoji="1" lang="en-US" altLang="ja-JP" sz="1400" dirty="0" smtClean="0"/>
-              <a:t>MENU</a:t>
+              <a:rPr kumimoji="1" lang="ja-JP" altLang="en-US" sz="1400" dirty="0"/>
+              <a:t>商品</a:t>
+            </a:r>
+            <a:r>
+              <a:rPr kumimoji="1" lang="ja-JP" altLang="en-US" sz="1400" dirty="0" smtClean="0"/>
+              <a:t>メニュー</a:t>
             </a:r>
             <a:endParaRPr kumimoji="1" lang="ja-JP" altLang="en-US" sz="1400" dirty="0"/>
           </a:p>
@@ -9820,7 +9732,7 @@
         </p:nvSpPr>
         <p:spPr>
           <a:xfrm>
-            <a:off x="8448608" y="764905"/>
+            <a:off x="8474418" y="489757"/>
             <a:ext cx="1618058" cy="546687"/>
           </a:xfrm>
           <a:prstGeom prst="rect">
@@ -9870,7 +9782,7 @@
         </p:nvSpPr>
         <p:spPr>
           <a:xfrm>
-            <a:off x="5316395" y="764905"/>
+            <a:off x="5342205" y="489757"/>
             <a:ext cx="1618058" cy="546687"/>
           </a:xfrm>
           <a:prstGeom prst="rect">
@@ -9921,7 +9833,7 @@
         </p:nvSpPr>
         <p:spPr>
           <a:xfrm>
-            <a:off x="6934453" y="764905"/>
+            <a:off x="6960263" y="489757"/>
             <a:ext cx="1496068" cy="546687"/>
           </a:xfrm>
           <a:prstGeom prst="rect">
@@ -9968,7 +9880,7 @@
         </p:nvSpPr>
         <p:spPr>
           <a:xfrm>
-            <a:off x="10084753" y="771942"/>
+            <a:off x="10110563" y="496794"/>
             <a:ext cx="1618058" cy="532609"/>
           </a:xfrm>
           <a:prstGeom prst="rect">
@@ -10064,8 +9976,8 @@
         </p:nvSpPr>
         <p:spPr>
           <a:xfrm>
-            <a:off x="1942163" y="-10535"/>
-            <a:ext cx="7356763" cy="861774"/>
+            <a:off x="-2176550" y="1069295"/>
+            <a:ext cx="7356763" cy="461665"/>
           </a:xfrm>
           <a:prstGeom prst="rect">
             <a:avLst/>
@@ -10080,646 +9992,27 @@
           <a:p>
             <a:pPr algn="ctr"/>
             <a:r>
-              <a:rPr kumimoji="1" lang="en-US" altLang="ja-JP" sz="3200" dirty="0" smtClean="0">
+              <a:rPr kumimoji="1" lang="ja-JP" altLang="en-US" sz="2400" dirty="0">
                 <a:solidFill>
                   <a:srgbClr val="FF33CC"/>
                 </a:solidFill>
               </a:rPr>
-              <a:t>YOU&amp;ME</a:t>
-            </a:r>
-            <a:r>
-              <a:rPr kumimoji="1" lang="ja-JP" altLang="en-US" sz="3200" dirty="0" smtClean="0">
+              <a:t>商品メニュ</a:t>
+            </a:r>
+            <a:r>
+              <a:rPr kumimoji="1" lang="en-US" altLang="ja-JP" sz="2400" dirty="0">
                 <a:solidFill>
                   <a:srgbClr val="FF33CC"/>
                 </a:solidFill>
               </a:rPr>
-              <a:t>のお茶の効果</a:t>
-            </a:r>
-          </a:p>
-          <a:p>
-            <a:pPr algn="ctr"/>
-            <a:r>
-              <a:rPr kumimoji="1" lang="ja-JP" altLang="en-US" sz="1600" dirty="0" smtClean="0">
-                <a:solidFill>
-                  <a:schemeClr val="tx2"/>
-                </a:solidFill>
-              </a:rPr>
-              <a:t>おいしいだけでなく、健康のために</a:t>
-            </a:r>
-            <a:endParaRPr kumimoji="1" lang="ja-JP" altLang="en-US" sz="1600" dirty="0">
-              <a:solidFill>
-                <a:schemeClr val="tx2"/>
-              </a:solidFill>
-            </a:endParaRPr>
-          </a:p>
-        </p:txBody>
-      </p:sp>
-      <p:sp>
-        <p:nvSpPr>
-          <p:cNvPr id="4" name="正方形/長方形 3"/>
-          <p:cNvSpPr/>
-          <p:nvPr/>
-        </p:nvSpPr>
-        <p:spPr>
-          <a:xfrm>
-            <a:off x="1501832" y="1658583"/>
-            <a:ext cx="4696692" cy="2452258"/>
-          </a:xfrm>
-          <a:prstGeom prst="rect">
-            <a:avLst/>
-          </a:prstGeom>
-          <a:gradFill flip="none" rotWithShape="1">
-            <a:gsLst>
-              <a:gs pos="0">
-                <a:srgbClr val="FFFF00">
-                  <a:shade val="30000"/>
-                  <a:satMod val="115000"/>
-                </a:srgbClr>
-              </a:gs>
-              <a:gs pos="50000">
-                <a:srgbClr val="FFFF00">
-                  <a:shade val="67500"/>
-                  <a:satMod val="115000"/>
-                </a:srgbClr>
-              </a:gs>
-              <a:gs pos="100000">
-                <a:srgbClr val="FFFF00">
-                  <a:shade val="100000"/>
-                  <a:satMod val="115000"/>
-                </a:srgbClr>
-              </a:gs>
-            </a:gsLst>
-            <a:lin ang="8100000" scaled="1"/>
-            <a:tileRect/>
-          </a:gradFill>
-        </p:spPr>
-        <p:style>
-          <a:lnRef idx="3">
-            <a:schemeClr val="lt1"/>
-          </a:lnRef>
-          <a:fillRef idx="1">
-            <a:schemeClr val="accent6"/>
-          </a:fillRef>
-          <a:effectRef idx="1">
-            <a:schemeClr val="accent6"/>
-          </a:effectRef>
-          <a:fontRef idx="minor">
-            <a:schemeClr val="lt1"/>
-          </a:fontRef>
-        </p:style>
-        <p:txBody>
-          <a:bodyPr rtlCol="0" anchor="ctr"/>
-          <a:lstStyle/>
-          <a:p>
-            <a:pPr algn="ctr"/>
-            <a:r>
-              <a:rPr kumimoji="1" lang="ja-JP" altLang="en-US" sz="3600" dirty="0" smtClean="0">
-                <a:solidFill>
-                  <a:srgbClr val="FF33CC"/>
-                </a:solidFill>
-              </a:rPr>
-              <a:t>菊の花茶</a:t>
-            </a:r>
-            <a:endParaRPr kumimoji="1" lang="en-US" altLang="ja-JP" sz="3600" dirty="0" smtClean="0">
+              <a:t>―</a:t>
+            </a:r>
+            <a:endParaRPr kumimoji="1" lang="ja-JP" altLang="en-US" sz="2400" dirty="0" smtClean="0">
               <a:solidFill>
                 <a:srgbClr val="FF33CC"/>
               </a:solidFill>
             </a:endParaRPr>
           </a:p>
-          <a:p>
-            <a:pPr algn="ctr"/>
-            <a:r>
-              <a:rPr kumimoji="1" lang="en-US" altLang="ja-JP" b="1" dirty="0" smtClean="0">
-                <a:solidFill>
-                  <a:schemeClr val="bg1"/>
-                </a:solidFill>
-                <a:latin typeface="Arial Unicode MS" panose="020B0604020202020204" pitchFamily="50" charset="-128"/>
-                <a:ea typeface="Arial Unicode MS" panose="020B0604020202020204" pitchFamily="50" charset="-128"/>
-                <a:cs typeface="Arial Unicode MS" panose="020B0604020202020204" pitchFamily="50" charset="-128"/>
-              </a:rPr>
-              <a:t>- </a:t>
-            </a:r>
-            <a:r>
-              <a:rPr kumimoji="1" lang="ja-JP" altLang="en-US" b="1" dirty="0" smtClean="0">
-                <a:solidFill>
-                  <a:schemeClr val="bg1"/>
-                </a:solidFill>
-                <a:latin typeface="Arial Unicode MS" panose="020B0604020202020204" pitchFamily="50" charset="-128"/>
-                <a:ea typeface="Arial Unicode MS" panose="020B0604020202020204" pitchFamily="50" charset="-128"/>
-                <a:cs typeface="Arial Unicode MS" panose="020B0604020202020204" pitchFamily="50" charset="-128"/>
-              </a:rPr>
-              <a:t>心臓</a:t>
-            </a:r>
-            <a:r>
-              <a:rPr kumimoji="1" lang="ja-JP" altLang="en-US" b="1" dirty="0" smtClean="0">
-                <a:solidFill>
-                  <a:schemeClr val="bg1"/>
-                </a:solidFill>
-                <a:latin typeface="Arial Unicode MS" panose="020B0604020202020204" pitchFamily="50" charset="-128"/>
-                <a:ea typeface="Arial Unicode MS" panose="020B0604020202020204" pitchFamily="50" charset="-128"/>
-                <a:cs typeface="Arial Unicode MS" panose="020B0604020202020204" pitchFamily="50" charset="-128"/>
-              </a:rPr>
-              <a:t>が良い。</a:t>
-            </a:r>
-            <a:endParaRPr kumimoji="1" lang="en-US" altLang="ja-JP" b="1" dirty="0" smtClean="0">
-              <a:solidFill>
-                <a:schemeClr val="bg1"/>
-              </a:solidFill>
-              <a:latin typeface="Arial Unicode MS" panose="020B0604020202020204" pitchFamily="50" charset="-128"/>
-              <a:ea typeface="Arial Unicode MS" panose="020B0604020202020204" pitchFamily="50" charset="-128"/>
-              <a:cs typeface="Arial Unicode MS" panose="020B0604020202020204" pitchFamily="50" charset="-128"/>
-            </a:endParaRPr>
-          </a:p>
-          <a:p>
-            <a:pPr algn="ctr"/>
-            <a:r>
-              <a:rPr kumimoji="1" lang="ja-JP" altLang="en-US" b="1" dirty="0" smtClean="0">
-                <a:solidFill>
-                  <a:schemeClr val="bg1"/>
-                </a:solidFill>
-                <a:latin typeface="Arial Unicode MS" panose="020B0604020202020204" pitchFamily="50" charset="-128"/>
-                <a:ea typeface="Arial Unicode MS" panose="020B0604020202020204" pitchFamily="50" charset="-128"/>
-                <a:cs typeface="Arial Unicode MS" panose="020B0604020202020204" pitchFamily="50" charset="-128"/>
-              </a:rPr>
-              <a:t>－ニキビの予防、肝臓もよくなります。</a:t>
-            </a:r>
-            <a:endParaRPr kumimoji="1" lang="ja-JP" altLang="en-US" b="1" dirty="0">
-              <a:solidFill>
-                <a:schemeClr val="bg1"/>
-              </a:solidFill>
-              <a:latin typeface="Arial Unicode MS" panose="020B0604020202020204" pitchFamily="50" charset="-128"/>
-              <a:ea typeface="Arial Unicode MS" panose="020B0604020202020204" pitchFamily="50" charset="-128"/>
-              <a:cs typeface="Arial Unicode MS" panose="020B0604020202020204" pitchFamily="50" charset="-128"/>
-            </a:endParaRPr>
-          </a:p>
-        </p:txBody>
-      </p:sp>
-      <p:sp>
-        <p:nvSpPr>
-          <p:cNvPr id="5" name="正方形/長方形 4"/>
-          <p:cNvSpPr/>
-          <p:nvPr/>
-        </p:nvSpPr>
-        <p:spPr>
-          <a:xfrm>
-            <a:off x="1501832" y="4110841"/>
-            <a:ext cx="4696692" cy="2424546"/>
-          </a:xfrm>
-          <a:prstGeom prst="rect">
-            <a:avLst/>
-          </a:prstGeom>
-          <a:gradFill flip="none" rotWithShape="1">
-            <a:gsLst>
-              <a:gs pos="0">
-                <a:srgbClr val="FFFF00">
-                  <a:shade val="30000"/>
-                  <a:satMod val="115000"/>
-                </a:srgbClr>
-              </a:gs>
-              <a:gs pos="50000">
-                <a:srgbClr val="FFFF00">
-                  <a:shade val="67500"/>
-                  <a:satMod val="115000"/>
-                </a:srgbClr>
-              </a:gs>
-              <a:gs pos="100000">
-                <a:srgbClr val="FFFF00">
-                  <a:shade val="100000"/>
-                  <a:satMod val="115000"/>
-                </a:srgbClr>
-              </a:gs>
-            </a:gsLst>
-            <a:lin ang="8100000" scaled="1"/>
-            <a:tileRect/>
-          </a:gradFill>
-        </p:spPr>
-        <p:style>
-          <a:lnRef idx="3">
-            <a:schemeClr val="lt1"/>
-          </a:lnRef>
-          <a:fillRef idx="1">
-            <a:schemeClr val="accent6"/>
-          </a:fillRef>
-          <a:effectRef idx="1">
-            <a:schemeClr val="accent6"/>
-          </a:effectRef>
-          <a:fontRef idx="minor">
-            <a:schemeClr val="lt1"/>
-          </a:fontRef>
-        </p:style>
-        <p:txBody>
-          <a:bodyPr rtlCol="0" anchor="ctr"/>
-          <a:lstStyle/>
-          <a:p>
-            <a:pPr algn="ctr"/>
-            <a:r>
-              <a:rPr kumimoji="1" lang="ja-JP" altLang="en-US" sz="3600" dirty="0" smtClean="0">
-                <a:solidFill>
-                  <a:srgbClr val="0070C0"/>
-                </a:solidFill>
-              </a:rPr>
-              <a:t>アティチョ茶</a:t>
-            </a:r>
-            <a:endParaRPr kumimoji="1" lang="en-US" altLang="ja-JP" sz="3600" dirty="0" smtClean="0">
-              <a:solidFill>
-                <a:srgbClr val="0070C0"/>
-              </a:solidFill>
-            </a:endParaRPr>
-          </a:p>
-          <a:p>
-            <a:pPr algn="ctr"/>
-            <a:r>
-              <a:rPr kumimoji="1" lang="ja-JP" altLang="en-US" b="1" dirty="0" smtClean="0">
-                <a:solidFill>
-                  <a:schemeClr val="bg1"/>
-                </a:solidFill>
-                <a:latin typeface="Arial Unicode MS" panose="020B0604020202020204" pitchFamily="50" charset="-128"/>
-                <a:ea typeface="Arial Unicode MS" panose="020B0604020202020204" pitchFamily="50" charset="-128"/>
-                <a:cs typeface="Arial Unicode MS" panose="020B0604020202020204" pitchFamily="50" charset="-128"/>
-              </a:rPr>
-              <a:t>－女性の肌がきれいになり</a:t>
-            </a:r>
-            <a:endParaRPr kumimoji="1" lang="en-US" altLang="ja-JP" b="1" dirty="0" smtClean="0">
-              <a:solidFill>
-                <a:schemeClr val="bg1"/>
-              </a:solidFill>
-              <a:latin typeface="Arial Unicode MS" panose="020B0604020202020204" pitchFamily="50" charset="-128"/>
-              <a:ea typeface="Arial Unicode MS" panose="020B0604020202020204" pitchFamily="50" charset="-128"/>
-              <a:cs typeface="Arial Unicode MS" panose="020B0604020202020204" pitchFamily="50" charset="-128"/>
-            </a:endParaRPr>
-          </a:p>
-          <a:p>
-            <a:pPr algn="ctr"/>
-            <a:r>
-              <a:rPr lang="ja-JP" altLang="en-US" b="1" dirty="0" smtClean="0">
-                <a:solidFill>
-                  <a:schemeClr val="bg1"/>
-                </a:solidFill>
-                <a:latin typeface="Arial Unicode MS" panose="020B0604020202020204" pitchFamily="50" charset="-128"/>
-                <a:ea typeface="Arial Unicode MS" panose="020B0604020202020204" pitchFamily="50" charset="-128"/>
-                <a:cs typeface="Arial Unicode MS" panose="020B0604020202020204" pitchFamily="50" charset="-128"/>
-              </a:rPr>
-              <a:t>肝臓もなくなります。</a:t>
-            </a:r>
-            <a:endParaRPr lang="en-US" altLang="ja-JP" b="1" dirty="0" smtClean="0">
-              <a:solidFill>
-                <a:schemeClr val="bg1"/>
-              </a:solidFill>
-              <a:latin typeface="Arial Unicode MS" panose="020B0604020202020204" pitchFamily="50" charset="-128"/>
-              <a:ea typeface="Arial Unicode MS" panose="020B0604020202020204" pitchFamily="50" charset="-128"/>
-              <a:cs typeface="Arial Unicode MS" panose="020B0604020202020204" pitchFamily="50" charset="-128"/>
-            </a:endParaRPr>
-          </a:p>
-          <a:p>
-            <a:pPr algn="ctr"/>
-            <a:endParaRPr kumimoji="1" lang="ja-JP" altLang="en-US" dirty="0"/>
-          </a:p>
-        </p:txBody>
-      </p:sp>
-      <p:sp>
-        <p:nvSpPr>
-          <p:cNvPr id="6" name="正方形/長方形 5"/>
-          <p:cNvSpPr/>
-          <p:nvPr/>
-        </p:nvSpPr>
-        <p:spPr>
-          <a:xfrm>
-            <a:off x="6198524" y="1658583"/>
-            <a:ext cx="4475018" cy="2452258"/>
-          </a:xfrm>
-          <a:prstGeom prst="rect">
-            <a:avLst/>
-          </a:prstGeom>
-          <a:gradFill flip="none" rotWithShape="1">
-            <a:gsLst>
-              <a:gs pos="0">
-                <a:srgbClr val="FFFF00">
-                  <a:shade val="30000"/>
-                  <a:satMod val="115000"/>
-                </a:srgbClr>
-              </a:gs>
-              <a:gs pos="50000">
-                <a:srgbClr val="FFFF00">
-                  <a:shade val="67500"/>
-                  <a:satMod val="115000"/>
-                </a:srgbClr>
-              </a:gs>
-              <a:gs pos="100000">
-                <a:srgbClr val="FFFF00">
-                  <a:shade val="100000"/>
-                  <a:satMod val="115000"/>
-                </a:srgbClr>
-              </a:gs>
-            </a:gsLst>
-            <a:lin ang="8100000" scaled="1"/>
-            <a:tileRect/>
-          </a:gradFill>
-        </p:spPr>
-        <p:style>
-          <a:lnRef idx="3">
-            <a:schemeClr val="lt1"/>
-          </a:lnRef>
-          <a:fillRef idx="1">
-            <a:schemeClr val="accent6"/>
-          </a:fillRef>
-          <a:effectRef idx="1">
-            <a:schemeClr val="accent6"/>
-          </a:effectRef>
-          <a:fontRef idx="minor">
-            <a:schemeClr val="lt1"/>
-          </a:fontRef>
-        </p:style>
-        <p:txBody>
-          <a:bodyPr rtlCol="0" anchor="ctr"/>
-          <a:lstStyle/>
-          <a:p>
-            <a:pPr algn="ctr"/>
-            <a:r>
-              <a:rPr kumimoji="1" lang="ja-JP" altLang="en-US" sz="3600" dirty="0" smtClean="0">
-                <a:solidFill>
-                  <a:schemeClr val="tx1"/>
-                </a:solidFill>
-              </a:rPr>
-              <a:t>ジャスミンお茶</a:t>
-            </a:r>
-            <a:endParaRPr kumimoji="1" lang="en-US" altLang="ja-JP" sz="3600" dirty="0" smtClean="0">
-              <a:solidFill>
-                <a:schemeClr val="tx1"/>
-              </a:solidFill>
-            </a:endParaRPr>
-          </a:p>
-          <a:p>
-            <a:pPr algn="ctr"/>
-            <a:r>
-              <a:rPr lang="en-US" altLang="ja-JP" b="1" dirty="0" smtClean="0">
-                <a:solidFill>
-                  <a:schemeClr val="bg1"/>
-                </a:solidFill>
-                <a:latin typeface="Arial Unicode MS" panose="020B0604020202020204" pitchFamily="50" charset="-128"/>
-                <a:ea typeface="Arial Unicode MS" panose="020B0604020202020204" pitchFamily="50" charset="-128"/>
-                <a:cs typeface="Arial Unicode MS" panose="020B0604020202020204" pitchFamily="50" charset="-128"/>
-              </a:rPr>
-              <a:t>- </a:t>
-            </a:r>
-            <a:r>
-              <a:rPr lang="ja-JP" altLang="en-US" b="1" dirty="0" smtClean="0">
-                <a:solidFill>
-                  <a:schemeClr val="bg1"/>
-                </a:solidFill>
-                <a:latin typeface="Arial Unicode MS" panose="020B0604020202020204" pitchFamily="50" charset="-128"/>
-                <a:ea typeface="Arial Unicode MS" panose="020B0604020202020204" pitchFamily="50" charset="-128"/>
-                <a:cs typeface="Arial Unicode MS" panose="020B0604020202020204" pitchFamily="50" charset="-128"/>
-              </a:rPr>
-              <a:t>よく</a:t>
-            </a:r>
-            <a:r>
-              <a:rPr lang="ja-JP" altLang="en-US" b="1" dirty="0" smtClean="0">
-                <a:solidFill>
-                  <a:schemeClr val="bg1"/>
-                </a:solidFill>
-                <a:latin typeface="Arial Unicode MS" panose="020B0604020202020204" pitchFamily="50" charset="-128"/>
-                <a:ea typeface="Arial Unicode MS" panose="020B0604020202020204" pitchFamily="50" charset="-128"/>
-                <a:cs typeface="Arial Unicode MS" panose="020B0604020202020204" pitchFamily="50" charset="-128"/>
-              </a:rPr>
-              <a:t>頭が痛いは</a:t>
-            </a:r>
-            <a:r>
-              <a:rPr lang="ja-JP" altLang="en-US" b="1" dirty="0" err="1" smtClean="0">
-                <a:solidFill>
-                  <a:schemeClr val="bg1"/>
-                </a:solidFill>
-                <a:latin typeface="Arial Unicode MS" panose="020B0604020202020204" pitchFamily="50" charset="-128"/>
-                <a:ea typeface="Arial Unicode MS" panose="020B0604020202020204" pitchFamily="50" charset="-128"/>
-                <a:cs typeface="Arial Unicode MS" panose="020B0604020202020204" pitchFamily="50" charset="-128"/>
-              </a:rPr>
-              <a:t>な</a:t>
-            </a:r>
-            <a:r>
-              <a:rPr lang="ja-JP" altLang="en-US" b="1" dirty="0" smtClean="0">
-                <a:solidFill>
-                  <a:schemeClr val="bg1"/>
-                </a:solidFill>
-                <a:latin typeface="Arial Unicode MS" panose="020B0604020202020204" pitchFamily="50" charset="-128"/>
-                <a:ea typeface="Arial Unicode MS" panose="020B0604020202020204" pitchFamily="50" charset="-128"/>
-                <a:cs typeface="Arial Unicode MS" panose="020B0604020202020204" pitchFamily="50" charset="-128"/>
-              </a:rPr>
-              <a:t>くにります。</a:t>
-            </a:r>
-            <a:endParaRPr lang="en-US" altLang="ja-JP" b="1" dirty="0" smtClean="0">
-              <a:solidFill>
-                <a:schemeClr val="bg1"/>
-              </a:solidFill>
-              <a:latin typeface="Arial Unicode MS" panose="020B0604020202020204" pitchFamily="50" charset="-128"/>
-              <a:ea typeface="Arial Unicode MS" panose="020B0604020202020204" pitchFamily="50" charset="-128"/>
-              <a:cs typeface="Arial Unicode MS" panose="020B0604020202020204" pitchFamily="50" charset="-128"/>
-            </a:endParaRPr>
-          </a:p>
-          <a:p>
-            <a:pPr algn="ctr"/>
-            <a:r>
-              <a:rPr kumimoji="1" lang="en-US" altLang="ja-JP" b="1" dirty="0" smtClean="0">
-                <a:solidFill>
-                  <a:schemeClr val="bg1"/>
-                </a:solidFill>
-                <a:latin typeface="Arial Unicode MS" panose="020B0604020202020204" pitchFamily="50" charset="-128"/>
-                <a:ea typeface="Arial Unicode MS" panose="020B0604020202020204" pitchFamily="50" charset="-128"/>
-                <a:cs typeface="Arial Unicode MS" panose="020B0604020202020204" pitchFamily="50" charset="-128"/>
-              </a:rPr>
-              <a:t>- </a:t>
-            </a:r>
-            <a:r>
-              <a:rPr kumimoji="1" lang="ja-JP" altLang="en-US" b="1" dirty="0" smtClean="0">
-                <a:solidFill>
-                  <a:schemeClr val="bg1"/>
-                </a:solidFill>
-                <a:latin typeface="Arial Unicode MS" panose="020B0604020202020204" pitchFamily="50" charset="-128"/>
-                <a:ea typeface="Arial Unicode MS" panose="020B0604020202020204" pitchFamily="50" charset="-128"/>
-                <a:cs typeface="Arial Unicode MS" panose="020B0604020202020204" pitchFamily="50" charset="-128"/>
-              </a:rPr>
-              <a:t>ダイエット</a:t>
-            </a:r>
-            <a:r>
-              <a:rPr kumimoji="1" lang="ja-JP" altLang="en-US" b="1" dirty="0" smtClean="0">
-                <a:solidFill>
-                  <a:schemeClr val="bg1"/>
-                </a:solidFill>
-                <a:latin typeface="Arial Unicode MS" panose="020B0604020202020204" pitchFamily="50" charset="-128"/>
-                <a:ea typeface="Arial Unicode MS" panose="020B0604020202020204" pitchFamily="50" charset="-128"/>
-                <a:cs typeface="Arial Unicode MS" panose="020B0604020202020204" pitchFamily="50" charset="-128"/>
-              </a:rPr>
-              <a:t>も良い</a:t>
-            </a:r>
-            <a:endParaRPr kumimoji="1" lang="ja-JP" altLang="en-US" b="1" dirty="0">
-              <a:solidFill>
-                <a:schemeClr val="bg1"/>
-              </a:solidFill>
-              <a:latin typeface="Arial Unicode MS" panose="020B0604020202020204" pitchFamily="50" charset="-128"/>
-              <a:ea typeface="Arial Unicode MS" panose="020B0604020202020204" pitchFamily="50" charset="-128"/>
-              <a:cs typeface="Arial Unicode MS" panose="020B0604020202020204" pitchFamily="50" charset="-128"/>
-            </a:endParaRPr>
-          </a:p>
-        </p:txBody>
-      </p:sp>
-      <p:sp>
-        <p:nvSpPr>
-          <p:cNvPr id="7" name="正方形/長方形 6"/>
-          <p:cNvSpPr/>
-          <p:nvPr/>
-        </p:nvSpPr>
-        <p:spPr>
-          <a:xfrm>
-            <a:off x="6198524" y="4110841"/>
-            <a:ext cx="4475018" cy="2424546"/>
-          </a:xfrm>
-          <a:prstGeom prst="rect">
-            <a:avLst/>
-          </a:prstGeom>
-          <a:gradFill flip="none" rotWithShape="1">
-            <a:gsLst>
-              <a:gs pos="0">
-                <a:srgbClr val="FFFF00">
-                  <a:shade val="30000"/>
-                  <a:satMod val="115000"/>
-                </a:srgbClr>
-              </a:gs>
-              <a:gs pos="50000">
-                <a:srgbClr val="FFFF00">
-                  <a:shade val="67500"/>
-                  <a:satMod val="115000"/>
-                </a:srgbClr>
-              </a:gs>
-              <a:gs pos="100000">
-                <a:srgbClr val="FFFF00">
-                  <a:shade val="100000"/>
-                  <a:satMod val="115000"/>
-                </a:srgbClr>
-              </a:gs>
-            </a:gsLst>
-            <a:lin ang="8100000" scaled="1"/>
-            <a:tileRect/>
-          </a:gradFill>
-        </p:spPr>
-        <p:style>
-          <a:lnRef idx="3">
-            <a:schemeClr val="lt1"/>
-          </a:lnRef>
-          <a:fillRef idx="1">
-            <a:schemeClr val="accent6"/>
-          </a:fillRef>
-          <a:effectRef idx="1">
-            <a:schemeClr val="accent6"/>
-          </a:effectRef>
-          <a:fontRef idx="minor">
-            <a:schemeClr val="lt1"/>
-          </a:fontRef>
-        </p:style>
-        <p:txBody>
-          <a:bodyPr rtlCol="0" anchor="ctr"/>
-          <a:lstStyle/>
-          <a:p>
-            <a:pPr algn="ctr"/>
-            <a:r>
-              <a:rPr kumimoji="1" lang="ja-JP" altLang="en-US" sz="3600" dirty="0" smtClean="0">
-                <a:solidFill>
-                  <a:srgbClr val="CC3300"/>
-                </a:solidFill>
-              </a:rPr>
-              <a:t>蓮の花茶</a:t>
-            </a:r>
-            <a:endParaRPr lang="en-US" altLang="ja-JP" sz="3600" dirty="0">
-              <a:solidFill>
-                <a:srgbClr val="CC3300"/>
-              </a:solidFill>
-            </a:endParaRPr>
-          </a:p>
-          <a:p>
-            <a:pPr algn="ctr"/>
-            <a:r>
-              <a:rPr lang="en-US" altLang="ja-JP" b="1" dirty="0" smtClean="0">
-                <a:solidFill>
-                  <a:schemeClr val="bg1"/>
-                </a:solidFill>
-                <a:latin typeface="Arial Unicode MS" panose="020B0604020202020204" pitchFamily="50" charset="-128"/>
-                <a:ea typeface="Arial Unicode MS" panose="020B0604020202020204" pitchFamily="50" charset="-128"/>
-                <a:cs typeface="Arial Unicode MS" panose="020B0604020202020204" pitchFamily="50" charset="-128"/>
-              </a:rPr>
-              <a:t>- </a:t>
-            </a:r>
-            <a:r>
-              <a:rPr lang="ja-JP" altLang="en-US" b="1" dirty="0" smtClean="0">
-                <a:solidFill>
-                  <a:schemeClr val="bg1"/>
-                </a:solidFill>
-                <a:latin typeface="Arial Unicode MS" panose="020B0604020202020204" pitchFamily="50" charset="-128"/>
-                <a:ea typeface="Arial Unicode MS" panose="020B0604020202020204" pitchFamily="50" charset="-128"/>
-                <a:cs typeface="Arial Unicode MS" panose="020B0604020202020204" pitchFamily="50" charset="-128"/>
-              </a:rPr>
-              <a:t>眠りこける</a:t>
-            </a:r>
-            <a:r>
-              <a:rPr lang="ja-JP" altLang="en-US" b="1" dirty="0" smtClean="0">
-                <a:solidFill>
-                  <a:schemeClr val="bg1"/>
-                </a:solidFill>
-                <a:latin typeface="Arial Unicode MS" panose="020B0604020202020204" pitchFamily="50" charset="-128"/>
-                <a:ea typeface="Arial Unicode MS" panose="020B0604020202020204" pitchFamily="50" charset="-128"/>
-                <a:cs typeface="Arial Unicode MS" panose="020B0604020202020204" pitchFamily="50" charset="-128"/>
-              </a:rPr>
-              <a:t>ために</a:t>
-            </a:r>
-            <a:endParaRPr lang="en-US" altLang="ja-JP" b="1" dirty="0" smtClean="0">
-              <a:solidFill>
-                <a:schemeClr val="bg1"/>
-              </a:solidFill>
-              <a:latin typeface="Arial Unicode MS" panose="020B0604020202020204" pitchFamily="50" charset="-128"/>
-              <a:ea typeface="Arial Unicode MS" panose="020B0604020202020204" pitchFamily="50" charset="-128"/>
-              <a:cs typeface="Arial Unicode MS" panose="020B0604020202020204" pitchFamily="50" charset="-128"/>
-            </a:endParaRPr>
-          </a:p>
-          <a:p>
-            <a:pPr algn="ctr"/>
-            <a:r>
-              <a:rPr kumimoji="1" lang="en-US" altLang="ja-JP" b="1" dirty="0" smtClean="0">
-                <a:solidFill>
-                  <a:schemeClr val="bg1"/>
-                </a:solidFill>
-                <a:latin typeface="Arial Unicode MS" panose="020B0604020202020204" pitchFamily="50" charset="-128"/>
-                <a:ea typeface="Arial Unicode MS" panose="020B0604020202020204" pitchFamily="50" charset="-128"/>
-                <a:cs typeface="Arial Unicode MS" panose="020B0604020202020204" pitchFamily="50" charset="-128"/>
-              </a:rPr>
-              <a:t>- </a:t>
-            </a:r>
-            <a:r>
-              <a:rPr kumimoji="1" lang="ja-JP" altLang="en-US" b="1" dirty="0" smtClean="0">
-                <a:solidFill>
-                  <a:schemeClr val="bg1"/>
-                </a:solidFill>
-                <a:latin typeface="Arial Unicode MS" panose="020B0604020202020204" pitchFamily="50" charset="-128"/>
-                <a:ea typeface="Arial Unicode MS" panose="020B0604020202020204" pitchFamily="50" charset="-128"/>
-                <a:cs typeface="Arial Unicode MS" panose="020B0604020202020204" pitchFamily="50" charset="-128"/>
-              </a:rPr>
-              <a:t>お年寄り</a:t>
-            </a:r>
-            <a:r>
-              <a:rPr kumimoji="1" lang="ja-JP" altLang="en-US" b="1" dirty="0" smtClean="0">
-                <a:solidFill>
-                  <a:schemeClr val="bg1"/>
-                </a:solidFill>
-                <a:latin typeface="Arial Unicode MS" panose="020B0604020202020204" pitchFamily="50" charset="-128"/>
-                <a:ea typeface="Arial Unicode MS" panose="020B0604020202020204" pitchFamily="50" charset="-128"/>
-                <a:cs typeface="Arial Unicode MS" panose="020B0604020202020204" pitchFamily="50" charset="-128"/>
-              </a:rPr>
-              <a:t>の骨もよくなります。</a:t>
-            </a:r>
-            <a:endParaRPr kumimoji="1" lang="ja-JP" altLang="en-US" b="1" dirty="0">
-              <a:solidFill>
-                <a:schemeClr val="bg1"/>
-              </a:solidFill>
-              <a:latin typeface="Arial Unicode MS" panose="020B0604020202020204" pitchFamily="50" charset="-128"/>
-              <a:ea typeface="Arial Unicode MS" panose="020B0604020202020204" pitchFamily="50" charset="-128"/>
-              <a:cs typeface="Arial Unicode MS" panose="020B0604020202020204" pitchFamily="50" charset="-128"/>
-            </a:endParaRPr>
-          </a:p>
         </p:txBody>
       </p:sp>
       <p:sp>
@@ -10730,7 +10023,7 @@
         </p:nvSpPr>
         <p:spPr>
           <a:xfrm>
-            <a:off x="2662210" y="954727"/>
+            <a:off x="3576610" y="370975"/>
             <a:ext cx="1618058" cy="518529"/>
           </a:xfrm>
           <a:prstGeom prst="rect">
@@ -10762,8 +10055,8 @@
           <a:p>
             <a:pPr algn="ctr"/>
             <a:r>
-              <a:rPr kumimoji="1" lang="en-US" altLang="ja-JP" sz="1400" dirty="0" smtClean="0"/>
-              <a:t>MENU</a:t>
+              <a:rPr kumimoji="1" lang="ja-JP" altLang="en-US" sz="1400" dirty="0" smtClean="0"/>
+              <a:t>商品メニュー</a:t>
             </a:r>
             <a:endParaRPr kumimoji="1" lang="ja-JP" altLang="en-US" sz="1400" dirty="0"/>
           </a:p>
@@ -10777,7 +10070,7 @@
         </p:nvSpPr>
         <p:spPr>
           <a:xfrm>
-            <a:off x="7430568" y="940649"/>
+            <a:off x="8344968" y="356897"/>
             <a:ext cx="1618058" cy="546687"/>
           </a:xfrm>
           <a:prstGeom prst="rect">
@@ -10827,7 +10120,7 @@
         </p:nvSpPr>
         <p:spPr>
           <a:xfrm>
-            <a:off x="4298355" y="940649"/>
+            <a:off x="5212755" y="356897"/>
             <a:ext cx="1618058" cy="546687"/>
           </a:xfrm>
           <a:prstGeom prst="rect">
@@ -10878,7 +10171,7 @@
         </p:nvSpPr>
         <p:spPr>
           <a:xfrm>
-            <a:off x="5916413" y="940649"/>
+            <a:off x="6830813" y="356897"/>
             <a:ext cx="1496068" cy="546687"/>
           </a:xfrm>
           <a:prstGeom prst="rect">
@@ -11003,7 +10296,7 @@
         </p:nvSpPr>
         <p:spPr>
           <a:xfrm>
-            <a:off x="9066713" y="954727"/>
+            <a:off x="9981113" y="370975"/>
             <a:ext cx="1618058" cy="532609"/>
           </a:xfrm>
           <a:prstGeom prst="rect">
@@ -11042,6 +10335,459 @@
           </a:p>
         </p:txBody>
       </p:sp>
+      <p:graphicFrame>
+        <p:nvGraphicFramePr>
+          <p:cNvPr id="12" name="表 11"/>
+          <p:cNvGraphicFramePr>
+            <a:graphicFrameLocks noGrp="1"/>
+          </p:cNvGraphicFramePr>
+          <p:nvPr>
+            <p:extLst>
+              <p:ext uri="{D42A27DB-BD31-4B8C-83A1-F6EECF244321}">
+                <p14:modId xmlns:p14="http://schemas.microsoft.com/office/powerpoint/2010/main" val="3312671238"/>
+              </p:ext>
+            </p:extLst>
+          </p:nvPr>
+        </p:nvGraphicFramePr>
+        <p:xfrm>
+          <a:off x="767612" y="1932336"/>
+          <a:ext cx="10508344" cy="3732493"/>
+        </p:xfrm>
+        <a:graphic>
+          <a:graphicData uri="http://schemas.openxmlformats.org/drawingml/2006/table">
+            <a:tbl>
+              <a:tblPr firstRow="1" bandRow="1">
+                <a:tableStyleId>{74C1A8A3-306A-4EB7-A6B1-4F7E0EB9C5D6}</a:tableStyleId>
+              </a:tblPr>
+              <a:tblGrid>
+                <a:gridCol w="3412502">
+                  <a:extLst>
+                    <a:ext uri="{9D8B030D-6E8A-4147-A177-3AD203B41FA5}">
+                      <a16:colId xmlns:a16="http://schemas.microsoft.com/office/drawing/2014/main" val="1542197961"/>
+                    </a:ext>
+                  </a:extLst>
+                </a:gridCol>
+                <a:gridCol w="1841670">
+                  <a:extLst>
+                    <a:ext uri="{9D8B030D-6E8A-4147-A177-3AD203B41FA5}">
+                      <a16:colId xmlns:a16="http://schemas.microsoft.com/office/drawing/2014/main" val="1517213382"/>
+                    </a:ext>
+                  </a:extLst>
+                </a:gridCol>
+                <a:gridCol w="3474913">
+                  <a:extLst>
+                    <a:ext uri="{9D8B030D-6E8A-4147-A177-3AD203B41FA5}">
+                      <a16:colId xmlns:a16="http://schemas.microsoft.com/office/drawing/2014/main" val="1785735644"/>
+                    </a:ext>
+                  </a:extLst>
+                </a:gridCol>
+                <a:gridCol w="1779259">
+                  <a:extLst>
+                    <a:ext uri="{9D8B030D-6E8A-4147-A177-3AD203B41FA5}">
+                      <a16:colId xmlns:a16="http://schemas.microsoft.com/office/drawing/2014/main" val="2231749683"/>
+                    </a:ext>
+                  </a:extLst>
+                </a:gridCol>
+              </a:tblGrid>
+              <a:tr h="575733">
+                <a:tc>
+                  <a:txBody>
+                    <a:bodyPr/>
+                    <a:lstStyle/>
+                    <a:p>
+                      <a:pPr algn="ctr"/>
+                      <a:r>
+                        <a:rPr kumimoji="1" lang="ja-JP" altLang="en-US" dirty="0" smtClean="0"/>
+                        <a:t>定番商品</a:t>
+                      </a:r>
+                      <a:endParaRPr kumimoji="1" lang="ja-JP" altLang="en-US" dirty="0"/>
+                    </a:p>
+                  </a:txBody>
+                  <a:tcPr/>
+                </a:tc>
+                <a:tc>
+                  <a:txBody>
+                    <a:bodyPr/>
+                    <a:lstStyle/>
+                    <a:p>
+                      <a:pPr algn="ctr"/>
+                      <a:r>
+                        <a:rPr kumimoji="1" lang="ja-JP" altLang="en-US" dirty="0" smtClean="0"/>
+                        <a:t>価格</a:t>
+                      </a:r>
+                      <a:endParaRPr kumimoji="1" lang="ja-JP" altLang="en-US" dirty="0"/>
+                    </a:p>
+                  </a:txBody>
+                  <a:tcPr/>
+                </a:tc>
+                <a:tc>
+                  <a:txBody>
+                    <a:bodyPr/>
+                    <a:lstStyle/>
+                    <a:p>
+                      <a:pPr algn="ctr"/>
+                      <a:r>
+                        <a:rPr kumimoji="1" lang="ja-JP" altLang="en-US" dirty="0" smtClean="0"/>
+                        <a:t>季節商品</a:t>
+                      </a:r>
+                      <a:endParaRPr kumimoji="1" lang="ja-JP" altLang="en-US" dirty="0"/>
+                    </a:p>
+                  </a:txBody>
+                  <a:tcPr/>
+                </a:tc>
+                <a:tc>
+                  <a:txBody>
+                    <a:bodyPr/>
+                    <a:lstStyle/>
+                    <a:p>
+                      <a:pPr algn="ctr"/>
+                      <a:r>
+                        <a:rPr kumimoji="1" lang="ja-JP" altLang="en-US" dirty="0" smtClean="0"/>
+                        <a:t>価格</a:t>
+                      </a:r>
+                      <a:endParaRPr kumimoji="1" lang="ja-JP" altLang="en-US" dirty="0"/>
+                    </a:p>
+                  </a:txBody>
+                  <a:tcPr/>
+                </a:tc>
+                <a:extLst>
+                  <a:ext uri="{0D108BD9-81ED-4DB2-BD59-A6C34878D82A}">
+                    <a16:rowId xmlns:a16="http://schemas.microsoft.com/office/drawing/2014/main" val="1698111001"/>
+                  </a:ext>
+                </a:extLst>
+              </a:tr>
+              <a:tr h="789190">
+                <a:tc>
+                  <a:txBody>
+                    <a:bodyPr/>
+                    <a:lstStyle/>
+                    <a:p>
+                      <a:r>
+                        <a:rPr kumimoji="1" lang="ja-JP" altLang="en-US" dirty="0" smtClean="0"/>
+                        <a:t>菊の花お茶</a:t>
+                      </a:r>
+                      <a:endParaRPr kumimoji="1" lang="ja-JP" altLang="en-US" dirty="0"/>
+                    </a:p>
+                  </a:txBody>
+                  <a:tcPr/>
+                </a:tc>
+                <a:tc>
+                  <a:txBody>
+                    <a:bodyPr/>
+                    <a:lstStyle/>
+                    <a:p>
+                      <a:r>
+                        <a:rPr kumimoji="1" lang="ja-JP" altLang="en-US" dirty="0" smtClean="0"/>
+                        <a:t>４５０円</a:t>
+                      </a:r>
+                      <a:endParaRPr kumimoji="1" lang="ja-JP" altLang="en-US" dirty="0"/>
+                    </a:p>
+                  </a:txBody>
+                  <a:tcPr/>
+                </a:tc>
+                <a:tc>
+                  <a:txBody>
+                    <a:bodyPr/>
+                    <a:lstStyle/>
+                    <a:p>
+                      <a:pPr marL="0" marR="0" indent="0" algn="l" defTabSz="457200" rtl="0" eaLnBrk="1" fontAlgn="auto" latinLnBrk="0" hangingPunct="1">
+                        <a:lnSpc>
+                          <a:spcPct val="100000"/>
+                        </a:lnSpc>
+                        <a:spcBef>
+                          <a:spcPts val="0"/>
+                        </a:spcBef>
+                        <a:spcAft>
+                          <a:spcPts val="0"/>
+                        </a:spcAft>
+                        <a:buClrTx/>
+                        <a:buSzTx/>
+                        <a:buFontTx/>
+                        <a:buNone/>
+                        <a:tabLst/>
+                        <a:defRPr/>
+                      </a:pPr>
+                      <a:r>
+                        <a:rPr kumimoji="1" lang="ja-JP" altLang="en-US" dirty="0" smtClean="0"/>
+                        <a:t>菊の花お茶</a:t>
+                      </a:r>
+                    </a:p>
+                    <a:p>
+                      <a:endParaRPr kumimoji="1" lang="ja-JP" altLang="en-US" dirty="0"/>
+                    </a:p>
+                  </a:txBody>
+                  <a:tcPr/>
+                </a:tc>
+                <a:tc>
+                  <a:txBody>
+                    <a:bodyPr/>
+                    <a:lstStyle/>
+                    <a:p>
+                      <a:r>
+                        <a:rPr kumimoji="1" lang="ja-JP" altLang="en-US" dirty="0" smtClean="0"/>
+                        <a:t>５００円</a:t>
+                      </a:r>
+                      <a:endParaRPr kumimoji="1" lang="ja-JP" altLang="en-US" dirty="0"/>
+                    </a:p>
+                  </a:txBody>
+                  <a:tcPr/>
+                </a:tc>
+                <a:extLst>
+                  <a:ext uri="{0D108BD9-81ED-4DB2-BD59-A6C34878D82A}">
+                    <a16:rowId xmlns:a16="http://schemas.microsoft.com/office/drawing/2014/main" val="871671706"/>
+                  </a:ext>
+                </a:extLst>
+              </a:tr>
+              <a:tr h="789190">
+                <a:tc>
+                  <a:txBody>
+                    <a:bodyPr/>
+                    <a:lstStyle/>
+                    <a:p>
+                      <a:r>
+                        <a:rPr kumimoji="1" lang="ja-JP" altLang="en-US" dirty="0" smtClean="0"/>
+                        <a:t>ジャスミンお茶</a:t>
+                      </a:r>
+                      <a:endParaRPr kumimoji="1" lang="ja-JP" altLang="en-US" dirty="0"/>
+                    </a:p>
+                  </a:txBody>
+                  <a:tcPr/>
+                </a:tc>
+                <a:tc>
+                  <a:txBody>
+                    <a:bodyPr/>
+                    <a:lstStyle/>
+                    <a:p>
+                      <a:r>
+                        <a:rPr kumimoji="1" lang="ja-JP" altLang="en-US" dirty="0" smtClean="0"/>
+                        <a:t>５００円</a:t>
+                      </a:r>
+                      <a:endParaRPr kumimoji="1" lang="ja-JP" altLang="en-US" dirty="0"/>
+                    </a:p>
+                  </a:txBody>
+                  <a:tcPr/>
+                </a:tc>
+                <a:tc>
+                  <a:txBody>
+                    <a:bodyPr/>
+                    <a:lstStyle/>
+                    <a:p>
+                      <a:pPr marL="0" marR="0" indent="0" algn="l" defTabSz="457200" rtl="0" eaLnBrk="1" fontAlgn="auto" latinLnBrk="0" hangingPunct="1">
+                        <a:lnSpc>
+                          <a:spcPct val="100000"/>
+                        </a:lnSpc>
+                        <a:spcBef>
+                          <a:spcPts val="0"/>
+                        </a:spcBef>
+                        <a:spcAft>
+                          <a:spcPts val="0"/>
+                        </a:spcAft>
+                        <a:buClrTx/>
+                        <a:buSzTx/>
+                        <a:buFontTx/>
+                        <a:buNone/>
+                        <a:tabLst/>
+                        <a:defRPr/>
+                      </a:pPr>
+                      <a:r>
+                        <a:rPr kumimoji="1" lang="ja-JP" altLang="en-US" dirty="0" smtClean="0"/>
+                        <a:t>ジャスミンお茶</a:t>
+                      </a:r>
+                    </a:p>
+                    <a:p>
+                      <a:endParaRPr kumimoji="1" lang="ja-JP" altLang="en-US" dirty="0"/>
+                    </a:p>
+                  </a:txBody>
+                  <a:tcPr/>
+                </a:tc>
+                <a:tc>
+                  <a:txBody>
+                    <a:bodyPr/>
+                    <a:lstStyle/>
+                    <a:p>
+                      <a:r>
+                        <a:rPr kumimoji="1" lang="ja-JP" altLang="en-US" dirty="0" smtClean="0"/>
+                        <a:t>５５０円</a:t>
+                      </a:r>
+                      <a:endParaRPr kumimoji="1" lang="ja-JP" altLang="en-US" dirty="0"/>
+                    </a:p>
+                  </a:txBody>
+                  <a:tcPr/>
+                </a:tc>
+                <a:extLst>
+                  <a:ext uri="{0D108BD9-81ED-4DB2-BD59-A6C34878D82A}">
+                    <a16:rowId xmlns:a16="http://schemas.microsoft.com/office/drawing/2014/main" val="4262018194"/>
+                  </a:ext>
+                </a:extLst>
+              </a:tr>
+              <a:tr h="789190">
+                <a:tc>
+                  <a:txBody>
+                    <a:bodyPr/>
+                    <a:lstStyle/>
+                    <a:p>
+                      <a:r>
+                        <a:rPr kumimoji="1" lang="ja-JP" altLang="en-US" dirty="0" smtClean="0"/>
+                        <a:t>アティチョお茶</a:t>
+                      </a:r>
+                      <a:endParaRPr kumimoji="1" lang="ja-JP" altLang="en-US" dirty="0"/>
+                    </a:p>
+                  </a:txBody>
+                  <a:tcPr/>
+                </a:tc>
+                <a:tc>
+                  <a:txBody>
+                    <a:bodyPr/>
+                    <a:lstStyle/>
+                    <a:p>
+                      <a:r>
+                        <a:rPr kumimoji="1" lang="ja-JP" altLang="en-US" dirty="0" smtClean="0"/>
+                        <a:t>３５０円</a:t>
+                      </a:r>
+                      <a:endParaRPr kumimoji="1" lang="ja-JP" altLang="en-US" dirty="0"/>
+                    </a:p>
+                  </a:txBody>
+                  <a:tcPr/>
+                </a:tc>
+                <a:tc>
+                  <a:txBody>
+                    <a:bodyPr/>
+                    <a:lstStyle/>
+                    <a:p>
+                      <a:pPr marL="0" marR="0" indent="0" algn="l" defTabSz="457200" rtl="0" eaLnBrk="1" fontAlgn="auto" latinLnBrk="0" hangingPunct="1">
+                        <a:lnSpc>
+                          <a:spcPct val="100000"/>
+                        </a:lnSpc>
+                        <a:spcBef>
+                          <a:spcPts val="0"/>
+                        </a:spcBef>
+                        <a:spcAft>
+                          <a:spcPts val="0"/>
+                        </a:spcAft>
+                        <a:buClrTx/>
+                        <a:buSzTx/>
+                        <a:buFontTx/>
+                        <a:buNone/>
+                        <a:tabLst/>
+                        <a:defRPr/>
+                      </a:pPr>
+                      <a:r>
+                        <a:rPr kumimoji="1" lang="ja-JP" altLang="en-US" dirty="0" smtClean="0"/>
+                        <a:t>アティチョお茶</a:t>
+                      </a:r>
+                    </a:p>
+                    <a:p>
+                      <a:endParaRPr kumimoji="1" lang="ja-JP" altLang="en-US" dirty="0"/>
+                    </a:p>
+                  </a:txBody>
+                  <a:tcPr/>
+                </a:tc>
+                <a:tc>
+                  <a:txBody>
+                    <a:bodyPr/>
+                    <a:lstStyle/>
+                    <a:p>
+                      <a:r>
+                        <a:rPr kumimoji="1" lang="ja-JP" altLang="en-US" dirty="0" smtClean="0"/>
+                        <a:t>４５０円</a:t>
+                      </a:r>
+                      <a:endParaRPr kumimoji="1" lang="ja-JP" altLang="en-US" dirty="0"/>
+                    </a:p>
+                  </a:txBody>
+                  <a:tcPr/>
+                </a:tc>
+                <a:extLst>
+                  <a:ext uri="{0D108BD9-81ED-4DB2-BD59-A6C34878D82A}">
+                    <a16:rowId xmlns:a16="http://schemas.microsoft.com/office/drawing/2014/main" val="1657100742"/>
+                  </a:ext>
+                </a:extLst>
+              </a:tr>
+              <a:tr h="789190">
+                <a:tc>
+                  <a:txBody>
+                    <a:bodyPr/>
+                    <a:lstStyle/>
+                    <a:p>
+                      <a:r>
+                        <a:rPr kumimoji="1" lang="ja-JP" altLang="en-US" dirty="0" smtClean="0"/>
+                        <a:t>蓮の花お茶</a:t>
+                      </a:r>
+                      <a:endParaRPr kumimoji="1" lang="ja-JP" altLang="en-US" dirty="0"/>
+                    </a:p>
+                  </a:txBody>
+                  <a:tcPr/>
+                </a:tc>
+                <a:tc>
+                  <a:txBody>
+                    <a:bodyPr/>
+                    <a:lstStyle/>
+                    <a:p>
+                      <a:r>
+                        <a:rPr kumimoji="1" lang="ja-JP" altLang="en-US" dirty="0" smtClean="0"/>
+                        <a:t>３５０円</a:t>
+                      </a:r>
+                      <a:endParaRPr kumimoji="1" lang="ja-JP" altLang="en-US" dirty="0"/>
+                    </a:p>
+                  </a:txBody>
+                  <a:tcPr/>
+                </a:tc>
+                <a:tc>
+                  <a:txBody>
+                    <a:bodyPr/>
+                    <a:lstStyle/>
+                    <a:p>
+                      <a:pPr marL="0" marR="0" indent="0" algn="l" defTabSz="457200" rtl="0" eaLnBrk="1" fontAlgn="auto" latinLnBrk="0" hangingPunct="1">
+                        <a:lnSpc>
+                          <a:spcPct val="100000"/>
+                        </a:lnSpc>
+                        <a:spcBef>
+                          <a:spcPts val="0"/>
+                        </a:spcBef>
+                        <a:spcAft>
+                          <a:spcPts val="0"/>
+                        </a:spcAft>
+                        <a:buClrTx/>
+                        <a:buSzTx/>
+                        <a:buFontTx/>
+                        <a:buNone/>
+                        <a:tabLst/>
+                        <a:defRPr/>
+                      </a:pPr>
+                      <a:r>
+                        <a:rPr kumimoji="1" lang="ja-JP" altLang="en-US" dirty="0" smtClean="0"/>
+                        <a:t>蓮の花お茶</a:t>
+                      </a:r>
+                    </a:p>
+                    <a:p>
+                      <a:endParaRPr kumimoji="1" lang="ja-JP" altLang="en-US" dirty="0"/>
+                    </a:p>
+                  </a:txBody>
+                  <a:tcPr/>
+                </a:tc>
+                <a:tc>
+                  <a:txBody>
+                    <a:bodyPr/>
+                    <a:lstStyle/>
+                    <a:p>
+                      <a:r>
+                        <a:rPr kumimoji="1" lang="ja-JP" altLang="en-US" dirty="0" smtClean="0"/>
+                        <a:t>４００円</a:t>
+                      </a:r>
+                      <a:endParaRPr kumimoji="1" lang="ja-JP" altLang="en-US" dirty="0"/>
+                    </a:p>
+                  </a:txBody>
+                  <a:tcPr/>
+                </a:tc>
+                <a:extLst>
+                  <a:ext uri="{0D108BD9-81ED-4DB2-BD59-A6C34878D82A}">
+                    <a16:rowId xmlns:a16="http://schemas.microsoft.com/office/drawing/2014/main" val="4276019958"/>
+                  </a:ext>
+                </a:extLst>
+              </a:tr>
+            </a:tbl>
+          </a:graphicData>
+        </a:graphic>
+      </p:graphicFrame>
     </p:spTree>
     <p:extLst>
       <p:ext uri="{BB962C8B-B14F-4D97-AF65-F5344CB8AC3E}">
@@ -11122,11 +10868,6 @@
               </a:rPr>
               <a:t>丘の上の茶店</a:t>
             </a:r>
-            <a:endParaRPr kumimoji="1" lang="ja-JP" altLang="en-US" sz="1600" dirty="0">
-              <a:solidFill>
-                <a:srgbClr val="FFFF00"/>
-              </a:solidFill>
-            </a:endParaRPr>
           </a:p>
         </p:txBody>
       </p:sp>
@@ -11211,8 +10952,8 @@
           <a:p>
             <a:pPr algn="ctr"/>
             <a:r>
-              <a:rPr kumimoji="1" lang="en-US" altLang="ja-JP" sz="1400" dirty="0" smtClean="0"/>
-              <a:t>MENU</a:t>
+              <a:rPr kumimoji="1" lang="ja-JP" altLang="en-US" sz="1400" dirty="0"/>
+              <a:t>商品メニュ</a:t>
             </a:r>
             <a:endParaRPr kumimoji="1" lang="ja-JP" altLang="en-US" sz="1400" dirty="0"/>
           </a:p>
@@ -11374,8 +11115,8 @@
         </p:nvSpPr>
         <p:spPr>
           <a:xfrm>
-            <a:off x="3747437" y="11983"/>
-            <a:ext cx="5133703" cy="584775"/>
+            <a:off x="364157" y="1312348"/>
+            <a:ext cx="5133703" cy="461665"/>
           </a:xfrm>
           <a:prstGeom prst="rect">
             <a:avLst/>
@@ -11389,14 +11130,14 @@
           <a:lstStyle/>
           <a:p>
             <a:r>
-              <a:rPr kumimoji="1" lang="ja-JP" altLang="en-US" sz="3200" dirty="0" smtClean="0">
+              <a:rPr kumimoji="1" lang="ja-JP" altLang="en-US" sz="2400" dirty="0" smtClean="0">
                 <a:solidFill>
                   <a:srgbClr val="FF0000"/>
                 </a:solidFill>
               </a:rPr>
               <a:t>アクセスマップ</a:t>
             </a:r>
-            <a:endParaRPr kumimoji="1" lang="ja-JP" altLang="en-US" sz="3200" dirty="0">
+            <a:endParaRPr kumimoji="1" lang="ja-JP" altLang="en-US" sz="2400" dirty="0">
               <a:solidFill>
                 <a:srgbClr val="FF0000"/>
               </a:solidFill>

--- a/提出（学生が出す）ー岡本/PM/17865 yen/1you&me　.pptx
+++ b/提出（学生が出す）ー岡本/PM/17865 yen/1you&me　.pptx
@@ -9,10 +9,10 @@
   </p:notesMasterIdLst>
   <p:sldIdLst>
     <p:sldId id="256" r:id="rId2"/>
-    <p:sldId id="257" r:id="rId3"/>
-    <p:sldId id="260" r:id="rId4"/>
-    <p:sldId id="259" r:id="rId5"/>
-    <p:sldId id="258" r:id="rId6"/>
+    <p:sldId id="260" r:id="rId3"/>
+    <p:sldId id="257" r:id="rId4"/>
+    <p:sldId id="258" r:id="rId5"/>
+    <p:sldId id="259" r:id="rId6"/>
     <p:sldId id="261" r:id="rId7"/>
   </p:sldIdLst>
   <p:sldSz cx="12192000" cy="6858000"/>
@@ -202,7 +202,7 @@
           <a:p>
             <a:fld id="{8922FD96-F19B-47B5-8657-B8638CB0E881}" type="datetimeFigureOut">
               <a:rPr kumimoji="1" lang="ja-JP" altLang="en-US" smtClean="0"/>
-              <a:t>2019/12/16</a:t>
+              <a:t>2019/12/19</a:t>
             </a:fld>
             <a:endParaRPr kumimoji="1" lang="ja-JP" altLang="en-US"/>
           </a:p>
@@ -715,7 +715,7 @@
           <a:p>
             <a:fld id="{6D7107C5-5D32-481B-AE9D-48F379FEAC8A}" type="datetimeFigureOut">
               <a:rPr kumimoji="1" lang="ja-JP" altLang="en-US" smtClean="0"/>
-              <a:t>2019/12/16</a:t>
+              <a:t>2019/12/19</a:t>
             </a:fld>
             <a:endParaRPr kumimoji="1" lang="ja-JP" altLang="en-US"/>
           </a:p>
@@ -1006,7 +1006,7 @@
           <a:p>
             <a:fld id="{6D7107C5-5D32-481B-AE9D-48F379FEAC8A}" type="datetimeFigureOut">
               <a:rPr kumimoji="1" lang="ja-JP" altLang="en-US" smtClean="0"/>
-              <a:t>2019/12/16</a:t>
+              <a:t>2019/12/19</a:t>
             </a:fld>
             <a:endParaRPr kumimoji="1" lang="ja-JP" altLang="en-US"/>
           </a:p>
@@ -1265,7 +1265,7 @@
           <a:p>
             <a:fld id="{6D7107C5-5D32-481B-AE9D-48F379FEAC8A}" type="datetimeFigureOut">
               <a:rPr kumimoji="1" lang="ja-JP" altLang="en-US" smtClean="0"/>
-              <a:t>2019/12/16</a:t>
+              <a:t>2019/12/19</a:t>
             </a:fld>
             <a:endParaRPr kumimoji="1" lang="ja-JP" altLang="en-US"/>
           </a:p>
@@ -1734,7 +1734,7 @@
           <a:p>
             <a:fld id="{6D7107C5-5D32-481B-AE9D-48F379FEAC8A}" type="datetimeFigureOut">
               <a:rPr kumimoji="1" lang="ja-JP" altLang="en-US" smtClean="0"/>
-              <a:t>2019/12/16</a:t>
+              <a:t>2019/12/19</a:t>
             </a:fld>
             <a:endParaRPr kumimoji="1" lang="ja-JP" altLang="en-US"/>
           </a:p>
@@ -1914,7 +1914,7 @@
           <a:p>
             <a:fld id="{6D7107C5-5D32-481B-AE9D-48F379FEAC8A}" type="datetimeFigureOut">
               <a:rPr kumimoji="1" lang="ja-JP" altLang="en-US" smtClean="0"/>
-              <a:t>2019/12/16</a:t>
+              <a:t>2019/12/19</a:t>
             </a:fld>
             <a:endParaRPr kumimoji="1" lang="ja-JP" altLang="en-US"/>
           </a:p>
@@ -2490,7 +2490,7 @@
           <a:p>
             <a:fld id="{6D7107C5-5D32-481B-AE9D-48F379FEAC8A}" type="datetimeFigureOut">
               <a:rPr kumimoji="1" lang="ja-JP" altLang="en-US" smtClean="0"/>
-              <a:t>2019/12/16</a:t>
+              <a:t>2019/12/19</a:t>
             </a:fld>
             <a:endParaRPr kumimoji="1" lang="ja-JP" altLang="en-US"/>
           </a:p>
@@ -2822,7 +2822,7 @@
           <a:p>
             <a:fld id="{6D7107C5-5D32-481B-AE9D-48F379FEAC8A}" type="datetimeFigureOut">
               <a:rPr kumimoji="1" lang="ja-JP" altLang="en-US" smtClean="0"/>
-              <a:t>2019/12/16</a:t>
+              <a:t>2019/12/19</a:t>
             </a:fld>
             <a:endParaRPr kumimoji="1" lang="ja-JP" altLang="en-US"/>
           </a:p>
@@ -3029,7 +3029,7 @@
           <a:p>
             <a:fld id="{6D7107C5-5D32-481B-AE9D-48F379FEAC8A}" type="datetimeFigureOut">
               <a:rPr kumimoji="1" lang="ja-JP" altLang="en-US" smtClean="0"/>
-              <a:t>2019/12/16</a:t>
+              <a:t>2019/12/19</a:t>
             </a:fld>
             <a:endParaRPr kumimoji="1" lang="ja-JP" altLang="en-US"/>
           </a:p>
@@ -3241,7 +3241,7 @@
           <a:p>
             <a:fld id="{6D7107C5-5D32-481B-AE9D-48F379FEAC8A}" type="datetimeFigureOut">
               <a:rPr kumimoji="1" lang="ja-JP" altLang="en-US" smtClean="0"/>
-              <a:t>2019/12/16</a:t>
+              <a:t>2019/12/19</a:t>
             </a:fld>
             <a:endParaRPr kumimoji="1" lang="ja-JP" altLang="en-US"/>
           </a:p>
@@ -3443,7 +3443,7 @@
           <a:p>
             <a:fld id="{6D7107C5-5D32-481B-AE9D-48F379FEAC8A}" type="datetimeFigureOut">
               <a:rPr kumimoji="1" lang="ja-JP" altLang="en-US" smtClean="0"/>
-              <a:t>2019/12/16</a:t>
+              <a:t>2019/12/19</a:t>
             </a:fld>
             <a:endParaRPr kumimoji="1" lang="ja-JP" altLang="en-US"/>
           </a:p>
@@ -3700,7 +3700,7 @@
           <a:p>
             <a:fld id="{6D7107C5-5D32-481B-AE9D-48F379FEAC8A}" type="datetimeFigureOut">
               <a:rPr kumimoji="1" lang="ja-JP" altLang="en-US" smtClean="0"/>
-              <a:t>2019/12/16</a:t>
+              <a:t>2019/12/19</a:t>
             </a:fld>
             <a:endParaRPr kumimoji="1" lang="ja-JP" altLang="en-US"/>
           </a:p>
@@ -4056,7 +4056,7 @@
           <a:p>
             <a:fld id="{6D7107C5-5D32-481B-AE9D-48F379FEAC8A}" type="datetimeFigureOut">
               <a:rPr kumimoji="1" lang="ja-JP" altLang="en-US" smtClean="0"/>
-              <a:t>2019/12/16</a:t>
+              <a:t>2019/12/19</a:t>
             </a:fld>
             <a:endParaRPr kumimoji="1" lang="ja-JP" altLang="en-US"/>
           </a:p>
@@ -4550,7 +4550,7 @@
           <a:p>
             <a:fld id="{6D7107C5-5D32-481B-AE9D-48F379FEAC8A}" type="datetimeFigureOut">
               <a:rPr kumimoji="1" lang="ja-JP" altLang="en-US" smtClean="0"/>
-              <a:t>2019/12/16</a:t>
+              <a:t>2019/12/19</a:t>
             </a:fld>
             <a:endParaRPr kumimoji="1" lang="ja-JP" altLang="en-US"/>
           </a:p>
@@ -4668,7 +4668,7 @@
           <a:p>
             <a:fld id="{6D7107C5-5D32-481B-AE9D-48F379FEAC8A}" type="datetimeFigureOut">
               <a:rPr kumimoji="1" lang="ja-JP" altLang="en-US" smtClean="0"/>
-              <a:t>2019/12/16</a:t>
+              <a:t>2019/12/19</a:t>
             </a:fld>
             <a:endParaRPr kumimoji="1" lang="ja-JP" altLang="en-US"/>
           </a:p>
@@ -4763,7 +4763,7 @@
           <a:p>
             <a:fld id="{6D7107C5-5D32-481B-AE9D-48F379FEAC8A}" type="datetimeFigureOut">
               <a:rPr kumimoji="1" lang="ja-JP" altLang="en-US" smtClean="0"/>
-              <a:t>2019/12/16</a:t>
+              <a:t>2019/12/19</a:t>
             </a:fld>
             <a:endParaRPr kumimoji="1" lang="ja-JP" altLang="en-US"/>
           </a:p>
@@ -5078,7 +5078,7 @@
           <a:p>
             <a:fld id="{6D7107C5-5D32-481B-AE9D-48F379FEAC8A}" type="datetimeFigureOut">
               <a:rPr kumimoji="1" lang="ja-JP" altLang="en-US" smtClean="0"/>
-              <a:t>2019/12/16</a:t>
+              <a:t>2019/12/19</a:t>
             </a:fld>
             <a:endParaRPr kumimoji="1" lang="ja-JP" altLang="en-US"/>
           </a:p>
@@ -5369,7 +5369,7 @@
           <a:p>
             <a:fld id="{6D7107C5-5D32-481B-AE9D-48F379FEAC8A}" type="datetimeFigureOut">
               <a:rPr kumimoji="1" lang="ja-JP" altLang="en-US" smtClean="0"/>
-              <a:t>2019/12/16</a:t>
+              <a:t>2019/12/19</a:t>
             </a:fld>
             <a:endParaRPr kumimoji="1" lang="ja-JP" altLang="en-US"/>
           </a:p>
@@ -5632,7 +5632,7 @@
           <a:p>
             <a:fld id="{6D7107C5-5D32-481B-AE9D-48F379FEAC8A}" type="datetimeFigureOut">
               <a:rPr kumimoji="1" lang="ja-JP" altLang="en-US" smtClean="0"/>
-              <a:t>2019/12/16</a:t>
+              <a:t>2019/12/19</a:t>
             </a:fld>
             <a:endParaRPr kumimoji="1" lang="ja-JP" altLang="en-US"/>
           </a:p>
@@ -6958,13 +6958,53 @@
       </p:sp>
       <p:sp>
         <p:nvSpPr>
-          <p:cNvPr id="2" name="正方形/長方形 1"/>
+          <p:cNvPr id="9" name="正方形/長方形 8"/>
           <p:cNvSpPr/>
           <p:nvPr/>
         </p:nvSpPr>
         <p:spPr>
           <a:xfrm>
-            <a:off x="3794763" y="1453338"/>
+            <a:off x="6186311" y="1569915"/>
+            <a:ext cx="45719" cy="45719"/>
+          </a:xfrm>
+          <a:prstGeom prst="rect">
+            <a:avLst/>
+          </a:prstGeom>
+        </p:spPr>
+        <p:style>
+          <a:lnRef idx="2">
+            <a:schemeClr val="accent1">
+              <a:shade val="50000"/>
+            </a:schemeClr>
+          </a:lnRef>
+          <a:fillRef idx="1">
+            <a:schemeClr val="accent1"/>
+          </a:fillRef>
+          <a:effectRef idx="0">
+            <a:schemeClr val="accent1"/>
+          </a:effectRef>
+          <a:fontRef idx="minor">
+            <a:schemeClr val="lt1"/>
+          </a:fontRef>
+        </p:style>
+        <p:txBody>
+          <a:bodyPr rtlCol="0" anchor="ctr"/>
+          <a:lstStyle/>
+          <a:p>
+            <a:pPr algn="ctr"/>
+            <a:endParaRPr kumimoji="1" lang="ja-JP" altLang="en-US"/>
+          </a:p>
+        </p:txBody>
+      </p:sp>
+      <p:sp>
+        <p:nvSpPr>
+          <p:cNvPr id="15" name="正方形/長方形 14"/>
+          <p:cNvSpPr/>
+          <p:nvPr/>
+        </p:nvSpPr>
+        <p:spPr>
+          <a:xfrm>
+            <a:off x="7107557" y="1410157"/>
             <a:ext cx="1618058" cy="518529"/>
           </a:xfrm>
           <a:prstGeom prst="rect">
@@ -7001,22 +7041,25 @@
             </a:r>
             <a:r>
               <a:rPr kumimoji="1" lang="ja-JP" altLang="en-US" sz="1400" dirty="0" smtClean="0"/>
-              <a:t>メニュー</a:t>
-            </a:r>
-            <a:endParaRPr kumimoji="1" lang="ja-JP" altLang="en-US" sz="1400" dirty="0"/>
-          </a:p>
-        </p:txBody>
-      </p:sp>
-      <p:sp>
-        <p:nvSpPr>
-          <p:cNvPr id="8" name="正方形/長方形 7"/>
+              <a:t>メニュ</a:t>
+            </a:r>
+            <a:r>
+              <a:rPr kumimoji="1" lang="ja-JP" altLang="en-US" sz="1400" dirty="0"/>
+              <a:t>ー</a:t>
+            </a:r>
+          </a:p>
+        </p:txBody>
+      </p:sp>
+      <p:sp>
+        <p:nvSpPr>
+          <p:cNvPr id="16" name="正方形/長方形 15"/>
           <p:cNvSpPr/>
           <p:nvPr/>
         </p:nvSpPr>
         <p:spPr>
           <a:xfrm>
-            <a:off x="8545034" y="1439260"/>
-            <a:ext cx="1618058" cy="546687"/>
+            <a:off x="3886037" y="1409107"/>
+            <a:ext cx="1618058" cy="536051"/>
           </a:xfrm>
           <a:prstGeom prst="rect">
             <a:avLst/>
@@ -7047,30 +7090,34 @@
           <a:p>
             <a:pPr algn="ctr"/>
             <a:r>
-              <a:rPr kumimoji="1" lang="ja-JP" altLang="en-US" sz="1400" dirty="0" smtClean="0"/>
-              <a:t>おすすめの</a:t>
-            </a:r>
-            <a:r>
-              <a:rPr kumimoji="1" lang="ja-JP" altLang="en-US" sz="1400" dirty="0"/>
-              <a:t>茶</a:t>
-            </a:r>
-          </a:p>
-        </p:txBody>
-      </p:sp>
-      <p:sp>
-        <p:nvSpPr>
-          <p:cNvPr id="9" name="正方形/長方形 8"/>
+              <a:rPr kumimoji="1" lang="en-US" altLang="ja-JP" sz="1400" dirty="0" smtClean="0"/>
+              <a:t>YOU&amp;ME</a:t>
+            </a:r>
+            <a:r>
+              <a:rPr kumimoji="1" lang="ja-JP" altLang="en-US" sz="1200" dirty="0" smtClean="0"/>
+              <a:t>について</a:t>
+            </a:r>
+            <a:endParaRPr kumimoji="1" lang="ja-JP" altLang="en-US" sz="1200" dirty="0"/>
+          </a:p>
+        </p:txBody>
+      </p:sp>
+      <p:sp>
+        <p:nvSpPr>
+          <p:cNvPr id="17" name="正方形/長方形 16"/>
           <p:cNvSpPr/>
           <p:nvPr/>
         </p:nvSpPr>
         <p:spPr>
           <a:xfrm>
-            <a:off x="6186311" y="1569915"/>
-            <a:ext cx="45719" cy="45719"/>
+            <a:off x="5504095" y="1400377"/>
+            <a:ext cx="1618058" cy="546687"/>
           </a:xfrm>
           <a:prstGeom prst="rect">
             <a:avLst/>
           </a:prstGeom>
+          <a:solidFill>
+            <a:srgbClr val="92D050"/>
+          </a:solidFill>
         </p:spPr>
         <p:style>
           <a:lnRef idx="2">
@@ -7093,20 +7140,27 @@
           <a:lstStyle/>
           <a:p>
             <a:pPr algn="ctr"/>
-            <a:endParaRPr kumimoji="1" lang="ja-JP" altLang="en-US"/>
-          </a:p>
-        </p:txBody>
-      </p:sp>
-      <p:sp>
-        <p:nvSpPr>
-          <p:cNvPr id="10" name="正方形/長方形 9"/>
+            <a:r>
+              <a:rPr kumimoji="1" lang="ja-JP" altLang="en-US" sz="1400" dirty="0" smtClean="0"/>
+              <a:t>おすすめの</a:t>
+            </a:r>
+            <a:r>
+              <a:rPr kumimoji="1" lang="ja-JP" altLang="en-US" sz="1400" dirty="0"/>
+              <a:t>茶</a:t>
+            </a:r>
+          </a:p>
+        </p:txBody>
+      </p:sp>
+      <p:sp>
+        <p:nvSpPr>
+          <p:cNvPr id="18" name="正方形/長方形 17"/>
           <p:cNvSpPr/>
           <p:nvPr/>
         </p:nvSpPr>
         <p:spPr>
           <a:xfrm>
-            <a:off x="5412821" y="1439260"/>
-            <a:ext cx="1618058" cy="546687"/>
+            <a:off x="8740211" y="1399970"/>
+            <a:ext cx="1496068" cy="546687"/>
           </a:xfrm>
           <a:prstGeom prst="rect">
             <a:avLst/>
@@ -7137,73 +7191,22 @@
           <a:p>
             <a:pPr algn="ctr"/>
             <a:r>
-              <a:rPr kumimoji="1" lang="en-US" altLang="ja-JP" sz="1400" dirty="0" smtClean="0"/>
-              <a:t>YOU&amp;ME</a:t>
-            </a:r>
-            <a:r>
-              <a:rPr kumimoji="1" lang="ja-JP" altLang="en-US" sz="1200" dirty="0" smtClean="0"/>
-              <a:t>について</a:t>
-            </a:r>
-            <a:endParaRPr kumimoji="1" lang="ja-JP" altLang="en-US" sz="1200" dirty="0"/>
-          </a:p>
-        </p:txBody>
-      </p:sp>
-      <p:sp>
-        <p:nvSpPr>
-          <p:cNvPr id="11" name="正方形/長方形 10"/>
+              <a:rPr kumimoji="1" lang="ja-JP" altLang="en-US" sz="1400" dirty="0" smtClean="0"/>
+              <a:t>人気ランキング</a:t>
+            </a:r>
+            <a:endParaRPr kumimoji="1" lang="ja-JP" altLang="en-US" sz="1400" dirty="0"/>
+          </a:p>
+        </p:txBody>
+      </p:sp>
+      <p:sp>
+        <p:nvSpPr>
+          <p:cNvPr id="19" name="正方形/長方形 18"/>
           <p:cNvSpPr/>
           <p:nvPr/>
         </p:nvSpPr>
         <p:spPr>
           <a:xfrm>
-            <a:off x="7030879" y="1439260"/>
-            <a:ext cx="1496068" cy="546687"/>
-          </a:xfrm>
-          <a:prstGeom prst="rect">
-            <a:avLst/>
-          </a:prstGeom>
-          <a:solidFill>
-            <a:srgbClr val="92D050"/>
-          </a:solidFill>
-        </p:spPr>
-        <p:style>
-          <a:lnRef idx="2">
-            <a:schemeClr val="accent1">
-              <a:shade val="50000"/>
-            </a:schemeClr>
-          </a:lnRef>
-          <a:fillRef idx="1">
-            <a:schemeClr val="accent1"/>
-          </a:fillRef>
-          <a:effectRef idx="0">
-            <a:schemeClr val="accent1"/>
-          </a:effectRef>
-          <a:fontRef idx="minor">
-            <a:schemeClr val="lt1"/>
-          </a:fontRef>
-        </p:style>
-        <p:txBody>
-          <a:bodyPr rtlCol="0" anchor="ctr"/>
-          <a:lstStyle/>
-          <a:p>
-            <a:pPr algn="ctr"/>
-            <a:r>
-              <a:rPr kumimoji="1" lang="ja-JP" altLang="en-US" sz="1400" dirty="0" smtClean="0"/>
-              <a:t>人気ランキング</a:t>
-            </a:r>
-            <a:endParaRPr kumimoji="1" lang="ja-JP" altLang="en-US" sz="1400" dirty="0"/>
-          </a:p>
-        </p:txBody>
-      </p:sp>
-      <p:sp>
-        <p:nvSpPr>
-          <p:cNvPr id="12" name="正方形/長方形 11"/>
-          <p:cNvSpPr/>
-          <p:nvPr/>
-        </p:nvSpPr>
-        <p:spPr>
-          <a:xfrm>
-            <a:off x="10181179" y="1453338"/>
+            <a:off x="10236279" y="1401018"/>
             <a:ext cx="1618058" cy="532609"/>
           </a:xfrm>
           <a:prstGeom prst="rect">
@@ -7293,6 +7296,1128 @@
       </p:grpSpPr>
       <p:sp>
         <p:nvSpPr>
+          <p:cNvPr id="2" name="タイトル 1"/>
+          <p:cNvSpPr>
+            <a:spLocks noGrp="1"/>
+          </p:cNvSpPr>
+          <p:nvPr>
+            <p:ph type="title"/>
+          </p:nvPr>
+        </p:nvSpPr>
+        <p:spPr>
+          <a:xfrm>
+            <a:off x="-213277" y="1460775"/>
+            <a:ext cx="4550145" cy="696686"/>
+          </a:xfrm>
+        </p:spPr>
+        <p:txBody>
+          <a:bodyPr>
+            <a:noAutofit/>
+          </a:bodyPr>
+          <a:lstStyle/>
+          <a:p>
+            <a:pPr algn="ctr"/>
+            <a:r>
+              <a:rPr kumimoji="1" lang="en-US" altLang="ja-JP" sz="2800" b="1" cap="none" dirty="0" err="1" smtClean="0">
+                <a:ln w="9525">
+                  <a:solidFill>
+                    <a:schemeClr val="bg1"/>
+                  </a:solidFill>
+                  <a:prstDash val="solid"/>
+                </a:ln>
+                <a:solidFill>
+                  <a:srgbClr val="FFFF00"/>
+                </a:solidFill>
+                <a:effectLst>
+                  <a:outerShdw blurRad="12700" dist="38100" dir="2700000" algn="tl" rotWithShape="0">
+                    <a:schemeClr val="accent5">
+                      <a:lumMod val="60000"/>
+                      <a:lumOff val="40000"/>
+                    </a:schemeClr>
+                  </a:outerShdw>
+                </a:effectLst>
+              </a:rPr>
+              <a:t>You&amp;me</a:t>
+            </a:r>
+            <a:r>
+              <a:rPr kumimoji="1" lang="en-US" altLang="ja-JP" sz="2800" b="1" cap="none" dirty="0" smtClean="0">
+                <a:ln w="9525">
+                  <a:solidFill>
+                    <a:schemeClr val="bg1"/>
+                  </a:solidFill>
+                  <a:prstDash val="solid"/>
+                </a:ln>
+                <a:solidFill>
+                  <a:srgbClr val="FFFF00"/>
+                </a:solidFill>
+                <a:effectLst>
+                  <a:outerShdw blurRad="12700" dist="38100" dir="2700000" algn="tl" rotWithShape="0">
+                    <a:schemeClr val="accent5">
+                      <a:lumMod val="60000"/>
+                      <a:lumOff val="40000"/>
+                    </a:schemeClr>
+                  </a:outerShdw>
+                </a:effectLst>
+              </a:rPr>
+              <a:t> </a:t>
+            </a:r>
+            <a:r>
+              <a:rPr lang="ja-JP" altLang="en-US" sz="2800" b="1" cap="none" dirty="0" smtClean="0">
+                <a:ln w="9525">
+                  <a:solidFill>
+                    <a:schemeClr val="bg1"/>
+                  </a:solidFill>
+                  <a:prstDash val="solid"/>
+                </a:ln>
+                <a:solidFill>
+                  <a:srgbClr val="FFFF00"/>
+                </a:solidFill>
+                <a:effectLst>
+                  <a:outerShdw blurRad="12700" dist="38100" dir="2700000" algn="tl" rotWithShape="0">
+                    <a:schemeClr val="accent5">
+                      <a:lumMod val="60000"/>
+                      <a:lumOff val="40000"/>
+                    </a:schemeClr>
+                  </a:outerShdw>
+                </a:effectLst>
+              </a:rPr>
+              <a:t>につい</a:t>
+            </a:r>
+            <a:r>
+              <a:rPr lang="ja-JP" altLang="en-US" sz="2800" b="1" cap="none" dirty="0">
+                <a:ln w="9525">
+                  <a:solidFill>
+                    <a:schemeClr val="bg1"/>
+                  </a:solidFill>
+                  <a:prstDash val="solid"/>
+                </a:ln>
+                <a:solidFill>
+                  <a:srgbClr val="FFFF00"/>
+                </a:solidFill>
+                <a:effectLst>
+                  <a:outerShdw blurRad="12700" dist="38100" dir="2700000" algn="tl" rotWithShape="0">
+                    <a:schemeClr val="accent5">
+                      <a:lumMod val="60000"/>
+                      <a:lumOff val="40000"/>
+                    </a:schemeClr>
+                  </a:outerShdw>
+                </a:effectLst>
+              </a:rPr>
+              <a:t>て</a:t>
+            </a:r>
+            <a:endParaRPr kumimoji="1" lang="ja-JP" altLang="en-US" sz="2800" b="1" cap="none" dirty="0">
+              <a:ln w="9525">
+                <a:solidFill>
+                  <a:schemeClr val="bg1"/>
+                </a:solidFill>
+                <a:prstDash val="solid"/>
+              </a:ln>
+              <a:solidFill>
+                <a:srgbClr val="FFFF00"/>
+              </a:solidFill>
+              <a:effectLst>
+                <a:outerShdw blurRad="12700" dist="38100" dir="2700000" algn="tl" rotWithShape="0">
+                  <a:schemeClr val="accent5">
+                    <a:lumMod val="60000"/>
+                    <a:lumOff val="40000"/>
+                  </a:schemeClr>
+                </a:outerShdw>
+              </a:effectLst>
+            </a:endParaRPr>
+          </a:p>
+        </p:txBody>
+      </p:sp>
+      <p:sp>
+        <p:nvSpPr>
+          <p:cNvPr id="6" name="テキスト ボックス 5"/>
+          <p:cNvSpPr txBox="1"/>
+          <p:nvPr/>
+        </p:nvSpPr>
+        <p:spPr>
+          <a:xfrm>
+            <a:off x="525083" y="2182317"/>
+            <a:ext cx="7362507" cy="1631216"/>
+          </a:xfrm>
+          <a:prstGeom prst="rect">
+            <a:avLst/>
+          </a:prstGeom>
+          <a:noFill/>
+        </p:spPr>
+        <p:txBody>
+          <a:bodyPr wrap="square" rtlCol="0">
+            <a:spAutoFit/>
+          </a:bodyPr>
+          <a:lstStyle/>
+          <a:p>
+            <a:r>
+              <a:rPr kumimoji="1" lang="en-US" altLang="ja-JP" sz="2000" dirty="0">
+                <a:latin typeface="Arial" panose="020B0604020202020204" pitchFamily="34" charset="0"/>
+                <a:cs typeface="Arial" panose="020B0604020202020204" pitchFamily="34" charset="0"/>
+              </a:rPr>
+              <a:t>YOU&amp;ME </a:t>
+            </a:r>
+            <a:r>
+              <a:rPr kumimoji="1" lang="en-US" altLang="ja-JP" sz="2000" dirty="0" err="1">
+                <a:latin typeface="Arial" panose="020B0604020202020204" pitchFamily="34" charset="0"/>
+                <a:cs typeface="Arial" panose="020B0604020202020204" pitchFamily="34" charset="0"/>
+              </a:rPr>
+              <a:t>duoc</a:t>
+            </a:r>
+            <a:r>
+              <a:rPr kumimoji="1" lang="en-US" altLang="ja-JP" sz="2000" dirty="0">
+                <a:latin typeface="Arial" panose="020B0604020202020204" pitchFamily="34" charset="0"/>
+                <a:cs typeface="Arial" panose="020B0604020202020204" pitchFamily="34" charset="0"/>
+              </a:rPr>
+              <a:t> </a:t>
+            </a:r>
+            <a:r>
+              <a:rPr kumimoji="1" lang="en-US" altLang="ja-JP" sz="2000" dirty="0" err="1">
+                <a:latin typeface="Arial" panose="020B0604020202020204" pitchFamily="34" charset="0"/>
+                <a:cs typeface="Arial" panose="020B0604020202020204" pitchFamily="34" charset="0"/>
+              </a:rPr>
+              <a:t>hinh</a:t>
+            </a:r>
+            <a:r>
+              <a:rPr kumimoji="1" lang="en-US" altLang="ja-JP" sz="2000" dirty="0">
+                <a:latin typeface="Arial" panose="020B0604020202020204" pitchFamily="34" charset="0"/>
+                <a:cs typeface="Arial" panose="020B0604020202020204" pitchFamily="34" charset="0"/>
+              </a:rPr>
+              <a:t> </a:t>
+            </a:r>
+            <a:r>
+              <a:rPr kumimoji="1" lang="en-US" altLang="ja-JP" sz="2000" dirty="0" err="1">
+                <a:latin typeface="Arial" panose="020B0604020202020204" pitchFamily="34" charset="0"/>
+                <a:cs typeface="Arial" panose="020B0604020202020204" pitchFamily="34" charset="0"/>
+              </a:rPr>
+              <a:t>thanh</a:t>
+            </a:r>
+            <a:r>
+              <a:rPr kumimoji="1" lang="en-US" altLang="ja-JP" sz="2000" dirty="0">
+                <a:latin typeface="Arial" panose="020B0604020202020204" pitchFamily="34" charset="0"/>
+                <a:cs typeface="Arial" panose="020B0604020202020204" pitchFamily="34" charset="0"/>
+              </a:rPr>
+              <a:t> </a:t>
+            </a:r>
+            <a:r>
+              <a:rPr kumimoji="1" lang="en-US" altLang="ja-JP" sz="2000" dirty="0" err="1">
+                <a:latin typeface="Arial" panose="020B0604020202020204" pitchFamily="34" charset="0"/>
+                <a:cs typeface="Arial" panose="020B0604020202020204" pitchFamily="34" charset="0"/>
+              </a:rPr>
+              <a:t>tren</a:t>
+            </a:r>
+            <a:r>
+              <a:rPr kumimoji="1" lang="en-US" altLang="ja-JP" sz="2000" dirty="0">
+                <a:latin typeface="Arial" panose="020B0604020202020204" pitchFamily="34" charset="0"/>
+                <a:cs typeface="Arial" panose="020B0604020202020204" pitchFamily="34" charset="0"/>
+              </a:rPr>
+              <a:t> 20 </a:t>
+            </a:r>
+            <a:r>
+              <a:rPr kumimoji="1" lang="en-US" altLang="ja-JP" sz="2000" dirty="0" err="1">
+                <a:latin typeface="Arial" panose="020B0604020202020204" pitchFamily="34" charset="0"/>
+                <a:cs typeface="Arial" panose="020B0604020202020204" pitchFamily="34" charset="0"/>
+              </a:rPr>
+              <a:t>nam</a:t>
+            </a:r>
+            <a:r>
+              <a:rPr kumimoji="1" lang="en-US" altLang="ja-JP" sz="2000" dirty="0">
+                <a:latin typeface="Arial" panose="020B0604020202020204" pitchFamily="34" charset="0"/>
+                <a:cs typeface="Arial" panose="020B0604020202020204" pitchFamily="34" charset="0"/>
+              </a:rPr>
+              <a:t> </a:t>
+            </a:r>
+            <a:r>
+              <a:rPr kumimoji="1" lang="en-US" altLang="ja-JP" sz="2000" dirty="0" err="1">
+                <a:latin typeface="Arial" panose="020B0604020202020204" pitchFamily="34" charset="0"/>
+                <a:cs typeface="Arial" panose="020B0604020202020204" pitchFamily="34" charset="0"/>
+              </a:rPr>
+              <a:t>nay.Hoa</a:t>
+            </a:r>
+            <a:r>
+              <a:rPr kumimoji="1" lang="en-US" altLang="ja-JP" sz="2000" dirty="0">
+                <a:latin typeface="Arial" panose="020B0604020202020204" pitchFamily="34" charset="0"/>
+                <a:cs typeface="Arial" panose="020B0604020202020204" pitchFamily="34" charset="0"/>
+              </a:rPr>
+              <a:t> </a:t>
+            </a:r>
+            <a:r>
+              <a:rPr kumimoji="1" lang="en-US" altLang="ja-JP" sz="2000" dirty="0" err="1">
+                <a:latin typeface="Arial" panose="020B0604020202020204" pitchFamily="34" charset="0"/>
+                <a:cs typeface="Arial" panose="020B0604020202020204" pitchFamily="34" charset="0"/>
+              </a:rPr>
+              <a:t>cuc</a:t>
+            </a:r>
+            <a:r>
+              <a:rPr kumimoji="1" lang="en-US" altLang="ja-JP" sz="2000" dirty="0">
+                <a:latin typeface="Arial" panose="020B0604020202020204" pitchFamily="34" charset="0"/>
+                <a:cs typeface="Arial" panose="020B0604020202020204" pitchFamily="34" charset="0"/>
+              </a:rPr>
+              <a:t> la mot </a:t>
+            </a:r>
+            <a:r>
+              <a:rPr kumimoji="1" lang="en-US" altLang="ja-JP" sz="2000" dirty="0" err="1">
+                <a:latin typeface="Arial" panose="020B0604020202020204" pitchFamily="34" charset="0"/>
+                <a:cs typeface="Arial" panose="020B0604020202020204" pitchFamily="34" charset="0"/>
+              </a:rPr>
+              <a:t>loai</a:t>
+            </a:r>
+            <a:r>
+              <a:rPr kumimoji="1" lang="en-US" altLang="ja-JP" sz="2000" dirty="0">
+                <a:latin typeface="Arial" panose="020B0604020202020204" pitchFamily="34" charset="0"/>
+                <a:cs typeface="Arial" panose="020B0604020202020204" pitchFamily="34" charset="0"/>
+              </a:rPr>
+              <a:t> </a:t>
+            </a:r>
+            <a:r>
+              <a:rPr kumimoji="1" lang="en-US" altLang="ja-JP" sz="2000" dirty="0" err="1">
+                <a:latin typeface="Arial" panose="020B0604020202020204" pitchFamily="34" charset="0"/>
+                <a:cs typeface="Arial" panose="020B0604020202020204" pitchFamily="34" charset="0"/>
+              </a:rPr>
+              <a:t>hoa</a:t>
+            </a:r>
+            <a:r>
+              <a:rPr kumimoji="1" lang="en-US" altLang="ja-JP" sz="2000" dirty="0">
+                <a:latin typeface="Arial" panose="020B0604020202020204" pitchFamily="34" charset="0"/>
+                <a:cs typeface="Arial" panose="020B0604020202020204" pitchFamily="34" charset="0"/>
+              </a:rPr>
+              <a:t> </a:t>
+            </a:r>
+            <a:r>
+              <a:rPr kumimoji="1" lang="en-US" altLang="ja-JP" sz="2000" dirty="0" err="1">
+                <a:latin typeface="Arial" panose="020B0604020202020204" pitchFamily="34" charset="0"/>
+                <a:cs typeface="Arial" panose="020B0604020202020204" pitchFamily="34" charset="0"/>
+              </a:rPr>
+              <a:t>quen</a:t>
+            </a:r>
+            <a:r>
+              <a:rPr kumimoji="1" lang="en-US" altLang="ja-JP" sz="2000" dirty="0">
+                <a:latin typeface="Arial" panose="020B0604020202020204" pitchFamily="34" charset="0"/>
+                <a:cs typeface="Arial" panose="020B0604020202020204" pitchFamily="34" charset="0"/>
+              </a:rPr>
+              <a:t> </a:t>
+            </a:r>
+            <a:r>
+              <a:rPr kumimoji="1" lang="en-US" altLang="ja-JP" sz="2000" dirty="0" err="1">
+                <a:latin typeface="Arial" panose="020B0604020202020204" pitchFamily="34" charset="0"/>
+                <a:cs typeface="Arial" panose="020B0604020202020204" pitchFamily="34" charset="0"/>
+              </a:rPr>
+              <a:t>thuoc</a:t>
+            </a:r>
+            <a:r>
+              <a:rPr kumimoji="1" lang="en-US" altLang="ja-JP" sz="2000" dirty="0">
+                <a:latin typeface="Arial" panose="020B0604020202020204" pitchFamily="34" charset="0"/>
+                <a:cs typeface="Arial" panose="020B0604020202020204" pitchFamily="34" charset="0"/>
+              </a:rPr>
+              <a:t> </a:t>
+            </a:r>
+            <a:r>
+              <a:rPr kumimoji="1" lang="en-US" altLang="ja-JP" sz="2000" dirty="0" err="1">
+                <a:latin typeface="Arial" panose="020B0604020202020204" pitchFamily="34" charset="0"/>
+                <a:cs typeface="Arial" panose="020B0604020202020204" pitchFamily="34" charset="0"/>
+              </a:rPr>
+              <a:t>trong</a:t>
+            </a:r>
+            <a:r>
+              <a:rPr kumimoji="1" lang="en-US" altLang="ja-JP" sz="2000" dirty="0">
+                <a:latin typeface="Arial" panose="020B0604020202020204" pitchFamily="34" charset="0"/>
+                <a:cs typeface="Arial" panose="020B0604020202020204" pitchFamily="34" charset="0"/>
+              </a:rPr>
+              <a:t> </a:t>
+            </a:r>
+            <a:r>
+              <a:rPr kumimoji="1" lang="en-US" altLang="ja-JP" sz="2000" dirty="0" err="1">
+                <a:latin typeface="Arial" panose="020B0604020202020204" pitchFamily="34" charset="0"/>
+                <a:cs typeface="Arial" panose="020B0604020202020204" pitchFamily="34" charset="0"/>
+              </a:rPr>
+              <a:t>cuoc</a:t>
+            </a:r>
+            <a:r>
+              <a:rPr kumimoji="1" lang="en-US" altLang="ja-JP" sz="2000" dirty="0">
+                <a:latin typeface="Arial" panose="020B0604020202020204" pitchFamily="34" charset="0"/>
+                <a:cs typeface="Arial" panose="020B0604020202020204" pitchFamily="34" charset="0"/>
+              </a:rPr>
+              <a:t> song </a:t>
+            </a:r>
+            <a:r>
+              <a:rPr kumimoji="1" lang="en-US" altLang="ja-JP" sz="2000" dirty="0" err="1">
+                <a:latin typeface="Arial" panose="020B0604020202020204" pitchFamily="34" charset="0"/>
+                <a:cs typeface="Arial" panose="020B0604020202020204" pitchFamily="34" charset="0"/>
+              </a:rPr>
+              <a:t>cua</a:t>
+            </a:r>
+            <a:r>
+              <a:rPr kumimoji="1" lang="en-US" altLang="ja-JP" sz="2000" dirty="0">
+                <a:latin typeface="Arial" panose="020B0604020202020204" pitchFamily="34" charset="0"/>
+                <a:cs typeface="Arial" panose="020B0604020202020204" pitchFamily="34" charset="0"/>
+              </a:rPr>
+              <a:t> </a:t>
+            </a:r>
+            <a:r>
+              <a:rPr kumimoji="1" lang="en-US" altLang="ja-JP" sz="2000" dirty="0" err="1">
+                <a:latin typeface="Arial" panose="020B0604020202020204" pitchFamily="34" charset="0"/>
+                <a:cs typeface="Arial" panose="020B0604020202020204" pitchFamily="34" charset="0"/>
+              </a:rPr>
+              <a:t>chung</a:t>
+            </a:r>
+            <a:r>
+              <a:rPr kumimoji="1" lang="en-US" altLang="ja-JP" sz="2000" dirty="0">
+                <a:latin typeface="Arial" panose="020B0604020202020204" pitchFamily="34" charset="0"/>
+                <a:cs typeface="Arial" panose="020B0604020202020204" pitchFamily="34" charset="0"/>
+              </a:rPr>
+              <a:t> </a:t>
+            </a:r>
+            <a:r>
+              <a:rPr kumimoji="1" lang="en-US" altLang="ja-JP" sz="2000" dirty="0" err="1">
+                <a:latin typeface="Arial" panose="020B0604020202020204" pitchFamily="34" charset="0"/>
+                <a:cs typeface="Arial" panose="020B0604020202020204" pitchFamily="34" charset="0"/>
+              </a:rPr>
+              <a:t>ta.trong</a:t>
+            </a:r>
+            <a:r>
+              <a:rPr kumimoji="1" lang="en-US" altLang="ja-JP" sz="2000" dirty="0">
+                <a:latin typeface="Arial" panose="020B0604020202020204" pitchFamily="34" charset="0"/>
+                <a:cs typeface="Arial" panose="020B0604020202020204" pitchFamily="34" charset="0"/>
+              </a:rPr>
+              <a:t> van </a:t>
+            </a:r>
+            <a:r>
+              <a:rPr kumimoji="1" lang="en-US" altLang="ja-JP" sz="2000" dirty="0" err="1">
+                <a:latin typeface="Arial" panose="020B0604020202020204" pitchFamily="34" charset="0"/>
+                <a:cs typeface="Arial" panose="020B0604020202020204" pitchFamily="34" charset="0"/>
+              </a:rPr>
+              <a:t>hoa</a:t>
+            </a:r>
+            <a:r>
+              <a:rPr kumimoji="1" lang="en-US" altLang="ja-JP" sz="2000" dirty="0">
+                <a:latin typeface="Arial" panose="020B0604020202020204" pitchFamily="34" charset="0"/>
+                <a:cs typeface="Arial" panose="020B0604020202020204" pitchFamily="34" charset="0"/>
+              </a:rPr>
+              <a:t> </a:t>
+            </a:r>
+            <a:r>
+              <a:rPr kumimoji="1" lang="en-US" altLang="ja-JP" sz="2000" dirty="0" err="1">
+                <a:latin typeface="Arial" panose="020B0604020202020204" pitchFamily="34" charset="0"/>
+                <a:cs typeface="Arial" panose="020B0604020202020204" pitchFamily="34" charset="0"/>
+              </a:rPr>
+              <a:t>phuong</a:t>
+            </a:r>
+            <a:r>
+              <a:rPr kumimoji="1" lang="en-US" altLang="ja-JP" sz="2000" dirty="0">
+                <a:latin typeface="Arial" panose="020B0604020202020204" pitchFamily="34" charset="0"/>
+                <a:cs typeface="Arial" panose="020B0604020202020204" pitchFamily="34" charset="0"/>
+              </a:rPr>
+              <a:t> dong ,</a:t>
+            </a:r>
+            <a:r>
+              <a:rPr kumimoji="1" lang="en-US" altLang="ja-JP" sz="2000" dirty="0" err="1">
+                <a:latin typeface="Arial" panose="020B0604020202020204" pitchFamily="34" charset="0"/>
+                <a:cs typeface="Arial" panose="020B0604020202020204" pitchFamily="34" charset="0"/>
+              </a:rPr>
+              <a:t>hao</a:t>
+            </a:r>
+            <a:r>
+              <a:rPr kumimoji="1" lang="en-US" altLang="ja-JP" sz="2000" dirty="0">
+                <a:latin typeface="Arial" panose="020B0604020202020204" pitchFamily="34" charset="0"/>
+                <a:cs typeface="Arial" panose="020B0604020202020204" pitchFamily="34" charset="0"/>
+              </a:rPr>
+              <a:t> </a:t>
+            </a:r>
+            <a:r>
+              <a:rPr kumimoji="1" lang="en-US" altLang="ja-JP" sz="2000" dirty="0" err="1">
+                <a:latin typeface="Arial" panose="020B0604020202020204" pitchFamily="34" charset="0"/>
+                <a:cs typeface="Arial" panose="020B0604020202020204" pitchFamily="34" charset="0"/>
+              </a:rPr>
+              <a:t>cuc</a:t>
+            </a:r>
+            <a:r>
+              <a:rPr kumimoji="1" lang="en-US" altLang="ja-JP" sz="2000" dirty="0">
+                <a:latin typeface="Arial" panose="020B0604020202020204" pitchFamily="34" charset="0"/>
+                <a:cs typeface="Arial" panose="020B0604020202020204" pitchFamily="34" charset="0"/>
+              </a:rPr>
+              <a:t> la mot </a:t>
+            </a:r>
+            <a:r>
+              <a:rPr kumimoji="1" lang="en-US" altLang="ja-JP" sz="2000" dirty="0" err="1">
+                <a:latin typeface="Arial" panose="020B0604020202020204" pitchFamily="34" charset="0"/>
+                <a:cs typeface="Arial" panose="020B0604020202020204" pitchFamily="34" charset="0"/>
+              </a:rPr>
+              <a:t>bieu</a:t>
+            </a:r>
+            <a:r>
+              <a:rPr kumimoji="1" lang="en-US" altLang="ja-JP" sz="2000" dirty="0">
+                <a:latin typeface="Arial" panose="020B0604020202020204" pitchFamily="34" charset="0"/>
+                <a:cs typeface="Arial" panose="020B0604020202020204" pitchFamily="34" charset="0"/>
+              </a:rPr>
+              <a:t> </a:t>
+            </a:r>
+            <a:r>
+              <a:rPr kumimoji="1" lang="en-US" altLang="ja-JP" sz="2000" dirty="0" err="1">
+                <a:latin typeface="Arial" panose="020B0604020202020204" pitchFamily="34" charset="0"/>
+                <a:cs typeface="Arial" panose="020B0604020202020204" pitchFamily="34" charset="0"/>
+              </a:rPr>
+              <a:t>tuong</a:t>
+            </a:r>
+            <a:r>
+              <a:rPr kumimoji="1" lang="en-US" altLang="ja-JP" sz="2000" dirty="0">
+                <a:latin typeface="Arial" panose="020B0604020202020204" pitchFamily="34" charset="0"/>
+                <a:cs typeface="Arial" panose="020B0604020202020204" pitchFamily="34" charset="0"/>
+              </a:rPr>
+              <a:t> cu </a:t>
+            </a:r>
+            <a:r>
+              <a:rPr kumimoji="1" lang="en-US" altLang="ja-JP" sz="2000" dirty="0" err="1">
+                <a:latin typeface="Arial" panose="020B0604020202020204" pitchFamily="34" charset="0"/>
+                <a:cs typeface="Arial" panose="020B0604020202020204" pitchFamily="34" charset="0"/>
+              </a:rPr>
+              <a:t>su</a:t>
+            </a:r>
+            <a:r>
+              <a:rPr kumimoji="1" lang="en-US" altLang="ja-JP" sz="2000" dirty="0">
+                <a:latin typeface="Arial" panose="020B0604020202020204" pitchFamily="34" charset="0"/>
+                <a:cs typeface="Arial" panose="020B0604020202020204" pitchFamily="34" charset="0"/>
+              </a:rPr>
+              <a:t> may </a:t>
+            </a:r>
+            <a:r>
+              <a:rPr kumimoji="1" lang="en-US" altLang="ja-JP" sz="2000" dirty="0" err="1">
+                <a:latin typeface="Arial" panose="020B0604020202020204" pitchFamily="34" charset="0"/>
+                <a:cs typeface="Arial" panose="020B0604020202020204" pitchFamily="34" charset="0"/>
+              </a:rPr>
+              <a:t>man,hanh</a:t>
+            </a:r>
+            <a:r>
+              <a:rPr kumimoji="1" lang="en-US" altLang="ja-JP" sz="2000" dirty="0">
+                <a:latin typeface="Arial" panose="020B0604020202020204" pitchFamily="34" charset="0"/>
+                <a:cs typeface="Arial" panose="020B0604020202020204" pitchFamily="34" charset="0"/>
+              </a:rPr>
+              <a:t> </a:t>
+            </a:r>
+            <a:r>
+              <a:rPr kumimoji="1" lang="en-US" altLang="ja-JP" sz="2000" dirty="0" err="1" smtClean="0">
+                <a:latin typeface="Arial" panose="020B0604020202020204" pitchFamily="34" charset="0"/>
+                <a:cs typeface="Arial" panose="020B0604020202020204" pitchFamily="34" charset="0"/>
+              </a:rPr>
+              <a:t>phuc</a:t>
+            </a:r>
+            <a:r>
+              <a:rPr kumimoji="1" lang="en-US" altLang="ja-JP" sz="2000" dirty="0" smtClean="0">
+                <a:latin typeface="Arial" panose="020B0604020202020204" pitchFamily="34" charset="0"/>
+                <a:cs typeface="Arial" panose="020B0604020202020204" pitchFamily="34" charset="0"/>
+              </a:rPr>
+              <a:t> </a:t>
+            </a:r>
+            <a:r>
+              <a:rPr kumimoji="1" lang="en-US" altLang="ja-JP" sz="2000" dirty="0" err="1">
+                <a:latin typeface="Arial" panose="020B0604020202020204" pitchFamily="34" charset="0"/>
+                <a:cs typeface="Arial" panose="020B0604020202020204" pitchFamily="34" charset="0"/>
+              </a:rPr>
+              <a:t>va</a:t>
+            </a:r>
+            <a:r>
+              <a:rPr kumimoji="1" lang="en-US" altLang="ja-JP" sz="2000" dirty="0">
+                <a:latin typeface="Arial" panose="020B0604020202020204" pitchFamily="34" charset="0"/>
+                <a:cs typeface="Arial" panose="020B0604020202020204" pitchFamily="34" charset="0"/>
+              </a:rPr>
+              <a:t> </a:t>
+            </a:r>
+            <a:r>
+              <a:rPr kumimoji="1" lang="en-US" altLang="ja-JP" sz="2000" dirty="0" err="1">
+                <a:latin typeface="Arial" panose="020B0604020202020204" pitchFamily="34" charset="0"/>
+                <a:cs typeface="Arial" panose="020B0604020202020204" pitchFamily="34" charset="0"/>
+              </a:rPr>
+              <a:t>truong</a:t>
+            </a:r>
+            <a:r>
+              <a:rPr kumimoji="1" lang="en-US" altLang="ja-JP" sz="2000" dirty="0">
+                <a:latin typeface="Arial" panose="020B0604020202020204" pitchFamily="34" charset="0"/>
+                <a:cs typeface="Arial" panose="020B0604020202020204" pitchFamily="34" charset="0"/>
+              </a:rPr>
+              <a:t> </a:t>
+            </a:r>
+            <a:r>
+              <a:rPr kumimoji="1" lang="en-US" altLang="ja-JP" sz="2000" dirty="0" err="1">
+                <a:latin typeface="Arial" panose="020B0604020202020204" pitchFamily="34" charset="0"/>
+                <a:cs typeface="Arial" panose="020B0604020202020204" pitchFamily="34" charset="0"/>
+              </a:rPr>
+              <a:t>tho.tra</a:t>
+            </a:r>
+            <a:r>
+              <a:rPr kumimoji="1" lang="en-US" altLang="ja-JP" sz="2000" dirty="0">
+                <a:latin typeface="Arial" panose="020B0604020202020204" pitchFamily="34" charset="0"/>
+                <a:cs typeface="Arial" panose="020B0604020202020204" pitchFamily="34" charset="0"/>
+              </a:rPr>
+              <a:t> </a:t>
+            </a:r>
+            <a:r>
+              <a:rPr kumimoji="1" lang="en-US" altLang="ja-JP" sz="2000" dirty="0" err="1">
+                <a:latin typeface="Arial" panose="020B0604020202020204" pitchFamily="34" charset="0"/>
+                <a:cs typeface="Arial" panose="020B0604020202020204" pitchFamily="34" charset="0"/>
+              </a:rPr>
+              <a:t>hoa</a:t>
+            </a:r>
+            <a:r>
+              <a:rPr kumimoji="1" lang="en-US" altLang="ja-JP" sz="2000" dirty="0">
+                <a:latin typeface="Arial" panose="020B0604020202020204" pitchFamily="34" charset="0"/>
+                <a:cs typeface="Arial" panose="020B0604020202020204" pitchFamily="34" charset="0"/>
+              </a:rPr>
+              <a:t> </a:t>
+            </a:r>
+            <a:r>
+              <a:rPr kumimoji="1" lang="en-US" altLang="ja-JP" sz="2000" dirty="0" err="1">
+                <a:latin typeface="Arial" panose="020B0604020202020204" pitchFamily="34" charset="0"/>
+                <a:cs typeface="Arial" panose="020B0604020202020204" pitchFamily="34" charset="0"/>
+              </a:rPr>
+              <a:t>cuc</a:t>
+            </a:r>
+            <a:r>
+              <a:rPr kumimoji="1" lang="en-US" altLang="ja-JP" sz="2000" dirty="0">
+                <a:latin typeface="Arial" panose="020B0604020202020204" pitchFamily="34" charset="0"/>
+                <a:cs typeface="Arial" panose="020B0604020202020204" pitchFamily="34" charset="0"/>
+              </a:rPr>
+              <a:t> co tac dung lam </a:t>
+            </a:r>
+            <a:r>
+              <a:rPr kumimoji="1" lang="en-US" altLang="ja-JP" sz="2000" dirty="0" err="1">
+                <a:latin typeface="Arial" panose="020B0604020202020204" pitchFamily="34" charset="0"/>
+                <a:cs typeface="Arial" panose="020B0604020202020204" pitchFamily="34" charset="0"/>
+              </a:rPr>
+              <a:t>giam</a:t>
+            </a:r>
+            <a:r>
+              <a:rPr kumimoji="1" lang="en-US" altLang="ja-JP" sz="2000" dirty="0">
+                <a:latin typeface="Arial" panose="020B0604020202020204" pitchFamily="34" charset="0"/>
+                <a:cs typeface="Arial" panose="020B0604020202020204" pitchFamily="34" charset="0"/>
+              </a:rPr>
+              <a:t> co ,</a:t>
+            </a:r>
+            <a:r>
+              <a:rPr kumimoji="1" lang="en-US" altLang="ja-JP" sz="2000" dirty="0" err="1">
+                <a:latin typeface="Arial" panose="020B0604020202020204" pitchFamily="34" charset="0"/>
+                <a:cs typeface="Arial" panose="020B0604020202020204" pitchFamily="34" charset="0"/>
+              </a:rPr>
+              <a:t>khi</a:t>
+            </a:r>
+            <a:r>
+              <a:rPr kumimoji="1" lang="en-US" altLang="ja-JP" sz="2000" dirty="0">
+                <a:latin typeface="Arial" panose="020B0604020202020204" pitchFamily="34" charset="0"/>
+                <a:cs typeface="Arial" panose="020B0604020202020204" pitchFamily="34" charset="0"/>
+              </a:rPr>
+              <a:t> </a:t>
+            </a:r>
+            <a:r>
+              <a:rPr kumimoji="1" lang="en-US" altLang="ja-JP" sz="2000" dirty="0" err="1">
+                <a:latin typeface="Arial" panose="020B0604020202020204" pitchFamily="34" charset="0"/>
+                <a:cs typeface="Arial" panose="020B0604020202020204" pitchFamily="34" charset="0"/>
+              </a:rPr>
+              <a:t>uong</a:t>
+            </a:r>
+            <a:r>
+              <a:rPr kumimoji="1" lang="en-US" altLang="ja-JP" sz="2000" dirty="0">
+                <a:latin typeface="Arial" panose="020B0604020202020204" pitchFamily="34" charset="0"/>
+                <a:cs typeface="Arial" panose="020B0604020202020204" pitchFamily="34" charset="0"/>
+              </a:rPr>
+              <a:t> se </a:t>
+            </a:r>
+            <a:r>
+              <a:rPr kumimoji="1" lang="en-US" altLang="ja-JP" sz="2000" dirty="0" err="1">
+                <a:latin typeface="Arial" panose="020B0604020202020204" pitchFamily="34" charset="0"/>
+                <a:cs typeface="Arial" panose="020B0604020202020204" pitchFamily="34" charset="0"/>
+              </a:rPr>
+              <a:t>giup</a:t>
+            </a:r>
+            <a:r>
+              <a:rPr kumimoji="1" lang="en-US" altLang="ja-JP" sz="2000" dirty="0">
+                <a:latin typeface="Arial" panose="020B0604020202020204" pitchFamily="34" charset="0"/>
+                <a:cs typeface="Arial" panose="020B0604020202020204" pitchFamily="34" charset="0"/>
+              </a:rPr>
+              <a:t> co the </a:t>
+            </a:r>
+            <a:r>
+              <a:rPr kumimoji="1" lang="en-US" altLang="ja-JP" sz="2000" dirty="0" err="1">
+                <a:latin typeface="Arial" panose="020B0604020202020204" pitchFamily="34" charset="0"/>
+                <a:cs typeface="Arial" panose="020B0604020202020204" pitchFamily="34" charset="0"/>
+              </a:rPr>
+              <a:t>duoc</a:t>
+            </a:r>
+            <a:r>
+              <a:rPr kumimoji="1" lang="en-US" altLang="ja-JP" sz="2000" dirty="0">
+                <a:latin typeface="Arial" panose="020B0604020202020204" pitchFamily="34" charset="0"/>
+                <a:cs typeface="Arial" panose="020B0604020202020204" pitchFamily="34" charset="0"/>
+              </a:rPr>
+              <a:t> </a:t>
+            </a:r>
+            <a:r>
+              <a:rPr kumimoji="1" lang="en-US" altLang="ja-JP" sz="2000" dirty="0" err="1">
+                <a:latin typeface="Arial" panose="020B0604020202020204" pitchFamily="34" charset="0"/>
+                <a:cs typeface="Arial" panose="020B0604020202020204" pitchFamily="34" charset="0"/>
+              </a:rPr>
+              <a:t>gian</a:t>
+            </a:r>
+            <a:r>
+              <a:rPr kumimoji="1" lang="en-US" altLang="ja-JP" sz="2000" dirty="0">
+                <a:latin typeface="Arial" panose="020B0604020202020204" pitchFamily="34" charset="0"/>
+                <a:cs typeface="Arial" panose="020B0604020202020204" pitchFamily="34" charset="0"/>
+              </a:rPr>
+              <a:t> co </a:t>
+            </a:r>
+            <a:r>
+              <a:rPr kumimoji="1" lang="en-US" altLang="ja-JP" sz="2000" dirty="0" err="1">
+                <a:latin typeface="Arial" panose="020B0604020202020204" pitchFamily="34" charset="0"/>
+                <a:cs typeface="Arial" panose="020B0604020202020204" pitchFamily="34" charset="0"/>
+              </a:rPr>
+              <a:t>giup</a:t>
+            </a:r>
+            <a:r>
+              <a:rPr kumimoji="1" lang="en-US" altLang="ja-JP" sz="2000" dirty="0">
+                <a:latin typeface="Arial" panose="020B0604020202020204" pitchFamily="34" charset="0"/>
+                <a:cs typeface="Arial" panose="020B0604020202020204" pitchFamily="34" charset="0"/>
+              </a:rPr>
+              <a:t> </a:t>
+            </a:r>
+            <a:r>
+              <a:rPr kumimoji="1" lang="en-US" altLang="ja-JP" sz="2000" dirty="0" err="1">
+                <a:latin typeface="Arial" panose="020B0604020202020204" pitchFamily="34" charset="0"/>
+                <a:cs typeface="Arial" panose="020B0604020202020204" pitchFamily="34" charset="0"/>
+              </a:rPr>
+              <a:t>cho</a:t>
+            </a:r>
+            <a:r>
+              <a:rPr kumimoji="1" lang="en-US" altLang="ja-JP" sz="2000" dirty="0">
+                <a:latin typeface="Arial" panose="020B0604020202020204" pitchFamily="34" charset="0"/>
+                <a:cs typeface="Arial" panose="020B0604020202020204" pitchFamily="34" charset="0"/>
+              </a:rPr>
+              <a:t> co the </a:t>
+            </a:r>
+            <a:r>
+              <a:rPr kumimoji="1" lang="en-US" altLang="ja-JP" sz="2000" dirty="0" err="1">
+                <a:latin typeface="Arial" panose="020B0604020202020204" pitchFamily="34" charset="0"/>
+                <a:cs typeface="Arial" panose="020B0604020202020204" pitchFamily="34" charset="0"/>
+              </a:rPr>
+              <a:t>chong</a:t>
+            </a:r>
+            <a:r>
+              <a:rPr kumimoji="1" lang="en-US" altLang="ja-JP" sz="2000" dirty="0">
+                <a:latin typeface="Arial" panose="020B0604020202020204" pitchFamily="34" charset="0"/>
+                <a:cs typeface="Arial" panose="020B0604020202020204" pitchFamily="34" charset="0"/>
+              </a:rPr>
+              <a:t> met .</a:t>
+            </a:r>
+            <a:endParaRPr kumimoji="1" lang="ja-JP" altLang="en-US" sz="2000" dirty="0">
+              <a:latin typeface="Arial" panose="020B0604020202020204" pitchFamily="34" charset="0"/>
+              <a:cs typeface="Arial" panose="020B0604020202020204" pitchFamily="34" charset="0"/>
+            </a:endParaRPr>
+          </a:p>
+        </p:txBody>
+      </p:sp>
+      <p:pic>
+        <p:nvPicPr>
+          <p:cNvPr id="8" name="図 7"/>
+          <p:cNvPicPr>
+            <a:picLocks noChangeAspect="1"/>
+          </p:cNvPicPr>
+          <p:nvPr/>
+        </p:nvPicPr>
+        <p:blipFill>
+          <a:blip r:embed="rId2">
+            <a:extLst>
+              <a:ext uri="{28A0092B-C50C-407E-A947-70E740481C1C}">
+                <a14:useLocalDpi xmlns:a14="http://schemas.microsoft.com/office/drawing/2010/main" val="0"/>
+              </a:ext>
+            </a:extLst>
+          </a:blip>
+          <a:stretch>
+            <a:fillRect/>
+          </a:stretch>
+        </p:blipFill>
+        <p:spPr>
+          <a:xfrm>
+            <a:off x="8125097" y="1619794"/>
+            <a:ext cx="3566160" cy="2756263"/>
+          </a:xfrm>
+          <a:prstGeom prst="rect">
+            <a:avLst/>
+          </a:prstGeom>
+        </p:spPr>
+      </p:pic>
+      <p:sp>
+        <p:nvSpPr>
+          <p:cNvPr id="12" name="テキスト ボックス 11"/>
+          <p:cNvSpPr txBox="1"/>
+          <p:nvPr/>
+        </p:nvSpPr>
+        <p:spPr>
+          <a:xfrm>
+            <a:off x="-676266" y="288620"/>
+            <a:ext cx="4544008" cy="584775"/>
+          </a:xfrm>
+          <a:prstGeom prst="rect">
+            <a:avLst/>
+          </a:prstGeom>
+          <a:noFill/>
+        </p:spPr>
+        <p:txBody>
+          <a:bodyPr wrap="square" rtlCol="0">
+            <a:spAutoFit/>
+          </a:bodyPr>
+          <a:lstStyle/>
+          <a:p>
+            <a:pPr algn="ctr"/>
+            <a:r>
+              <a:rPr kumimoji="1" lang="en-US" altLang="ja-JP" sz="3200" dirty="0" smtClean="0">
+                <a:solidFill>
+                  <a:srgbClr val="ED7613"/>
+                </a:solidFill>
+                <a:latin typeface="Algerian" panose="04020705040A02060702" pitchFamily="82" charset="0"/>
+              </a:rPr>
+              <a:t>Y O U  &amp;  M  E</a:t>
+            </a:r>
+            <a:endParaRPr kumimoji="1" lang="ja-JP" altLang="en-US" sz="3200" dirty="0">
+              <a:solidFill>
+                <a:srgbClr val="ED7613"/>
+              </a:solidFill>
+              <a:latin typeface="Algerian" panose="04020705040A02060702" pitchFamily="82" charset="0"/>
+            </a:endParaRPr>
+          </a:p>
+        </p:txBody>
+      </p:sp>
+      <p:sp>
+        <p:nvSpPr>
+          <p:cNvPr id="13" name="テキスト ボックス 12"/>
+          <p:cNvSpPr txBox="1"/>
+          <p:nvPr/>
+        </p:nvSpPr>
+        <p:spPr>
+          <a:xfrm>
+            <a:off x="215900" y="112021"/>
+            <a:ext cx="3491345" cy="276999"/>
+          </a:xfrm>
+          <a:prstGeom prst="rect">
+            <a:avLst/>
+          </a:prstGeom>
+          <a:noFill/>
+        </p:spPr>
+        <p:txBody>
+          <a:bodyPr wrap="square" rtlCol="0">
+            <a:spAutoFit/>
+          </a:bodyPr>
+          <a:lstStyle/>
+          <a:p>
+            <a:r>
+              <a:rPr kumimoji="1" lang="ja-JP" altLang="en-US" sz="1200" dirty="0" smtClean="0">
+                <a:solidFill>
+                  <a:srgbClr val="FFFF00"/>
+                </a:solidFill>
+              </a:rPr>
+              <a:t>丘の上の茶店</a:t>
+            </a:r>
+            <a:endParaRPr kumimoji="1" lang="ja-JP" altLang="en-US" sz="1200" dirty="0">
+              <a:solidFill>
+                <a:srgbClr val="FFFF00"/>
+              </a:solidFill>
+            </a:endParaRPr>
+          </a:p>
+        </p:txBody>
+      </p:sp>
+      <p:sp>
+        <p:nvSpPr>
+          <p:cNvPr id="14" name="正方形/長方形 13"/>
+          <p:cNvSpPr/>
+          <p:nvPr/>
+        </p:nvSpPr>
+        <p:spPr>
+          <a:xfrm>
+            <a:off x="7185934" y="404508"/>
+            <a:ext cx="1618058" cy="518529"/>
+          </a:xfrm>
+          <a:prstGeom prst="rect">
+            <a:avLst/>
+          </a:prstGeom>
+          <a:solidFill>
+            <a:srgbClr val="92D050"/>
+          </a:solidFill>
+        </p:spPr>
+        <p:style>
+          <a:lnRef idx="2">
+            <a:schemeClr val="accent3">
+              <a:shade val="50000"/>
+            </a:schemeClr>
+          </a:lnRef>
+          <a:fillRef idx="1">
+            <a:schemeClr val="accent3"/>
+          </a:fillRef>
+          <a:effectRef idx="0">
+            <a:schemeClr val="accent3"/>
+          </a:effectRef>
+          <a:fontRef idx="minor">
+            <a:schemeClr val="lt1"/>
+          </a:fontRef>
+        </p:style>
+        <p:txBody>
+          <a:bodyPr rtlCol="0" anchor="ctr"/>
+          <a:lstStyle/>
+          <a:p>
+            <a:pPr algn="ctr"/>
+            <a:r>
+              <a:rPr kumimoji="1" lang="ja-JP" altLang="en-US" sz="1400" dirty="0"/>
+              <a:t>商品</a:t>
+            </a:r>
+            <a:r>
+              <a:rPr kumimoji="1" lang="ja-JP" altLang="en-US" sz="1400" dirty="0" smtClean="0"/>
+              <a:t>メニュ</a:t>
+            </a:r>
+            <a:r>
+              <a:rPr kumimoji="1" lang="ja-JP" altLang="en-US" sz="1400" dirty="0"/>
+              <a:t>ー</a:t>
+            </a:r>
+          </a:p>
+        </p:txBody>
+      </p:sp>
+      <p:sp>
+        <p:nvSpPr>
+          <p:cNvPr id="15" name="正方形/長方形 14"/>
+          <p:cNvSpPr/>
+          <p:nvPr/>
+        </p:nvSpPr>
+        <p:spPr>
+          <a:xfrm>
+            <a:off x="3964414" y="403458"/>
+            <a:ext cx="1618058" cy="536051"/>
+          </a:xfrm>
+          <a:prstGeom prst="rect">
+            <a:avLst/>
+          </a:prstGeom>
+          <a:solidFill>
+            <a:srgbClr val="92D050"/>
+          </a:solidFill>
+        </p:spPr>
+        <p:style>
+          <a:lnRef idx="2">
+            <a:schemeClr val="accent1">
+              <a:shade val="50000"/>
+            </a:schemeClr>
+          </a:lnRef>
+          <a:fillRef idx="1">
+            <a:schemeClr val="accent1"/>
+          </a:fillRef>
+          <a:effectRef idx="0">
+            <a:schemeClr val="accent1"/>
+          </a:effectRef>
+          <a:fontRef idx="minor">
+            <a:schemeClr val="lt1"/>
+          </a:fontRef>
+        </p:style>
+        <p:txBody>
+          <a:bodyPr rtlCol="0" anchor="ctr"/>
+          <a:lstStyle/>
+          <a:p>
+            <a:pPr algn="ctr"/>
+            <a:r>
+              <a:rPr kumimoji="1" lang="en-US" altLang="ja-JP" sz="1400" dirty="0" smtClean="0"/>
+              <a:t>YOU&amp;ME</a:t>
+            </a:r>
+            <a:r>
+              <a:rPr kumimoji="1" lang="ja-JP" altLang="en-US" sz="1200" dirty="0" smtClean="0"/>
+              <a:t>について</a:t>
+            </a:r>
+            <a:endParaRPr kumimoji="1" lang="ja-JP" altLang="en-US" sz="1200" dirty="0"/>
+          </a:p>
+        </p:txBody>
+      </p:sp>
+      <p:sp>
+        <p:nvSpPr>
+          <p:cNvPr id="16" name="正方形/長方形 15"/>
+          <p:cNvSpPr/>
+          <p:nvPr/>
+        </p:nvSpPr>
+        <p:spPr>
+          <a:xfrm>
+            <a:off x="5582472" y="394728"/>
+            <a:ext cx="1618058" cy="546687"/>
+          </a:xfrm>
+          <a:prstGeom prst="rect">
+            <a:avLst/>
+          </a:prstGeom>
+          <a:solidFill>
+            <a:srgbClr val="92D050"/>
+          </a:solidFill>
+        </p:spPr>
+        <p:style>
+          <a:lnRef idx="2">
+            <a:schemeClr val="accent1">
+              <a:shade val="50000"/>
+            </a:schemeClr>
+          </a:lnRef>
+          <a:fillRef idx="1">
+            <a:schemeClr val="accent1"/>
+          </a:fillRef>
+          <a:effectRef idx="0">
+            <a:schemeClr val="accent1"/>
+          </a:effectRef>
+          <a:fontRef idx="minor">
+            <a:schemeClr val="lt1"/>
+          </a:fontRef>
+        </p:style>
+        <p:txBody>
+          <a:bodyPr rtlCol="0" anchor="ctr"/>
+          <a:lstStyle/>
+          <a:p>
+            <a:pPr algn="ctr"/>
+            <a:r>
+              <a:rPr kumimoji="1" lang="ja-JP" altLang="en-US" sz="1400" dirty="0" smtClean="0"/>
+              <a:t>おすすめの</a:t>
+            </a:r>
+            <a:r>
+              <a:rPr kumimoji="1" lang="ja-JP" altLang="en-US" sz="1400" dirty="0"/>
+              <a:t>茶</a:t>
+            </a:r>
+          </a:p>
+        </p:txBody>
+      </p:sp>
+      <p:sp>
+        <p:nvSpPr>
+          <p:cNvPr id="17" name="正方形/長方形 16"/>
+          <p:cNvSpPr/>
+          <p:nvPr/>
+        </p:nvSpPr>
+        <p:spPr>
+          <a:xfrm>
+            <a:off x="8818588" y="394321"/>
+            <a:ext cx="1496068" cy="546687"/>
+          </a:xfrm>
+          <a:prstGeom prst="rect">
+            <a:avLst/>
+          </a:prstGeom>
+          <a:solidFill>
+            <a:srgbClr val="92D050"/>
+          </a:solidFill>
+        </p:spPr>
+        <p:style>
+          <a:lnRef idx="2">
+            <a:schemeClr val="accent1">
+              <a:shade val="50000"/>
+            </a:schemeClr>
+          </a:lnRef>
+          <a:fillRef idx="1">
+            <a:schemeClr val="accent1"/>
+          </a:fillRef>
+          <a:effectRef idx="0">
+            <a:schemeClr val="accent1"/>
+          </a:effectRef>
+          <a:fontRef idx="minor">
+            <a:schemeClr val="lt1"/>
+          </a:fontRef>
+        </p:style>
+        <p:txBody>
+          <a:bodyPr rtlCol="0" anchor="ctr"/>
+          <a:lstStyle/>
+          <a:p>
+            <a:pPr algn="ctr"/>
+            <a:r>
+              <a:rPr kumimoji="1" lang="ja-JP" altLang="en-US" sz="1400" dirty="0" smtClean="0"/>
+              <a:t>人気ランキング</a:t>
+            </a:r>
+            <a:endParaRPr kumimoji="1" lang="ja-JP" altLang="en-US" sz="1400" dirty="0"/>
+          </a:p>
+        </p:txBody>
+      </p:sp>
+      <p:sp>
+        <p:nvSpPr>
+          <p:cNvPr id="18" name="正方形/長方形 17"/>
+          <p:cNvSpPr/>
+          <p:nvPr/>
+        </p:nvSpPr>
+        <p:spPr>
+          <a:xfrm>
+            <a:off x="10314656" y="395369"/>
+            <a:ext cx="1618058" cy="532609"/>
+          </a:xfrm>
+          <a:prstGeom prst="rect">
+            <a:avLst/>
+          </a:prstGeom>
+          <a:solidFill>
+            <a:srgbClr val="92D050"/>
+          </a:solidFill>
+        </p:spPr>
+        <p:style>
+          <a:lnRef idx="2">
+            <a:schemeClr val="accent1">
+              <a:shade val="50000"/>
+            </a:schemeClr>
+          </a:lnRef>
+          <a:fillRef idx="1">
+            <a:schemeClr val="accent1"/>
+          </a:fillRef>
+          <a:effectRef idx="0">
+            <a:schemeClr val="accent1"/>
+          </a:effectRef>
+          <a:fontRef idx="minor">
+            <a:schemeClr val="lt1"/>
+          </a:fontRef>
+        </p:style>
+        <p:txBody>
+          <a:bodyPr rtlCol="0" anchor="ctr"/>
+          <a:lstStyle/>
+          <a:p>
+            <a:pPr algn="ctr"/>
+            <a:r>
+              <a:rPr kumimoji="1" lang="ja-JP" altLang="en-US" sz="1600" dirty="0" smtClean="0"/>
+              <a:t>アクセスマップ</a:t>
+            </a:r>
+            <a:endParaRPr kumimoji="1" lang="ja-JP" altLang="en-US" sz="1600" dirty="0"/>
+          </a:p>
+        </p:txBody>
+      </p:sp>
+    </p:spTree>
+    <p:extLst>
+      <p:ext uri="{BB962C8B-B14F-4D97-AF65-F5344CB8AC3E}">
+        <p14:creationId xmlns:p14="http://schemas.microsoft.com/office/powerpoint/2010/main" val="3753260282"/>
+      </p:ext>
+    </p:extLst>
+  </p:cSld>
+  <p:clrMapOvr>
+    <a:masterClrMapping/>
+  </p:clrMapOvr>
+  <mc:AlternateContent xmlns:mc="http://schemas.openxmlformats.org/markup-compatibility/2006" xmlns:p14="http://schemas.microsoft.com/office/powerpoint/2010/main">
+    <mc:Choice Requires="p14">
+      <p:transition spd="slow" p14:dur="1400" advTm="3000">
+        <p14:ripple/>
+      </p:transition>
+    </mc:Choice>
+    <mc:Fallback xmlns="">
+      <p:transition spd="slow" advTm="3000">
+        <p:fade/>
+      </p:transition>
+    </mc:Fallback>
+  </mc:AlternateContent>
+  <p:timing>
+    <p:tnLst>
+      <p:par>
+        <p:cTn id="1" dur="indefinite" restart="never" nodeType="tmRoot"/>
+      </p:par>
+    </p:tnLst>
+  </p:timing>
+</p:sld>
+</file>
+
+<file path=ppt/slides/slide3.xml><?xml version="1.0" encoding="utf-8"?>
+<p:sld xmlns:a="http://schemas.openxmlformats.org/drawingml/2006/main" xmlns:r="http://schemas.openxmlformats.org/officeDocument/2006/relationships" xmlns:p="http://schemas.openxmlformats.org/presentationml/2006/main">
+  <p:cSld>
+    <p:spTree>
+      <p:nvGrpSpPr>
+        <p:cNvPr id="1" name=""/>
+        <p:cNvGrpSpPr/>
+        <p:nvPr/>
+      </p:nvGrpSpPr>
+      <p:grpSpPr>
+        <a:xfrm>
+          <a:off x="0" y="0"/>
+          <a:ext cx="0" cy="0"/>
+          <a:chOff x="0" y="0"/>
+          <a:chExt cx="0" cy="0"/>
+        </a:xfrm>
+      </p:grpSpPr>
+      <p:sp>
+        <p:nvSpPr>
           <p:cNvPr id="2" name="テキスト ボックス 1"/>
           <p:cNvSpPr txBox="1"/>
           <p:nvPr/>
@@ -7545,15 +8670,7 @@
                   <a:schemeClr val="bg2"/>
                 </a:solidFill>
               </a:rPr>
-              <a:t>ジャスミン</a:t>
-            </a:r>
-            <a:r>
-              <a:rPr kumimoji="1" lang="ja-JP" altLang="en-US" sz="2000" dirty="0" smtClean="0">
-                <a:solidFill>
-                  <a:schemeClr val="bg2"/>
-                </a:solidFill>
-              </a:rPr>
-              <a:t>お茶</a:t>
+              <a:t>ジャスミンお茶</a:t>
             </a:r>
             <a:endParaRPr kumimoji="1" lang="en-US" altLang="ja-JP" sz="2000" dirty="0" smtClean="0">
               <a:solidFill>
@@ -7606,15 +8723,7 @@
                   <a:schemeClr val="bg1"/>
                 </a:solidFill>
               </a:rPr>
-              <a:t>アティチョ</a:t>
-            </a:r>
-            <a:r>
-              <a:rPr kumimoji="1" lang="ja-JP" altLang="en-US" sz="2000" dirty="0" smtClean="0">
-                <a:solidFill>
-                  <a:schemeClr val="bg1"/>
-                </a:solidFill>
-              </a:rPr>
-              <a:t>お茶</a:t>
+              <a:t>アティチョお茶</a:t>
             </a:r>
             <a:endParaRPr kumimoji="1" lang="en-US" altLang="ja-JP" sz="2000" dirty="0" smtClean="0">
               <a:solidFill>
@@ -7675,15 +8784,7 @@
                   <a:schemeClr val="bg1"/>
                 </a:solidFill>
               </a:rPr>
-              <a:t>蓮の花</a:t>
-            </a:r>
-            <a:r>
-              <a:rPr kumimoji="1" lang="ja-JP" altLang="en-US" sz="2000" dirty="0" smtClean="0">
-                <a:solidFill>
-                  <a:schemeClr val="bg1"/>
-                </a:solidFill>
-              </a:rPr>
-              <a:t>お茶</a:t>
+              <a:t>蓮の花お茶</a:t>
             </a:r>
           </a:p>
         </p:txBody>
@@ -7783,7 +8884,7 @@
         </p:nvSpPr>
         <p:spPr>
           <a:xfrm>
-            <a:off x="3961952" y="403102"/>
+            <a:off x="7185934" y="404508"/>
             <a:ext cx="1618058" cy="518529"/>
           </a:xfrm>
           <a:prstGeom prst="rect">
@@ -7826,7 +8927,6 @@
               <a:rPr kumimoji="1" lang="ja-JP" altLang="en-US" sz="1400" dirty="0"/>
               <a:t>ー</a:t>
             </a:r>
-            <a:endParaRPr kumimoji="1" lang="ja-JP" altLang="en-US" sz="1400" dirty="0"/>
           </a:p>
         </p:txBody>
       </p:sp>
@@ -7838,7 +8938,7 @@
         </p:nvSpPr>
         <p:spPr>
           <a:xfrm>
-            <a:off x="8696598" y="389024"/>
+            <a:off x="5582472" y="403458"/>
             <a:ext cx="1618058" cy="546687"/>
           </a:xfrm>
           <a:prstGeom prst="rect">
@@ -7888,8 +8988,8 @@
         </p:nvSpPr>
         <p:spPr>
           <a:xfrm>
-            <a:off x="5564385" y="389024"/>
-            <a:ext cx="1618058" cy="546687"/>
+            <a:off x="3964414" y="403458"/>
+            <a:ext cx="1618058" cy="536051"/>
           </a:xfrm>
           <a:prstGeom prst="rect">
             <a:avLst/>
@@ -7939,7 +9039,7 @@
         </p:nvSpPr>
         <p:spPr>
           <a:xfrm>
-            <a:off x="7182443" y="389024"/>
+            <a:off x="8818588" y="389380"/>
             <a:ext cx="1496068" cy="546687"/>
           </a:xfrm>
           <a:prstGeom prst="rect">
@@ -8055,6 +9155,150 @@
           </a:prstGeom>
         </p:spPr>
       </p:pic>
+      <p:sp>
+        <p:nvSpPr>
+          <p:cNvPr id="24" name="正方形/長方形 23"/>
+          <p:cNvSpPr/>
+          <p:nvPr/>
+        </p:nvSpPr>
+        <p:spPr>
+          <a:xfrm>
+            <a:off x="5582472" y="394728"/>
+            <a:ext cx="1618058" cy="546687"/>
+          </a:xfrm>
+          <a:prstGeom prst="rect">
+            <a:avLst/>
+          </a:prstGeom>
+          <a:solidFill>
+            <a:srgbClr val="92D050"/>
+          </a:solidFill>
+        </p:spPr>
+        <p:style>
+          <a:lnRef idx="2">
+            <a:schemeClr val="accent1">
+              <a:shade val="50000"/>
+            </a:schemeClr>
+          </a:lnRef>
+          <a:fillRef idx="1">
+            <a:schemeClr val="accent1"/>
+          </a:fillRef>
+          <a:effectRef idx="0">
+            <a:schemeClr val="accent1"/>
+          </a:effectRef>
+          <a:fontRef idx="minor">
+            <a:schemeClr val="lt1"/>
+          </a:fontRef>
+        </p:style>
+        <p:txBody>
+          <a:bodyPr rtlCol="0" anchor="ctr"/>
+          <a:lstStyle/>
+          <a:p>
+            <a:pPr algn="ctr"/>
+            <a:r>
+              <a:rPr kumimoji="1" lang="ja-JP" altLang="en-US" sz="1400" dirty="0" smtClean="0"/>
+              <a:t>おすすめの</a:t>
+            </a:r>
+            <a:r>
+              <a:rPr kumimoji="1" lang="ja-JP" altLang="en-US" sz="1400" dirty="0"/>
+              <a:t>茶</a:t>
+            </a:r>
+          </a:p>
+        </p:txBody>
+      </p:sp>
+      <p:sp>
+        <p:nvSpPr>
+          <p:cNvPr id="26" name="正方形/長方形 25"/>
+          <p:cNvSpPr/>
+          <p:nvPr/>
+        </p:nvSpPr>
+        <p:spPr>
+          <a:xfrm>
+            <a:off x="8818588" y="394321"/>
+            <a:ext cx="1496068" cy="546687"/>
+          </a:xfrm>
+          <a:prstGeom prst="rect">
+            <a:avLst/>
+          </a:prstGeom>
+          <a:solidFill>
+            <a:srgbClr val="92D050"/>
+          </a:solidFill>
+        </p:spPr>
+        <p:style>
+          <a:lnRef idx="2">
+            <a:schemeClr val="accent1">
+              <a:shade val="50000"/>
+            </a:schemeClr>
+          </a:lnRef>
+          <a:fillRef idx="1">
+            <a:schemeClr val="accent1"/>
+          </a:fillRef>
+          <a:effectRef idx="0">
+            <a:schemeClr val="accent1"/>
+          </a:effectRef>
+          <a:fontRef idx="minor">
+            <a:schemeClr val="lt1"/>
+          </a:fontRef>
+        </p:style>
+        <p:txBody>
+          <a:bodyPr rtlCol="0" anchor="ctr"/>
+          <a:lstStyle/>
+          <a:p>
+            <a:pPr algn="ctr"/>
+            <a:r>
+              <a:rPr kumimoji="1" lang="ja-JP" altLang="en-US" sz="1400" dirty="0" smtClean="0"/>
+              <a:t>人気ランキング</a:t>
+            </a:r>
+            <a:endParaRPr kumimoji="1" lang="ja-JP" altLang="en-US" sz="1400" dirty="0"/>
+          </a:p>
+        </p:txBody>
+      </p:sp>
+      <p:sp>
+        <p:nvSpPr>
+          <p:cNvPr id="27" name="正方形/長方形 26"/>
+          <p:cNvSpPr/>
+          <p:nvPr/>
+        </p:nvSpPr>
+        <p:spPr>
+          <a:xfrm>
+            <a:off x="10314656" y="395369"/>
+            <a:ext cx="1618058" cy="532609"/>
+          </a:xfrm>
+          <a:prstGeom prst="rect">
+            <a:avLst/>
+          </a:prstGeom>
+          <a:solidFill>
+            <a:srgbClr val="92D050"/>
+          </a:solidFill>
+        </p:spPr>
+        <p:style>
+          <a:lnRef idx="2">
+            <a:schemeClr val="accent1">
+              <a:shade val="50000"/>
+            </a:schemeClr>
+          </a:lnRef>
+          <a:fillRef idx="1">
+            <a:schemeClr val="accent1"/>
+          </a:fillRef>
+          <a:effectRef idx="0">
+            <a:schemeClr val="accent1"/>
+          </a:effectRef>
+          <a:fontRef idx="minor">
+            <a:schemeClr val="lt1"/>
+          </a:fontRef>
+        </p:style>
+        <p:txBody>
+          <a:bodyPr rtlCol="0" anchor="ctr"/>
+          <a:lstStyle/>
+          <a:p>
+            <a:pPr algn="ctr"/>
+            <a:r>
+              <a:rPr kumimoji="1" lang="ja-JP" altLang="en-US" sz="1600" dirty="0" smtClean="0"/>
+              <a:t>アクセスマップ</a:t>
+            </a:r>
+            <a:endParaRPr kumimoji="1" lang="ja-JP" altLang="en-US" sz="1600" dirty="0"/>
+          </a:p>
+        </p:txBody>
+      </p:sp>
     </p:spTree>
     <p:extLst>
       <p:ext uri="{BB962C8B-B14F-4D97-AF65-F5344CB8AC3E}">
@@ -8087,1125 +9331,6 @@
 </p:sld>
 </file>
 
-<file path=ppt/slides/slide3.xml><?xml version="1.0" encoding="utf-8"?>
-<p:sld xmlns:a="http://schemas.openxmlformats.org/drawingml/2006/main" xmlns:r="http://schemas.openxmlformats.org/officeDocument/2006/relationships" xmlns:p="http://schemas.openxmlformats.org/presentationml/2006/main">
-  <p:cSld>
-    <p:spTree>
-      <p:nvGrpSpPr>
-        <p:cNvPr id="1" name=""/>
-        <p:cNvGrpSpPr/>
-        <p:nvPr/>
-      </p:nvGrpSpPr>
-      <p:grpSpPr>
-        <a:xfrm>
-          <a:off x="0" y="0"/>
-          <a:ext cx="0" cy="0"/>
-          <a:chOff x="0" y="0"/>
-          <a:chExt cx="0" cy="0"/>
-        </a:xfrm>
-      </p:grpSpPr>
-      <p:sp>
-        <p:nvSpPr>
-          <p:cNvPr id="2" name="タイトル 1"/>
-          <p:cNvSpPr>
-            <a:spLocks noGrp="1"/>
-          </p:cNvSpPr>
-          <p:nvPr>
-            <p:ph type="title"/>
-          </p:nvPr>
-        </p:nvSpPr>
-        <p:spPr>
-          <a:xfrm>
-            <a:off x="-213277" y="1460775"/>
-            <a:ext cx="4550145" cy="696686"/>
-          </a:xfrm>
-        </p:spPr>
-        <p:txBody>
-          <a:bodyPr>
-            <a:noAutofit/>
-          </a:bodyPr>
-          <a:lstStyle/>
-          <a:p>
-            <a:pPr algn="ctr"/>
-            <a:r>
-              <a:rPr kumimoji="1" lang="en-US" altLang="ja-JP" sz="2800" b="1" cap="none" dirty="0" err="1" smtClean="0">
-                <a:ln w="9525">
-                  <a:solidFill>
-                    <a:schemeClr val="bg1"/>
-                  </a:solidFill>
-                  <a:prstDash val="solid"/>
-                </a:ln>
-                <a:solidFill>
-                  <a:srgbClr val="FFFF00"/>
-                </a:solidFill>
-                <a:effectLst>
-                  <a:outerShdw blurRad="12700" dist="38100" dir="2700000" algn="tl" rotWithShape="0">
-                    <a:schemeClr val="accent5">
-                      <a:lumMod val="60000"/>
-                      <a:lumOff val="40000"/>
-                    </a:schemeClr>
-                  </a:outerShdw>
-                </a:effectLst>
-              </a:rPr>
-              <a:t>You&amp;me</a:t>
-            </a:r>
-            <a:r>
-              <a:rPr kumimoji="1" lang="en-US" altLang="ja-JP" sz="2800" b="1" cap="none" dirty="0" smtClean="0">
-                <a:ln w="9525">
-                  <a:solidFill>
-                    <a:schemeClr val="bg1"/>
-                  </a:solidFill>
-                  <a:prstDash val="solid"/>
-                </a:ln>
-                <a:solidFill>
-                  <a:srgbClr val="FFFF00"/>
-                </a:solidFill>
-                <a:effectLst>
-                  <a:outerShdw blurRad="12700" dist="38100" dir="2700000" algn="tl" rotWithShape="0">
-                    <a:schemeClr val="accent5">
-                      <a:lumMod val="60000"/>
-                      <a:lumOff val="40000"/>
-                    </a:schemeClr>
-                  </a:outerShdw>
-                </a:effectLst>
-              </a:rPr>
-              <a:t> </a:t>
-            </a:r>
-            <a:r>
-              <a:rPr lang="ja-JP" altLang="en-US" sz="2800" b="1" cap="none" dirty="0" smtClean="0">
-                <a:ln w="9525">
-                  <a:solidFill>
-                    <a:schemeClr val="bg1"/>
-                  </a:solidFill>
-                  <a:prstDash val="solid"/>
-                </a:ln>
-                <a:solidFill>
-                  <a:srgbClr val="FFFF00"/>
-                </a:solidFill>
-                <a:effectLst>
-                  <a:outerShdw blurRad="12700" dist="38100" dir="2700000" algn="tl" rotWithShape="0">
-                    <a:schemeClr val="accent5">
-                      <a:lumMod val="60000"/>
-                      <a:lumOff val="40000"/>
-                    </a:schemeClr>
-                  </a:outerShdw>
-                </a:effectLst>
-              </a:rPr>
-              <a:t>につい</a:t>
-            </a:r>
-            <a:r>
-              <a:rPr lang="ja-JP" altLang="en-US" sz="2800" b="1" cap="none" dirty="0">
-                <a:ln w="9525">
-                  <a:solidFill>
-                    <a:schemeClr val="bg1"/>
-                  </a:solidFill>
-                  <a:prstDash val="solid"/>
-                </a:ln>
-                <a:solidFill>
-                  <a:srgbClr val="FFFF00"/>
-                </a:solidFill>
-                <a:effectLst>
-                  <a:outerShdw blurRad="12700" dist="38100" dir="2700000" algn="tl" rotWithShape="0">
-                    <a:schemeClr val="accent5">
-                      <a:lumMod val="60000"/>
-                      <a:lumOff val="40000"/>
-                    </a:schemeClr>
-                  </a:outerShdw>
-                </a:effectLst>
-              </a:rPr>
-              <a:t>て</a:t>
-            </a:r>
-            <a:endParaRPr kumimoji="1" lang="ja-JP" altLang="en-US" sz="2800" b="1" cap="none" dirty="0">
-              <a:ln w="9525">
-                <a:solidFill>
-                  <a:schemeClr val="bg1"/>
-                </a:solidFill>
-                <a:prstDash val="solid"/>
-              </a:ln>
-              <a:solidFill>
-                <a:srgbClr val="FFFF00"/>
-              </a:solidFill>
-              <a:effectLst>
-                <a:outerShdw blurRad="12700" dist="38100" dir="2700000" algn="tl" rotWithShape="0">
-                  <a:schemeClr val="accent5">
-                    <a:lumMod val="60000"/>
-                    <a:lumOff val="40000"/>
-                  </a:schemeClr>
-                </a:outerShdw>
-              </a:effectLst>
-            </a:endParaRPr>
-          </a:p>
-        </p:txBody>
-      </p:sp>
-      <p:sp>
-        <p:nvSpPr>
-          <p:cNvPr id="6" name="テキスト ボックス 5"/>
-          <p:cNvSpPr txBox="1"/>
-          <p:nvPr/>
-        </p:nvSpPr>
-        <p:spPr>
-          <a:xfrm>
-            <a:off x="525083" y="2182317"/>
-            <a:ext cx="7362507" cy="1631216"/>
-          </a:xfrm>
-          <a:prstGeom prst="rect">
-            <a:avLst/>
-          </a:prstGeom>
-          <a:noFill/>
-        </p:spPr>
-        <p:txBody>
-          <a:bodyPr wrap="square" rtlCol="0">
-            <a:spAutoFit/>
-          </a:bodyPr>
-          <a:lstStyle/>
-          <a:p>
-            <a:r>
-              <a:rPr kumimoji="1" lang="en-US" altLang="ja-JP" sz="2000" dirty="0">
-                <a:latin typeface="Arial" panose="020B0604020202020204" pitchFamily="34" charset="0"/>
-                <a:cs typeface="Arial" panose="020B0604020202020204" pitchFamily="34" charset="0"/>
-              </a:rPr>
-              <a:t>YOU&amp;ME </a:t>
-            </a:r>
-            <a:r>
-              <a:rPr kumimoji="1" lang="en-US" altLang="ja-JP" sz="2000" dirty="0" err="1">
-                <a:latin typeface="Arial" panose="020B0604020202020204" pitchFamily="34" charset="0"/>
-                <a:cs typeface="Arial" panose="020B0604020202020204" pitchFamily="34" charset="0"/>
-              </a:rPr>
-              <a:t>duoc</a:t>
-            </a:r>
-            <a:r>
-              <a:rPr kumimoji="1" lang="en-US" altLang="ja-JP" sz="2000" dirty="0">
-                <a:latin typeface="Arial" panose="020B0604020202020204" pitchFamily="34" charset="0"/>
-                <a:cs typeface="Arial" panose="020B0604020202020204" pitchFamily="34" charset="0"/>
-              </a:rPr>
-              <a:t> </a:t>
-            </a:r>
-            <a:r>
-              <a:rPr kumimoji="1" lang="en-US" altLang="ja-JP" sz="2000" dirty="0" err="1">
-                <a:latin typeface="Arial" panose="020B0604020202020204" pitchFamily="34" charset="0"/>
-                <a:cs typeface="Arial" panose="020B0604020202020204" pitchFamily="34" charset="0"/>
-              </a:rPr>
-              <a:t>hinh</a:t>
-            </a:r>
-            <a:r>
-              <a:rPr kumimoji="1" lang="en-US" altLang="ja-JP" sz="2000" dirty="0">
-                <a:latin typeface="Arial" panose="020B0604020202020204" pitchFamily="34" charset="0"/>
-                <a:cs typeface="Arial" panose="020B0604020202020204" pitchFamily="34" charset="0"/>
-              </a:rPr>
-              <a:t> </a:t>
-            </a:r>
-            <a:r>
-              <a:rPr kumimoji="1" lang="en-US" altLang="ja-JP" sz="2000" dirty="0" err="1">
-                <a:latin typeface="Arial" panose="020B0604020202020204" pitchFamily="34" charset="0"/>
-                <a:cs typeface="Arial" panose="020B0604020202020204" pitchFamily="34" charset="0"/>
-              </a:rPr>
-              <a:t>thanh</a:t>
-            </a:r>
-            <a:r>
-              <a:rPr kumimoji="1" lang="en-US" altLang="ja-JP" sz="2000" dirty="0">
-                <a:latin typeface="Arial" panose="020B0604020202020204" pitchFamily="34" charset="0"/>
-                <a:cs typeface="Arial" panose="020B0604020202020204" pitchFamily="34" charset="0"/>
-              </a:rPr>
-              <a:t> </a:t>
-            </a:r>
-            <a:r>
-              <a:rPr kumimoji="1" lang="en-US" altLang="ja-JP" sz="2000" dirty="0" err="1">
-                <a:latin typeface="Arial" panose="020B0604020202020204" pitchFamily="34" charset="0"/>
-                <a:cs typeface="Arial" panose="020B0604020202020204" pitchFamily="34" charset="0"/>
-              </a:rPr>
-              <a:t>tren</a:t>
-            </a:r>
-            <a:r>
-              <a:rPr kumimoji="1" lang="en-US" altLang="ja-JP" sz="2000" dirty="0">
-                <a:latin typeface="Arial" panose="020B0604020202020204" pitchFamily="34" charset="0"/>
-                <a:cs typeface="Arial" panose="020B0604020202020204" pitchFamily="34" charset="0"/>
-              </a:rPr>
-              <a:t> 20 </a:t>
-            </a:r>
-            <a:r>
-              <a:rPr kumimoji="1" lang="en-US" altLang="ja-JP" sz="2000" dirty="0" err="1">
-                <a:latin typeface="Arial" panose="020B0604020202020204" pitchFamily="34" charset="0"/>
-                <a:cs typeface="Arial" panose="020B0604020202020204" pitchFamily="34" charset="0"/>
-              </a:rPr>
-              <a:t>nam</a:t>
-            </a:r>
-            <a:r>
-              <a:rPr kumimoji="1" lang="en-US" altLang="ja-JP" sz="2000" dirty="0">
-                <a:latin typeface="Arial" panose="020B0604020202020204" pitchFamily="34" charset="0"/>
-                <a:cs typeface="Arial" panose="020B0604020202020204" pitchFamily="34" charset="0"/>
-              </a:rPr>
-              <a:t> </a:t>
-            </a:r>
-            <a:r>
-              <a:rPr kumimoji="1" lang="en-US" altLang="ja-JP" sz="2000" dirty="0" err="1">
-                <a:latin typeface="Arial" panose="020B0604020202020204" pitchFamily="34" charset="0"/>
-                <a:cs typeface="Arial" panose="020B0604020202020204" pitchFamily="34" charset="0"/>
-              </a:rPr>
-              <a:t>nay.Hoa</a:t>
-            </a:r>
-            <a:r>
-              <a:rPr kumimoji="1" lang="en-US" altLang="ja-JP" sz="2000" dirty="0">
-                <a:latin typeface="Arial" panose="020B0604020202020204" pitchFamily="34" charset="0"/>
-                <a:cs typeface="Arial" panose="020B0604020202020204" pitchFamily="34" charset="0"/>
-              </a:rPr>
-              <a:t> </a:t>
-            </a:r>
-            <a:r>
-              <a:rPr kumimoji="1" lang="en-US" altLang="ja-JP" sz="2000" dirty="0" err="1">
-                <a:latin typeface="Arial" panose="020B0604020202020204" pitchFamily="34" charset="0"/>
-                <a:cs typeface="Arial" panose="020B0604020202020204" pitchFamily="34" charset="0"/>
-              </a:rPr>
-              <a:t>cuc</a:t>
-            </a:r>
-            <a:r>
-              <a:rPr kumimoji="1" lang="en-US" altLang="ja-JP" sz="2000" dirty="0">
-                <a:latin typeface="Arial" panose="020B0604020202020204" pitchFamily="34" charset="0"/>
-                <a:cs typeface="Arial" panose="020B0604020202020204" pitchFamily="34" charset="0"/>
-              </a:rPr>
-              <a:t> la mot </a:t>
-            </a:r>
-            <a:r>
-              <a:rPr kumimoji="1" lang="en-US" altLang="ja-JP" sz="2000" dirty="0" err="1">
-                <a:latin typeface="Arial" panose="020B0604020202020204" pitchFamily="34" charset="0"/>
-                <a:cs typeface="Arial" panose="020B0604020202020204" pitchFamily="34" charset="0"/>
-              </a:rPr>
-              <a:t>loai</a:t>
-            </a:r>
-            <a:r>
-              <a:rPr kumimoji="1" lang="en-US" altLang="ja-JP" sz="2000" dirty="0">
-                <a:latin typeface="Arial" panose="020B0604020202020204" pitchFamily="34" charset="0"/>
-                <a:cs typeface="Arial" panose="020B0604020202020204" pitchFamily="34" charset="0"/>
-              </a:rPr>
-              <a:t> </a:t>
-            </a:r>
-            <a:r>
-              <a:rPr kumimoji="1" lang="en-US" altLang="ja-JP" sz="2000" dirty="0" err="1">
-                <a:latin typeface="Arial" panose="020B0604020202020204" pitchFamily="34" charset="0"/>
-                <a:cs typeface="Arial" panose="020B0604020202020204" pitchFamily="34" charset="0"/>
-              </a:rPr>
-              <a:t>hoa</a:t>
-            </a:r>
-            <a:r>
-              <a:rPr kumimoji="1" lang="en-US" altLang="ja-JP" sz="2000" dirty="0">
-                <a:latin typeface="Arial" panose="020B0604020202020204" pitchFamily="34" charset="0"/>
-                <a:cs typeface="Arial" panose="020B0604020202020204" pitchFamily="34" charset="0"/>
-              </a:rPr>
-              <a:t> </a:t>
-            </a:r>
-            <a:r>
-              <a:rPr kumimoji="1" lang="en-US" altLang="ja-JP" sz="2000" dirty="0" err="1">
-                <a:latin typeface="Arial" panose="020B0604020202020204" pitchFamily="34" charset="0"/>
-                <a:cs typeface="Arial" panose="020B0604020202020204" pitchFamily="34" charset="0"/>
-              </a:rPr>
-              <a:t>quen</a:t>
-            </a:r>
-            <a:r>
-              <a:rPr kumimoji="1" lang="en-US" altLang="ja-JP" sz="2000" dirty="0">
-                <a:latin typeface="Arial" panose="020B0604020202020204" pitchFamily="34" charset="0"/>
-                <a:cs typeface="Arial" panose="020B0604020202020204" pitchFamily="34" charset="0"/>
-              </a:rPr>
-              <a:t> </a:t>
-            </a:r>
-            <a:r>
-              <a:rPr kumimoji="1" lang="en-US" altLang="ja-JP" sz="2000" dirty="0" err="1">
-                <a:latin typeface="Arial" panose="020B0604020202020204" pitchFamily="34" charset="0"/>
-                <a:cs typeface="Arial" panose="020B0604020202020204" pitchFamily="34" charset="0"/>
-              </a:rPr>
-              <a:t>thuoc</a:t>
-            </a:r>
-            <a:r>
-              <a:rPr kumimoji="1" lang="en-US" altLang="ja-JP" sz="2000" dirty="0">
-                <a:latin typeface="Arial" panose="020B0604020202020204" pitchFamily="34" charset="0"/>
-                <a:cs typeface="Arial" panose="020B0604020202020204" pitchFamily="34" charset="0"/>
-              </a:rPr>
-              <a:t> </a:t>
-            </a:r>
-            <a:r>
-              <a:rPr kumimoji="1" lang="en-US" altLang="ja-JP" sz="2000" dirty="0" err="1">
-                <a:latin typeface="Arial" panose="020B0604020202020204" pitchFamily="34" charset="0"/>
-                <a:cs typeface="Arial" panose="020B0604020202020204" pitchFamily="34" charset="0"/>
-              </a:rPr>
-              <a:t>trong</a:t>
-            </a:r>
-            <a:r>
-              <a:rPr kumimoji="1" lang="en-US" altLang="ja-JP" sz="2000" dirty="0">
-                <a:latin typeface="Arial" panose="020B0604020202020204" pitchFamily="34" charset="0"/>
-                <a:cs typeface="Arial" panose="020B0604020202020204" pitchFamily="34" charset="0"/>
-              </a:rPr>
-              <a:t> </a:t>
-            </a:r>
-            <a:r>
-              <a:rPr kumimoji="1" lang="en-US" altLang="ja-JP" sz="2000" dirty="0" err="1">
-                <a:latin typeface="Arial" panose="020B0604020202020204" pitchFamily="34" charset="0"/>
-                <a:cs typeface="Arial" panose="020B0604020202020204" pitchFamily="34" charset="0"/>
-              </a:rPr>
-              <a:t>cuoc</a:t>
-            </a:r>
-            <a:r>
-              <a:rPr kumimoji="1" lang="en-US" altLang="ja-JP" sz="2000" dirty="0">
-                <a:latin typeface="Arial" panose="020B0604020202020204" pitchFamily="34" charset="0"/>
-                <a:cs typeface="Arial" panose="020B0604020202020204" pitchFamily="34" charset="0"/>
-              </a:rPr>
-              <a:t> song </a:t>
-            </a:r>
-            <a:r>
-              <a:rPr kumimoji="1" lang="en-US" altLang="ja-JP" sz="2000" dirty="0" err="1">
-                <a:latin typeface="Arial" panose="020B0604020202020204" pitchFamily="34" charset="0"/>
-                <a:cs typeface="Arial" panose="020B0604020202020204" pitchFamily="34" charset="0"/>
-              </a:rPr>
-              <a:t>cua</a:t>
-            </a:r>
-            <a:r>
-              <a:rPr kumimoji="1" lang="en-US" altLang="ja-JP" sz="2000" dirty="0">
-                <a:latin typeface="Arial" panose="020B0604020202020204" pitchFamily="34" charset="0"/>
-                <a:cs typeface="Arial" panose="020B0604020202020204" pitchFamily="34" charset="0"/>
-              </a:rPr>
-              <a:t> </a:t>
-            </a:r>
-            <a:r>
-              <a:rPr kumimoji="1" lang="en-US" altLang="ja-JP" sz="2000" dirty="0" err="1">
-                <a:latin typeface="Arial" panose="020B0604020202020204" pitchFamily="34" charset="0"/>
-                <a:cs typeface="Arial" panose="020B0604020202020204" pitchFamily="34" charset="0"/>
-              </a:rPr>
-              <a:t>chung</a:t>
-            </a:r>
-            <a:r>
-              <a:rPr kumimoji="1" lang="en-US" altLang="ja-JP" sz="2000" dirty="0">
-                <a:latin typeface="Arial" panose="020B0604020202020204" pitchFamily="34" charset="0"/>
-                <a:cs typeface="Arial" panose="020B0604020202020204" pitchFamily="34" charset="0"/>
-              </a:rPr>
-              <a:t> </a:t>
-            </a:r>
-            <a:r>
-              <a:rPr kumimoji="1" lang="en-US" altLang="ja-JP" sz="2000" dirty="0" err="1">
-                <a:latin typeface="Arial" panose="020B0604020202020204" pitchFamily="34" charset="0"/>
-                <a:cs typeface="Arial" panose="020B0604020202020204" pitchFamily="34" charset="0"/>
-              </a:rPr>
-              <a:t>ta.trong</a:t>
-            </a:r>
-            <a:r>
-              <a:rPr kumimoji="1" lang="en-US" altLang="ja-JP" sz="2000" dirty="0">
-                <a:latin typeface="Arial" panose="020B0604020202020204" pitchFamily="34" charset="0"/>
-                <a:cs typeface="Arial" panose="020B0604020202020204" pitchFamily="34" charset="0"/>
-              </a:rPr>
-              <a:t> van </a:t>
-            </a:r>
-            <a:r>
-              <a:rPr kumimoji="1" lang="en-US" altLang="ja-JP" sz="2000" dirty="0" err="1">
-                <a:latin typeface="Arial" panose="020B0604020202020204" pitchFamily="34" charset="0"/>
-                <a:cs typeface="Arial" panose="020B0604020202020204" pitchFamily="34" charset="0"/>
-              </a:rPr>
-              <a:t>hoa</a:t>
-            </a:r>
-            <a:r>
-              <a:rPr kumimoji="1" lang="en-US" altLang="ja-JP" sz="2000" dirty="0">
-                <a:latin typeface="Arial" panose="020B0604020202020204" pitchFamily="34" charset="0"/>
-                <a:cs typeface="Arial" panose="020B0604020202020204" pitchFamily="34" charset="0"/>
-              </a:rPr>
-              <a:t> </a:t>
-            </a:r>
-            <a:r>
-              <a:rPr kumimoji="1" lang="en-US" altLang="ja-JP" sz="2000" dirty="0" err="1">
-                <a:latin typeface="Arial" panose="020B0604020202020204" pitchFamily="34" charset="0"/>
-                <a:cs typeface="Arial" panose="020B0604020202020204" pitchFamily="34" charset="0"/>
-              </a:rPr>
-              <a:t>phuong</a:t>
-            </a:r>
-            <a:r>
-              <a:rPr kumimoji="1" lang="en-US" altLang="ja-JP" sz="2000" dirty="0">
-                <a:latin typeface="Arial" panose="020B0604020202020204" pitchFamily="34" charset="0"/>
-                <a:cs typeface="Arial" panose="020B0604020202020204" pitchFamily="34" charset="0"/>
-              </a:rPr>
-              <a:t> dong ,</a:t>
-            </a:r>
-            <a:r>
-              <a:rPr kumimoji="1" lang="en-US" altLang="ja-JP" sz="2000" dirty="0" err="1">
-                <a:latin typeface="Arial" panose="020B0604020202020204" pitchFamily="34" charset="0"/>
-                <a:cs typeface="Arial" panose="020B0604020202020204" pitchFamily="34" charset="0"/>
-              </a:rPr>
-              <a:t>hao</a:t>
-            </a:r>
-            <a:r>
-              <a:rPr kumimoji="1" lang="en-US" altLang="ja-JP" sz="2000" dirty="0">
-                <a:latin typeface="Arial" panose="020B0604020202020204" pitchFamily="34" charset="0"/>
-                <a:cs typeface="Arial" panose="020B0604020202020204" pitchFamily="34" charset="0"/>
-              </a:rPr>
-              <a:t> </a:t>
-            </a:r>
-            <a:r>
-              <a:rPr kumimoji="1" lang="en-US" altLang="ja-JP" sz="2000" dirty="0" err="1">
-                <a:latin typeface="Arial" panose="020B0604020202020204" pitchFamily="34" charset="0"/>
-                <a:cs typeface="Arial" panose="020B0604020202020204" pitchFamily="34" charset="0"/>
-              </a:rPr>
-              <a:t>cuc</a:t>
-            </a:r>
-            <a:r>
-              <a:rPr kumimoji="1" lang="en-US" altLang="ja-JP" sz="2000" dirty="0">
-                <a:latin typeface="Arial" panose="020B0604020202020204" pitchFamily="34" charset="0"/>
-                <a:cs typeface="Arial" panose="020B0604020202020204" pitchFamily="34" charset="0"/>
-              </a:rPr>
-              <a:t> la mot </a:t>
-            </a:r>
-            <a:r>
-              <a:rPr kumimoji="1" lang="en-US" altLang="ja-JP" sz="2000" dirty="0" err="1">
-                <a:latin typeface="Arial" panose="020B0604020202020204" pitchFamily="34" charset="0"/>
-                <a:cs typeface="Arial" panose="020B0604020202020204" pitchFamily="34" charset="0"/>
-              </a:rPr>
-              <a:t>bieu</a:t>
-            </a:r>
-            <a:r>
-              <a:rPr kumimoji="1" lang="en-US" altLang="ja-JP" sz="2000" dirty="0">
-                <a:latin typeface="Arial" panose="020B0604020202020204" pitchFamily="34" charset="0"/>
-                <a:cs typeface="Arial" panose="020B0604020202020204" pitchFamily="34" charset="0"/>
-              </a:rPr>
-              <a:t> </a:t>
-            </a:r>
-            <a:r>
-              <a:rPr kumimoji="1" lang="en-US" altLang="ja-JP" sz="2000" dirty="0" err="1">
-                <a:latin typeface="Arial" panose="020B0604020202020204" pitchFamily="34" charset="0"/>
-                <a:cs typeface="Arial" panose="020B0604020202020204" pitchFamily="34" charset="0"/>
-              </a:rPr>
-              <a:t>tuong</a:t>
-            </a:r>
-            <a:r>
-              <a:rPr kumimoji="1" lang="en-US" altLang="ja-JP" sz="2000" dirty="0">
-                <a:latin typeface="Arial" panose="020B0604020202020204" pitchFamily="34" charset="0"/>
-                <a:cs typeface="Arial" panose="020B0604020202020204" pitchFamily="34" charset="0"/>
-              </a:rPr>
-              <a:t> cu </a:t>
-            </a:r>
-            <a:r>
-              <a:rPr kumimoji="1" lang="en-US" altLang="ja-JP" sz="2000" dirty="0" err="1">
-                <a:latin typeface="Arial" panose="020B0604020202020204" pitchFamily="34" charset="0"/>
-                <a:cs typeface="Arial" panose="020B0604020202020204" pitchFamily="34" charset="0"/>
-              </a:rPr>
-              <a:t>su</a:t>
-            </a:r>
-            <a:r>
-              <a:rPr kumimoji="1" lang="en-US" altLang="ja-JP" sz="2000" dirty="0">
-                <a:latin typeface="Arial" panose="020B0604020202020204" pitchFamily="34" charset="0"/>
-                <a:cs typeface="Arial" panose="020B0604020202020204" pitchFamily="34" charset="0"/>
-              </a:rPr>
-              <a:t> may </a:t>
-            </a:r>
-            <a:r>
-              <a:rPr kumimoji="1" lang="en-US" altLang="ja-JP" sz="2000" dirty="0" err="1">
-                <a:latin typeface="Arial" panose="020B0604020202020204" pitchFamily="34" charset="0"/>
-                <a:cs typeface="Arial" panose="020B0604020202020204" pitchFamily="34" charset="0"/>
-              </a:rPr>
-              <a:t>man,hanh</a:t>
-            </a:r>
-            <a:r>
-              <a:rPr kumimoji="1" lang="en-US" altLang="ja-JP" sz="2000" dirty="0">
-                <a:latin typeface="Arial" panose="020B0604020202020204" pitchFamily="34" charset="0"/>
-                <a:cs typeface="Arial" panose="020B0604020202020204" pitchFamily="34" charset="0"/>
-              </a:rPr>
-              <a:t> </a:t>
-            </a:r>
-            <a:r>
-              <a:rPr kumimoji="1" lang="en-US" altLang="ja-JP" sz="2000" dirty="0" err="1" smtClean="0">
-                <a:latin typeface="Arial" panose="020B0604020202020204" pitchFamily="34" charset="0"/>
-                <a:cs typeface="Arial" panose="020B0604020202020204" pitchFamily="34" charset="0"/>
-              </a:rPr>
-              <a:t>phuc</a:t>
-            </a:r>
-            <a:r>
-              <a:rPr kumimoji="1" lang="en-US" altLang="ja-JP" sz="2000" dirty="0" smtClean="0">
-                <a:latin typeface="Arial" panose="020B0604020202020204" pitchFamily="34" charset="0"/>
-                <a:cs typeface="Arial" panose="020B0604020202020204" pitchFamily="34" charset="0"/>
-              </a:rPr>
-              <a:t> </a:t>
-            </a:r>
-            <a:r>
-              <a:rPr kumimoji="1" lang="en-US" altLang="ja-JP" sz="2000" dirty="0" err="1">
-                <a:latin typeface="Arial" panose="020B0604020202020204" pitchFamily="34" charset="0"/>
-                <a:cs typeface="Arial" panose="020B0604020202020204" pitchFamily="34" charset="0"/>
-              </a:rPr>
-              <a:t>va</a:t>
-            </a:r>
-            <a:r>
-              <a:rPr kumimoji="1" lang="en-US" altLang="ja-JP" sz="2000" dirty="0">
-                <a:latin typeface="Arial" panose="020B0604020202020204" pitchFamily="34" charset="0"/>
-                <a:cs typeface="Arial" panose="020B0604020202020204" pitchFamily="34" charset="0"/>
-              </a:rPr>
-              <a:t> </a:t>
-            </a:r>
-            <a:r>
-              <a:rPr kumimoji="1" lang="en-US" altLang="ja-JP" sz="2000" dirty="0" err="1">
-                <a:latin typeface="Arial" panose="020B0604020202020204" pitchFamily="34" charset="0"/>
-                <a:cs typeface="Arial" panose="020B0604020202020204" pitchFamily="34" charset="0"/>
-              </a:rPr>
-              <a:t>truong</a:t>
-            </a:r>
-            <a:r>
-              <a:rPr kumimoji="1" lang="en-US" altLang="ja-JP" sz="2000" dirty="0">
-                <a:latin typeface="Arial" panose="020B0604020202020204" pitchFamily="34" charset="0"/>
-                <a:cs typeface="Arial" panose="020B0604020202020204" pitchFamily="34" charset="0"/>
-              </a:rPr>
-              <a:t> </a:t>
-            </a:r>
-            <a:r>
-              <a:rPr kumimoji="1" lang="en-US" altLang="ja-JP" sz="2000" dirty="0" err="1">
-                <a:latin typeface="Arial" panose="020B0604020202020204" pitchFamily="34" charset="0"/>
-                <a:cs typeface="Arial" panose="020B0604020202020204" pitchFamily="34" charset="0"/>
-              </a:rPr>
-              <a:t>tho.tra</a:t>
-            </a:r>
-            <a:r>
-              <a:rPr kumimoji="1" lang="en-US" altLang="ja-JP" sz="2000" dirty="0">
-                <a:latin typeface="Arial" panose="020B0604020202020204" pitchFamily="34" charset="0"/>
-                <a:cs typeface="Arial" panose="020B0604020202020204" pitchFamily="34" charset="0"/>
-              </a:rPr>
-              <a:t> </a:t>
-            </a:r>
-            <a:r>
-              <a:rPr kumimoji="1" lang="en-US" altLang="ja-JP" sz="2000" dirty="0" err="1">
-                <a:latin typeface="Arial" panose="020B0604020202020204" pitchFamily="34" charset="0"/>
-                <a:cs typeface="Arial" panose="020B0604020202020204" pitchFamily="34" charset="0"/>
-              </a:rPr>
-              <a:t>hoa</a:t>
-            </a:r>
-            <a:r>
-              <a:rPr kumimoji="1" lang="en-US" altLang="ja-JP" sz="2000" dirty="0">
-                <a:latin typeface="Arial" panose="020B0604020202020204" pitchFamily="34" charset="0"/>
-                <a:cs typeface="Arial" panose="020B0604020202020204" pitchFamily="34" charset="0"/>
-              </a:rPr>
-              <a:t> </a:t>
-            </a:r>
-            <a:r>
-              <a:rPr kumimoji="1" lang="en-US" altLang="ja-JP" sz="2000" dirty="0" err="1">
-                <a:latin typeface="Arial" panose="020B0604020202020204" pitchFamily="34" charset="0"/>
-                <a:cs typeface="Arial" panose="020B0604020202020204" pitchFamily="34" charset="0"/>
-              </a:rPr>
-              <a:t>cuc</a:t>
-            </a:r>
-            <a:r>
-              <a:rPr kumimoji="1" lang="en-US" altLang="ja-JP" sz="2000" dirty="0">
-                <a:latin typeface="Arial" panose="020B0604020202020204" pitchFamily="34" charset="0"/>
-                <a:cs typeface="Arial" panose="020B0604020202020204" pitchFamily="34" charset="0"/>
-              </a:rPr>
-              <a:t> co tac dung lam </a:t>
-            </a:r>
-            <a:r>
-              <a:rPr kumimoji="1" lang="en-US" altLang="ja-JP" sz="2000" dirty="0" err="1">
-                <a:latin typeface="Arial" panose="020B0604020202020204" pitchFamily="34" charset="0"/>
-                <a:cs typeface="Arial" panose="020B0604020202020204" pitchFamily="34" charset="0"/>
-              </a:rPr>
-              <a:t>giam</a:t>
-            </a:r>
-            <a:r>
-              <a:rPr kumimoji="1" lang="en-US" altLang="ja-JP" sz="2000" dirty="0">
-                <a:latin typeface="Arial" panose="020B0604020202020204" pitchFamily="34" charset="0"/>
-                <a:cs typeface="Arial" panose="020B0604020202020204" pitchFamily="34" charset="0"/>
-              </a:rPr>
-              <a:t> co ,</a:t>
-            </a:r>
-            <a:r>
-              <a:rPr kumimoji="1" lang="en-US" altLang="ja-JP" sz="2000" dirty="0" err="1">
-                <a:latin typeface="Arial" panose="020B0604020202020204" pitchFamily="34" charset="0"/>
-                <a:cs typeface="Arial" panose="020B0604020202020204" pitchFamily="34" charset="0"/>
-              </a:rPr>
-              <a:t>khi</a:t>
-            </a:r>
-            <a:r>
-              <a:rPr kumimoji="1" lang="en-US" altLang="ja-JP" sz="2000" dirty="0">
-                <a:latin typeface="Arial" panose="020B0604020202020204" pitchFamily="34" charset="0"/>
-                <a:cs typeface="Arial" panose="020B0604020202020204" pitchFamily="34" charset="0"/>
-              </a:rPr>
-              <a:t> </a:t>
-            </a:r>
-            <a:r>
-              <a:rPr kumimoji="1" lang="en-US" altLang="ja-JP" sz="2000" dirty="0" err="1">
-                <a:latin typeface="Arial" panose="020B0604020202020204" pitchFamily="34" charset="0"/>
-                <a:cs typeface="Arial" panose="020B0604020202020204" pitchFamily="34" charset="0"/>
-              </a:rPr>
-              <a:t>uong</a:t>
-            </a:r>
-            <a:r>
-              <a:rPr kumimoji="1" lang="en-US" altLang="ja-JP" sz="2000" dirty="0">
-                <a:latin typeface="Arial" panose="020B0604020202020204" pitchFamily="34" charset="0"/>
-                <a:cs typeface="Arial" panose="020B0604020202020204" pitchFamily="34" charset="0"/>
-              </a:rPr>
-              <a:t> se </a:t>
-            </a:r>
-            <a:r>
-              <a:rPr kumimoji="1" lang="en-US" altLang="ja-JP" sz="2000" dirty="0" err="1">
-                <a:latin typeface="Arial" panose="020B0604020202020204" pitchFamily="34" charset="0"/>
-                <a:cs typeface="Arial" panose="020B0604020202020204" pitchFamily="34" charset="0"/>
-              </a:rPr>
-              <a:t>giup</a:t>
-            </a:r>
-            <a:r>
-              <a:rPr kumimoji="1" lang="en-US" altLang="ja-JP" sz="2000" dirty="0">
-                <a:latin typeface="Arial" panose="020B0604020202020204" pitchFamily="34" charset="0"/>
-                <a:cs typeface="Arial" panose="020B0604020202020204" pitchFamily="34" charset="0"/>
-              </a:rPr>
-              <a:t> co the </a:t>
-            </a:r>
-            <a:r>
-              <a:rPr kumimoji="1" lang="en-US" altLang="ja-JP" sz="2000" dirty="0" err="1">
-                <a:latin typeface="Arial" panose="020B0604020202020204" pitchFamily="34" charset="0"/>
-                <a:cs typeface="Arial" panose="020B0604020202020204" pitchFamily="34" charset="0"/>
-              </a:rPr>
-              <a:t>duoc</a:t>
-            </a:r>
-            <a:r>
-              <a:rPr kumimoji="1" lang="en-US" altLang="ja-JP" sz="2000" dirty="0">
-                <a:latin typeface="Arial" panose="020B0604020202020204" pitchFamily="34" charset="0"/>
-                <a:cs typeface="Arial" panose="020B0604020202020204" pitchFamily="34" charset="0"/>
-              </a:rPr>
-              <a:t> </a:t>
-            </a:r>
-            <a:r>
-              <a:rPr kumimoji="1" lang="en-US" altLang="ja-JP" sz="2000" dirty="0" err="1">
-                <a:latin typeface="Arial" panose="020B0604020202020204" pitchFamily="34" charset="0"/>
-                <a:cs typeface="Arial" panose="020B0604020202020204" pitchFamily="34" charset="0"/>
-              </a:rPr>
-              <a:t>gian</a:t>
-            </a:r>
-            <a:r>
-              <a:rPr kumimoji="1" lang="en-US" altLang="ja-JP" sz="2000" dirty="0">
-                <a:latin typeface="Arial" panose="020B0604020202020204" pitchFamily="34" charset="0"/>
-                <a:cs typeface="Arial" panose="020B0604020202020204" pitchFamily="34" charset="0"/>
-              </a:rPr>
-              <a:t> co </a:t>
-            </a:r>
-            <a:r>
-              <a:rPr kumimoji="1" lang="en-US" altLang="ja-JP" sz="2000" dirty="0" err="1">
-                <a:latin typeface="Arial" panose="020B0604020202020204" pitchFamily="34" charset="0"/>
-                <a:cs typeface="Arial" panose="020B0604020202020204" pitchFamily="34" charset="0"/>
-              </a:rPr>
-              <a:t>giup</a:t>
-            </a:r>
-            <a:r>
-              <a:rPr kumimoji="1" lang="en-US" altLang="ja-JP" sz="2000" dirty="0">
-                <a:latin typeface="Arial" panose="020B0604020202020204" pitchFamily="34" charset="0"/>
-                <a:cs typeface="Arial" panose="020B0604020202020204" pitchFamily="34" charset="0"/>
-              </a:rPr>
-              <a:t> </a:t>
-            </a:r>
-            <a:r>
-              <a:rPr kumimoji="1" lang="en-US" altLang="ja-JP" sz="2000" dirty="0" err="1">
-                <a:latin typeface="Arial" panose="020B0604020202020204" pitchFamily="34" charset="0"/>
-                <a:cs typeface="Arial" panose="020B0604020202020204" pitchFamily="34" charset="0"/>
-              </a:rPr>
-              <a:t>cho</a:t>
-            </a:r>
-            <a:r>
-              <a:rPr kumimoji="1" lang="en-US" altLang="ja-JP" sz="2000" dirty="0">
-                <a:latin typeface="Arial" panose="020B0604020202020204" pitchFamily="34" charset="0"/>
-                <a:cs typeface="Arial" panose="020B0604020202020204" pitchFamily="34" charset="0"/>
-              </a:rPr>
-              <a:t> co the </a:t>
-            </a:r>
-            <a:r>
-              <a:rPr kumimoji="1" lang="en-US" altLang="ja-JP" sz="2000" dirty="0" err="1">
-                <a:latin typeface="Arial" panose="020B0604020202020204" pitchFamily="34" charset="0"/>
-                <a:cs typeface="Arial" panose="020B0604020202020204" pitchFamily="34" charset="0"/>
-              </a:rPr>
-              <a:t>chong</a:t>
-            </a:r>
-            <a:r>
-              <a:rPr kumimoji="1" lang="en-US" altLang="ja-JP" sz="2000" dirty="0">
-                <a:latin typeface="Arial" panose="020B0604020202020204" pitchFamily="34" charset="0"/>
-                <a:cs typeface="Arial" panose="020B0604020202020204" pitchFamily="34" charset="0"/>
-              </a:rPr>
-              <a:t> met .</a:t>
-            </a:r>
-            <a:endParaRPr kumimoji="1" lang="ja-JP" altLang="en-US" sz="2000" dirty="0">
-              <a:latin typeface="Arial" panose="020B0604020202020204" pitchFamily="34" charset="0"/>
-              <a:cs typeface="Arial" panose="020B0604020202020204" pitchFamily="34" charset="0"/>
-            </a:endParaRPr>
-          </a:p>
-        </p:txBody>
-      </p:sp>
-      <p:pic>
-        <p:nvPicPr>
-          <p:cNvPr id="8" name="図 7"/>
-          <p:cNvPicPr>
-            <a:picLocks noChangeAspect="1"/>
-          </p:cNvPicPr>
-          <p:nvPr/>
-        </p:nvPicPr>
-        <p:blipFill>
-          <a:blip r:embed="rId2">
-            <a:extLst>
-              <a:ext uri="{28A0092B-C50C-407E-A947-70E740481C1C}">
-                <a14:useLocalDpi xmlns:a14="http://schemas.microsoft.com/office/drawing/2010/main" val="0"/>
-              </a:ext>
-            </a:extLst>
-          </a:blip>
-          <a:stretch>
-            <a:fillRect/>
-          </a:stretch>
-        </p:blipFill>
-        <p:spPr>
-          <a:xfrm>
-            <a:off x="8125097" y="1619794"/>
-            <a:ext cx="3566160" cy="2756263"/>
-          </a:xfrm>
-          <a:prstGeom prst="rect">
-            <a:avLst/>
-          </a:prstGeom>
-        </p:spPr>
-      </p:pic>
-      <p:sp>
-        <p:nvSpPr>
-          <p:cNvPr id="5" name="正方形/長方形 4"/>
-          <p:cNvSpPr/>
-          <p:nvPr/>
-        </p:nvSpPr>
-        <p:spPr>
-          <a:xfrm>
-            <a:off x="3707245" y="421815"/>
-            <a:ext cx="1618058" cy="518529"/>
-          </a:xfrm>
-          <a:prstGeom prst="rect">
-            <a:avLst/>
-          </a:prstGeom>
-          <a:solidFill>
-            <a:srgbClr val="92D050"/>
-          </a:solidFill>
-        </p:spPr>
-        <p:style>
-          <a:lnRef idx="2">
-            <a:schemeClr val="accent3">
-              <a:shade val="50000"/>
-            </a:schemeClr>
-          </a:lnRef>
-          <a:fillRef idx="1">
-            <a:schemeClr val="accent3"/>
-          </a:fillRef>
-          <a:effectRef idx="0">
-            <a:schemeClr val="accent3"/>
-          </a:effectRef>
-          <a:fontRef idx="minor">
-            <a:schemeClr val="lt1"/>
-          </a:fontRef>
-        </p:style>
-        <p:txBody>
-          <a:bodyPr rtlCol="0" anchor="ctr"/>
-          <a:lstStyle/>
-          <a:p>
-            <a:pPr algn="ctr"/>
-            <a:r>
-              <a:rPr kumimoji="1" lang="ja-JP" altLang="en-US" sz="1400" dirty="0"/>
-              <a:t>商品</a:t>
-            </a:r>
-            <a:r>
-              <a:rPr kumimoji="1" lang="ja-JP" altLang="en-US" sz="1400" dirty="0" smtClean="0"/>
-              <a:t>メニュー</a:t>
-            </a:r>
-            <a:endParaRPr kumimoji="1" lang="ja-JP" altLang="en-US" sz="1400" dirty="0"/>
-          </a:p>
-        </p:txBody>
-      </p:sp>
-      <p:sp>
-        <p:nvSpPr>
-          <p:cNvPr id="7" name="正方形/長方形 6"/>
-          <p:cNvSpPr/>
-          <p:nvPr/>
-        </p:nvSpPr>
-        <p:spPr>
-          <a:xfrm>
-            <a:off x="8457516" y="407737"/>
-            <a:ext cx="1618058" cy="546687"/>
-          </a:xfrm>
-          <a:prstGeom prst="rect">
-            <a:avLst/>
-          </a:prstGeom>
-          <a:solidFill>
-            <a:srgbClr val="92D050"/>
-          </a:solidFill>
-        </p:spPr>
-        <p:style>
-          <a:lnRef idx="2">
-            <a:schemeClr val="accent1">
-              <a:shade val="50000"/>
-            </a:schemeClr>
-          </a:lnRef>
-          <a:fillRef idx="1">
-            <a:schemeClr val="accent1"/>
-          </a:fillRef>
-          <a:effectRef idx="0">
-            <a:schemeClr val="accent1"/>
-          </a:effectRef>
-          <a:fontRef idx="minor">
-            <a:schemeClr val="lt1"/>
-          </a:fontRef>
-        </p:style>
-        <p:txBody>
-          <a:bodyPr rtlCol="0" anchor="ctr"/>
-          <a:lstStyle/>
-          <a:p>
-            <a:pPr algn="ctr"/>
-            <a:r>
-              <a:rPr kumimoji="1" lang="ja-JP" altLang="en-US" sz="1400" dirty="0" smtClean="0"/>
-              <a:t>おすすめの</a:t>
-            </a:r>
-            <a:r>
-              <a:rPr kumimoji="1" lang="ja-JP" altLang="en-US" sz="1400" dirty="0"/>
-              <a:t>茶</a:t>
-            </a:r>
-          </a:p>
-        </p:txBody>
-      </p:sp>
-      <p:sp>
-        <p:nvSpPr>
-          <p:cNvPr id="9" name="正方形/長方形 8"/>
-          <p:cNvSpPr/>
-          <p:nvPr/>
-        </p:nvSpPr>
-        <p:spPr>
-          <a:xfrm>
-            <a:off x="5325303" y="407737"/>
-            <a:ext cx="1618058" cy="546687"/>
-          </a:xfrm>
-          <a:prstGeom prst="rect">
-            <a:avLst/>
-          </a:prstGeom>
-          <a:solidFill>
-            <a:srgbClr val="92D050"/>
-          </a:solidFill>
-        </p:spPr>
-        <p:style>
-          <a:lnRef idx="2">
-            <a:schemeClr val="accent1">
-              <a:shade val="50000"/>
-            </a:schemeClr>
-          </a:lnRef>
-          <a:fillRef idx="1">
-            <a:schemeClr val="accent1"/>
-          </a:fillRef>
-          <a:effectRef idx="0">
-            <a:schemeClr val="accent1"/>
-          </a:effectRef>
-          <a:fontRef idx="minor">
-            <a:schemeClr val="lt1"/>
-          </a:fontRef>
-        </p:style>
-        <p:txBody>
-          <a:bodyPr rtlCol="0" anchor="ctr"/>
-          <a:lstStyle/>
-          <a:p>
-            <a:pPr algn="ctr"/>
-            <a:r>
-              <a:rPr kumimoji="1" lang="en-US" altLang="ja-JP" sz="1400" dirty="0" smtClean="0"/>
-              <a:t>YOU&amp;ME</a:t>
-            </a:r>
-            <a:r>
-              <a:rPr kumimoji="1" lang="ja-JP" altLang="en-US" sz="1200" dirty="0" smtClean="0"/>
-              <a:t>について</a:t>
-            </a:r>
-            <a:endParaRPr kumimoji="1" lang="ja-JP" altLang="en-US" sz="1200" dirty="0"/>
-          </a:p>
-        </p:txBody>
-      </p:sp>
-      <p:sp>
-        <p:nvSpPr>
-          <p:cNvPr id="10" name="正方形/長方形 9"/>
-          <p:cNvSpPr/>
-          <p:nvPr/>
-        </p:nvSpPr>
-        <p:spPr>
-          <a:xfrm>
-            <a:off x="6943361" y="407737"/>
-            <a:ext cx="1496068" cy="546687"/>
-          </a:xfrm>
-          <a:prstGeom prst="rect">
-            <a:avLst/>
-          </a:prstGeom>
-          <a:solidFill>
-            <a:srgbClr val="92D050"/>
-          </a:solidFill>
-        </p:spPr>
-        <p:style>
-          <a:lnRef idx="2">
-            <a:schemeClr val="accent1">
-              <a:shade val="50000"/>
-            </a:schemeClr>
-          </a:lnRef>
-          <a:fillRef idx="1">
-            <a:schemeClr val="accent1"/>
-          </a:fillRef>
-          <a:effectRef idx="0">
-            <a:schemeClr val="accent1"/>
-          </a:effectRef>
-          <a:fontRef idx="minor">
-            <a:schemeClr val="lt1"/>
-          </a:fontRef>
-        </p:style>
-        <p:txBody>
-          <a:bodyPr rtlCol="0" anchor="ctr"/>
-          <a:lstStyle/>
-          <a:p>
-            <a:pPr algn="ctr"/>
-            <a:r>
-              <a:rPr kumimoji="1" lang="ja-JP" altLang="en-US" sz="1400" dirty="0" smtClean="0"/>
-              <a:t>人気ランキング</a:t>
-            </a:r>
-            <a:endParaRPr kumimoji="1" lang="ja-JP" altLang="en-US" sz="1400" dirty="0"/>
-          </a:p>
-        </p:txBody>
-      </p:sp>
-      <p:sp>
-        <p:nvSpPr>
-          <p:cNvPr id="12" name="テキスト ボックス 11"/>
-          <p:cNvSpPr txBox="1"/>
-          <p:nvPr/>
-        </p:nvSpPr>
-        <p:spPr>
-          <a:xfrm>
-            <a:off x="-676266" y="288620"/>
-            <a:ext cx="4544008" cy="584775"/>
-          </a:xfrm>
-          <a:prstGeom prst="rect">
-            <a:avLst/>
-          </a:prstGeom>
-          <a:noFill/>
-        </p:spPr>
-        <p:txBody>
-          <a:bodyPr wrap="square" rtlCol="0">
-            <a:spAutoFit/>
-          </a:bodyPr>
-          <a:lstStyle/>
-          <a:p>
-            <a:pPr algn="ctr"/>
-            <a:r>
-              <a:rPr kumimoji="1" lang="en-US" altLang="ja-JP" sz="3200" dirty="0" smtClean="0">
-                <a:solidFill>
-                  <a:srgbClr val="ED7613"/>
-                </a:solidFill>
-                <a:latin typeface="Algerian" panose="04020705040A02060702" pitchFamily="82" charset="0"/>
-              </a:rPr>
-              <a:t>Y O U  &amp;  M  E</a:t>
-            </a:r>
-            <a:endParaRPr kumimoji="1" lang="ja-JP" altLang="en-US" sz="3200" dirty="0">
-              <a:solidFill>
-                <a:srgbClr val="ED7613"/>
-              </a:solidFill>
-              <a:latin typeface="Algerian" panose="04020705040A02060702" pitchFamily="82" charset="0"/>
-            </a:endParaRPr>
-          </a:p>
-        </p:txBody>
-      </p:sp>
-      <p:sp>
-        <p:nvSpPr>
-          <p:cNvPr id="13" name="テキスト ボックス 12"/>
-          <p:cNvSpPr txBox="1"/>
-          <p:nvPr/>
-        </p:nvSpPr>
-        <p:spPr>
-          <a:xfrm>
-            <a:off x="215900" y="112021"/>
-            <a:ext cx="3491345" cy="276999"/>
-          </a:xfrm>
-          <a:prstGeom prst="rect">
-            <a:avLst/>
-          </a:prstGeom>
-          <a:noFill/>
-        </p:spPr>
-        <p:txBody>
-          <a:bodyPr wrap="square" rtlCol="0">
-            <a:spAutoFit/>
-          </a:bodyPr>
-          <a:lstStyle/>
-          <a:p>
-            <a:r>
-              <a:rPr kumimoji="1" lang="ja-JP" altLang="en-US" sz="1200" dirty="0" smtClean="0">
-                <a:solidFill>
-                  <a:srgbClr val="FFFF00"/>
-                </a:solidFill>
-              </a:rPr>
-              <a:t>丘の上の茶店</a:t>
-            </a:r>
-            <a:endParaRPr kumimoji="1" lang="ja-JP" altLang="en-US" sz="1200" dirty="0">
-              <a:solidFill>
-                <a:srgbClr val="FFFF00"/>
-              </a:solidFill>
-            </a:endParaRPr>
-          </a:p>
-        </p:txBody>
-      </p:sp>
-      <p:sp>
-        <p:nvSpPr>
-          <p:cNvPr id="11" name="正方形/長方形 10"/>
-          <p:cNvSpPr/>
-          <p:nvPr/>
-        </p:nvSpPr>
-        <p:spPr>
-          <a:xfrm>
-            <a:off x="10093661" y="421815"/>
-            <a:ext cx="1618058" cy="532609"/>
-          </a:xfrm>
-          <a:prstGeom prst="rect">
-            <a:avLst/>
-          </a:prstGeom>
-          <a:solidFill>
-            <a:srgbClr val="92D050"/>
-          </a:solidFill>
-        </p:spPr>
-        <p:style>
-          <a:lnRef idx="2">
-            <a:schemeClr val="accent1">
-              <a:shade val="50000"/>
-            </a:schemeClr>
-          </a:lnRef>
-          <a:fillRef idx="1">
-            <a:schemeClr val="accent1"/>
-          </a:fillRef>
-          <a:effectRef idx="0">
-            <a:schemeClr val="accent1"/>
-          </a:effectRef>
-          <a:fontRef idx="minor">
-            <a:schemeClr val="lt1"/>
-          </a:fontRef>
-        </p:style>
-        <p:txBody>
-          <a:bodyPr rtlCol="0" anchor="ctr"/>
-          <a:lstStyle/>
-          <a:p>
-            <a:pPr algn="ctr"/>
-            <a:r>
-              <a:rPr kumimoji="1" lang="ja-JP" altLang="en-US" sz="1600" dirty="0" smtClean="0"/>
-              <a:t>アクセスマップ</a:t>
-            </a:r>
-            <a:endParaRPr kumimoji="1" lang="ja-JP" altLang="en-US" sz="1600" dirty="0"/>
-          </a:p>
-        </p:txBody>
-      </p:sp>
-    </p:spTree>
-    <p:extLst>
-      <p:ext uri="{BB962C8B-B14F-4D97-AF65-F5344CB8AC3E}">
-        <p14:creationId xmlns:p14="http://schemas.microsoft.com/office/powerpoint/2010/main" val="3753260282"/>
-      </p:ext>
-    </p:extLst>
-  </p:cSld>
-  <p:clrMapOvr>
-    <a:masterClrMapping/>
-  </p:clrMapOvr>
-  <mc:AlternateContent xmlns:mc="http://schemas.openxmlformats.org/markup-compatibility/2006" xmlns:p14="http://schemas.microsoft.com/office/powerpoint/2010/main">
-    <mc:Choice Requires="p14">
-      <p:transition spd="slow" p14:dur="1400" advTm="3000">
-        <p14:ripple/>
-      </p:transition>
-    </mc:Choice>
-    <mc:Fallback xmlns="">
-      <p:transition spd="slow" advTm="3000">
-        <p:fade/>
-      </p:transition>
-    </mc:Fallback>
-  </mc:AlternateContent>
-  <p:timing>
-    <p:tnLst>
-      <p:par>
-        <p:cTn id="1" dur="indefinite" restart="never" nodeType="tmRoot"/>
-      </p:par>
-    </p:tnLst>
-  </p:timing>
-</p:sld>
-</file>
-
 <file path=ppt/slides/slide4.xml><?xml version="1.0" encoding="utf-8"?>
 <p:sld xmlns:a="http://schemas.openxmlformats.org/drawingml/2006/main" xmlns:r="http://schemas.openxmlformats.org/officeDocument/2006/relationships" xmlns:p="http://schemas.openxmlformats.org/presentationml/2006/main">
   <p:cSld>
@@ -9225,197 +9350,14 @@
       </p:grpSpPr>
       <p:sp>
         <p:nvSpPr>
-          <p:cNvPr id="2" name="タイトル 1"/>
-          <p:cNvSpPr>
-            <a:spLocks noGrp="1"/>
-          </p:cNvSpPr>
-          <p:nvPr>
-            <p:ph type="title"/>
-          </p:nvPr>
-        </p:nvSpPr>
-        <p:spPr>
-          <a:xfrm>
-            <a:off x="-803925" y="1256709"/>
-            <a:ext cx="4297680" cy="657497"/>
-          </a:xfrm>
-          <a:noFill/>
-          <a:ln>
-            <a:noFill/>
-          </a:ln>
-        </p:spPr>
-        <p:style>
-          <a:lnRef idx="2">
-            <a:schemeClr val="accent5">
-              <a:shade val="50000"/>
-            </a:schemeClr>
-          </a:lnRef>
-          <a:fillRef idx="1">
-            <a:schemeClr val="accent5"/>
-          </a:fillRef>
-          <a:effectRef idx="0">
-            <a:schemeClr val="accent5"/>
-          </a:effectRef>
-          <a:fontRef idx="minor">
-            <a:schemeClr val="lt1"/>
-          </a:fontRef>
-        </p:style>
-        <p:txBody>
-          <a:bodyPr>
-            <a:normAutofit/>
-          </a:bodyPr>
-          <a:lstStyle/>
-          <a:p>
-            <a:pPr algn="ctr"/>
-            <a:r>
-              <a:rPr kumimoji="1" lang="ja-JP" altLang="en-US" sz="2000" b="1" dirty="0" smtClean="0">
-                <a:solidFill>
-                  <a:schemeClr val="tx1"/>
-                </a:solidFill>
-                <a:latin typeface="Arial Black" panose="020B0A04020102020204" pitchFamily="34" charset="0"/>
-                <a:ea typeface="+mj-ea"/>
-              </a:rPr>
-              <a:t>人気ランキング</a:t>
-            </a:r>
-            <a:endParaRPr kumimoji="1" lang="ja-JP" altLang="en-US" sz="2000" b="1" dirty="0">
-              <a:solidFill>
-                <a:schemeClr val="tx1"/>
-              </a:solidFill>
-              <a:latin typeface="Arial Black" panose="020B0A04020102020204" pitchFamily="34" charset="0"/>
-              <a:ea typeface="+mj-ea"/>
-            </a:endParaRPr>
-          </a:p>
-        </p:txBody>
-      </p:sp>
-      <p:pic>
-        <p:nvPicPr>
-          <p:cNvPr id="3" name="図 2"/>
-          <p:cNvPicPr>
-            <a:picLocks noChangeAspect="1"/>
-          </p:cNvPicPr>
-          <p:nvPr/>
-        </p:nvPicPr>
-        <p:blipFill>
-          <a:blip r:embed="rId2" cstate="print">
-            <a:extLst>
-              <a:ext uri="{28A0092B-C50C-407E-A947-70E740481C1C}">
-                <a14:useLocalDpi xmlns:a14="http://schemas.microsoft.com/office/drawing/2010/main" val="0"/>
-              </a:ext>
-            </a:extLst>
-          </a:blip>
-          <a:stretch>
-            <a:fillRect/>
-          </a:stretch>
-        </p:blipFill>
-        <p:spPr>
-          <a:xfrm>
-            <a:off x="9491615" y="1946366"/>
-            <a:ext cx="2076027" cy="2887392"/>
-          </a:xfrm>
-          <a:prstGeom prst="rect">
-            <a:avLst/>
-          </a:prstGeom>
-        </p:spPr>
-      </p:pic>
-      <p:pic>
-        <p:nvPicPr>
-          <p:cNvPr id="7" name="図 6"/>
-          <p:cNvPicPr>
-            <a:picLocks noChangeAspect="1"/>
-          </p:cNvPicPr>
-          <p:nvPr/>
-        </p:nvPicPr>
-        <p:blipFill>
-          <a:blip r:embed="rId3">
-            <a:extLst>
-              <a:ext uri="{28A0092B-C50C-407E-A947-70E740481C1C}">
-                <a14:useLocalDpi xmlns:a14="http://schemas.microsoft.com/office/drawing/2010/main" val="0"/>
-              </a:ext>
-            </a:extLst>
-          </a:blip>
-          <a:stretch>
-            <a:fillRect/>
-          </a:stretch>
-        </p:blipFill>
-        <p:spPr>
-          <a:xfrm>
-            <a:off x="746758" y="1946866"/>
-            <a:ext cx="2076028" cy="2886892"/>
-          </a:xfrm>
-          <a:prstGeom prst="rect">
-            <a:avLst/>
-          </a:prstGeom>
-        </p:spPr>
-      </p:pic>
-      <p:pic>
-        <p:nvPicPr>
-          <p:cNvPr id="8" name="図 7"/>
-          <p:cNvPicPr>
-            <a:picLocks noChangeAspect="1"/>
-          </p:cNvPicPr>
-          <p:nvPr/>
-        </p:nvPicPr>
-        <p:blipFill>
-          <a:blip r:embed="rId4">
-            <a:extLst>
-              <a:ext uri="{28A0092B-C50C-407E-A947-70E740481C1C}">
-                <a14:useLocalDpi xmlns:a14="http://schemas.microsoft.com/office/drawing/2010/main" val="0"/>
-              </a:ext>
-            </a:extLst>
-          </a:blip>
-          <a:stretch>
-            <a:fillRect/>
-          </a:stretch>
-        </p:blipFill>
-        <p:spPr>
-          <a:xfrm>
-            <a:off x="3661710" y="1946366"/>
-            <a:ext cx="2076028" cy="2887392"/>
-          </a:xfrm>
-          <a:prstGeom prst="rect">
-            <a:avLst/>
-          </a:prstGeom>
-        </p:spPr>
-      </p:pic>
-      <p:pic>
-        <p:nvPicPr>
-          <p:cNvPr id="9" name="図 8"/>
-          <p:cNvPicPr>
-            <a:picLocks noChangeAspect="1"/>
-          </p:cNvPicPr>
-          <p:nvPr/>
-        </p:nvPicPr>
-        <p:blipFill>
-          <a:blip r:embed="rId5" cstate="print">
-            <a:extLst>
-              <a:ext uri="{28A0092B-C50C-407E-A947-70E740481C1C}">
-                <a14:useLocalDpi xmlns:a14="http://schemas.microsoft.com/office/drawing/2010/main" val="0"/>
-              </a:ext>
-            </a:extLst>
-          </a:blip>
-          <a:stretch>
-            <a:fillRect/>
-          </a:stretch>
-        </p:blipFill>
-        <p:spPr>
-          <a:xfrm>
-            <a:off x="6725194" y="1946866"/>
-            <a:ext cx="2076029" cy="2886892"/>
-          </a:xfrm>
-          <a:prstGeom prst="rect">
-            <a:avLst/>
-          </a:prstGeom>
-        </p:spPr>
-      </p:pic>
-      <p:sp>
-        <p:nvSpPr>
-          <p:cNvPr id="14" name="テキスト ボックス 13"/>
+          <p:cNvPr id="2" name="テキスト ボックス 1"/>
           <p:cNvSpPr txBox="1"/>
           <p:nvPr/>
         </p:nvSpPr>
         <p:spPr>
           <a:xfrm>
-            <a:off x="702730" y="5347173"/>
-            <a:ext cx="2076028" cy="923330"/>
+            <a:off x="-2176550" y="1069295"/>
+            <a:ext cx="7356763" cy="461665"/>
           </a:xfrm>
           <a:prstGeom prst="rect">
             <a:avLst/>
@@ -9428,182 +9370,40 @@
           </a:bodyPr>
           <a:lstStyle/>
           <a:p>
-            <a:r>
-              <a:rPr kumimoji="1" lang="ja-JP" altLang="en-US" dirty="0" smtClean="0"/>
-              <a:t>菊の花お茶　バッグ　</a:t>
-            </a:r>
-            <a:r>
-              <a:rPr kumimoji="1" lang="en-US" altLang="ja-JP" dirty="0" smtClean="0"/>
-              <a:t>350g</a:t>
-            </a:r>
-          </a:p>
-          <a:p>
-            <a:r>
-              <a:rPr kumimoji="1" lang="en-US" altLang="ja-JP" dirty="0" smtClean="0"/>
-              <a:t>2050</a:t>
-            </a:r>
-            <a:r>
-              <a:rPr kumimoji="1" lang="ja-JP" altLang="en-US" dirty="0" smtClean="0"/>
-              <a:t>円</a:t>
-            </a:r>
-            <a:endParaRPr kumimoji="1" lang="ja-JP" altLang="en-US" dirty="0"/>
-          </a:p>
-        </p:txBody>
-      </p:sp>
-      <p:sp>
-        <p:nvSpPr>
-          <p:cNvPr id="17" name="テキスト ボックス 16"/>
+            <a:pPr algn="ctr"/>
+            <a:r>
+              <a:rPr kumimoji="1" lang="ja-JP" altLang="en-US" sz="2400" dirty="0">
+                <a:solidFill>
+                  <a:srgbClr val="FF33CC"/>
+                </a:solidFill>
+              </a:rPr>
+              <a:t>商品メニュ</a:t>
+            </a:r>
+            <a:r>
+              <a:rPr kumimoji="1" lang="en-US" altLang="ja-JP" sz="2400" dirty="0">
+                <a:solidFill>
+                  <a:srgbClr val="FF33CC"/>
+                </a:solidFill>
+              </a:rPr>
+              <a:t>―</a:t>
+            </a:r>
+            <a:endParaRPr kumimoji="1" lang="ja-JP" altLang="en-US" sz="2400" dirty="0" smtClean="0">
+              <a:solidFill>
+                <a:srgbClr val="FF33CC"/>
+              </a:solidFill>
+            </a:endParaRPr>
+          </a:p>
+        </p:txBody>
+      </p:sp>
+      <p:sp>
+        <p:nvSpPr>
+          <p:cNvPr id="13" name="テキスト ボックス 12"/>
           <p:cNvSpPr txBox="1"/>
           <p:nvPr/>
         </p:nvSpPr>
         <p:spPr>
           <a:xfrm>
-            <a:off x="3661710" y="5342384"/>
-            <a:ext cx="2076028" cy="923330"/>
-          </a:xfrm>
-          <a:prstGeom prst="rect">
-            <a:avLst/>
-          </a:prstGeom>
-          <a:noFill/>
-        </p:spPr>
-        <p:txBody>
-          <a:bodyPr wrap="square" rtlCol="0">
-            <a:spAutoFit/>
-          </a:bodyPr>
-          <a:lstStyle/>
-          <a:p>
-            <a:r>
-              <a:rPr kumimoji="1" lang="ja-JP" altLang="en-US" dirty="0" smtClean="0"/>
-              <a:t>アティチョお茶　バッグ　</a:t>
-            </a:r>
-            <a:r>
-              <a:rPr kumimoji="1" lang="en-US" altLang="ja-JP" dirty="0" smtClean="0"/>
-              <a:t>200px2g</a:t>
-            </a:r>
-          </a:p>
-          <a:p>
-            <a:r>
-              <a:rPr kumimoji="1" lang="en-US" altLang="ja-JP" dirty="0" smtClean="0"/>
-              <a:t>2500</a:t>
-            </a:r>
-            <a:r>
-              <a:rPr kumimoji="1" lang="ja-JP" altLang="en-US" dirty="0" smtClean="0"/>
-              <a:t>円</a:t>
-            </a:r>
-            <a:endParaRPr kumimoji="1" lang="ja-JP" altLang="en-US" dirty="0"/>
-          </a:p>
-        </p:txBody>
-      </p:sp>
-      <p:sp>
-        <p:nvSpPr>
-          <p:cNvPr id="19" name="テキスト ボックス 18"/>
-          <p:cNvSpPr txBox="1"/>
-          <p:nvPr/>
-        </p:nvSpPr>
-        <p:spPr>
-          <a:xfrm>
-            <a:off x="6644472" y="5347251"/>
-            <a:ext cx="2076029" cy="1200329"/>
-          </a:xfrm>
-          <a:prstGeom prst="rect">
-            <a:avLst/>
-          </a:prstGeom>
-          <a:noFill/>
-        </p:spPr>
-        <p:txBody>
-          <a:bodyPr wrap="square" rtlCol="0">
-            <a:spAutoFit/>
-          </a:bodyPr>
-          <a:lstStyle/>
-          <a:p>
-            <a:r>
-              <a:rPr kumimoji="1" lang="ja-JP" altLang="en-US" dirty="0" smtClean="0"/>
-              <a:t>ジャスミンお茶　バッグ　</a:t>
-            </a:r>
-            <a:r>
-              <a:rPr kumimoji="1" lang="en-US" altLang="ja-JP" dirty="0" smtClean="0"/>
-              <a:t>25</a:t>
-            </a:r>
-            <a:r>
-              <a:rPr kumimoji="1" lang="ja-JP" altLang="en-US" dirty="0" smtClean="0"/>
-              <a:t>ｐｘ</a:t>
-            </a:r>
-            <a:r>
-              <a:rPr kumimoji="1" lang="en-US" altLang="ja-JP" dirty="0"/>
-              <a:t>3</a:t>
-            </a:r>
-            <a:r>
-              <a:rPr kumimoji="1" lang="ja-JP" altLang="en-US" dirty="0" err="1" smtClean="0"/>
-              <a:t>ｇ</a:t>
-            </a:r>
-            <a:endParaRPr kumimoji="1" lang="en-US" altLang="ja-JP" dirty="0" smtClean="0"/>
-          </a:p>
-          <a:p>
-            <a:r>
-              <a:rPr kumimoji="1" lang="en-US" altLang="ja-JP" dirty="0" smtClean="0"/>
-              <a:t>1580</a:t>
-            </a:r>
-            <a:r>
-              <a:rPr kumimoji="1" lang="ja-JP" altLang="en-US" dirty="0" smtClean="0"/>
-              <a:t>円</a:t>
-            </a:r>
-            <a:endParaRPr kumimoji="1" lang="ja-JP" altLang="en-US" dirty="0"/>
-          </a:p>
-        </p:txBody>
-      </p:sp>
-      <p:sp>
-        <p:nvSpPr>
-          <p:cNvPr id="20" name="テキスト ボックス 19"/>
-          <p:cNvSpPr txBox="1"/>
-          <p:nvPr/>
-        </p:nvSpPr>
-        <p:spPr>
-          <a:xfrm>
-            <a:off x="9491615" y="5342384"/>
-            <a:ext cx="2076027" cy="923330"/>
-          </a:xfrm>
-          <a:prstGeom prst="rect">
-            <a:avLst/>
-          </a:prstGeom>
-          <a:noFill/>
-        </p:spPr>
-        <p:txBody>
-          <a:bodyPr wrap="square" rtlCol="0">
-            <a:spAutoFit/>
-          </a:bodyPr>
-          <a:lstStyle/>
-          <a:p>
-            <a:r>
-              <a:rPr kumimoji="1" lang="ja-JP" altLang="en-US" dirty="0" smtClean="0"/>
-              <a:t>蓮の花お茶　バッグ　</a:t>
-            </a:r>
-            <a:r>
-              <a:rPr kumimoji="1" lang="en-US" altLang="ja-JP" dirty="0" smtClean="0"/>
-              <a:t>500g</a:t>
-            </a:r>
-          </a:p>
-          <a:p>
-            <a:r>
-              <a:rPr kumimoji="1" lang="en-US" altLang="ja-JP" dirty="0" smtClean="0"/>
-              <a:t>3085</a:t>
-            </a:r>
-            <a:r>
-              <a:rPr kumimoji="1" lang="ja-JP" altLang="en-US" dirty="0" smtClean="0"/>
-              <a:t>円　</a:t>
-            </a:r>
-            <a:endParaRPr kumimoji="1" lang="ja-JP" altLang="en-US" dirty="0"/>
-          </a:p>
-        </p:txBody>
-      </p:sp>
-      <p:sp>
-        <p:nvSpPr>
-          <p:cNvPr id="12" name="テキスト ボックス 11"/>
-          <p:cNvSpPr txBox="1"/>
-          <p:nvPr/>
-        </p:nvSpPr>
-        <p:spPr>
-          <a:xfrm>
-            <a:off x="222617" y="325600"/>
+            <a:off x="196491" y="92953"/>
             <a:ext cx="3491345" cy="307777"/>
           </a:xfrm>
           <a:prstGeom prst="rect">
@@ -9635,13 +9435,13 @@
       </p:sp>
       <p:sp>
         <p:nvSpPr>
-          <p:cNvPr id="13" name="正方形/長方形 12"/>
+          <p:cNvPr id="14" name="正方形/長方形 13"/>
           <p:cNvSpPr/>
           <p:nvPr/>
         </p:nvSpPr>
         <p:spPr>
           <a:xfrm>
-            <a:off x="221407" y="639274"/>
+            <a:off x="0" y="356897"/>
             <a:ext cx="2658100" cy="584775"/>
           </a:xfrm>
           <a:prstGeom prst="rect">
@@ -9670,668 +9470,6 @@
               </a:solidFill>
               <a:latin typeface="Algerian" panose="04020705040A02060702" pitchFamily="82" charset="0"/>
             </a:endParaRPr>
-          </a:p>
-        </p:txBody>
-      </p:sp>
-      <p:sp>
-        <p:nvSpPr>
-          <p:cNvPr id="15" name="正方形/長方形 14"/>
-          <p:cNvSpPr/>
-          <p:nvPr/>
-        </p:nvSpPr>
-        <p:spPr>
-          <a:xfrm>
-            <a:off x="3739772" y="503835"/>
-            <a:ext cx="1618058" cy="518529"/>
-          </a:xfrm>
-          <a:prstGeom prst="rect">
-            <a:avLst/>
-          </a:prstGeom>
-          <a:solidFill>
-            <a:srgbClr val="92D050"/>
-          </a:solidFill>
-        </p:spPr>
-        <p:style>
-          <a:lnRef idx="2">
-            <a:schemeClr val="accent3">
-              <a:shade val="50000"/>
-            </a:schemeClr>
-          </a:lnRef>
-          <a:fillRef idx="1">
-            <a:schemeClr val="accent3"/>
-          </a:fillRef>
-          <a:effectRef idx="0">
-            <a:schemeClr val="accent3"/>
-          </a:effectRef>
-          <a:fontRef idx="minor">
-            <a:schemeClr val="lt1"/>
-          </a:fontRef>
-        </p:style>
-        <p:txBody>
-          <a:bodyPr rtlCol="0" anchor="ctr"/>
-          <a:lstStyle/>
-          <a:p>
-            <a:pPr algn="ctr"/>
-            <a:r>
-              <a:rPr kumimoji="1" lang="ja-JP" altLang="en-US" sz="1400" dirty="0"/>
-              <a:t>商品</a:t>
-            </a:r>
-            <a:r>
-              <a:rPr kumimoji="1" lang="ja-JP" altLang="en-US" sz="1400" dirty="0" smtClean="0"/>
-              <a:t>メニュー</a:t>
-            </a:r>
-            <a:endParaRPr kumimoji="1" lang="ja-JP" altLang="en-US" sz="1400" dirty="0"/>
-          </a:p>
-        </p:txBody>
-      </p:sp>
-      <p:sp>
-        <p:nvSpPr>
-          <p:cNvPr id="16" name="正方形/長方形 15"/>
-          <p:cNvSpPr/>
-          <p:nvPr/>
-        </p:nvSpPr>
-        <p:spPr>
-          <a:xfrm>
-            <a:off x="8474418" y="489757"/>
-            <a:ext cx="1618058" cy="546687"/>
-          </a:xfrm>
-          <a:prstGeom prst="rect">
-            <a:avLst/>
-          </a:prstGeom>
-          <a:solidFill>
-            <a:srgbClr val="92D050"/>
-          </a:solidFill>
-        </p:spPr>
-        <p:style>
-          <a:lnRef idx="2">
-            <a:schemeClr val="accent1">
-              <a:shade val="50000"/>
-            </a:schemeClr>
-          </a:lnRef>
-          <a:fillRef idx="1">
-            <a:schemeClr val="accent1"/>
-          </a:fillRef>
-          <a:effectRef idx="0">
-            <a:schemeClr val="accent1"/>
-          </a:effectRef>
-          <a:fontRef idx="minor">
-            <a:schemeClr val="lt1"/>
-          </a:fontRef>
-        </p:style>
-        <p:txBody>
-          <a:bodyPr rtlCol="0" anchor="ctr"/>
-          <a:lstStyle/>
-          <a:p>
-            <a:pPr algn="ctr"/>
-            <a:r>
-              <a:rPr kumimoji="1" lang="ja-JP" altLang="en-US" sz="1400" dirty="0" smtClean="0"/>
-              <a:t>おすすめの</a:t>
-            </a:r>
-            <a:r>
-              <a:rPr kumimoji="1" lang="ja-JP" altLang="en-US" sz="1400" dirty="0"/>
-              <a:t>茶</a:t>
-            </a:r>
-          </a:p>
-        </p:txBody>
-      </p:sp>
-      <p:sp>
-        <p:nvSpPr>
-          <p:cNvPr id="18" name="正方形/長方形 17"/>
-          <p:cNvSpPr/>
-          <p:nvPr/>
-        </p:nvSpPr>
-        <p:spPr>
-          <a:xfrm>
-            <a:off x="5342205" y="489757"/>
-            <a:ext cx="1618058" cy="546687"/>
-          </a:xfrm>
-          <a:prstGeom prst="rect">
-            <a:avLst/>
-          </a:prstGeom>
-          <a:solidFill>
-            <a:srgbClr val="92D050"/>
-          </a:solidFill>
-        </p:spPr>
-        <p:style>
-          <a:lnRef idx="2">
-            <a:schemeClr val="accent1">
-              <a:shade val="50000"/>
-            </a:schemeClr>
-          </a:lnRef>
-          <a:fillRef idx="1">
-            <a:schemeClr val="accent1"/>
-          </a:fillRef>
-          <a:effectRef idx="0">
-            <a:schemeClr val="accent1"/>
-          </a:effectRef>
-          <a:fontRef idx="minor">
-            <a:schemeClr val="lt1"/>
-          </a:fontRef>
-        </p:style>
-        <p:txBody>
-          <a:bodyPr rtlCol="0" anchor="ctr"/>
-          <a:lstStyle/>
-          <a:p>
-            <a:pPr algn="ctr"/>
-            <a:r>
-              <a:rPr kumimoji="1" lang="en-US" altLang="ja-JP" sz="1400" dirty="0" smtClean="0"/>
-              <a:t>YOU&amp;ME</a:t>
-            </a:r>
-            <a:r>
-              <a:rPr kumimoji="1" lang="ja-JP" altLang="en-US" sz="1200" dirty="0" smtClean="0"/>
-              <a:t>について</a:t>
-            </a:r>
-            <a:endParaRPr kumimoji="1" lang="ja-JP" altLang="en-US" sz="1200" dirty="0"/>
-          </a:p>
-        </p:txBody>
-      </p:sp>
-      <p:sp>
-        <p:nvSpPr>
-          <p:cNvPr id="21" name="正方形/長方形 20"/>
-          <p:cNvSpPr/>
-          <p:nvPr/>
-        </p:nvSpPr>
-        <p:spPr>
-          <a:xfrm>
-            <a:off x="6960263" y="489757"/>
-            <a:ext cx="1496068" cy="546687"/>
-          </a:xfrm>
-          <a:prstGeom prst="rect">
-            <a:avLst/>
-          </a:prstGeom>
-          <a:solidFill>
-            <a:srgbClr val="92D050"/>
-          </a:solidFill>
-        </p:spPr>
-        <p:style>
-          <a:lnRef idx="2">
-            <a:schemeClr val="accent1">
-              <a:shade val="50000"/>
-            </a:schemeClr>
-          </a:lnRef>
-          <a:fillRef idx="1">
-            <a:schemeClr val="accent1"/>
-          </a:fillRef>
-          <a:effectRef idx="0">
-            <a:schemeClr val="accent1"/>
-          </a:effectRef>
-          <a:fontRef idx="minor">
-            <a:schemeClr val="lt1"/>
-          </a:fontRef>
-        </p:style>
-        <p:txBody>
-          <a:bodyPr rtlCol="0" anchor="ctr"/>
-          <a:lstStyle/>
-          <a:p>
-            <a:pPr algn="ctr"/>
-            <a:r>
-              <a:rPr kumimoji="1" lang="ja-JP" altLang="en-US" sz="1400" dirty="0" smtClean="0"/>
-              <a:t>人気ランキング</a:t>
-            </a:r>
-            <a:endParaRPr kumimoji="1" lang="ja-JP" altLang="en-US" sz="1400" dirty="0"/>
-          </a:p>
-        </p:txBody>
-      </p:sp>
-      <p:sp>
-        <p:nvSpPr>
-          <p:cNvPr id="22" name="正方形/長方形 21"/>
-          <p:cNvSpPr/>
-          <p:nvPr/>
-        </p:nvSpPr>
-        <p:spPr>
-          <a:xfrm>
-            <a:off x="10110563" y="496794"/>
-            <a:ext cx="1618058" cy="532609"/>
-          </a:xfrm>
-          <a:prstGeom prst="rect">
-            <a:avLst/>
-          </a:prstGeom>
-          <a:solidFill>
-            <a:srgbClr val="92D050"/>
-          </a:solidFill>
-        </p:spPr>
-        <p:style>
-          <a:lnRef idx="2">
-            <a:schemeClr val="accent1">
-              <a:shade val="50000"/>
-            </a:schemeClr>
-          </a:lnRef>
-          <a:fillRef idx="1">
-            <a:schemeClr val="accent1"/>
-          </a:fillRef>
-          <a:effectRef idx="0">
-            <a:schemeClr val="accent1"/>
-          </a:effectRef>
-          <a:fontRef idx="minor">
-            <a:schemeClr val="lt1"/>
-          </a:fontRef>
-        </p:style>
-        <p:txBody>
-          <a:bodyPr rtlCol="0" anchor="ctr"/>
-          <a:lstStyle/>
-          <a:p>
-            <a:pPr algn="ctr"/>
-            <a:r>
-              <a:rPr kumimoji="1" lang="ja-JP" altLang="en-US" sz="1600" dirty="0" smtClean="0"/>
-              <a:t>アクセスマップ</a:t>
-            </a:r>
-            <a:endParaRPr kumimoji="1" lang="ja-JP" altLang="en-US" sz="1600" dirty="0"/>
-          </a:p>
-        </p:txBody>
-      </p:sp>
-    </p:spTree>
-    <p:extLst>
-      <p:ext uri="{BB962C8B-B14F-4D97-AF65-F5344CB8AC3E}">
-        <p14:creationId xmlns:p14="http://schemas.microsoft.com/office/powerpoint/2010/main" val="3501873081"/>
-      </p:ext>
-    </p:extLst>
-  </p:cSld>
-  <p:clrMapOvr>
-    <a:masterClrMapping/>
-  </p:clrMapOvr>
-  <mc:AlternateContent xmlns:mc="http://schemas.openxmlformats.org/markup-compatibility/2006" xmlns:p15="http://schemas.microsoft.com/office/powerpoint/2012/main">
-    <mc:Choice Requires="p15">
-      <p:transition xmlns:p14="http://schemas.microsoft.com/office/powerpoint/2010/main" spd="slow" p14:dur="1500" advTm="3000">
-        <p15:prstTrans prst="fallOver"/>
-      </p:transition>
-    </mc:Choice>
-    <mc:Fallback xmlns="">
-      <p:transition spd="slow" advTm="3000">
-        <p:fade/>
-      </p:transition>
-    </mc:Fallback>
-  </mc:AlternateContent>
-  <p:timing>
-    <p:tnLst>
-      <p:par>
-        <p:cTn id="1" dur="indefinite" restart="never" nodeType="tmRoot"/>
-      </p:par>
-    </p:tnLst>
-  </p:timing>
-</p:sld>
-</file>
-
-<file path=ppt/slides/slide5.xml><?xml version="1.0" encoding="utf-8"?>
-<p:sld xmlns:a="http://schemas.openxmlformats.org/drawingml/2006/main" xmlns:r="http://schemas.openxmlformats.org/officeDocument/2006/relationships" xmlns:p="http://schemas.openxmlformats.org/presentationml/2006/main">
-  <p:cSld>
-    <p:spTree>
-      <p:nvGrpSpPr>
-        <p:cNvPr id="1" name=""/>
-        <p:cNvGrpSpPr/>
-        <p:nvPr/>
-      </p:nvGrpSpPr>
-      <p:grpSpPr>
-        <a:xfrm>
-          <a:off x="0" y="0"/>
-          <a:ext cx="0" cy="0"/>
-          <a:chOff x="0" y="0"/>
-          <a:chExt cx="0" cy="0"/>
-        </a:xfrm>
-      </p:grpSpPr>
-      <p:sp>
-        <p:nvSpPr>
-          <p:cNvPr id="2" name="テキスト ボックス 1"/>
-          <p:cNvSpPr txBox="1"/>
-          <p:nvPr/>
-        </p:nvSpPr>
-        <p:spPr>
-          <a:xfrm>
-            <a:off x="-2176550" y="1069295"/>
-            <a:ext cx="7356763" cy="461665"/>
-          </a:xfrm>
-          <a:prstGeom prst="rect">
-            <a:avLst/>
-          </a:prstGeom>
-          <a:noFill/>
-        </p:spPr>
-        <p:txBody>
-          <a:bodyPr wrap="square" rtlCol="0">
-            <a:spAutoFit/>
-          </a:bodyPr>
-          <a:lstStyle/>
-          <a:p>
-            <a:pPr algn="ctr"/>
-            <a:r>
-              <a:rPr kumimoji="1" lang="ja-JP" altLang="en-US" sz="2400" dirty="0">
-                <a:solidFill>
-                  <a:srgbClr val="FF33CC"/>
-                </a:solidFill>
-              </a:rPr>
-              <a:t>商品メニュ</a:t>
-            </a:r>
-            <a:r>
-              <a:rPr kumimoji="1" lang="en-US" altLang="ja-JP" sz="2400" dirty="0">
-                <a:solidFill>
-                  <a:srgbClr val="FF33CC"/>
-                </a:solidFill>
-              </a:rPr>
-              <a:t>―</a:t>
-            </a:r>
-            <a:endParaRPr kumimoji="1" lang="ja-JP" altLang="en-US" sz="2400" dirty="0" smtClean="0">
-              <a:solidFill>
-                <a:srgbClr val="FF33CC"/>
-              </a:solidFill>
-            </a:endParaRPr>
-          </a:p>
-        </p:txBody>
-      </p:sp>
-      <p:sp>
-        <p:nvSpPr>
-          <p:cNvPr id="8" name="正方形/長方形 7"/>
-          <p:cNvSpPr/>
-          <p:nvPr/>
-        </p:nvSpPr>
-        <p:spPr>
-          <a:xfrm>
-            <a:off x="3576610" y="370975"/>
-            <a:ext cx="1618058" cy="518529"/>
-          </a:xfrm>
-          <a:prstGeom prst="rect">
-            <a:avLst/>
-          </a:prstGeom>
-          <a:solidFill>
-            <a:srgbClr val="92D050"/>
-          </a:solidFill>
-        </p:spPr>
-        <p:style>
-          <a:lnRef idx="2">
-            <a:schemeClr val="accent3">
-              <a:shade val="50000"/>
-            </a:schemeClr>
-          </a:lnRef>
-          <a:fillRef idx="1">
-            <a:schemeClr val="accent3"/>
-          </a:fillRef>
-          <a:effectRef idx="0">
-            <a:schemeClr val="accent3"/>
-          </a:effectRef>
-          <a:fontRef idx="minor">
-            <a:schemeClr val="lt1"/>
-          </a:fontRef>
-        </p:style>
-        <p:txBody>
-          <a:bodyPr rtlCol="0" anchor="ctr"/>
-          <a:lstStyle/>
-          <a:p>
-            <a:pPr algn="ctr"/>
-            <a:r>
-              <a:rPr kumimoji="1" lang="ja-JP" altLang="en-US" sz="1400" dirty="0" smtClean="0"/>
-              <a:t>商品メニュー</a:t>
-            </a:r>
-            <a:endParaRPr kumimoji="1" lang="ja-JP" altLang="en-US" sz="1400" dirty="0"/>
-          </a:p>
-        </p:txBody>
-      </p:sp>
-      <p:sp>
-        <p:nvSpPr>
-          <p:cNvPr id="9" name="正方形/長方形 8"/>
-          <p:cNvSpPr/>
-          <p:nvPr/>
-        </p:nvSpPr>
-        <p:spPr>
-          <a:xfrm>
-            <a:off x="8344968" y="356897"/>
-            <a:ext cx="1618058" cy="546687"/>
-          </a:xfrm>
-          <a:prstGeom prst="rect">
-            <a:avLst/>
-          </a:prstGeom>
-          <a:solidFill>
-            <a:srgbClr val="92D050"/>
-          </a:solidFill>
-        </p:spPr>
-        <p:style>
-          <a:lnRef idx="2">
-            <a:schemeClr val="accent1">
-              <a:shade val="50000"/>
-            </a:schemeClr>
-          </a:lnRef>
-          <a:fillRef idx="1">
-            <a:schemeClr val="accent1"/>
-          </a:fillRef>
-          <a:effectRef idx="0">
-            <a:schemeClr val="accent1"/>
-          </a:effectRef>
-          <a:fontRef idx="minor">
-            <a:schemeClr val="lt1"/>
-          </a:fontRef>
-        </p:style>
-        <p:txBody>
-          <a:bodyPr rtlCol="0" anchor="ctr"/>
-          <a:lstStyle/>
-          <a:p>
-            <a:pPr algn="ctr"/>
-            <a:r>
-              <a:rPr kumimoji="1" lang="ja-JP" altLang="en-US" sz="1400" dirty="0" smtClean="0"/>
-              <a:t>おすすめの</a:t>
-            </a:r>
-            <a:r>
-              <a:rPr kumimoji="1" lang="ja-JP" altLang="en-US" sz="1400" dirty="0"/>
-              <a:t>茶</a:t>
-            </a:r>
-          </a:p>
-        </p:txBody>
-      </p:sp>
-      <p:sp>
-        <p:nvSpPr>
-          <p:cNvPr id="10" name="正方形/長方形 9"/>
-          <p:cNvSpPr/>
-          <p:nvPr/>
-        </p:nvSpPr>
-        <p:spPr>
-          <a:xfrm>
-            <a:off x="5212755" y="356897"/>
-            <a:ext cx="1618058" cy="546687"/>
-          </a:xfrm>
-          <a:prstGeom prst="rect">
-            <a:avLst/>
-          </a:prstGeom>
-          <a:solidFill>
-            <a:srgbClr val="92D050"/>
-          </a:solidFill>
-        </p:spPr>
-        <p:style>
-          <a:lnRef idx="2">
-            <a:schemeClr val="accent1">
-              <a:shade val="50000"/>
-            </a:schemeClr>
-          </a:lnRef>
-          <a:fillRef idx="1">
-            <a:schemeClr val="accent1"/>
-          </a:fillRef>
-          <a:effectRef idx="0">
-            <a:schemeClr val="accent1"/>
-          </a:effectRef>
-          <a:fontRef idx="minor">
-            <a:schemeClr val="lt1"/>
-          </a:fontRef>
-        </p:style>
-        <p:txBody>
-          <a:bodyPr rtlCol="0" anchor="ctr"/>
-          <a:lstStyle/>
-          <a:p>
-            <a:pPr algn="ctr"/>
-            <a:r>
-              <a:rPr kumimoji="1" lang="en-US" altLang="ja-JP" sz="1400" dirty="0" smtClean="0"/>
-              <a:t>YOU&amp;ME</a:t>
-            </a:r>
-            <a:r>
-              <a:rPr kumimoji="1" lang="ja-JP" altLang="en-US" sz="1200" dirty="0" smtClean="0"/>
-              <a:t>について</a:t>
-            </a:r>
-            <a:endParaRPr kumimoji="1" lang="ja-JP" altLang="en-US" sz="1200" dirty="0"/>
-          </a:p>
-        </p:txBody>
-      </p:sp>
-      <p:sp>
-        <p:nvSpPr>
-          <p:cNvPr id="11" name="正方形/長方形 10"/>
-          <p:cNvSpPr/>
-          <p:nvPr/>
-        </p:nvSpPr>
-        <p:spPr>
-          <a:xfrm>
-            <a:off x="6830813" y="356897"/>
-            <a:ext cx="1496068" cy="546687"/>
-          </a:xfrm>
-          <a:prstGeom prst="rect">
-            <a:avLst/>
-          </a:prstGeom>
-          <a:solidFill>
-            <a:srgbClr val="92D050"/>
-          </a:solidFill>
-        </p:spPr>
-        <p:style>
-          <a:lnRef idx="2">
-            <a:schemeClr val="accent1">
-              <a:shade val="50000"/>
-            </a:schemeClr>
-          </a:lnRef>
-          <a:fillRef idx="1">
-            <a:schemeClr val="accent1"/>
-          </a:fillRef>
-          <a:effectRef idx="0">
-            <a:schemeClr val="accent1"/>
-          </a:effectRef>
-          <a:fontRef idx="minor">
-            <a:schemeClr val="lt1"/>
-          </a:fontRef>
-        </p:style>
-        <p:txBody>
-          <a:bodyPr rtlCol="0" anchor="ctr"/>
-          <a:lstStyle/>
-          <a:p>
-            <a:pPr algn="ctr"/>
-            <a:r>
-              <a:rPr kumimoji="1" lang="ja-JP" altLang="en-US" sz="1400" dirty="0" smtClean="0"/>
-              <a:t>人気ランキング</a:t>
-            </a:r>
-            <a:endParaRPr kumimoji="1" lang="ja-JP" altLang="en-US" sz="1400" dirty="0"/>
-          </a:p>
-        </p:txBody>
-      </p:sp>
-      <p:sp>
-        <p:nvSpPr>
-          <p:cNvPr id="13" name="テキスト ボックス 12"/>
-          <p:cNvSpPr txBox="1"/>
-          <p:nvPr/>
-        </p:nvSpPr>
-        <p:spPr>
-          <a:xfrm>
-            <a:off x="196491" y="92953"/>
-            <a:ext cx="3491345" cy="307777"/>
-          </a:xfrm>
-          <a:prstGeom prst="rect">
-            <a:avLst/>
-          </a:prstGeom>
-          <a:noFill/>
-        </p:spPr>
-        <p:txBody>
-          <a:bodyPr wrap="square" rtlCol="0">
-            <a:spAutoFit/>
-          </a:bodyPr>
-          <a:lstStyle/>
-          <a:p>
-            <a:r>
-              <a:rPr kumimoji="1" lang="ja-JP" altLang="en-US" sz="1400" dirty="0" smtClean="0">
-                <a:solidFill>
-                  <a:srgbClr val="FFFF00"/>
-                </a:solidFill>
-              </a:rPr>
-              <a:t>丘の上の茶店</a:t>
-            </a:r>
-            <a:endParaRPr kumimoji="1" lang="ja-JP" altLang="en-US" sz="1400" dirty="0">
-              <a:solidFill>
-                <a:srgbClr val="FFFF00"/>
-              </a:solidFill>
-            </a:endParaRPr>
-          </a:p>
-        </p:txBody>
-      </p:sp>
-      <p:sp>
-        <p:nvSpPr>
-          <p:cNvPr id="14" name="正方形/長方形 13"/>
-          <p:cNvSpPr/>
-          <p:nvPr/>
-        </p:nvSpPr>
-        <p:spPr>
-          <a:xfrm>
-            <a:off x="0" y="356897"/>
-            <a:ext cx="2658100" cy="584775"/>
-          </a:xfrm>
-          <a:prstGeom prst="rect">
-            <a:avLst/>
-          </a:prstGeom>
-        </p:spPr>
-        <p:txBody>
-          <a:bodyPr wrap="none">
-            <a:spAutoFit/>
-          </a:bodyPr>
-          <a:lstStyle/>
-          <a:p>
-            <a:pPr algn="ctr"/>
-            <a:r>
-              <a:rPr kumimoji="1" lang="en-US" altLang="ja-JP" sz="3200" dirty="0">
-                <a:solidFill>
-                  <a:srgbClr val="ED7613"/>
-                </a:solidFill>
-                <a:latin typeface="Algerian" panose="04020705040A02060702" pitchFamily="82" charset="0"/>
-              </a:rPr>
-              <a:t>Y O U  &amp;  M  E</a:t>
-            </a:r>
-            <a:endParaRPr kumimoji="1" lang="ja-JP" altLang="en-US" sz="3200" dirty="0">
-              <a:solidFill>
-                <a:srgbClr val="ED7613"/>
-              </a:solidFill>
-              <a:latin typeface="Algerian" panose="04020705040A02060702" pitchFamily="82" charset="0"/>
-            </a:endParaRPr>
-          </a:p>
-        </p:txBody>
-      </p:sp>
-      <p:sp>
-        <p:nvSpPr>
-          <p:cNvPr id="19" name="正方形/長方形 18"/>
-          <p:cNvSpPr/>
-          <p:nvPr/>
-        </p:nvSpPr>
-        <p:spPr>
-          <a:xfrm>
-            <a:off x="9981113" y="370975"/>
-            <a:ext cx="1618058" cy="532609"/>
-          </a:xfrm>
-          <a:prstGeom prst="rect">
-            <a:avLst/>
-          </a:prstGeom>
-          <a:solidFill>
-            <a:srgbClr val="92D050"/>
-          </a:solidFill>
-        </p:spPr>
-        <p:style>
-          <a:lnRef idx="2">
-            <a:schemeClr val="accent1">
-              <a:shade val="50000"/>
-            </a:schemeClr>
-          </a:lnRef>
-          <a:fillRef idx="1">
-            <a:schemeClr val="accent1"/>
-          </a:fillRef>
-          <a:effectRef idx="0">
-            <a:schemeClr val="accent1"/>
-          </a:effectRef>
-          <a:fontRef idx="minor">
-            <a:schemeClr val="lt1"/>
-          </a:fontRef>
-        </p:style>
-        <p:txBody>
-          <a:bodyPr rtlCol="0" anchor="ctr"/>
-          <a:lstStyle/>
-          <a:p>
-            <a:pPr algn="ctr"/>
-            <a:r>
-              <a:rPr kumimoji="1" lang="ja-JP" altLang="en-US" sz="1600" dirty="0" smtClean="0"/>
-              <a:t>アクセスマップ</a:t>
-            </a:r>
-            <a:endParaRPr kumimoji="1" lang="ja-JP" altLang="en-US" sz="1600" dirty="0"/>
           </a:p>
         </p:txBody>
       </p:sp>
@@ -10788,6 +9926,255 @@
           </a:graphicData>
         </a:graphic>
       </p:graphicFrame>
+      <p:sp>
+        <p:nvSpPr>
+          <p:cNvPr id="15" name="正方形/長方形 14"/>
+          <p:cNvSpPr/>
+          <p:nvPr/>
+        </p:nvSpPr>
+        <p:spPr>
+          <a:xfrm>
+            <a:off x="7185934" y="404508"/>
+            <a:ext cx="1618058" cy="518529"/>
+          </a:xfrm>
+          <a:prstGeom prst="rect">
+            <a:avLst/>
+          </a:prstGeom>
+          <a:solidFill>
+            <a:srgbClr val="92D050"/>
+          </a:solidFill>
+        </p:spPr>
+        <p:style>
+          <a:lnRef idx="2">
+            <a:schemeClr val="accent3">
+              <a:shade val="50000"/>
+            </a:schemeClr>
+          </a:lnRef>
+          <a:fillRef idx="1">
+            <a:schemeClr val="accent3"/>
+          </a:fillRef>
+          <a:effectRef idx="0">
+            <a:schemeClr val="accent3"/>
+          </a:effectRef>
+          <a:fontRef idx="minor">
+            <a:schemeClr val="lt1"/>
+          </a:fontRef>
+        </p:style>
+        <p:txBody>
+          <a:bodyPr rtlCol="0" anchor="ctr"/>
+          <a:lstStyle/>
+          <a:p>
+            <a:pPr algn="ctr"/>
+            <a:r>
+              <a:rPr kumimoji="1" lang="ja-JP" altLang="en-US" sz="1400" dirty="0"/>
+              <a:t>商品</a:t>
+            </a:r>
+            <a:r>
+              <a:rPr kumimoji="1" lang="ja-JP" altLang="en-US" sz="1400" dirty="0" smtClean="0"/>
+              <a:t>メニュ</a:t>
+            </a:r>
+            <a:r>
+              <a:rPr kumimoji="1" lang="ja-JP" altLang="en-US" sz="1400" dirty="0"/>
+              <a:t>ー</a:t>
+            </a:r>
+          </a:p>
+        </p:txBody>
+      </p:sp>
+      <p:sp>
+        <p:nvSpPr>
+          <p:cNvPr id="16" name="正方形/長方形 15"/>
+          <p:cNvSpPr/>
+          <p:nvPr/>
+        </p:nvSpPr>
+        <p:spPr>
+          <a:xfrm>
+            <a:off x="3964414" y="403458"/>
+            <a:ext cx="1618058" cy="536051"/>
+          </a:xfrm>
+          <a:prstGeom prst="rect">
+            <a:avLst/>
+          </a:prstGeom>
+          <a:solidFill>
+            <a:srgbClr val="92D050"/>
+          </a:solidFill>
+        </p:spPr>
+        <p:style>
+          <a:lnRef idx="2">
+            <a:schemeClr val="accent1">
+              <a:shade val="50000"/>
+            </a:schemeClr>
+          </a:lnRef>
+          <a:fillRef idx="1">
+            <a:schemeClr val="accent1"/>
+          </a:fillRef>
+          <a:effectRef idx="0">
+            <a:schemeClr val="accent1"/>
+          </a:effectRef>
+          <a:fontRef idx="minor">
+            <a:schemeClr val="lt1"/>
+          </a:fontRef>
+        </p:style>
+        <p:txBody>
+          <a:bodyPr rtlCol="0" anchor="ctr"/>
+          <a:lstStyle/>
+          <a:p>
+            <a:pPr algn="ctr"/>
+            <a:r>
+              <a:rPr kumimoji="1" lang="en-US" altLang="ja-JP" sz="1400" dirty="0" smtClean="0"/>
+              <a:t>YOU&amp;ME</a:t>
+            </a:r>
+            <a:r>
+              <a:rPr kumimoji="1" lang="ja-JP" altLang="en-US" sz="1200" dirty="0" smtClean="0"/>
+              <a:t>について</a:t>
+            </a:r>
+            <a:endParaRPr kumimoji="1" lang="ja-JP" altLang="en-US" sz="1200" dirty="0"/>
+          </a:p>
+        </p:txBody>
+      </p:sp>
+      <p:sp>
+        <p:nvSpPr>
+          <p:cNvPr id="17" name="正方形/長方形 16"/>
+          <p:cNvSpPr/>
+          <p:nvPr/>
+        </p:nvSpPr>
+        <p:spPr>
+          <a:xfrm>
+            <a:off x="5582472" y="394728"/>
+            <a:ext cx="1618058" cy="546687"/>
+          </a:xfrm>
+          <a:prstGeom prst="rect">
+            <a:avLst/>
+          </a:prstGeom>
+          <a:solidFill>
+            <a:srgbClr val="92D050"/>
+          </a:solidFill>
+        </p:spPr>
+        <p:style>
+          <a:lnRef idx="2">
+            <a:schemeClr val="accent1">
+              <a:shade val="50000"/>
+            </a:schemeClr>
+          </a:lnRef>
+          <a:fillRef idx="1">
+            <a:schemeClr val="accent1"/>
+          </a:fillRef>
+          <a:effectRef idx="0">
+            <a:schemeClr val="accent1"/>
+          </a:effectRef>
+          <a:fontRef idx="minor">
+            <a:schemeClr val="lt1"/>
+          </a:fontRef>
+        </p:style>
+        <p:txBody>
+          <a:bodyPr rtlCol="0" anchor="ctr"/>
+          <a:lstStyle/>
+          <a:p>
+            <a:pPr algn="ctr"/>
+            <a:r>
+              <a:rPr kumimoji="1" lang="ja-JP" altLang="en-US" sz="1400" dirty="0" smtClean="0"/>
+              <a:t>おすすめの</a:t>
+            </a:r>
+            <a:r>
+              <a:rPr kumimoji="1" lang="ja-JP" altLang="en-US" sz="1400" dirty="0"/>
+              <a:t>茶</a:t>
+            </a:r>
+          </a:p>
+        </p:txBody>
+      </p:sp>
+      <p:sp>
+        <p:nvSpPr>
+          <p:cNvPr id="18" name="正方形/長方形 17"/>
+          <p:cNvSpPr/>
+          <p:nvPr/>
+        </p:nvSpPr>
+        <p:spPr>
+          <a:xfrm>
+            <a:off x="8818588" y="394321"/>
+            <a:ext cx="1496068" cy="546687"/>
+          </a:xfrm>
+          <a:prstGeom prst="rect">
+            <a:avLst/>
+          </a:prstGeom>
+          <a:solidFill>
+            <a:srgbClr val="92D050"/>
+          </a:solidFill>
+        </p:spPr>
+        <p:style>
+          <a:lnRef idx="2">
+            <a:schemeClr val="accent1">
+              <a:shade val="50000"/>
+            </a:schemeClr>
+          </a:lnRef>
+          <a:fillRef idx="1">
+            <a:schemeClr val="accent1"/>
+          </a:fillRef>
+          <a:effectRef idx="0">
+            <a:schemeClr val="accent1"/>
+          </a:effectRef>
+          <a:fontRef idx="minor">
+            <a:schemeClr val="lt1"/>
+          </a:fontRef>
+        </p:style>
+        <p:txBody>
+          <a:bodyPr rtlCol="0" anchor="ctr"/>
+          <a:lstStyle/>
+          <a:p>
+            <a:pPr algn="ctr"/>
+            <a:r>
+              <a:rPr kumimoji="1" lang="ja-JP" altLang="en-US" sz="1400" dirty="0" smtClean="0"/>
+              <a:t>人気ランキング</a:t>
+            </a:r>
+            <a:endParaRPr kumimoji="1" lang="ja-JP" altLang="en-US" sz="1400" dirty="0"/>
+          </a:p>
+        </p:txBody>
+      </p:sp>
+      <p:sp>
+        <p:nvSpPr>
+          <p:cNvPr id="20" name="正方形/長方形 19"/>
+          <p:cNvSpPr/>
+          <p:nvPr/>
+        </p:nvSpPr>
+        <p:spPr>
+          <a:xfrm>
+            <a:off x="10314656" y="395369"/>
+            <a:ext cx="1618058" cy="532609"/>
+          </a:xfrm>
+          <a:prstGeom prst="rect">
+            <a:avLst/>
+          </a:prstGeom>
+          <a:solidFill>
+            <a:srgbClr val="92D050"/>
+          </a:solidFill>
+        </p:spPr>
+        <p:style>
+          <a:lnRef idx="2">
+            <a:schemeClr val="accent1">
+              <a:shade val="50000"/>
+            </a:schemeClr>
+          </a:lnRef>
+          <a:fillRef idx="1">
+            <a:schemeClr val="accent1"/>
+          </a:fillRef>
+          <a:effectRef idx="0">
+            <a:schemeClr val="accent1"/>
+          </a:effectRef>
+          <a:fontRef idx="minor">
+            <a:schemeClr val="lt1"/>
+          </a:fontRef>
+        </p:style>
+        <p:txBody>
+          <a:bodyPr rtlCol="0" anchor="ctr"/>
+          <a:lstStyle/>
+          <a:p>
+            <a:pPr algn="ctr"/>
+            <a:r>
+              <a:rPr kumimoji="1" lang="ja-JP" altLang="en-US" sz="1600" dirty="0" smtClean="0"/>
+              <a:t>アクセスマップ</a:t>
+            </a:r>
+            <a:endParaRPr kumimoji="1" lang="ja-JP" altLang="en-US" sz="1600" dirty="0"/>
+          </a:p>
+        </p:txBody>
+      </p:sp>
     </p:spTree>
     <p:extLst>
       <p:ext uri="{BB962C8B-B14F-4D97-AF65-F5344CB8AC3E}">
@@ -10820,6 +10207,754 @@
 </p:sld>
 </file>
 
+<file path=ppt/slides/slide5.xml><?xml version="1.0" encoding="utf-8"?>
+<p:sld xmlns:a="http://schemas.openxmlformats.org/drawingml/2006/main" xmlns:r="http://schemas.openxmlformats.org/officeDocument/2006/relationships" xmlns:p="http://schemas.openxmlformats.org/presentationml/2006/main">
+  <p:cSld>
+    <p:spTree>
+      <p:nvGrpSpPr>
+        <p:cNvPr id="1" name=""/>
+        <p:cNvGrpSpPr/>
+        <p:nvPr/>
+      </p:nvGrpSpPr>
+      <p:grpSpPr>
+        <a:xfrm>
+          <a:off x="0" y="0"/>
+          <a:ext cx="0" cy="0"/>
+          <a:chOff x="0" y="0"/>
+          <a:chExt cx="0" cy="0"/>
+        </a:xfrm>
+      </p:grpSpPr>
+      <p:sp>
+        <p:nvSpPr>
+          <p:cNvPr id="2" name="タイトル 1"/>
+          <p:cNvSpPr>
+            <a:spLocks noGrp="1"/>
+          </p:cNvSpPr>
+          <p:nvPr>
+            <p:ph type="title"/>
+          </p:nvPr>
+        </p:nvSpPr>
+        <p:spPr>
+          <a:xfrm>
+            <a:off x="-803925" y="1256709"/>
+            <a:ext cx="4297680" cy="657497"/>
+          </a:xfrm>
+          <a:noFill/>
+          <a:ln>
+            <a:noFill/>
+          </a:ln>
+        </p:spPr>
+        <p:style>
+          <a:lnRef idx="2">
+            <a:schemeClr val="accent5">
+              <a:shade val="50000"/>
+            </a:schemeClr>
+          </a:lnRef>
+          <a:fillRef idx="1">
+            <a:schemeClr val="accent5"/>
+          </a:fillRef>
+          <a:effectRef idx="0">
+            <a:schemeClr val="accent5"/>
+          </a:effectRef>
+          <a:fontRef idx="minor">
+            <a:schemeClr val="lt1"/>
+          </a:fontRef>
+        </p:style>
+        <p:txBody>
+          <a:bodyPr>
+            <a:normAutofit/>
+          </a:bodyPr>
+          <a:lstStyle/>
+          <a:p>
+            <a:pPr algn="ctr"/>
+            <a:r>
+              <a:rPr kumimoji="1" lang="ja-JP" altLang="en-US" sz="2000" b="1" dirty="0" smtClean="0">
+                <a:solidFill>
+                  <a:schemeClr val="tx1"/>
+                </a:solidFill>
+                <a:latin typeface="Arial Black" panose="020B0A04020102020204" pitchFamily="34" charset="0"/>
+                <a:ea typeface="+mj-ea"/>
+              </a:rPr>
+              <a:t>人気ランキング</a:t>
+            </a:r>
+            <a:endParaRPr kumimoji="1" lang="ja-JP" altLang="en-US" sz="2000" b="1" dirty="0">
+              <a:solidFill>
+                <a:schemeClr val="tx1"/>
+              </a:solidFill>
+              <a:latin typeface="Arial Black" panose="020B0A04020102020204" pitchFamily="34" charset="0"/>
+              <a:ea typeface="+mj-ea"/>
+            </a:endParaRPr>
+          </a:p>
+        </p:txBody>
+      </p:sp>
+      <p:pic>
+        <p:nvPicPr>
+          <p:cNvPr id="3" name="図 2"/>
+          <p:cNvPicPr>
+            <a:picLocks noChangeAspect="1"/>
+          </p:cNvPicPr>
+          <p:nvPr/>
+        </p:nvPicPr>
+        <p:blipFill>
+          <a:blip r:embed="rId2" cstate="print">
+            <a:extLst>
+              <a:ext uri="{28A0092B-C50C-407E-A947-70E740481C1C}">
+                <a14:useLocalDpi xmlns:a14="http://schemas.microsoft.com/office/drawing/2010/main" val="0"/>
+              </a:ext>
+            </a:extLst>
+          </a:blip>
+          <a:stretch>
+            <a:fillRect/>
+          </a:stretch>
+        </p:blipFill>
+        <p:spPr>
+          <a:xfrm>
+            <a:off x="9491615" y="1946366"/>
+            <a:ext cx="2076027" cy="2887392"/>
+          </a:xfrm>
+          <a:prstGeom prst="rect">
+            <a:avLst/>
+          </a:prstGeom>
+        </p:spPr>
+      </p:pic>
+      <p:pic>
+        <p:nvPicPr>
+          <p:cNvPr id="7" name="図 6"/>
+          <p:cNvPicPr>
+            <a:picLocks noChangeAspect="1"/>
+          </p:cNvPicPr>
+          <p:nvPr/>
+        </p:nvPicPr>
+        <p:blipFill>
+          <a:blip r:embed="rId3">
+            <a:extLst>
+              <a:ext uri="{28A0092B-C50C-407E-A947-70E740481C1C}">
+                <a14:useLocalDpi xmlns:a14="http://schemas.microsoft.com/office/drawing/2010/main" val="0"/>
+              </a:ext>
+            </a:extLst>
+          </a:blip>
+          <a:stretch>
+            <a:fillRect/>
+          </a:stretch>
+        </p:blipFill>
+        <p:spPr>
+          <a:xfrm>
+            <a:off x="746758" y="1946866"/>
+            <a:ext cx="2076028" cy="2886892"/>
+          </a:xfrm>
+          <a:prstGeom prst="rect">
+            <a:avLst/>
+          </a:prstGeom>
+        </p:spPr>
+      </p:pic>
+      <p:pic>
+        <p:nvPicPr>
+          <p:cNvPr id="8" name="図 7"/>
+          <p:cNvPicPr>
+            <a:picLocks noChangeAspect="1"/>
+          </p:cNvPicPr>
+          <p:nvPr/>
+        </p:nvPicPr>
+        <p:blipFill>
+          <a:blip r:embed="rId4">
+            <a:extLst>
+              <a:ext uri="{28A0092B-C50C-407E-A947-70E740481C1C}">
+                <a14:useLocalDpi xmlns:a14="http://schemas.microsoft.com/office/drawing/2010/main" val="0"/>
+              </a:ext>
+            </a:extLst>
+          </a:blip>
+          <a:stretch>
+            <a:fillRect/>
+          </a:stretch>
+        </p:blipFill>
+        <p:spPr>
+          <a:xfrm>
+            <a:off x="3661710" y="1946366"/>
+            <a:ext cx="2076028" cy="2887392"/>
+          </a:xfrm>
+          <a:prstGeom prst="rect">
+            <a:avLst/>
+          </a:prstGeom>
+        </p:spPr>
+      </p:pic>
+      <p:pic>
+        <p:nvPicPr>
+          <p:cNvPr id="9" name="図 8"/>
+          <p:cNvPicPr>
+            <a:picLocks noChangeAspect="1"/>
+          </p:cNvPicPr>
+          <p:nvPr/>
+        </p:nvPicPr>
+        <p:blipFill>
+          <a:blip r:embed="rId5" cstate="print">
+            <a:extLst>
+              <a:ext uri="{28A0092B-C50C-407E-A947-70E740481C1C}">
+                <a14:useLocalDpi xmlns:a14="http://schemas.microsoft.com/office/drawing/2010/main" val="0"/>
+              </a:ext>
+            </a:extLst>
+          </a:blip>
+          <a:stretch>
+            <a:fillRect/>
+          </a:stretch>
+        </p:blipFill>
+        <p:spPr>
+          <a:xfrm>
+            <a:off x="6725194" y="1946866"/>
+            <a:ext cx="2076029" cy="2886892"/>
+          </a:xfrm>
+          <a:prstGeom prst="rect">
+            <a:avLst/>
+          </a:prstGeom>
+        </p:spPr>
+      </p:pic>
+      <p:sp>
+        <p:nvSpPr>
+          <p:cNvPr id="14" name="テキスト ボックス 13"/>
+          <p:cNvSpPr txBox="1"/>
+          <p:nvPr/>
+        </p:nvSpPr>
+        <p:spPr>
+          <a:xfrm>
+            <a:off x="702730" y="5347173"/>
+            <a:ext cx="2076028" cy="923330"/>
+          </a:xfrm>
+          <a:prstGeom prst="rect">
+            <a:avLst/>
+          </a:prstGeom>
+          <a:noFill/>
+        </p:spPr>
+        <p:txBody>
+          <a:bodyPr wrap="square" rtlCol="0">
+            <a:spAutoFit/>
+          </a:bodyPr>
+          <a:lstStyle/>
+          <a:p>
+            <a:r>
+              <a:rPr kumimoji="1" lang="ja-JP" altLang="en-US" dirty="0" smtClean="0"/>
+              <a:t>菊の花お茶　バッグ　</a:t>
+            </a:r>
+            <a:r>
+              <a:rPr kumimoji="1" lang="en-US" altLang="ja-JP" dirty="0" smtClean="0"/>
+              <a:t>350g</a:t>
+            </a:r>
+          </a:p>
+          <a:p>
+            <a:r>
+              <a:rPr kumimoji="1" lang="en-US" altLang="ja-JP" dirty="0" smtClean="0"/>
+              <a:t>2050</a:t>
+            </a:r>
+            <a:r>
+              <a:rPr kumimoji="1" lang="ja-JP" altLang="en-US" dirty="0" smtClean="0"/>
+              <a:t>円</a:t>
+            </a:r>
+            <a:endParaRPr kumimoji="1" lang="ja-JP" altLang="en-US" dirty="0"/>
+          </a:p>
+        </p:txBody>
+      </p:sp>
+      <p:sp>
+        <p:nvSpPr>
+          <p:cNvPr id="17" name="テキスト ボックス 16"/>
+          <p:cNvSpPr txBox="1"/>
+          <p:nvPr/>
+        </p:nvSpPr>
+        <p:spPr>
+          <a:xfrm>
+            <a:off x="3661710" y="5342384"/>
+            <a:ext cx="2076028" cy="923330"/>
+          </a:xfrm>
+          <a:prstGeom prst="rect">
+            <a:avLst/>
+          </a:prstGeom>
+          <a:noFill/>
+        </p:spPr>
+        <p:txBody>
+          <a:bodyPr wrap="square" rtlCol="0">
+            <a:spAutoFit/>
+          </a:bodyPr>
+          <a:lstStyle/>
+          <a:p>
+            <a:r>
+              <a:rPr kumimoji="1" lang="ja-JP" altLang="en-US" dirty="0" smtClean="0"/>
+              <a:t>アティチョお茶　バッグ　</a:t>
+            </a:r>
+            <a:r>
+              <a:rPr kumimoji="1" lang="en-US" altLang="ja-JP" dirty="0" smtClean="0"/>
+              <a:t>200px2g</a:t>
+            </a:r>
+          </a:p>
+          <a:p>
+            <a:r>
+              <a:rPr kumimoji="1" lang="en-US" altLang="ja-JP" dirty="0" smtClean="0"/>
+              <a:t>2500</a:t>
+            </a:r>
+            <a:r>
+              <a:rPr kumimoji="1" lang="ja-JP" altLang="en-US" dirty="0" smtClean="0"/>
+              <a:t>円</a:t>
+            </a:r>
+            <a:endParaRPr kumimoji="1" lang="ja-JP" altLang="en-US" dirty="0"/>
+          </a:p>
+        </p:txBody>
+      </p:sp>
+      <p:sp>
+        <p:nvSpPr>
+          <p:cNvPr id="19" name="テキスト ボックス 18"/>
+          <p:cNvSpPr txBox="1"/>
+          <p:nvPr/>
+        </p:nvSpPr>
+        <p:spPr>
+          <a:xfrm>
+            <a:off x="6644472" y="5347251"/>
+            <a:ext cx="2076029" cy="1200329"/>
+          </a:xfrm>
+          <a:prstGeom prst="rect">
+            <a:avLst/>
+          </a:prstGeom>
+          <a:noFill/>
+        </p:spPr>
+        <p:txBody>
+          <a:bodyPr wrap="square" rtlCol="0">
+            <a:spAutoFit/>
+          </a:bodyPr>
+          <a:lstStyle/>
+          <a:p>
+            <a:r>
+              <a:rPr kumimoji="1" lang="ja-JP" altLang="en-US" dirty="0" smtClean="0"/>
+              <a:t>ジャスミンお茶　バッグ　</a:t>
+            </a:r>
+            <a:r>
+              <a:rPr kumimoji="1" lang="en-US" altLang="ja-JP" dirty="0" smtClean="0"/>
+              <a:t>25</a:t>
+            </a:r>
+            <a:r>
+              <a:rPr kumimoji="1" lang="ja-JP" altLang="en-US" dirty="0" smtClean="0"/>
+              <a:t>ｐｘ</a:t>
+            </a:r>
+            <a:r>
+              <a:rPr kumimoji="1" lang="en-US" altLang="ja-JP" dirty="0"/>
+              <a:t>3</a:t>
+            </a:r>
+            <a:r>
+              <a:rPr kumimoji="1" lang="ja-JP" altLang="en-US" dirty="0" err="1" smtClean="0"/>
+              <a:t>ｇ</a:t>
+            </a:r>
+            <a:endParaRPr kumimoji="1" lang="en-US" altLang="ja-JP" dirty="0" smtClean="0"/>
+          </a:p>
+          <a:p>
+            <a:r>
+              <a:rPr kumimoji="1" lang="en-US" altLang="ja-JP" dirty="0" smtClean="0"/>
+              <a:t>1580</a:t>
+            </a:r>
+            <a:r>
+              <a:rPr kumimoji="1" lang="ja-JP" altLang="en-US" dirty="0" smtClean="0"/>
+              <a:t>円</a:t>
+            </a:r>
+            <a:endParaRPr kumimoji="1" lang="ja-JP" altLang="en-US" dirty="0"/>
+          </a:p>
+        </p:txBody>
+      </p:sp>
+      <p:sp>
+        <p:nvSpPr>
+          <p:cNvPr id="20" name="テキスト ボックス 19"/>
+          <p:cNvSpPr txBox="1"/>
+          <p:nvPr/>
+        </p:nvSpPr>
+        <p:spPr>
+          <a:xfrm>
+            <a:off x="9491615" y="5342384"/>
+            <a:ext cx="2076027" cy="923330"/>
+          </a:xfrm>
+          <a:prstGeom prst="rect">
+            <a:avLst/>
+          </a:prstGeom>
+          <a:noFill/>
+        </p:spPr>
+        <p:txBody>
+          <a:bodyPr wrap="square" rtlCol="0">
+            <a:spAutoFit/>
+          </a:bodyPr>
+          <a:lstStyle/>
+          <a:p>
+            <a:r>
+              <a:rPr kumimoji="1" lang="ja-JP" altLang="en-US" dirty="0" smtClean="0"/>
+              <a:t>蓮の花お茶　バッグ　</a:t>
+            </a:r>
+            <a:r>
+              <a:rPr kumimoji="1" lang="en-US" altLang="ja-JP" dirty="0" smtClean="0"/>
+              <a:t>500g</a:t>
+            </a:r>
+          </a:p>
+          <a:p>
+            <a:r>
+              <a:rPr kumimoji="1" lang="en-US" altLang="ja-JP" dirty="0" smtClean="0"/>
+              <a:t>3085</a:t>
+            </a:r>
+            <a:r>
+              <a:rPr kumimoji="1" lang="ja-JP" altLang="en-US" dirty="0" smtClean="0"/>
+              <a:t>円　</a:t>
+            </a:r>
+            <a:endParaRPr kumimoji="1" lang="ja-JP" altLang="en-US" dirty="0"/>
+          </a:p>
+        </p:txBody>
+      </p:sp>
+      <p:sp>
+        <p:nvSpPr>
+          <p:cNvPr id="12" name="テキスト ボックス 11"/>
+          <p:cNvSpPr txBox="1"/>
+          <p:nvPr/>
+        </p:nvSpPr>
+        <p:spPr>
+          <a:xfrm>
+            <a:off x="222617" y="325600"/>
+            <a:ext cx="3491345" cy="307777"/>
+          </a:xfrm>
+          <a:prstGeom prst="rect">
+            <a:avLst/>
+          </a:prstGeom>
+          <a:noFill/>
+        </p:spPr>
+        <p:txBody>
+          <a:bodyPr wrap="square" rtlCol="0">
+            <a:spAutoFit/>
+          </a:bodyPr>
+          <a:lstStyle/>
+          <a:p>
+            <a:r>
+              <a:rPr kumimoji="1" lang="ja-JP" altLang="en-US" sz="1400" dirty="0" smtClean="0">
+                <a:solidFill>
+                  <a:srgbClr val="FFFF00"/>
+                </a:solidFill>
+              </a:rPr>
+              <a:t>丘の上の茶店</a:t>
+            </a:r>
+            <a:endParaRPr kumimoji="1" lang="ja-JP" altLang="en-US" sz="1400" dirty="0">
+              <a:solidFill>
+                <a:srgbClr val="FFFF00"/>
+              </a:solidFill>
+            </a:endParaRPr>
+          </a:p>
+        </p:txBody>
+      </p:sp>
+      <p:sp>
+        <p:nvSpPr>
+          <p:cNvPr id="13" name="正方形/長方形 12"/>
+          <p:cNvSpPr/>
+          <p:nvPr/>
+        </p:nvSpPr>
+        <p:spPr>
+          <a:xfrm>
+            <a:off x="221407" y="639274"/>
+            <a:ext cx="2658100" cy="584775"/>
+          </a:xfrm>
+          <a:prstGeom prst="rect">
+            <a:avLst/>
+          </a:prstGeom>
+        </p:spPr>
+        <p:txBody>
+          <a:bodyPr wrap="none">
+            <a:spAutoFit/>
+          </a:bodyPr>
+          <a:lstStyle/>
+          <a:p>
+            <a:pPr algn="ctr"/>
+            <a:r>
+              <a:rPr kumimoji="1" lang="en-US" altLang="ja-JP" sz="3200" dirty="0">
+                <a:solidFill>
+                  <a:srgbClr val="ED7613"/>
+                </a:solidFill>
+                <a:latin typeface="Algerian" panose="04020705040A02060702" pitchFamily="82" charset="0"/>
+              </a:rPr>
+              <a:t>Y O U  &amp;  M  E</a:t>
+            </a:r>
+            <a:endParaRPr kumimoji="1" lang="ja-JP" altLang="en-US" sz="3200" dirty="0">
+              <a:solidFill>
+                <a:srgbClr val="ED7613"/>
+              </a:solidFill>
+              <a:latin typeface="Algerian" panose="04020705040A02060702" pitchFamily="82" charset="0"/>
+            </a:endParaRPr>
+          </a:p>
+        </p:txBody>
+      </p:sp>
+      <p:sp>
+        <p:nvSpPr>
+          <p:cNvPr id="25" name="正方形/長方形 24"/>
+          <p:cNvSpPr/>
+          <p:nvPr/>
+        </p:nvSpPr>
+        <p:spPr>
+          <a:xfrm>
+            <a:off x="7185934" y="404508"/>
+            <a:ext cx="1618058" cy="518529"/>
+          </a:xfrm>
+          <a:prstGeom prst="rect">
+            <a:avLst/>
+          </a:prstGeom>
+          <a:solidFill>
+            <a:srgbClr val="92D050"/>
+          </a:solidFill>
+        </p:spPr>
+        <p:style>
+          <a:lnRef idx="2">
+            <a:schemeClr val="accent3">
+              <a:shade val="50000"/>
+            </a:schemeClr>
+          </a:lnRef>
+          <a:fillRef idx="1">
+            <a:schemeClr val="accent3"/>
+          </a:fillRef>
+          <a:effectRef idx="0">
+            <a:schemeClr val="accent3"/>
+          </a:effectRef>
+          <a:fontRef idx="minor">
+            <a:schemeClr val="lt1"/>
+          </a:fontRef>
+        </p:style>
+        <p:txBody>
+          <a:bodyPr rtlCol="0" anchor="ctr"/>
+          <a:lstStyle/>
+          <a:p>
+            <a:pPr algn="ctr"/>
+            <a:r>
+              <a:rPr kumimoji="1" lang="ja-JP" altLang="en-US" sz="1400" dirty="0"/>
+              <a:t>商品</a:t>
+            </a:r>
+            <a:r>
+              <a:rPr kumimoji="1" lang="ja-JP" altLang="en-US" sz="1400" dirty="0" smtClean="0"/>
+              <a:t>メニュ</a:t>
+            </a:r>
+            <a:r>
+              <a:rPr kumimoji="1" lang="ja-JP" altLang="en-US" sz="1400" dirty="0"/>
+              <a:t>ー</a:t>
+            </a:r>
+          </a:p>
+        </p:txBody>
+      </p:sp>
+      <p:sp>
+        <p:nvSpPr>
+          <p:cNvPr id="26" name="正方形/長方形 25"/>
+          <p:cNvSpPr/>
+          <p:nvPr/>
+        </p:nvSpPr>
+        <p:spPr>
+          <a:xfrm>
+            <a:off x="3964414" y="403458"/>
+            <a:ext cx="1618058" cy="536051"/>
+          </a:xfrm>
+          <a:prstGeom prst="rect">
+            <a:avLst/>
+          </a:prstGeom>
+          <a:solidFill>
+            <a:srgbClr val="92D050"/>
+          </a:solidFill>
+        </p:spPr>
+        <p:style>
+          <a:lnRef idx="2">
+            <a:schemeClr val="accent1">
+              <a:shade val="50000"/>
+            </a:schemeClr>
+          </a:lnRef>
+          <a:fillRef idx="1">
+            <a:schemeClr val="accent1"/>
+          </a:fillRef>
+          <a:effectRef idx="0">
+            <a:schemeClr val="accent1"/>
+          </a:effectRef>
+          <a:fontRef idx="minor">
+            <a:schemeClr val="lt1"/>
+          </a:fontRef>
+        </p:style>
+        <p:txBody>
+          <a:bodyPr rtlCol="0" anchor="ctr"/>
+          <a:lstStyle/>
+          <a:p>
+            <a:pPr algn="ctr"/>
+            <a:r>
+              <a:rPr kumimoji="1" lang="en-US" altLang="ja-JP" sz="1400" dirty="0" smtClean="0"/>
+              <a:t>YOU&amp;ME</a:t>
+            </a:r>
+            <a:r>
+              <a:rPr kumimoji="1" lang="ja-JP" altLang="en-US" sz="1200" dirty="0" smtClean="0"/>
+              <a:t>について</a:t>
+            </a:r>
+            <a:endParaRPr kumimoji="1" lang="ja-JP" altLang="en-US" sz="1200" dirty="0"/>
+          </a:p>
+        </p:txBody>
+      </p:sp>
+      <p:sp>
+        <p:nvSpPr>
+          <p:cNvPr id="27" name="正方形/長方形 26"/>
+          <p:cNvSpPr/>
+          <p:nvPr/>
+        </p:nvSpPr>
+        <p:spPr>
+          <a:xfrm>
+            <a:off x="5582472" y="394728"/>
+            <a:ext cx="1618058" cy="546687"/>
+          </a:xfrm>
+          <a:prstGeom prst="rect">
+            <a:avLst/>
+          </a:prstGeom>
+          <a:solidFill>
+            <a:srgbClr val="92D050"/>
+          </a:solidFill>
+        </p:spPr>
+        <p:style>
+          <a:lnRef idx="2">
+            <a:schemeClr val="accent1">
+              <a:shade val="50000"/>
+            </a:schemeClr>
+          </a:lnRef>
+          <a:fillRef idx="1">
+            <a:schemeClr val="accent1"/>
+          </a:fillRef>
+          <a:effectRef idx="0">
+            <a:schemeClr val="accent1"/>
+          </a:effectRef>
+          <a:fontRef idx="minor">
+            <a:schemeClr val="lt1"/>
+          </a:fontRef>
+        </p:style>
+        <p:txBody>
+          <a:bodyPr rtlCol="0" anchor="ctr"/>
+          <a:lstStyle/>
+          <a:p>
+            <a:pPr algn="ctr"/>
+            <a:r>
+              <a:rPr kumimoji="1" lang="ja-JP" altLang="en-US" sz="1400" dirty="0" smtClean="0"/>
+              <a:t>おすすめの</a:t>
+            </a:r>
+            <a:r>
+              <a:rPr kumimoji="1" lang="ja-JP" altLang="en-US" sz="1400" dirty="0"/>
+              <a:t>茶</a:t>
+            </a:r>
+          </a:p>
+        </p:txBody>
+      </p:sp>
+      <p:sp>
+        <p:nvSpPr>
+          <p:cNvPr id="28" name="正方形/長方形 27"/>
+          <p:cNvSpPr/>
+          <p:nvPr/>
+        </p:nvSpPr>
+        <p:spPr>
+          <a:xfrm>
+            <a:off x="8818588" y="394321"/>
+            <a:ext cx="1496068" cy="546687"/>
+          </a:xfrm>
+          <a:prstGeom prst="rect">
+            <a:avLst/>
+          </a:prstGeom>
+          <a:solidFill>
+            <a:srgbClr val="92D050"/>
+          </a:solidFill>
+        </p:spPr>
+        <p:style>
+          <a:lnRef idx="2">
+            <a:schemeClr val="accent1">
+              <a:shade val="50000"/>
+            </a:schemeClr>
+          </a:lnRef>
+          <a:fillRef idx="1">
+            <a:schemeClr val="accent1"/>
+          </a:fillRef>
+          <a:effectRef idx="0">
+            <a:schemeClr val="accent1"/>
+          </a:effectRef>
+          <a:fontRef idx="minor">
+            <a:schemeClr val="lt1"/>
+          </a:fontRef>
+        </p:style>
+        <p:txBody>
+          <a:bodyPr rtlCol="0" anchor="ctr"/>
+          <a:lstStyle/>
+          <a:p>
+            <a:pPr algn="ctr"/>
+            <a:r>
+              <a:rPr kumimoji="1" lang="ja-JP" altLang="en-US" sz="1400" dirty="0" smtClean="0"/>
+              <a:t>人気ランキング</a:t>
+            </a:r>
+            <a:endParaRPr kumimoji="1" lang="ja-JP" altLang="en-US" sz="1400" dirty="0"/>
+          </a:p>
+        </p:txBody>
+      </p:sp>
+      <p:sp>
+        <p:nvSpPr>
+          <p:cNvPr id="29" name="正方形/長方形 28"/>
+          <p:cNvSpPr/>
+          <p:nvPr/>
+        </p:nvSpPr>
+        <p:spPr>
+          <a:xfrm>
+            <a:off x="10314656" y="395369"/>
+            <a:ext cx="1618058" cy="532609"/>
+          </a:xfrm>
+          <a:prstGeom prst="rect">
+            <a:avLst/>
+          </a:prstGeom>
+          <a:solidFill>
+            <a:srgbClr val="92D050"/>
+          </a:solidFill>
+        </p:spPr>
+        <p:style>
+          <a:lnRef idx="2">
+            <a:schemeClr val="accent1">
+              <a:shade val="50000"/>
+            </a:schemeClr>
+          </a:lnRef>
+          <a:fillRef idx="1">
+            <a:schemeClr val="accent1"/>
+          </a:fillRef>
+          <a:effectRef idx="0">
+            <a:schemeClr val="accent1"/>
+          </a:effectRef>
+          <a:fontRef idx="minor">
+            <a:schemeClr val="lt1"/>
+          </a:fontRef>
+        </p:style>
+        <p:txBody>
+          <a:bodyPr rtlCol="0" anchor="ctr"/>
+          <a:lstStyle/>
+          <a:p>
+            <a:pPr algn="ctr"/>
+            <a:r>
+              <a:rPr kumimoji="1" lang="ja-JP" altLang="en-US" sz="1600" dirty="0" smtClean="0"/>
+              <a:t>アクセスマップ</a:t>
+            </a:r>
+            <a:endParaRPr kumimoji="1" lang="ja-JP" altLang="en-US" sz="1600" dirty="0"/>
+          </a:p>
+        </p:txBody>
+      </p:sp>
+    </p:spTree>
+    <p:extLst>
+      <p:ext uri="{BB962C8B-B14F-4D97-AF65-F5344CB8AC3E}">
+        <p14:creationId xmlns:p14="http://schemas.microsoft.com/office/powerpoint/2010/main" val="3501873081"/>
+      </p:ext>
+    </p:extLst>
+  </p:cSld>
+  <p:clrMapOvr>
+    <a:masterClrMapping/>
+  </p:clrMapOvr>
+  <mc:AlternateContent xmlns:mc="http://schemas.openxmlformats.org/markup-compatibility/2006" xmlns:p15="http://schemas.microsoft.com/office/powerpoint/2012/main">
+    <mc:Choice Requires="p15">
+      <p:transition xmlns:p14="http://schemas.microsoft.com/office/powerpoint/2010/main" spd="slow" p14:dur="1500" advTm="3000">
+        <p15:prstTrans prst="fallOver"/>
+      </p:transition>
+    </mc:Choice>
+    <mc:Fallback xmlns="">
+      <p:transition spd="slow" advTm="3000">
+        <p:fade/>
+      </p:transition>
+    </mc:Fallback>
+  </mc:AlternateContent>
+  <p:timing>
+    <p:tnLst>
+      <p:par>
+        <p:cTn id="1" dur="indefinite" restart="never" nodeType="tmRoot"/>
+      </p:par>
+    </p:tnLst>
+  </p:timing>
+</p:sld>
+</file>
+
 <file path=ppt/slides/slide6.xml><?xml version="1.0" encoding="utf-8"?>
 <p:sld xmlns:a="http://schemas.openxmlformats.org/drawingml/2006/main" xmlns:r="http://schemas.openxmlformats.org/officeDocument/2006/relationships" xmlns:p="http://schemas.openxmlformats.org/presentationml/2006/main">
   <p:cSld>
@@ -10914,201 +11049,6 @@
       </p:sp>
       <p:sp>
         <p:nvSpPr>
-          <p:cNvPr id="7" name="正方形/長方形 6"/>
-          <p:cNvSpPr/>
-          <p:nvPr/>
-        </p:nvSpPr>
-        <p:spPr>
-          <a:xfrm>
-            <a:off x="3447085" y="610836"/>
-            <a:ext cx="1618058" cy="518529"/>
-          </a:xfrm>
-          <a:prstGeom prst="rect">
-            <a:avLst/>
-          </a:prstGeom>
-          <a:solidFill>
-            <a:srgbClr val="92D050"/>
-          </a:solidFill>
-        </p:spPr>
-        <p:style>
-          <a:lnRef idx="2">
-            <a:schemeClr val="accent3">
-              <a:shade val="50000"/>
-            </a:schemeClr>
-          </a:lnRef>
-          <a:fillRef idx="1">
-            <a:schemeClr val="accent3"/>
-          </a:fillRef>
-          <a:effectRef idx="0">
-            <a:schemeClr val="accent3"/>
-          </a:effectRef>
-          <a:fontRef idx="minor">
-            <a:schemeClr val="lt1"/>
-          </a:fontRef>
-        </p:style>
-        <p:txBody>
-          <a:bodyPr rtlCol="0" anchor="ctr"/>
-          <a:lstStyle/>
-          <a:p>
-            <a:pPr algn="ctr"/>
-            <a:r>
-              <a:rPr kumimoji="1" lang="ja-JP" altLang="en-US" sz="1400" dirty="0"/>
-              <a:t>商品メニュ</a:t>
-            </a:r>
-            <a:endParaRPr kumimoji="1" lang="ja-JP" altLang="en-US" sz="1400" dirty="0"/>
-          </a:p>
-        </p:txBody>
-      </p:sp>
-      <p:sp>
-        <p:nvSpPr>
-          <p:cNvPr id="8" name="正方形/長方形 7"/>
-          <p:cNvSpPr/>
-          <p:nvPr/>
-        </p:nvSpPr>
-        <p:spPr>
-          <a:xfrm>
-            <a:off x="8206399" y="596758"/>
-            <a:ext cx="1618058" cy="546687"/>
-          </a:xfrm>
-          <a:prstGeom prst="rect">
-            <a:avLst/>
-          </a:prstGeom>
-          <a:solidFill>
-            <a:srgbClr val="92D050"/>
-          </a:solidFill>
-        </p:spPr>
-        <p:style>
-          <a:lnRef idx="2">
-            <a:schemeClr val="accent1">
-              <a:shade val="50000"/>
-            </a:schemeClr>
-          </a:lnRef>
-          <a:fillRef idx="1">
-            <a:schemeClr val="accent1"/>
-          </a:fillRef>
-          <a:effectRef idx="0">
-            <a:schemeClr val="accent1"/>
-          </a:effectRef>
-          <a:fontRef idx="minor">
-            <a:schemeClr val="lt1"/>
-          </a:fontRef>
-        </p:style>
-        <p:txBody>
-          <a:bodyPr rtlCol="0" anchor="ctr"/>
-          <a:lstStyle/>
-          <a:p>
-            <a:pPr algn="ctr"/>
-            <a:r>
-              <a:rPr kumimoji="1" lang="ja-JP" altLang="en-US" sz="1400" dirty="0" smtClean="0"/>
-              <a:t>おすすめの</a:t>
-            </a:r>
-            <a:r>
-              <a:rPr kumimoji="1" lang="ja-JP" altLang="en-US" sz="1400" dirty="0"/>
-              <a:t>茶</a:t>
-            </a:r>
-          </a:p>
-        </p:txBody>
-      </p:sp>
-      <p:sp>
-        <p:nvSpPr>
-          <p:cNvPr id="9" name="正方形/長方形 8"/>
-          <p:cNvSpPr/>
-          <p:nvPr/>
-        </p:nvSpPr>
-        <p:spPr>
-          <a:xfrm>
-            <a:off x="5074186" y="596758"/>
-            <a:ext cx="1618058" cy="546687"/>
-          </a:xfrm>
-          <a:prstGeom prst="rect">
-            <a:avLst/>
-          </a:prstGeom>
-          <a:solidFill>
-            <a:srgbClr val="92D050"/>
-          </a:solidFill>
-        </p:spPr>
-        <p:style>
-          <a:lnRef idx="2">
-            <a:schemeClr val="accent1">
-              <a:shade val="50000"/>
-            </a:schemeClr>
-          </a:lnRef>
-          <a:fillRef idx="1">
-            <a:schemeClr val="accent1"/>
-          </a:fillRef>
-          <a:effectRef idx="0">
-            <a:schemeClr val="accent1"/>
-          </a:effectRef>
-          <a:fontRef idx="minor">
-            <a:schemeClr val="lt1"/>
-          </a:fontRef>
-        </p:style>
-        <p:txBody>
-          <a:bodyPr rtlCol="0" anchor="ctr"/>
-          <a:lstStyle/>
-          <a:p>
-            <a:pPr algn="ctr"/>
-            <a:r>
-              <a:rPr kumimoji="1" lang="en-US" altLang="ja-JP" sz="1400" dirty="0" smtClean="0"/>
-              <a:t>YOU&amp;ME</a:t>
-            </a:r>
-            <a:r>
-              <a:rPr kumimoji="1" lang="ja-JP" altLang="en-US" sz="1200" dirty="0" smtClean="0"/>
-              <a:t>について</a:t>
-            </a:r>
-            <a:endParaRPr kumimoji="1" lang="ja-JP" altLang="en-US" sz="1200" dirty="0"/>
-          </a:p>
-        </p:txBody>
-      </p:sp>
-      <p:sp>
-        <p:nvSpPr>
-          <p:cNvPr id="10" name="正方形/長方形 9"/>
-          <p:cNvSpPr/>
-          <p:nvPr/>
-        </p:nvSpPr>
-        <p:spPr>
-          <a:xfrm>
-            <a:off x="6692244" y="596758"/>
-            <a:ext cx="1496068" cy="546687"/>
-          </a:xfrm>
-          <a:prstGeom prst="rect">
-            <a:avLst/>
-          </a:prstGeom>
-          <a:solidFill>
-            <a:srgbClr val="92D050"/>
-          </a:solidFill>
-        </p:spPr>
-        <p:style>
-          <a:lnRef idx="2">
-            <a:schemeClr val="accent1">
-              <a:shade val="50000"/>
-            </a:schemeClr>
-          </a:lnRef>
-          <a:fillRef idx="1">
-            <a:schemeClr val="accent1"/>
-          </a:fillRef>
-          <a:effectRef idx="0">
-            <a:schemeClr val="accent1"/>
-          </a:effectRef>
-          <a:fontRef idx="minor">
-            <a:schemeClr val="lt1"/>
-          </a:fontRef>
-        </p:style>
-        <p:txBody>
-          <a:bodyPr rtlCol="0" anchor="ctr"/>
-          <a:lstStyle/>
-          <a:p>
-            <a:pPr algn="ctr"/>
-            <a:r>
-              <a:rPr kumimoji="1" lang="ja-JP" altLang="en-US" sz="1400" dirty="0" smtClean="0"/>
-              <a:t>人気ランキング</a:t>
-            </a:r>
-            <a:endParaRPr kumimoji="1" lang="ja-JP" altLang="en-US" sz="1400" dirty="0"/>
-          </a:p>
-        </p:txBody>
-      </p:sp>
-      <p:sp>
-        <p:nvSpPr>
           <p:cNvPr id="11" name="テキスト ボックス 10"/>
           <p:cNvSpPr txBox="1"/>
           <p:nvPr/>
@@ -11142,53 +11082,6 @@
                 <a:srgbClr val="FF0000"/>
               </a:solidFill>
             </a:endParaRPr>
-          </a:p>
-        </p:txBody>
-      </p:sp>
-      <p:sp>
-        <p:nvSpPr>
-          <p:cNvPr id="12" name="正方形/長方形 11"/>
-          <p:cNvSpPr/>
-          <p:nvPr/>
-        </p:nvSpPr>
-        <p:spPr>
-          <a:xfrm>
-            <a:off x="9842544" y="610836"/>
-            <a:ext cx="1618058" cy="532609"/>
-          </a:xfrm>
-          <a:prstGeom prst="rect">
-            <a:avLst/>
-          </a:prstGeom>
-          <a:solidFill>
-            <a:srgbClr val="92D050"/>
-          </a:solidFill>
-        </p:spPr>
-        <p:style>
-          <a:lnRef idx="2">
-            <a:schemeClr val="accent1">
-              <a:shade val="50000"/>
-            </a:schemeClr>
-          </a:lnRef>
-          <a:fillRef idx="1">
-            <a:schemeClr val="accent1"/>
-          </a:fillRef>
-          <a:effectRef idx="0">
-            <a:schemeClr val="accent1"/>
-          </a:effectRef>
-          <a:fontRef idx="minor">
-            <a:schemeClr val="lt1"/>
-          </a:fontRef>
-        </p:style>
-        <p:txBody>
-          <a:bodyPr rtlCol="0" anchor="ctr"/>
-          <a:lstStyle/>
-          <a:p>
-            <a:pPr algn="ctr"/>
-            <a:r>
-              <a:rPr kumimoji="1" lang="ja-JP" altLang="en-US" sz="1600" dirty="0" smtClean="0"/>
-              <a:t>アクセスマップ</a:t>
-            </a:r>
-            <a:endParaRPr kumimoji="1" lang="ja-JP" altLang="en-US" sz="1600" dirty="0"/>
           </a:p>
         </p:txBody>
       </p:sp>
@@ -11504,6 +11397,255 @@
                 </a:schemeClr>
               </a:solidFill>
             </a:endParaRPr>
+          </a:p>
+        </p:txBody>
+      </p:sp>
+      <p:sp>
+        <p:nvSpPr>
+          <p:cNvPr id="13" name="正方形/長方形 12"/>
+          <p:cNvSpPr/>
+          <p:nvPr/>
+        </p:nvSpPr>
+        <p:spPr>
+          <a:xfrm>
+            <a:off x="7185934" y="404508"/>
+            <a:ext cx="1618058" cy="518529"/>
+          </a:xfrm>
+          <a:prstGeom prst="rect">
+            <a:avLst/>
+          </a:prstGeom>
+          <a:solidFill>
+            <a:srgbClr val="92D050"/>
+          </a:solidFill>
+        </p:spPr>
+        <p:style>
+          <a:lnRef idx="2">
+            <a:schemeClr val="accent3">
+              <a:shade val="50000"/>
+            </a:schemeClr>
+          </a:lnRef>
+          <a:fillRef idx="1">
+            <a:schemeClr val="accent3"/>
+          </a:fillRef>
+          <a:effectRef idx="0">
+            <a:schemeClr val="accent3"/>
+          </a:effectRef>
+          <a:fontRef idx="minor">
+            <a:schemeClr val="lt1"/>
+          </a:fontRef>
+        </p:style>
+        <p:txBody>
+          <a:bodyPr rtlCol="0" anchor="ctr"/>
+          <a:lstStyle/>
+          <a:p>
+            <a:pPr algn="ctr"/>
+            <a:r>
+              <a:rPr kumimoji="1" lang="ja-JP" altLang="en-US" sz="1400" dirty="0"/>
+              <a:t>商品</a:t>
+            </a:r>
+            <a:r>
+              <a:rPr kumimoji="1" lang="ja-JP" altLang="en-US" sz="1400" dirty="0" smtClean="0"/>
+              <a:t>メニュ</a:t>
+            </a:r>
+            <a:r>
+              <a:rPr kumimoji="1" lang="ja-JP" altLang="en-US" sz="1400" dirty="0"/>
+              <a:t>ー</a:t>
+            </a:r>
+          </a:p>
+        </p:txBody>
+      </p:sp>
+      <p:sp>
+        <p:nvSpPr>
+          <p:cNvPr id="16" name="正方形/長方形 15"/>
+          <p:cNvSpPr/>
+          <p:nvPr/>
+        </p:nvSpPr>
+        <p:spPr>
+          <a:xfrm>
+            <a:off x="3964414" y="403458"/>
+            <a:ext cx="1618058" cy="536051"/>
+          </a:xfrm>
+          <a:prstGeom prst="rect">
+            <a:avLst/>
+          </a:prstGeom>
+          <a:solidFill>
+            <a:srgbClr val="92D050"/>
+          </a:solidFill>
+        </p:spPr>
+        <p:style>
+          <a:lnRef idx="2">
+            <a:schemeClr val="accent1">
+              <a:shade val="50000"/>
+            </a:schemeClr>
+          </a:lnRef>
+          <a:fillRef idx="1">
+            <a:schemeClr val="accent1"/>
+          </a:fillRef>
+          <a:effectRef idx="0">
+            <a:schemeClr val="accent1"/>
+          </a:effectRef>
+          <a:fontRef idx="minor">
+            <a:schemeClr val="lt1"/>
+          </a:fontRef>
+        </p:style>
+        <p:txBody>
+          <a:bodyPr rtlCol="0" anchor="ctr"/>
+          <a:lstStyle/>
+          <a:p>
+            <a:pPr algn="ctr"/>
+            <a:r>
+              <a:rPr kumimoji="1" lang="en-US" altLang="ja-JP" sz="1400" dirty="0" smtClean="0"/>
+              <a:t>YOU&amp;ME</a:t>
+            </a:r>
+            <a:r>
+              <a:rPr kumimoji="1" lang="ja-JP" altLang="en-US" sz="1200" dirty="0" smtClean="0"/>
+              <a:t>について</a:t>
+            </a:r>
+            <a:endParaRPr kumimoji="1" lang="ja-JP" altLang="en-US" sz="1200" dirty="0"/>
+          </a:p>
+        </p:txBody>
+      </p:sp>
+      <p:sp>
+        <p:nvSpPr>
+          <p:cNvPr id="17" name="正方形/長方形 16"/>
+          <p:cNvSpPr/>
+          <p:nvPr/>
+        </p:nvSpPr>
+        <p:spPr>
+          <a:xfrm>
+            <a:off x="5582472" y="394728"/>
+            <a:ext cx="1618058" cy="546687"/>
+          </a:xfrm>
+          <a:prstGeom prst="rect">
+            <a:avLst/>
+          </a:prstGeom>
+          <a:solidFill>
+            <a:srgbClr val="92D050"/>
+          </a:solidFill>
+        </p:spPr>
+        <p:style>
+          <a:lnRef idx="2">
+            <a:schemeClr val="accent1">
+              <a:shade val="50000"/>
+            </a:schemeClr>
+          </a:lnRef>
+          <a:fillRef idx="1">
+            <a:schemeClr val="accent1"/>
+          </a:fillRef>
+          <a:effectRef idx="0">
+            <a:schemeClr val="accent1"/>
+          </a:effectRef>
+          <a:fontRef idx="minor">
+            <a:schemeClr val="lt1"/>
+          </a:fontRef>
+        </p:style>
+        <p:txBody>
+          <a:bodyPr rtlCol="0" anchor="ctr"/>
+          <a:lstStyle/>
+          <a:p>
+            <a:pPr algn="ctr"/>
+            <a:r>
+              <a:rPr kumimoji="1" lang="ja-JP" altLang="en-US" sz="1400" dirty="0" smtClean="0"/>
+              <a:t>おすすめの</a:t>
+            </a:r>
+            <a:r>
+              <a:rPr kumimoji="1" lang="ja-JP" altLang="en-US" sz="1400" dirty="0"/>
+              <a:t>茶</a:t>
+            </a:r>
+          </a:p>
+        </p:txBody>
+      </p:sp>
+      <p:sp>
+        <p:nvSpPr>
+          <p:cNvPr id="18" name="正方形/長方形 17"/>
+          <p:cNvSpPr/>
+          <p:nvPr/>
+        </p:nvSpPr>
+        <p:spPr>
+          <a:xfrm>
+            <a:off x="8818588" y="394321"/>
+            <a:ext cx="1496068" cy="546687"/>
+          </a:xfrm>
+          <a:prstGeom prst="rect">
+            <a:avLst/>
+          </a:prstGeom>
+          <a:solidFill>
+            <a:srgbClr val="92D050"/>
+          </a:solidFill>
+        </p:spPr>
+        <p:style>
+          <a:lnRef idx="2">
+            <a:schemeClr val="accent1">
+              <a:shade val="50000"/>
+            </a:schemeClr>
+          </a:lnRef>
+          <a:fillRef idx="1">
+            <a:schemeClr val="accent1"/>
+          </a:fillRef>
+          <a:effectRef idx="0">
+            <a:schemeClr val="accent1"/>
+          </a:effectRef>
+          <a:fontRef idx="minor">
+            <a:schemeClr val="lt1"/>
+          </a:fontRef>
+        </p:style>
+        <p:txBody>
+          <a:bodyPr rtlCol="0" anchor="ctr"/>
+          <a:lstStyle/>
+          <a:p>
+            <a:pPr algn="ctr"/>
+            <a:r>
+              <a:rPr kumimoji="1" lang="ja-JP" altLang="en-US" sz="1400" dirty="0" smtClean="0"/>
+              <a:t>人気ランキング</a:t>
+            </a:r>
+            <a:endParaRPr kumimoji="1" lang="ja-JP" altLang="en-US" sz="1400" dirty="0"/>
+          </a:p>
+        </p:txBody>
+      </p:sp>
+      <p:sp>
+        <p:nvSpPr>
+          <p:cNvPr id="19" name="正方形/長方形 18"/>
+          <p:cNvSpPr/>
+          <p:nvPr/>
+        </p:nvSpPr>
+        <p:spPr>
+          <a:xfrm>
+            <a:off x="10314656" y="395369"/>
+            <a:ext cx="1618058" cy="532609"/>
+          </a:xfrm>
+          <a:prstGeom prst="rect">
+            <a:avLst/>
+          </a:prstGeom>
+          <a:solidFill>
+            <a:srgbClr val="92D050"/>
+          </a:solidFill>
+        </p:spPr>
+        <p:style>
+          <a:lnRef idx="2">
+            <a:schemeClr val="accent1">
+              <a:shade val="50000"/>
+            </a:schemeClr>
+          </a:lnRef>
+          <a:fillRef idx="1">
+            <a:schemeClr val="accent1"/>
+          </a:fillRef>
+          <a:effectRef idx="0">
+            <a:schemeClr val="accent1"/>
+          </a:effectRef>
+          <a:fontRef idx="minor">
+            <a:schemeClr val="lt1"/>
+          </a:fontRef>
+        </p:style>
+        <p:txBody>
+          <a:bodyPr rtlCol="0" anchor="ctr"/>
+          <a:lstStyle/>
+          <a:p>
+            <a:pPr algn="ctr"/>
+            <a:r>
+              <a:rPr kumimoji="1" lang="ja-JP" altLang="en-US" sz="1600" dirty="0" smtClean="0"/>
+              <a:t>アクセスマップ</a:t>
+            </a:r>
+            <a:endParaRPr kumimoji="1" lang="ja-JP" altLang="en-US" sz="1600" dirty="0"/>
           </a:p>
         </p:txBody>
       </p:sp>
